--- a/20210807_REM分析.pptx
+++ b/20210807_REM分析.pptx
@@ -5,7 +5,7 @@
     <p:sldMasterId id="2147483648" r:id="rId1"/>
   </p:sldMasterIdLst>
   <p:notesMasterIdLst>
-    <p:notesMasterId r:id="rId10"/>
+    <p:notesMasterId r:id="rId20"/>
   </p:notesMasterIdLst>
   <p:sldIdLst>
     <p:sldId id="258" r:id="rId2"/>
@@ -14,8 +14,18 @@
     <p:sldId id="330" r:id="rId5"/>
     <p:sldId id="349" r:id="rId6"/>
     <p:sldId id="350" r:id="rId7"/>
-    <p:sldId id="348" r:id="rId8"/>
-    <p:sldId id="347" r:id="rId9"/>
+    <p:sldId id="361" r:id="rId8"/>
+    <p:sldId id="348" r:id="rId9"/>
+    <p:sldId id="347" r:id="rId10"/>
+    <p:sldId id="362" r:id="rId11"/>
+    <p:sldId id="363" r:id="rId12"/>
+    <p:sldId id="366" r:id="rId13"/>
+    <p:sldId id="328" r:id="rId14"/>
+    <p:sldId id="332" r:id="rId15"/>
+    <p:sldId id="334" r:id="rId16"/>
+    <p:sldId id="335" r:id="rId17"/>
+    <p:sldId id="367" r:id="rId18"/>
+    <p:sldId id="368" r:id="rId19"/>
   </p:sldIdLst>
   <p:sldSz cx="12192000" cy="6858000"/>
   <p:notesSz cx="6858000" cy="9144000"/>
@@ -546,6 +556,90 @@
     <p:extLst>
       <p:ext uri="{BB962C8B-B14F-4D97-AF65-F5344CB8AC3E}">
         <p14:creationId xmlns:p14="http://schemas.microsoft.com/office/powerpoint/2010/main" val="3505708766"/>
+      </p:ext>
+    </p:extLst>
+  </p:cSld>
+  <p:clrMapOvr>
+    <a:masterClrMapping/>
+  </p:clrMapOvr>
+</p:notes>
+</file>
+
+<file path=ppt/notesSlides/notesSlide2.xml><?xml version="1.0" encoding="utf-8"?>
+<p:notes xmlns:a="http://schemas.openxmlformats.org/drawingml/2006/main" xmlns:r="http://schemas.openxmlformats.org/officeDocument/2006/relationships" xmlns:p="http://schemas.openxmlformats.org/presentationml/2006/main">
+  <p:cSld>
+    <p:spTree>
+      <p:nvGrpSpPr>
+        <p:cNvPr id="1" name=""/>
+        <p:cNvGrpSpPr/>
+        <p:nvPr/>
+      </p:nvGrpSpPr>
+      <p:grpSpPr>
+        <a:xfrm>
+          <a:off x="0" y="0"/>
+          <a:ext cx="0" cy="0"/>
+          <a:chOff x="0" y="0"/>
+          <a:chExt cx="0" cy="0"/>
+        </a:xfrm>
+      </p:grpSpPr>
+      <p:sp>
+        <p:nvSpPr>
+          <p:cNvPr id="2" name="投影片影像版面配置區 1"/>
+          <p:cNvSpPr>
+            <a:spLocks noGrp="1" noRot="1" noChangeAspect="1"/>
+          </p:cNvSpPr>
+          <p:nvPr>
+            <p:ph type="sldImg"/>
+          </p:nvPr>
+        </p:nvSpPr>
+        <p:spPr/>
+      </p:sp>
+      <p:sp>
+        <p:nvSpPr>
+          <p:cNvPr id="3" name="備忘稿版面配置區 2"/>
+          <p:cNvSpPr>
+            <a:spLocks noGrp="1"/>
+          </p:cNvSpPr>
+          <p:nvPr>
+            <p:ph type="body" idx="1"/>
+          </p:nvPr>
+        </p:nvSpPr>
+        <p:spPr/>
+        <p:txBody>
+          <a:bodyPr/>
+          <a:lstStyle/>
+          <a:p>
+            <a:endParaRPr lang="zh-TW" altLang="en-US" dirty="0"/>
+          </a:p>
+        </p:txBody>
+      </p:sp>
+      <p:sp>
+        <p:nvSpPr>
+          <p:cNvPr id="4" name="投影片編號版面配置區 3"/>
+          <p:cNvSpPr>
+            <a:spLocks noGrp="1"/>
+          </p:cNvSpPr>
+          <p:nvPr>
+            <p:ph type="sldNum" sz="quarter" idx="5"/>
+          </p:nvPr>
+        </p:nvSpPr>
+        <p:spPr/>
+        <p:txBody>
+          <a:bodyPr/>
+          <a:lstStyle/>
+          <a:p>
+            <a:fld id="{F7FB5DC6-CCB2-413E-8E4D-68A492D6F246}" type="slidenum">
+              <a:rPr lang="zh-TW" altLang="en-US" smtClean="0"/>
+              <a:t>15</a:t>
+            </a:fld>
+            <a:endParaRPr lang="zh-TW" altLang="en-US"/>
+          </a:p>
+        </p:txBody>
+      </p:sp>
+    </p:spTree>
+    <p:extLst>
+      <p:ext uri="{BB962C8B-B14F-4D97-AF65-F5344CB8AC3E}">
+        <p14:creationId xmlns:p14="http://schemas.microsoft.com/office/powerpoint/2010/main" val="1295667366"/>
       </p:ext>
     </p:extLst>
   </p:cSld>
@@ -4195,6 +4289,4229 @@
 </p:sld>
 </file>
 
+<file path=ppt/slides/slide10.xml><?xml version="1.0" encoding="utf-8"?>
+<p:sld xmlns:a="http://schemas.openxmlformats.org/drawingml/2006/main" xmlns:r="http://schemas.openxmlformats.org/officeDocument/2006/relationships" xmlns:p="http://schemas.openxmlformats.org/presentationml/2006/main">
+  <p:cSld>
+    <p:spTree>
+      <p:nvGrpSpPr>
+        <p:cNvPr id="1" name=""/>
+        <p:cNvGrpSpPr/>
+        <p:nvPr/>
+      </p:nvGrpSpPr>
+      <p:grpSpPr>
+        <a:xfrm>
+          <a:off x="0" y="0"/>
+          <a:ext cx="0" cy="0"/>
+          <a:chOff x="0" y="0"/>
+          <a:chExt cx="0" cy="0"/>
+        </a:xfrm>
+      </p:grpSpPr>
+      <p:sp>
+        <p:nvSpPr>
+          <p:cNvPr id="2" name="標題 1">
+            <a:extLst>
+              <a:ext uri="{FF2B5EF4-FFF2-40B4-BE49-F238E27FC236}">
+                <a16:creationId xmlns:a16="http://schemas.microsoft.com/office/drawing/2014/main" id="{A8EBDE57-D90B-4467-B5AB-DD1C00304389}"/>
+              </a:ext>
+            </a:extLst>
+          </p:cNvPr>
+          <p:cNvSpPr>
+            <a:spLocks noGrp="1"/>
+          </p:cNvSpPr>
+          <p:nvPr>
+            <p:ph type="title"/>
+          </p:nvPr>
+        </p:nvSpPr>
+        <p:spPr/>
+        <p:txBody>
+          <a:bodyPr/>
+          <a:lstStyle/>
+          <a:p>
+            <a:r>
+              <a:rPr lang="zh-TW" altLang="en-US" dirty="0"/>
+              <a:t>噪音耐受性分群</a:t>
+            </a:r>
+          </a:p>
+        </p:txBody>
+      </p:sp>
+      <p:sp>
+        <p:nvSpPr>
+          <p:cNvPr id="3" name="內容版面配置區 2">
+            <a:extLst>
+              <a:ext uri="{FF2B5EF4-FFF2-40B4-BE49-F238E27FC236}">
+                <a16:creationId xmlns:a16="http://schemas.microsoft.com/office/drawing/2014/main" id="{78FDEFF4-7909-4F7F-8A0F-6D9BC84FCD48}"/>
+              </a:ext>
+            </a:extLst>
+          </p:cNvPr>
+          <p:cNvSpPr>
+            <a:spLocks noGrp="1"/>
+          </p:cNvSpPr>
+          <p:nvPr>
+            <p:ph idx="1"/>
+          </p:nvPr>
+        </p:nvSpPr>
+        <p:spPr>
+          <a:xfrm>
+            <a:off x="720436" y="1321725"/>
+            <a:ext cx="10633364" cy="1489544"/>
+          </a:xfrm>
+        </p:spPr>
+        <p:txBody>
+          <a:bodyPr/>
+          <a:lstStyle/>
+          <a:p>
+            <a:r>
+              <a:rPr lang="zh-TW" altLang="en-US" dirty="0"/>
+              <a:t>此圖為暴露 </a:t>
+            </a:r>
+            <a:r>
+              <a:rPr lang="en-US" altLang="zh-TW" dirty="0"/>
+              <a:t>- </a:t>
+            </a:r>
+            <a:r>
+              <a:rPr lang="zh-TW" altLang="en-US" dirty="0"/>
+              <a:t>非暴露的傍晚</a:t>
+            </a:r>
+            <a:r>
+              <a:rPr lang="en-US" altLang="zh-TW" dirty="0"/>
+              <a:t>cortisol</a:t>
+            </a:r>
+            <a:r>
+              <a:rPr lang="zh-TW" altLang="en-US" dirty="0"/>
+              <a:t>變化量，正數越大者代表越易受噪音影響導致</a:t>
+            </a:r>
+            <a:r>
+              <a:rPr lang="en-US" altLang="zh-TW" dirty="0"/>
+              <a:t>cortisol</a:t>
+            </a:r>
+            <a:r>
+              <a:rPr lang="zh-TW" altLang="en-US" dirty="0"/>
+              <a:t>提高</a:t>
+            </a:r>
+            <a:endParaRPr lang="en-US" altLang="zh-TW" dirty="0"/>
+          </a:p>
+          <a:p>
+            <a:r>
+              <a:rPr lang="zh-TW" altLang="en-US" dirty="0"/>
+              <a:t>綠線為靠近</a:t>
+            </a:r>
+            <a:r>
+              <a:rPr lang="en-US" altLang="zh-TW" dirty="0"/>
+              <a:t>0</a:t>
+            </a:r>
+            <a:r>
+              <a:rPr lang="zh-TW" altLang="en-US" dirty="0"/>
+              <a:t>且約為半數的位置，由此分成兩群來觀察睡眠指標的變化</a:t>
+            </a:r>
+          </a:p>
+        </p:txBody>
+      </p:sp>
+      <p:sp>
+        <p:nvSpPr>
+          <p:cNvPr id="4" name="投影片編號版面配置區 3">
+            <a:extLst>
+              <a:ext uri="{FF2B5EF4-FFF2-40B4-BE49-F238E27FC236}">
+                <a16:creationId xmlns:a16="http://schemas.microsoft.com/office/drawing/2014/main" id="{54D7FA43-B2BA-47FC-901A-00245E1AC507}"/>
+              </a:ext>
+            </a:extLst>
+          </p:cNvPr>
+          <p:cNvSpPr>
+            <a:spLocks noGrp="1"/>
+          </p:cNvSpPr>
+          <p:nvPr>
+            <p:ph type="sldNum" sz="quarter" idx="12"/>
+          </p:nvPr>
+        </p:nvSpPr>
+        <p:spPr/>
+        <p:txBody>
+          <a:bodyPr/>
+          <a:lstStyle/>
+          <a:p>
+            <a:fld id="{F230EE04-BD3A-40AA-92AC-647453D5DADF}" type="slidenum">
+              <a:rPr lang="zh-TW" altLang="en-US" smtClean="0"/>
+              <a:t>10</a:t>
+            </a:fld>
+            <a:endParaRPr lang="zh-TW" altLang="en-US"/>
+          </a:p>
+        </p:txBody>
+      </p:sp>
+      <p:pic>
+        <p:nvPicPr>
+          <p:cNvPr id="6" name="圖片 5">
+            <a:extLst>
+              <a:ext uri="{FF2B5EF4-FFF2-40B4-BE49-F238E27FC236}">
+                <a16:creationId xmlns:a16="http://schemas.microsoft.com/office/drawing/2014/main" id="{4C8BED8D-346C-426A-9B56-8793F62403F3}"/>
+              </a:ext>
+            </a:extLst>
+          </p:cNvPr>
+          <p:cNvPicPr>
+            <a:picLocks noChangeAspect="1"/>
+          </p:cNvPicPr>
+          <p:nvPr/>
+        </p:nvPicPr>
+        <p:blipFill>
+          <a:blip r:embed="rId2"/>
+          <a:stretch>
+            <a:fillRect/>
+          </a:stretch>
+        </p:blipFill>
+        <p:spPr>
+          <a:xfrm>
+            <a:off x="199202" y="3300217"/>
+            <a:ext cx="11793596" cy="2791215"/>
+          </a:xfrm>
+          <a:prstGeom prst="rect">
+            <a:avLst/>
+          </a:prstGeom>
+        </p:spPr>
+      </p:pic>
+      <p:cxnSp>
+        <p:nvCxnSpPr>
+          <p:cNvPr id="7" name="直線接點 6">
+            <a:extLst>
+              <a:ext uri="{FF2B5EF4-FFF2-40B4-BE49-F238E27FC236}">
+                <a16:creationId xmlns:a16="http://schemas.microsoft.com/office/drawing/2014/main" id="{C24BB5FF-E9EF-484A-8775-8D49646867A3}"/>
+              </a:ext>
+            </a:extLst>
+          </p:cNvPr>
+          <p:cNvCxnSpPr>
+            <a:cxnSpLocks/>
+          </p:cNvCxnSpPr>
+          <p:nvPr/>
+        </p:nvCxnSpPr>
+        <p:spPr>
+          <a:xfrm flipV="1">
+            <a:off x="6096000" y="3498850"/>
+            <a:ext cx="0" cy="2286000"/>
+          </a:xfrm>
+          <a:prstGeom prst="line">
+            <a:avLst/>
+          </a:prstGeom>
+          <a:ln w="28575">
+            <a:solidFill>
+              <a:schemeClr val="accent6">
+                <a:lumMod val="60000"/>
+                <a:lumOff val="40000"/>
+              </a:schemeClr>
+            </a:solidFill>
+          </a:ln>
+        </p:spPr>
+        <p:style>
+          <a:lnRef idx="1">
+            <a:schemeClr val="accent3"/>
+          </a:lnRef>
+          <a:fillRef idx="0">
+            <a:schemeClr val="accent3"/>
+          </a:fillRef>
+          <a:effectRef idx="0">
+            <a:schemeClr val="accent3"/>
+          </a:effectRef>
+          <a:fontRef idx="minor">
+            <a:schemeClr val="tx1"/>
+          </a:fontRef>
+        </p:style>
+      </p:cxnSp>
+      <p:sp>
+        <p:nvSpPr>
+          <p:cNvPr id="8" name="文字方塊 7">
+            <a:extLst>
+              <a:ext uri="{FF2B5EF4-FFF2-40B4-BE49-F238E27FC236}">
+                <a16:creationId xmlns:a16="http://schemas.microsoft.com/office/drawing/2014/main" id="{4E12B151-77A4-4291-AD48-4929F072E1BA}"/>
+              </a:ext>
+            </a:extLst>
+          </p:cNvPr>
+          <p:cNvSpPr txBox="1"/>
+          <p:nvPr/>
+        </p:nvSpPr>
+        <p:spPr>
+          <a:xfrm>
+            <a:off x="4914905" y="3889191"/>
+            <a:ext cx="1181095" cy="276999"/>
+          </a:xfrm>
+          <a:prstGeom prst="rect">
+            <a:avLst/>
+          </a:prstGeom>
+          <a:noFill/>
+        </p:spPr>
+        <p:txBody>
+          <a:bodyPr wrap="square" rtlCol="0">
+            <a:spAutoFit/>
+          </a:bodyPr>
+          <a:lstStyle/>
+          <a:p>
+            <a:r>
+              <a:rPr lang="zh-TW" altLang="en-US" sz="1200" dirty="0"/>
+              <a:t>以半數為區分</a:t>
+            </a:r>
+          </a:p>
+        </p:txBody>
+      </p:sp>
+    </p:spTree>
+    <p:extLst>
+      <p:ext uri="{BB962C8B-B14F-4D97-AF65-F5344CB8AC3E}">
+        <p14:creationId xmlns:p14="http://schemas.microsoft.com/office/powerpoint/2010/main" val="331072487"/>
+      </p:ext>
+    </p:extLst>
+  </p:cSld>
+  <p:clrMapOvr>
+    <a:masterClrMapping/>
+  </p:clrMapOvr>
+</p:sld>
+</file>
+
+<file path=ppt/slides/slide11.xml><?xml version="1.0" encoding="utf-8"?>
+<p:sld xmlns:a="http://schemas.openxmlformats.org/drawingml/2006/main" xmlns:r="http://schemas.openxmlformats.org/officeDocument/2006/relationships" xmlns:p="http://schemas.openxmlformats.org/presentationml/2006/main">
+  <p:cSld>
+    <p:spTree>
+      <p:nvGrpSpPr>
+        <p:cNvPr id="1" name=""/>
+        <p:cNvGrpSpPr/>
+        <p:nvPr/>
+      </p:nvGrpSpPr>
+      <p:grpSpPr>
+        <a:xfrm>
+          <a:off x="0" y="0"/>
+          <a:ext cx="0" cy="0"/>
+          <a:chOff x="0" y="0"/>
+          <a:chExt cx="0" cy="0"/>
+        </a:xfrm>
+      </p:grpSpPr>
+      <p:sp>
+        <p:nvSpPr>
+          <p:cNvPr id="2" name="標題 1">
+            <a:extLst>
+              <a:ext uri="{FF2B5EF4-FFF2-40B4-BE49-F238E27FC236}">
+                <a16:creationId xmlns:a16="http://schemas.microsoft.com/office/drawing/2014/main" id="{7A809337-0E78-49C5-8CAC-EFAD705848DE}"/>
+              </a:ext>
+            </a:extLst>
+          </p:cNvPr>
+          <p:cNvSpPr>
+            <a:spLocks noGrp="1"/>
+          </p:cNvSpPr>
+          <p:nvPr>
+            <p:ph type="title"/>
+          </p:nvPr>
+        </p:nvSpPr>
+        <p:spPr/>
+        <p:txBody>
+          <a:bodyPr>
+            <a:normAutofit fontScale="90000"/>
+          </a:bodyPr>
+          <a:lstStyle/>
+          <a:p>
+            <a:r>
+              <a:rPr lang="zh-TW" altLang="en-US" dirty="0"/>
+              <a:t>傍晚</a:t>
+            </a:r>
+            <a:r>
+              <a:rPr lang="en-US" altLang="zh-TW" dirty="0"/>
+              <a:t>Cortisol</a:t>
+            </a:r>
+            <a:r>
+              <a:rPr lang="zh-TW" altLang="en-US" dirty="0"/>
+              <a:t>變化量分群 </a:t>
+            </a:r>
+            <a:r>
+              <a:rPr lang="en-US" altLang="zh-TW" dirty="0"/>
+              <a:t>- </a:t>
+            </a:r>
+            <a:r>
+              <a:rPr lang="zh-TW" altLang="en-US" dirty="0"/>
+              <a:t>睡眠指標統計</a:t>
+            </a:r>
+            <a:r>
+              <a:rPr lang="en-US" altLang="zh-TW" dirty="0"/>
+              <a:t>(Mean</a:t>
+            </a:r>
+            <a:r>
+              <a:rPr lang="zh-TW" altLang="en-US" dirty="0"/>
+              <a:t>、</a:t>
+            </a:r>
+            <a:r>
+              <a:rPr lang="en-US" altLang="zh-TW" dirty="0"/>
+              <a:t>SD</a:t>
+            </a:r>
+            <a:r>
+              <a:rPr lang="zh-TW" altLang="en-US" dirty="0"/>
+              <a:t>、</a:t>
+            </a:r>
+            <a:r>
+              <a:rPr lang="en-US" altLang="zh-TW" dirty="0"/>
+              <a:t>p-value)</a:t>
+            </a:r>
+            <a:endParaRPr lang="zh-TW" altLang="en-US" dirty="0"/>
+          </a:p>
+        </p:txBody>
+      </p:sp>
+      <p:sp>
+        <p:nvSpPr>
+          <p:cNvPr id="4" name="投影片編號版面配置區 3">
+            <a:extLst>
+              <a:ext uri="{FF2B5EF4-FFF2-40B4-BE49-F238E27FC236}">
+                <a16:creationId xmlns:a16="http://schemas.microsoft.com/office/drawing/2014/main" id="{B90559A0-D839-4BB4-BB23-CFE22B4BA605}"/>
+              </a:ext>
+            </a:extLst>
+          </p:cNvPr>
+          <p:cNvSpPr>
+            <a:spLocks noGrp="1"/>
+          </p:cNvSpPr>
+          <p:nvPr>
+            <p:ph type="sldNum" sz="quarter" idx="12"/>
+          </p:nvPr>
+        </p:nvSpPr>
+        <p:spPr/>
+        <p:txBody>
+          <a:bodyPr/>
+          <a:lstStyle/>
+          <a:p>
+            <a:fld id="{F230EE04-BD3A-40AA-92AC-647453D5DADF}" type="slidenum">
+              <a:rPr lang="zh-TW" altLang="en-US" smtClean="0"/>
+              <a:t>11</a:t>
+            </a:fld>
+            <a:endParaRPr lang="zh-TW" altLang="en-US"/>
+          </a:p>
+        </p:txBody>
+      </p:sp>
+      <p:pic>
+        <p:nvPicPr>
+          <p:cNvPr id="6" name="圖片 5">
+            <a:extLst>
+              <a:ext uri="{FF2B5EF4-FFF2-40B4-BE49-F238E27FC236}">
+                <a16:creationId xmlns:a16="http://schemas.microsoft.com/office/drawing/2014/main" id="{361A5E53-4D70-48DF-997A-AD434011F095}"/>
+              </a:ext>
+            </a:extLst>
+          </p:cNvPr>
+          <p:cNvPicPr>
+            <a:picLocks noChangeAspect="1"/>
+          </p:cNvPicPr>
+          <p:nvPr/>
+        </p:nvPicPr>
+        <p:blipFill rotWithShape="1">
+          <a:blip r:embed="rId2"/>
+          <a:srcRect b="6589"/>
+          <a:stretch/>
+        </p:blipFill>
+        <p:spPr>
+          <a:xfrm>
+            <a:off x="1283479" y="2187621"/>
+            <a:ext cx="9507277" cy="3835310"/>
+          </a:xfrm>
+          <a:prstGeom prst="rect">
+            <a:avLst/>
+          </a:prstGeom>
+        </p:spPr>
+      </p:pic>
+      <p:sp>
+        <p:nvSpPr>
+          <p:cNvPr id="7" name="內容版面配置區 2">
+            <a:extLst>
+              <a:ext uri="{FF2B5EF4-FFF2-40B4-BE49-F238E27FC236}">
+                <a16:creationId xmlns:a16="http://schemas.microsoft.com/office/drawing/2014/main" id="{0080370C-5E0F-4202-9EE7-C533CB047972}"/>
+              </a:ext>
+            </a:extLst>
+          </p:cNvPr>
+          <p:cNvSpPr>
+            <a:spLocks noGrp="1"/>
+          </p:cNvSpPr>
+          <p:nvPr>
+            <p:ph idx="1"/>
+          </p:nvPr>
+        </p:nvSpPr>
+        <p:spPr>
+          <a:xfrm>
+            <a:off x="720436" y="1321724"/>
+            <a:ext cx="10633364" cy="1431001"/>
+          </a:xfrm>
+        </p:spPr>
+        <p:txBody>
+          <a:bodyPr>
+            <a:normAutofit/>
+          </a:bodyPr>
+          <a:lstStyle/>
+          <a:p>
+            <a:r>
+              <a:rPr lang="en-US" altLang="zh-TW" dirty="0">
+                <a:solidFill>
+                  <a:schemeClr val="accent1"/>
+                </a:solidFill>
+              </a:rPr>
+              <a:t>19</a:t>
+            </a:r>
+            <a:r>
+              <a:rPr lang="zh-TW" altLang="en-US" dirty="0">
+                <a:solidFill>
+                  <a:schemeClr val="accent1"/>
+                </a:solidFill>
+              </a:rPr>
+              <a:t>筆低</a:t>
+            </a:r>
+            <a:r>
+              <a:rPr lang="en-US" altLang="zh-TW" dirty="0">
+                <a:solidFill>
+                  <a:schemeClr val="accent1"/>
+                </a:solidFill>
+              </a:rPr>
+              <a:t>p.m. cortisol</a:t>
+            </a:r>
+            <a:r>
+              <a:rPr lang="zh-TW" altLang="en-US" dirty="0">
+                <a:solidFill>
+                  <a:schemeClr val="accent1"/>
+                </a:solidFill>
+              </a:rPr>
+              <a:t>變化量</a:t>
+            </a:r>
+            <a:r>
+              <a:rPr lang="zh-TW" altLang="en-US" dirty="0"/>
+              <a:t>與</a:t>
+            </a:r>
+            <a:r>
+              <a:rPr lang="en-US" altLang="zh-TW" dirty="0">
+                <a:solidFill>
+                  <a:schemeClr val="accent2"/>
+                </a:solidFill>
+              </a:rPr>
+              <a:t>20</a:t>
+            </a:r>
+            <a:r>
+              <a:rPr lang="zh-TW" altLang="en-US" dirty="0">
+                <a:solidFill>
+                  <a:schemeClr val="accent2"/>
+                </a:solidFill>
+              </a:rPr>
+              <a:t>筆高</a:t>
+            </a:r>
+            <a:r>
+              <a:rPr lang="en-US" altLang="zh-TW" dirty="0">
+                <a:solidFill>
+                  <a:schemeClr val="accent2"/>
+                </a:solidFill>
+              </a:rPr>
+              <a:t>p.m. cortisol</a:t>
+            </a:r>
+            <a:r>
+              <a:rPr lang="zh-TW" altLang="en-US" dirty="0">
+                <a:solidFill>
+                  <a:schemeClr val="accent2"/>
+                </a:solidFill>
+              </a:rPr>
+              <a:t>變化量</a:t>
+            </a:r>
+            <a:r>
+              <a:rPr lang="zh-TW" altLang="en-US" dirty="0"/>
+              <a:t>做統計檢定</a:t>
+            </a:r>
+            <a:r>
+              <a:rPr lang="en-US" altLang="zh-TW" dirty="0"/>
+              <a:t>(two-tailed t-test)</a:t>
+            </a:r>
+          </a:p>
+        </p:txBody>
+      </p:sp>
+      <p:sp>
+        <p:nvSpPr>
+          <p:cNvPr id="8" name="文字方塊 7">
+            <a:extLst>
+              <a:ext uri="{FF2B5EF4-FFF2-40B4-BE49-F238E27FC236}">
+                <a16:creationId xmlns:a16="http://schemas.microsoft.com/office/drawing/2014/main" id="{28033B35-CC56-44F0-BB7D-6F55B010BD45}"/>
+              </a:ext>
+            </a:extLst>
+          </p:cNvPr>
+          <p:cNvSpPr txBox="1"/>
+          <p:nvPr/>
+        </p:nvSpPr>
+        <p:spPr>
+          <a:xfrm>
+            <a:off x="1217869" y="5935349"/>
+            <a:ext cx="1332953" cy="461665"/>
+          </a:xfrm>
+          <a:prstGeom prst="rect">
+            <a:avLst/>
+          </a:prstGeom>
+          <a:noFill/>
+        </p:spPr>
+        <p:txBody>
+          <a:bodyPr wrap="square" rtlCol="0">
+            <a:spAutoFit/>
+          </a:bodyPr>
+          <a:lstStyle/>
+          <a:p>
+            <a:pPr algn="ctr"/>
+            <a:r>
+              <a:rPr lang="en-US" altLang="zh-TW" sz="1200" dirty="0">
+                <a:solidFill>
+                  <a:schemeClr val="accent1">
+                    <a:lumMod val="75000"/>
+                  </a:schemeClr>
+                </a:solidFill>
+              </a:rPr>
+              <a:t>p-value:</a:t>
+            </a:r>
+          </a:p>
+          <a:p>
+            <a:pPr algn="ctr"/>
+            <a:r>
+              <a:rPr lang="en-US" altLang="zh-TW" sz="1200" dirty="0">
+                <a:solidFill>
+                  <a:schemeClr val="accent1">
+                    <a:lumMod val="75000"/>
+                  </a:schemeClr>
+                </a:solidFill>
+              </a:rPr>
+              <a:t>0.989</a:t>
+            </a:r>
+            <a:endParaRPr lang="zh-TW" altLang="en-US" sz="1200" dirty="0">
+              <a:solidFill>
+                <a:schemeClr val="accent1">
+                  <a:lumMod val="75000"/>
+                </a:schemeClr>
+              </a:solidFill>
+            </a:endParaRPr>
+          </a:p>
+        </p:txBody>
+      </p:sp>
+      <p:sp>
+        <p:nvSpPr>
+          <p:cNvPr id="9" name="文字方塊 8">
+            <a:extLst>
+              <a:ext uri="{FF2B5EF4-FFF2-40B4-BE49-F238E27FC236}">
+                <a16:creationId xmlns:a16="http://schemas.microsoft.com/office/drawing/2014/main" id="{04F8FE98-4E46-49F1-8652-54F421E80678}"/>
+              </a:ext>
+            </a:extLst>
+          </p:cNvPr>
+          <p:cNvSpPr txBox="1"/>
+          <p:nvPr/>
+        </p:nvSpPr>
+        <p:spPr>
+          <a:xfrm>
+            <a:off x="2658937" y="5935349"/>
+            <a:ext cx="1332953" cy="461665"/>
+          </a:xfrm>
+          <a:prstGeom prst="rect">
+            <a:avLst/>
+          </a:prstGeom>
+          <a:noFill/>
+        </p:spPr>
+        <p:txBody>
+          <a:bodyPr wrap="square" rtlCol="0">
+            <a:spAutoFit/>
+          </a:bodyPr>
+          <a:lstStyle/>
+          <a:p>
+            <a:pPr algn="ctr"/>
+            <a:r>
+              <a:rPr lang="en-US" altLang="zh-TW" sz="1200" dirty="0">
+                <a:solidFill>
+                  <a:schemeClr val="accent1">
+                    <a:lumMod val="75000"/>
+                  </a:schemeClr>
+                </a:solidFill>
+              </a:rPr>
+              <a:t>p-value:</a:t>
+            </a:r>
+          </a:p>
+          <a:p>
+            <a:pPr algn="ctr"/>
+            <a:r>
+              <a:rPr lang="en-US" altLang="zh-TW" sz="1200" dirty="0">
+                <a:solidFill>
+                  <a:schemeClr val="accent1">
+                    <a:lumMod val="75000"/>
+                  </a:schemeClr>
+                </a:solidFill>
+              </a:rPr>
+              <a:t>0.647</a:t>
+            </a:r>
+            <a:endParaRPr lang="zh-TW" altLang="en-US" sz="1200" dirty="0">
+              <a:solidFill>
+                <a:schemeClr val="accent1">
+                  <a:lumMod val="75000"/>
+                </a:schemeClr>
+              </a:solidFill>
+            </a:endParaRPr>
+          </a:p>
+        </p:txBody>
+      </p:sp>
+      <p:sp>
+        <p:nvSpPr>
+          <p:cNvPr id="10" name="文字方塊 9">
+            <a:extLst>
+              <a:ext uri="{FF2B5EF4-FFF2-40B4-BE49-F238E27FC236}">
+                <a16:creationId xmlns:a16="http://schemas.microsoft.com/office/drawing/2014/main" id="{24F01B1A-ABDE-4009-A138-19C178D22B08}"/>
+              </a:ext>
+            </a:extLst>
+          </p:cNvPr>
+          <p:cNvSpPr txBox="1"/>
+          <p:nvPr/>
+        </p:nvSpPr>
+        <p:spPr>
+          <a:xfrm>
+            <a:off x="3928754" y="5935349"/>
+            <a:ext cx="1332953" cy="461665"/>
+          </a:xfrm>
+          <a:prstGeom prst="rect">
+            <a:avLst/>
+          </a:prstGeom>
+          <a:noFill/>
+        </p:spPr>
+        <p:txBody>
+          <a:bodyPr wrap="square" rtlCol="0">
+            <a:spAutoFit/>
+          </a:bodyPr>
+          <a:lstStyle/>
+          <a:p>
+            <a:pPr algn="ctr"/>
+            <a:r>
+              <a:rPr lang="en-US" altLang="zh-TW" sz="1200" dirty="0">
+                <a:solidFill>
+                  <a:schemeClr val="accent1">
+                    <a:lumMod val="75000"/>
+                  </a:schemeClr>
+                </a:solidFill>
+              </a:rPr>
+              <a:t>p-value:</a:t>
+            </a:r>
+          </a:p>
+          <a:p>
+            <a:pPr algn="ctr"/>
+            <a:r>
+              <a:rPr lang="en-US" altLang="zh-TW" sz="1200" dirty="0">
+                <a:solidFill>
+                  <a:schemeClr val="accent1">
+                    <a:lumMod val="75000"/>
+                  </a:schemeClr>
+                </a:solidFill>
+              </a:rPr>
+              <a:t>0.797</a:t>
+            </a:r>
+            <a:endParaRPr lang="zh-TW" altLang="en-US" sz="1200" dirty="0">
+              <a:solidFill>
+                <a:schemeClr val="accent1">
+                  <a:lumMod val="75000"/>
+                </a:schemeClr>
+              </a:solidFill>
+            </a:endParaRPr>
+          </a:p>
+        </p:txBody>
+      </p:sp>
+      <p:sp>
+        <p:nvSpPr>
+          <p:cNvPr id="11" name="文字方塊 10">
+            <a:extLst>
+              <a:ext uri="{FF2B5EF4-FFF2-40B4-BE49-F238E27FC236}">
+                <a16:creationId xmlns:a16="http://schemas.microsoft.com/office/drawing/2014/main" id="{DD942C99-56DF-44EF-847E-EE2591C0AAA1}"/>
+              </a:ext>
+            </a:extLst>
+          </p:cNvPr>
+          <p:cNvSpPr txBox="1"/>
+          <p:nvPr/>
+        </p:nvSpPr>
+        <p:spPr>
+          <a:xfrm>
+            <a:off x="5288593" y="5935349"/>
+            <a:ext cx="1332953" cy="461665"/>
+          </a:xfrm>
+          <a:prstGeom prst="rect">
+            <a:avLst/>
+          </a:prstGeom>
+          <a:noFill/>
+        </p:spPr>
+        <p:txBody>
+          <a:bodyPr wrap="square" rtlCol="0">
+            <a:spAutoFit/>
+          </a:bodyPr>
+          <a:lstStyle/>
+          <a:p>
+            <a:pPr algn="ctr"/>
+            <a:r>
+              <a:rPr lang="en-US" altLang="zh-TW" sz="1200" dirty="0">
+                <a:solidFill>
+                  <a:schemeClr val="accent1">
+                    <a:lumMod val="75000"/>
+                  </a:schemeClr>
+                </a:solidFill>
+              </a:rPr>
+              <a:t>p-value:</a:t>
+            </a:r>
+          </a:p>
+          <a:p>
+            <a:pPr algn="ctr"/>
+            <a:r>
+              <a:rPr lang="en-US" altLang="zh-TW" sz="1200" dirty="0">
+                <a:solidFill>
+                  <a:schemeClr val="accent1">
+                    <a:lumMod val="75000"/>
+                  </a:schemeClr>
+                </a:solidFill>
+              </a:rPr>
+              <a:t>0.817</a:t>
+            </a:r>
+            <a:endParaRPr lang="zh-TW" altLang="en-US" sz="1200" dirty="0">
+              <a:solidFill>
+                <a:schemeClr val="accent1">
+                  <a:lumMod val="75000"/>
+                </a:schemeClr>
+              </a:solidFill>
+            </a:endParaRPr>
+          </a:p>
+        </p:txBody>
+      </p:sp>
+      <p:sp>
+        <p:nvSpPr>
+          <p:cNvPr id="12" name="文字方塊 11">
+            <a:extLst>
+              <a:ext uri="{FF2B5EF4-FFF2-40B4-BE49-F238E27FC236}">
+                <a16:creationId xmlns:a16="http://schemas.microsoft.com/office/drawing/2014/main" id="{E358FC06-F9AD-4E80-AC02-39C48E45C0D4}"/>
+              </a:ext>
+            </a:extLst>
+          </p:cNvPr>
+          <p:cNvSpPr txBox="1"/>
+          <p:nvPr/>
+        </p:nvSpPr>
+        <p:spPr>
+          <a:xfrm>
+            <a:off x="6846622" y="5935349"/>
+            <a:ext cx="1332953" cy="461665"/>
+          </a:xfrm>
+          <a:prstGeom prst="rect">
+            <a:avLst/>
+          </a:prstGeom>
+          <a:noFill/>
+        </p:spPr>
+        <p:txBody>
+          <a:bodyPr wrap="square" rtlCol="0">
+            <a:spAutoFit/>
+          </a:bodyPr>
+          <a:lstStyle/>
+          <a:p>
+            <a:pPr algn="ctr"/>
+            <a:r>
+              <a:rPr lang="en-US" altLang="zh-TW" sz="1200" dirty="0">
+                <a:solidFill>
+                  <a:schemeClr val="accent1">
+                    <a:lumMod val="75000"/>
+                  </a:schemeClr>
+                </a:solidFill>
+              </a:rPr>
+              <a:t>p-value:</a:t>
+            </a:r>
+          </a:p>
+          <a:p>
+            <a:pPr algn="ctr"/>
+            <a:r>
+              <a:rPr lang="en-US" altLang="zh-TW" sz="1200" dirty="0">
+                <a:solidFill>
+                  <a:schemeClr val="accent1">
+                    <a:lumMod val="75000"/>
+                  </a:schemeClr>
+                </a:solidFill>
+              </a:rPr>
+              <a:t>0.123</a:t>
+            </a:r>
+            <a:endParaRPr lang="zh-TW" altLang="en-US" sz="1200" dirty="0">
+              <a:solidFill>
+                <a:schemeClr val="accent1">
+                  <a:lumMod val="75000"/>
+                </a:schemeClr>
+              </a:solidFill>
+            </a:endParaRPr>
+          </a:p>
+        </p:txBody>
+      </p:sp>
+      <p:sp>
+        <p:nvSpPr>
+          <p:cNvPr id="13" name="文字方塊 12">
+            <a:extLst>
+              <a:ext uri="{FF2B5EF4-FFF2-40B4-BE49-F238E27FC236}">
+                <a16:creationId xmlns:a16="http://schemas.microsoft.com/office/drawing/2014/main" id="{B4BCA114-CD78-4D6F-99DE-3E73B2DD87CF}"/>
+              </a:ext>
+            </a:extLst>
+          </p:cNvPr>
+          <p:cNvSpPr txBox="1"/>
+          <p:nvPr/>
+        </p:nvSpPr>
+        <p:spPr>
+          <a:xfrm>
+            <a:off x="8211095" y="5935349"/>
+            <a:ext cx="1332953" cy="461665"/>
+          </a:xfrm>
+          <a:prstGeom prst="rect">
+            <a:avLst/>
+          </a:prstGeom>
+          <a:noFill/>
+        </p:spPr>
+        <p:txBody>
+          <a:bodyPr wrap="square" rtlCol="0">
+            <a:spAutoFit/>
+          </a:bodyPr>
+          <a:lstStyle/>
+          <a:p>
+            <a:pPr algn="ctr"/>
+            <a:r>
+              <a:rPr lang="en-US" altLang="zh-TW" sz="1200" dirty="0">
+                <a:solidFill>
+                  <a:schemeClr val="accent1">
+                    <a:lumMod val="75000"/>
+                  </a:schemeClr>
+                </a:solidFill>
+              </a:rPr>
+              <a:t>p-value:</a:t>
+            </a:r>
+          </a:p>
+          <a:p>
+            <a:pPr algn="ctr"/>
+            <a:r>
+              <a:rPr lang="en-US" altLang="zh-TW" sz="1200" dirty="0">
+                <a:solidFill>
+                  <a:schemeClr val="accent1">
+                    <a:lumMod val="75000"/>
+                  </a:schemeClr>
+                </a:solidFill>
+              </a:rPr>
+              <a:t>0.785</a:t>
+            </a:r>
+            <a:endParaRPr lang="zh-TW" altLang="en-US" sz="1200" dirty="0">
+              <a:solidFill>
+                <a:schemeClr val="accent1">
+                  <a:lumMod val="75000"/>
+                </a:schemeClr>
+              </a:solidFill>
+            </a:endParaRPr>
+          </a:p>
+        </p:txBody>
+      </p:sp>
+      <p:sp>
+        <p:nvSpPr>
+          <p:cNvPr id="14" name="文字方塊 13">
+            <a:extLst>
+              <a:ext uri="{FF2B5EF4-FFF2-40B4-BE49-F238E27FC236}">
+                <a16:creationId xmlns:a16="http://schemas.microsoft.com/office/drawing/2014/main" id="{6CCACEE9-2FA0-40D4-B724-21D28404B1BF}"/>
+              </a:ext>
+            </a:extLst>
+          </p:cNvPr>
+          <p:cNvSpPr txBox="1"/>
+          <p:nvPr/>
+        </p:nvSpPr>
+        <p:spPr>
+          <a:xfrm>
+            <a:off x="9575568" y="5935349"/>
+            <a:ext cx="1332953" cy="461665"/>
+          </a:xfrm>
+          <a:prstGeom prst="rect">
+            <a:avLst/>
+          </a:prstGeom>
+          <a:noFill/>
+        </p:spPr>
+        <p:txBody>
+          <a:bodyPr wrap="square" rtlCol="0">
+            <a:spAutoFit/>
+          </a:bodyPr>
+          <a:lstStyle/>
+          <a:p>
+            <a:pPr algn="ctr"/>
+            <a:r>
+              <a:rPr lang="en-US" altLang="zh-TW" sz="1200" dirty="0">
+                <a:solidFill>
+                  <a:schemeClr val="accent1">
+                    <a:lumMod val="75000"/>
+                  </a:schemeClr>
+                </a:solidFill>
+              </a:rPr>
+              <a:t>p-value:</a:t>
+            </a:r>
+          </a:p>
+          <a:p>
+            <a:pPr algn="ctr"/>
+            <a:r>
+              <a:rPr lang="en-US" altLang="zh-TW" sz="1200" dirty="0">
+                <a:solidFill>
+                  <a:schemeClr val="accent1">
+                    <a:lumMod val="75000"/>
+                  </a:schemeClr>
+                </a:solidFill>
+              </a:rPr>
+              <a:t>0.751</a:t>
+            </a:r>
+            <a:endParaRPr lang="zh-TW" altLang="en-US" sz="1200" dirty="0">
+              <a:solidFill>
+                <a:schemeClr val="accent1">
+                  <a:lumMod val="75000"/>
+                </a:schemeClr>
+              </a:solidFill>
+            </a:endParaRPr>
+          </a:p>
+        </p:txBody>
+      </p:sp>
+      <p:sp>
+        <p:nvSpPr>
+          <p:cNvPr id="15" name="文字方塊 14">
+            <a:extLst>
+              <a:ext uri="{FF2B5EF4-FFF2-40B4-BE49-F238E27FC236}">
+                <a16:creationId xmlns:a16="http://schemas.microsoft.com/office/drawing/2014/main" id="{76C9A118-A666-4503-9B07-7ABE00AA9A52}"/>
+              </a:ext>
+            </a:extLst>
+          </p:cNvPr>
+          <p:cNvSpPr txBox="1"/>
+          <p:nvPr/>
+        </p:nvSpPr>
+        <p:spPr>
+          <a:xfrm>
+            <a:off x="6943725" y="3772506"/>
+            <a:ext cx="466725" cy="461665"/>
+          </a:xfrm>
+          <a:prstGeom prst="rect">
+            <a:avLst/>
+          </a:prstGeom>
+          <a:noFill/>
+        </p:spPr>
+        <p:txBody>
+          <a:bodyPr wrap="square" rtlCol="0">
+            <a:spAutoFit/>
+          </a:bodyPr>
+          <a:lstStyle/>
+          <a:p>
+            <a:r>
+              <a:rPr lang="en-US" altLang="zh-TW" sz="2400" dirty="0">
+                <a:solidFill>
+                  <a:srgbClr val="FF0000"/>
+                </a:solidFill>
+              </a:rPr>
+              <a:t>+</a:t>
+            </a:r>
+            <a:endParaRPr lang="zh-TW" altLang="en-US" sz="2400" dirty="0">
+              <a:solidFill>
+                <a:srgbClr val="FF0000"/>
+              </a:solidFill>
+            </a:endParaRPr>
+          </a:p>
+        </p:txBody>
+      </p:sp>
+      <p:sp>
+        <p:nvSpPr>
+          <p:cNvPr id="16" name="文字方塊 15">
+            <a:extLst>
+              <a:ext uri="{FF2B5EF4-FFF2-40B4-BE49-F238E27FC236}">
+                <a16:creationId xmlns:a16="http://schemas.microsoft.com/office/drawing/2014/main" id="{57DC322C-B00C-49BA-9967-0014613AEF28}"/>
+              </a:ext>
+            </a:extLst>
+          </p:cNvPr>
+          <p:cNvSpPr txBox="1"/>
+          <p:nvPr/>
+        </p:nvSpPr>
+        <p:spPr>
+          <a:xfrm>
+            <a:off x="7724775" y="4330793"/>
+            <a:ext cx="714375" cy="584775"/>
+          </a:xfrm>
+          <a:prstGeom prst="rect">
+            <a:avLst/>
+          </a:prstGeom>
+          <a:noFill/>
+        </p:spPr>
+        <p:txBody>
+          <a:bodyPr wrap="square" rtlCol="0">
+            <a:spAutoFit/>
+          </a:bodyPr>
+          <a:lstStyle/>
+          <a:p>
+            <a:r>
+              <a:rPr lang="en-US" altLang="zh-TW" sz="3200" dirty="0">
+                <a:solidFill>
+                  <a:srgbClr val="FF0000"/>
+                </a:solidFill>
+              </a:rPr>
+              <a:t>-</a:t>
+            </a:r>
+            <a:endParaRPr lang="zh-TW" altLang="en-US" sz="3200" dirty="0">
+              <a:solidFill>
+                <a:srgbClr val="FF0000"/>
+              </a:solidFill>
+            </a:endParaRPr>
+          </a:p>
+        </p:txBody>
+      </p:sp>
+    </p:spTree>
+    <p:extLst>
+      <p:ext uri="{BB962C8B-B14F-4D97-AF65-F5344CB8AC3E}">
+        <p14:creationId xmlns:p14="http://schemas.microsoft.com/office/powerpoint/2010/main" val="2619837865"/>
+      </p:ext>
+    </p:extLst>
+  </p:cSld>
+  <p:clrMapOvr>
+    <a:masterClrMapping/>
+  </p:clrMapOvr>
+</p:sld>
+</file>
+
+<file path=ppt/slides/slide12.xml><?xml version="1.0" encoding="utf-8"?>
+<p:sld xmlns:a="http://schemas.openxmlformats.org/drawingml/2006/main" xmlns:r="http://schemas.openxmlformats.org/officeDocument/2006/relationships" xmlns:p="http://schemas.openxmlformats.org/presentationml/2006/main">
+  <p:cSld>
+    <p:spTree>
+      <p:nvGrpSpPr>
+        <p:cNvPr id="1" name=""/>
+        <p:cNvGrpSpPr/>
+        <p:nvPr/>
+      </p:nvGrpSpPr>
+      <p:grpSpPr>
+        <a:xfrm>
+          <a:off x="0" y="0"/>
+          <a:ext cx="0" cy="0"/>
+          <a:chOff x="0" y="0"/>
+          <a:chExt cx="0" cy="0"/>
+        </a:xfrm>
+      </p:grpSpPr>
+      <p:sp>
+        <p:nvSpPr>
+          <p:cNvPr id="2" name="標題 1">
+            <a:extLst>
+              <a:ext uri="{FF2B5EF4-FFF2-40B4-BE49-F238E27FC236}">
+                <a16:creationId xmlns:a16="http://schemas.microsoft.com/office/drawing/2014/main" id="{E2A053B2-0AC9-4324-9659-FAA1D03A3831}"/>
+              </a:ext>
+            </a:extLst>
+          </p:cNvPr>
+          <p:cNvSpPr>
+            <a:spLocks noGrp="1"/>
+          </p:cNvSpPr>
+          <p:nvPr>
+            <p:ph type="title"/>
+          </p:nvPr>
+        </p:nvSpPr>
+        <p:spPr/>
+        <p:txBody>
+          <a:bodyPr/>
+          <a:lstStyle/>
+          <a:p>
+            <a:r>
+              <a:rPr lang="en-US" altLang="zh-TW" dirty="0"/>
+              <a:t>REM latency (</a:t>
+            </a:r>
+            <a:r>
+              <a:rPr lang="zh-TW" altLang="en-US" dirty="0"/>
+              <a:t>以傍晚</a:t>
+            </a:r>
+            <a:r>
+              <a:rPr lang="en-US" altLang="zh-TW" dirty="0"/>
+              <a:t>cortisol</a:t>
+            </a:r>
+            <a:r>
+              <a:rPr lang="zh-TW" altLang="en-US" dirty="0"/>
+              <a:t>變化量排序</a:t>
+            </a:r>
+            <a:r>
+              <a:rPr lang="en-US" altLang="zh-TW" dirty="0"/>
+              <a:t>)</a:t>
+            </a:r>
+            <a:endParaRPr lang="zh-TW" altLang="en-US" dirty="0"/>
+          </a:p>
+        </p:txBody>
+      </p:sp>
+      <p:sp>
+        <p:nvSpPr>
+          <p:cNvPr id="3" name="內容版面配置區 2">
+            <a:extLst>
+              <a:ext uri="{FF2B5EF4-FFF2-40B4-BE49-F238E27FC236}">
+                <a16:creationId xmlns:a16="http://schemas.microsoft.com/office/drawing/2014/main" id="{31A1DEBA-0746-4A85-B7DE-2A8273A03D67}"/>
+              </a:ext>
+            </a:extLst>
+          </p:cNvPr>
+          <p:cNvSpPr>
+            <a:spLocks noGrp="1"/>
+          </p:cNvSpPr>
+          <p:nvPr>
+            <p:ph idx="1"/>
+          </p:nvPr>
+        </p:nvSpPr>
+        <p:spPr>
+          <a:xfrm>
+            <a:off x="720436" y="1321725"/>
+            <a:ext cx="10633364" cy="497678"/>
+          </a:xfrm>
+        </p:spPr>
+        <p:txBody>
+          <a:bodyPr/>
+          <a:lstStyle/>
+          <a:p>
+            <a:r>
+              <a:rPr lang="zh-TW" altLang="en-US" dirty="0">
+                <a:solidFill>
+                  <a:schemeClr val="accent5">
+                    <a:lumMod val="50000"/>
+                  </a:schemeClr>
+                </a:solidFill>
+              </a:rPr>
+              <a:t>藍</a:t>
+            </a:r>
+            <a:r>
+              <a:rPr lang="en-US" altLang="zh-TW" dirty="0"/>
+              <a:t>:</a:t>
+            </a:r>
+            <a:r>
+              <a:rPr lang="zh-TW" altLang="en-US" dirty="0"/>
+              <a:t> 暴露        </a:t>
+            </a:r>
+            <a:r>
+              <a:rPr lang="zh-TW" altLang="en-US" dirty="0">
+                <a:solidFill>
+                  <a:schemeClr val="accent2"/>
+                </a:solidFill>
+              </a:rPr>
+              <a:t>橘</a:t>
+            </a:r>
+            <a:r>
+              <a:rPr lang="en-US" altLang="zh-TW" dirty="0"/>
+              <a:t>:</a:t>
+            </a:r>
+            <a:r>
+              <a:rPr lang="zh-TW" altLang="en-US" dirty="0"/>
+              <a:t> 非暴露        </a:t>
+            </a:r>
+            <a:r>
+              <a:rPr lang="zh-TW" altLang="en-US" dirty="0">
+                <a:solidFill>
+                  <a:srgbClr val="0070C0"/>
+                </a:solidFill>
+              </a:rPr>
+              <a:t>點</a:t>
+            </a:r>
+            <a:r>
+              <a:rPr lang="en-US" altLang="zh-TW" dirty="0"/>
+              <a:t>:</a:t>
+            </a:r>
+            <a:r>
+              <a:rPr lang="zh-TW" altLang="en-US" dirty="0"/>
+              <a:t> </a:t>
+            </a:r>
+            <a:r>
+              <a:rPr lang="en-US" altLang="zh-TW" dirty="0"/>
+              <a:t>(</a:t>
+            </a:r>
+            <a:r>
+              <a:rPr lang="zh-TW" altLang="en-US" dirty="0"/>
+              <a:t>暴露 </a:t>
+            </a:r>
+            <a:r>
+              <a:rPr lang="en-US" altLang="zh-TW" dirty="0"/>
+              <a:t>– </a:t>
+            </a:r>
+            <a:r>
+              <a:rPr lang="zh-TW" altLang="en-US" dirty="0"/>
+              <a:t>非暴露</a:t>
+            </a:r>
+            <a:r>
+              <a:rPr lang="en-US" altLang="zh-TW" dirty="0"/>
+              <a:t>)</a:t>
+            </a:r>
+            <a:endParaRPr lang="zh-TW" altLang="en-US" dirty="0"/>
+          </a:p>
+        </p:txBody>
+      </p:sp>
+      <p:sp>
+        <p:nvSpPr>
+          <p:cNvPr id="4" name="投影片編號版面配置區 3">
+            <a:extLst>
+              <a:ext uri="{FF2B5EF4-FFF2-40B4-BE49-F238E27FC236}">
+                <a16:creationId xmlns:a16="http://schemas.microsoft.com/office/drawing/2014/main" id="{5EE0B3E6-E314-42FC-9DB5-0A4B9C6FF49D}"/>
+              </a:ext>
+            </a:extLst>
+          </p:cNvPr>
+          <p:cNvSpPr>
+            <a:spLocks noGrp="1"/>
+          </p:cNvSpPr>
+          <p:nvPr>
+            <p:ph type="sldNum" sz="quarter" idx="12"/>
+          </p:nvPr>
+        </p:nvSpPr>
+        <p:spPr/>
+        <p:txBody>
+          <a:bodyPr/>
+          <a:lstStyle/>
+          <a:p>
+            <a:fld id="{F230EE04-BD3A-40AA-92AC-647453D5DADF}" type="slidenum">
+              <a:rPr lang="zh-TW" altLang="en-US" smtClean="0"/>
+              <a:t>12</a:t>
+            </a:fld>
+            <a:endParaRPr lang="zh-TW" altLang="en-US"/>
+          </a:p>
+        </p:txBody>
+      </p:sp>
+      <p:pic>
+        <p:nvPicPr>
+          <p:cNvPr id="6" name="圖片 5">
+            <a:extLst>
+              <a:ext uri="{FF2B5EF4-FFF2-40B4-BE49-F238E27FC236}">
+                <a16:creationId xmlns:a16="http://schemas.microsoft.com/office/drawing/2014/main" id="{B2CDC6A7-B906-4CA7-8FBB-A96B8BF41BD8}"/>
+              </a:ext>
+            </a:extLst>
+          </p:cNvPr>
+          <p:cNvPicPr>
+            <a:picLocks noChangeAspect="1"/>
+          </p:cNvPicPr>
+          <p:nvPr/>
+        </p:nvPicPr>
+        <p:blipFill>
+          <a:blip r:embed="rId2"/>
+          <a:stretch>
+            <a:fillRect/>
+          </a:stretch>
+        </p:blipFill>
+        <p:spPr>
+          <a:xfrm>
+            <a:off x="232544" y="1819402"/>
+            <a:ext cx="11726912" cy="4772691"/>
+          </a:xfrm>
+          <a:prstGeom prst="rect">
+            <a:avLst/>
+          </a:prstGeom>
+        </p:spPr>
+      </p:pic>
+      <p:cxnSp>
+        <p:nvCxnSpPr>
+          <p:cNvPr id="7" name="直線接點 6">
+            <a:extLst>
+              <a:ext uri="{FF2B5EF4-FFF2-40B4-BE49-F238E27FC236}">
+                <a16:creationId xmlns:a16="http://schemas.microsoft.com/office/drawing/2014/main" id="{4CF61FFC-0A10-40C9-B1D1-F6DAE1E17013}"/>
+              </a:ext>
+            </a:extLst>
+          </p:cNvPr>
+          <p:cNvCxnSpPr>
+            <a:cxnSpLocks/>
+          </p:cNvCxnSpPr>
+          <p:nvPr/>
+        </p:nvCxnSpPr>
+        <p:spPr>
+          <a:xfrm flipV="1">
+            <a:off x="6096000" y="1885951"/>
+            <a:ext cx="0" cy="4498180"/>
+          </a:xfrm>
+          <a:prstGeom prst="line">
+            <a:avLst/>
+          </a:prstGeom>
+          <a:ln w="28575">
+            <a:solidFill>
+              <a:schemeClr val="accent6">
+                <a:lumMod val="60000"/>
+                <a:lumOff val="40000"/>
+              </a:schemeClr>
+            </a:solidFill>
+          </a:ln>
+        </p:spPr>
+        <p:style>
+          <a:lnRef idx="1">
+            <a:schemeClr val="accent3"/>
+          </a:lnRef>
+          <a:fillRef idx="0">
+            <a:schemeClr val="accent3"/>
+          </a:fillRef>
+          <a:effectRef idx="0">
+            <a:schemeClr val="accent3"/>
+          </a:effectRef>
+          <a:fontRef idx="minor">
+            <a:schemeClr val="tx1"/>
+          </a:fontRef>
+        </p:style>
+      </p:cxnSp>
+    </p:spTree>
+    <p:extLst>
+      <p:ext uri="{BB962C8B-B14F-4D97-AF65-F5344CB8AC3E}">
+        <p14:creationId xmlns:p14="http://schemas.microsoft.com/office/powerpoint/2010/main" val="655550356"/>
+      </p:ext>
+    </p:extLst>
+  </p:cSld>
+  <p:clrMapOvr>
+    <a:masterClrMapping/>
+  </p:clrMapOvr>
+</p:sld>
+</file>
+
+<file path=ppt/slides/slide13.xml><?xml version="1.0" encoding="utf-8"?>
+<p:sld xmlns:a="http://schemas.openxmlformats.org/drawingml/2006/main" xmlns:r="http://schemas.openxmlformats.org/officeDocument/2006/relationships" xmlns:p="http://schemas.openxmlformats.org/presentationml/2006/main">
+  <p:cSld>
+    <p:spTree>
+      <p:nvGrpSpPr>
+        <p:cNvPr id="1" name=""/>
+        <p:cNvGrpSpPr/>
+        <p:nvPr/>
+      </p:nvGrpSpPr>
+      <p:grpSpPr>
+        <a:xfrm>
+          <a:off x="0" y="0"/>
+          <a:ext cx="0" cy="0"/>
+          <a:chOff x="0" y="0"/>
+          <a:chExt cx="0" cy="0"/>
+        </a:xfrm>
+      </p:grpSpPr>
+      <p:sp>
+        <p:nvSpPr>
+          <p:cNvPr id="2" name="標題 1">
+            <a:extLst>
+              <a:ext uri="{FF2B5EF4-FFF2-40B4-BE49-F238E27FC236}">
+                <a16:creationId xmlns:a16="http://schemas.microsoft.com/office/drawing/2014/main" id="{AF2CE65F-EB53-4137-B435-2FC1BC8822D6}"/>
+              </a:ext>
+            </a:extLst>
+          </p:cNvPr>
+          <p:cNvSpPr>
+            <a:spLocks noGrp="1"/>
+          </p:cNvSpPr>
+          <p:nvPr>
+            <p:ph type="title"/>
+          </p:nvPr>
+        </p:nvSpPr>
+        <p:spPr/>
+        <p:txBody>
+          <a:bodyPr/>
+          <a:lstStyle/>
+          <a:p>
+            <a:r>
+              <a:rPr lang="zh-TW" altLang="en-US" dirty="0"/>
+              <a:t>睡眠過程</a:t>
+            </a:r>
+            <a:r>
+              <a:rPr lang="en-US" altLang="zh-TW" dirty="0"/>
+              <a:t>Cortisol</a:t>
+            </a:r>
+            <a:r>
+              <a:rPr lang="zh-TW" altLang="en-US" dirty="0"/>
+              <a:t>變化量</a:t>
+            </a:r>
+          </a:p>
+        </p:txBody>
+      </p:sp>
+      <p:sp>
+        <p:nvSpPr>
+          <p:cNvPr id="3" name="內容版面配置區 2">
+            <a:extLst>
+              <a:ext uri="{FF2B5EF4-FFF2-40B4-BE49-F238E27FC236}">
+                <a16:creationId xmlns:a16="http://schemas.microsoft.com/office/drawing/2014/main" id="{AE711BF1-F012-419C-AC92-AAB4AA8E30CE}"/>
+              </a:ext>
+            </a:extLst>
+          </p:cNvPr>
+          <p:cNvSpPr>
+            <a:spLocks noGrp="1"/>
+          </p:cNvSpPr>
+          <p:nvPr>
+            <p:ph idx="1"/>
+          </p:nvPr>
+        </p:nvSpPr>
+        <p:spPr/>
+        <p:txBody>
+          <a:bodyPr/>
+          <a:lstStyle/>
+          <a:p>
+            <a:r>
+              <a:rPr lang="zh-TW" altLang="en-US" dirty="0"/>
+              <a:t>變化量 </a:t>
+            </a:r>
+            <a:r>
+              <a:rPr lang="en-US" altLang="zh-TW" dirty="0"/>
+              <a:t>=</a:t>
+            </a:r>
+            <a:r>
+              <a:rPr lang="zh-TW" altLang="en-US" dirty="0"/>
+              <a:t> </a:t>
+            </a:r>
+            <a:r>
+              <a:rPr lang="en-US" altLang="zh-TW" dirty="0"/>
+              <a:t>(</a:t>
+            </a:r>
+            <a:r>
+              <a:rPr lang="zh-TW" altLang="en-US" dirty="0"/>
+              <a:t>暴露噪音早晨 </a:t>
+            </a:r>
+            <a:r>
+              <a:rPr lang="en-US" altLang="zh-TW" dirty="0"/>
+              <a:t>- </a:t>
+            </a:r>
+            <a:r>
+              <a:rPr lang="zh-TW" altLang="en-US" dirty="0"/>
+              <a:t>暴露噪音傍晚</a:t>
+            </a:r>
+            <a:r>
+              <a:rPr lang="en-US" altLang="zh-TW" dirty="0"/>
+              <a:t>)</a:t>
+            </a:r>
+            <a:r>
+              <a:rPr lang="zh-TW" altLang="en-US" dirty="0"/>
+              <a:t> </a:t>
+            </a:r>
+            <a:r>
+              <a:rPr lang="en-US" altLang="zh-TW" dirty="0"/>
+              <a:t>– (</a:t>
+            </a:r>
+            <a:r>
+              <a:rPr lang="zh-TW" altLang="en-US" dirty="0"/>
+              <a:t>非暴露噪音早晨 </a:t>
+            </a:r>
+            <a:r>
+              <a:rPr lang="en-US" altLang="zh-TW" dirty="0"/>
+              <a:t>– </a:t>
+            </a:r>
+            <a:r>
+              <a:rPr lang="zh-TW" altLang="en-US" dirty="0"/>
+              <a:t>非暴露噪音傍晚</a:t>
+            </a:r>
+            <a:r>
+              <a:rPr lang="en-US" altLang="zh-TW" dirty="0"/>
+              <a:t>)</a:t>
+            </a:r>
+          </a:p>
+          <a:p>
+            <a:endParaRPr lang="en-US" altLang="zh-TW" dirty="0"/>
+          </a:p>
+          <a:p>
+            <a:pPr lvl="1"/>
+            <a:r>
+              <a:rPr lang="zh-TW" altLang="en-US" dirty="0"/>
+              <a:t>預期</a:t>
+            </a:r>
+            <a:r>
+              <a:rPr lang="zh-TW" altLang="en-US" dirty="0">
+                <a:solidFill>
+                  <a:schemeClr val="accent1"/>
+                </a:solidFill>
+              </a:rPr>
+              <a:t>暴露噪音</a:t>
+            </a:r>
+            <a:r>
+              <a:rPr lang="zh-TW" altLang="en-US" dirty="0"/>
+              <a:t>當天</a:t>
+            </a:r>
+            <a:r>
+              <a:rPr lang="en-US" altLang="zh-TW" dirty="0"/>
+              <a:t>cortisol</a:t>
+            </a:r>
+            <a:r>
+              <a:rPr lang="zh-TW" altLang="en-US" dirty="0"/>
+              <a:t>可能</a:t>
+            </a:r>
+            <a:r>
+              <a:rPr lang="zh-TW" altLang="en-US" dirty="0">
+                <a:solidFill>
+                  <a:schemeClr val="accent1"/>
+                </a:solidFill>
+              </a:rPr>
+              <a:t>傍晚就處於相對高點</a:t>
+            </a:r>
+            <a:r>
+              <a:rPr lang="zh-TW" altLang="en-US" dirty="0"/>
+              <a:t>，或睡眠中</a:t>
+            </a:r>
+            <a:r>
+              <a:rPr lang="zh-TW" altLang="en-US" dirty="0">
+                <a:solidFill>
+                  <a:schemeClr val="accent1"/>
+                </a:solidFill>
+              </a:rPr>
+              <a:t>無法將</a:t>
+            </a:r>
+            <a:r>
+              <a:rPr lang="en-US" altLang="zh-TW" dirty="0">
+                <a:solidFill>
+                  <a:schemeClr val="accent1"/>
+                </a:solidFill>
+              </a:rPr>
+              <a:t>cortisol</a:t>
+            </a:r>
+            <a:r>
+              <a:rPr lang="zh-TW" altLang="en-US" dirty="0">
+                <a:solidFill>
+                  <a:schemeClr val="accent1"/>
+                </a:solidFill>
+              </a:rPr>
+              <a:t>拉回早晨高點</a:t>
+            </a:r>
+            <a:r>
+              <a:rPr lang="zh-TW" altLang="en-US" dirty="0"/>
+              <a:t>，因此相減值較小</a:t>
+            </a:r>
+            <a:endParaRPr lang="en-US" altLang="zh-TW" dirty="0"/>
+          </a:p>
+          <a:p>
+            <a:pPr lvl="1"/>
+            <a:endParaRPr lang="en-US" altLang="zh-TW" dirty="0"/>
+          </a:p>
+          <a:p>
+            <a:pPr lvl="1"/>
+            <a:r>
+              <a:rPr lang="zh-TW" altLang="en-US" dirty="0"/>
+              <a:t>預期</a:t>
+            </a:r>
+            <a:r>
+              <a:rPr lang="zh-TW" altLang="en-US" dirty="0">
+                <a:solidFill>
+                  <a:schemeClr val="accent1"/>
+                </a:solidFill>
+              </a:rPr>
+              <a:t>非暴露噪音</a:t>
+            </a:r>
+            <a:r>
+              <a:rPr lang="zh-TW" altLang="en-US" dirty="0"/>
+              <a:t>當天</a:t>
+            </a:r>
+            <a:r>
+              <a:rPr lang="en-US" altLang="zh-TW" dirty="0"/>
+              <a:t>cortisol</a:t>
+            </a:r>
+            <a:r>
+              <a:rPr lang="zh-TW" altLang="en-US" dirty="0"/>
+              <a:t>數值較為正常，傍晚進入低點，早晨進入高點，因此相減值較大</a:t>
+            </a:r>
+            <a:endParaRPr lang="en-US" altLang="zh-TW" dirty="0"/>
+          </a:p>
+          <a:p>
+            <a:pPr lvl="1"/>
+            <a:endParaRPr lang="en-US" altLang="zh-TW" dirty="0"/>
+          </a:p>
+          <a:p>
+            <a:pPr lvl="1"/>
+            <a:r>
+              <a:rPr lang="zh-TW" altLang="en-US" dirty="0"/>
+              <a:t>兩者相減後得到此人的噪音非噪音變化值，可以假設</a:t>
+            </a:r>
+            <a:r>
+              <a:rPr lang="zh-TW" altLang="en-US" dirty="0">
+                <a:solidFill>
+                  <a:schemeClr val="accent1"/>
+                </a:solidFill>
+              </a:rPr>
+              <a:t>負數越大者，在噪音下睡眠過程</a:t>
+            </a:r>
+            <a:r>
+              <a:rPr lang="en-US" altLang="zh-TW" dirty="0">
+                <a:solidFill>
+                  <a:schemeClr val="accent1"/>
+                </a:solidFill>
+              </a:rPr>
+              <a:t>cortisol</a:t>
+            </a:r>
+            <a:r>
+              <a:rPr lang="zh-TW" altLang="en-US" dirty="0">
+                <a:solidFill>
+                  <a:schemeClr val="accent1"/>
+                </a:solidFill>
+              </a:rPr>
+              <a:t>變化量較小</a:t>
+            </a:r>
+            <a:endParaRPr lang="en-US" altLang="zh-TW" dirty="0">
+              <a:solidFill>
+                <a:schemeClr val="accent1"/>
+              </a:solidFill>
+            </a:endParaRPr>
+          </a:p>
+        </p:txBody>
+      </p:sp>
+      <p:sp>
+        <p:nvSpPr>
+          <p:cNvPr id="4" name="投影片編號版面配置區 3">
+            <a:extLst>
+              <a:ext uri="{FF2B5EF4-FFF2-40B4-BE49-F238E27FC236}">
+                <a16:creationId xmlns:a16="http://schemas.microsoft.com/office/drawing/2014/main" id="{D217FF9E-DF46-405A-901B-A8E73E5A36FF}"/>
+              </a:ext>
+            </a:extLst>
+          </p:cNvPr>
+          <p:cNvSpPr>
+            <a:spLocks noGrp="1"/>
+          </p:cNvSpPr>
+          <p:nvPr>
+            <p:ph type="sldNum" sz="quarter" idx="12"/>
+          </p:nvPr>
+        </p:nvSpPr>
+        <p:spPr/>
+        <p:txBody>
+          <a:bodyPr/>
+          <a:lstStyle/>
+          <a:p>
+            <a:fld id="{F230EE04-BD3A-40AA-92AC-647453D5DADF}" type="slidenum">
+              <a:rPr lang="zh-TW" altLang="en-US" smtClean="0"/>
+              <a:t>13</a:t>
+            </a:fld>
+            <a:endParaRPr lang="zh-TW" altLang="en-US"/>
+          </a:p>
+        </p:txBody>
+      </p:sp>
+    </p:spTree>
+    <p:extLst>
+      <p:ext uri="{BB962C8B-B14F-4D97-AF65-F5344CB8AC3E}">
+        <p14:creationId xmlns:p14="http://schemas.microsoft.com/office/powerpoint/2010/main" val="2206379915"/>
+      </p:ext>
+    </p:extLst>
+  </p:cSld>
+  <p:clrMapOvr>
+    <a:masterClrMapping/>
+  </p:clrMapOvr>
+</p:sld>
+</file>
+
+<file path=ppt/slides/slide14.xml><?xml version="1.0" encoding="utf-8"?>
+<p:sld xmlns:a="http://schemas.openxmlformats.org/drawingml/2006/main" xmlns:r="http://schemas.openxmlformats.org/officeDocument/2006/relationships" xmlns:p="http://schemas.openxmlformats.org/presentationml/2006/main">
+  <p:cSld>
+    <p:spTree>
+      <p:nvGrpSpPr>
+        <p:cNvPr id="1" name=""/>
+        <p:cNvGrpSpPr/>
+        <p:nvPr/>
+      </p:nvGrpSpPr>
+      <p:grpSpPr>
+        <a:xfrm>
+          <a:off x="0" y="0"/>
+          <a:ext cx="0" cy="0"/>
+          <a:chOff x="0" y="0"/>
+          <a:chExt cx="0" cy="0"/>
+        </a:xfrm>
+      </p:grpSpPr>
+      <p:sp>
+        <p:nvSpPr>
+          <p:cNvPr id="2" name="標題 1">
+            <a:extLst>
+              <a:ext uri="{FF2B5EF4-FFF2-40B4-BE49-F238E27FC236}">
+                <a16:creationId xmlns:a16="http://schemas.microsoft.com/office/drawing/2014/main" id="{34622B3B-BE12-4C8B-AB8A-34D5B7C9390A}"/>
+              </a:ext>
+            </a:extLst>
+          </p:cNvPr>
+          <p:cNvSpPr>
+            <a:spLocks noGrp="1"/>
+          </p:cNvSpPr>
+          <p:nvPr>
+            <p:ph type="title"/>
+          </p:nvPr>
+        </p:nvSpPr>
+        <p:spPr/>
+        <p:txBody>
+          <a:bodyPr/>
+          <a:lstStyle/>
+          <a:p>
+            <a:r>
+              <a:rPr lang="zh-TW" altLang="en-US" dirty="0"/>
+              <a:t>睡眠過程</a:t>
+            </a:r>
+            <a:r>
+              <a:rPr lang="en-US" altLang="zh-TW" dirty="0"/>
+              <a:t>Cortisol</a:t>
+            </a:r>
+            <a:r>
+              <a:rPr lang="zh-TW" altLang="en-US" dirty="0"/>
+              <a:t>變化量</a:t>
+            </a:r>
+          </a:p>
+        </p:txBody>
+      </p:sp>
+      <p:sp>
+        <p:nvSpPr>
+          <p:cNvPr id="3" name="內容版面配置區 2">
+            <a:extLst>
+              <a:ext uri="{FF2B5EF4-FFF2-40B4-BE49-F238E27FC236}">
+                <a16:creationId xmlns:a16="http://schemas.microsoft.com/office/drawing/2014/main" id="{ED5F113D-D4A8-4017-AC17-D6A9DB70C549}"/>
+              </a:ext>
+            </a:extLst>
+          </p:cNvPr>
+          <p:cNvSpPr>
+            <a:spLocks noGrp="1"/>
+          </p:cNvSpPr>
+          <p:nvPr>
+            <p:ph idx="1"/>
+          </p:nvPr>
+        </p:nvSpPr>
+        <p:spPr>
+          <a:xfrm>
+            <a:off x="720436" y="1321724"/>
+            <a:ext cx="10633364" cy="1983451"/>
+          </a:xfrm>
+        </p:spPr>
+        <p:txBody>
+          <a:bodyPr>
+            <a:normAutofit/>
+          </a:bodyPr>
+          <a:lstStyle/>
+          <a:p>
+            <a:r>
+              <a:rPr lang="zh-TW" altLang="en-US" dirty="0"/>
+              <a:t>上圖預期暴露噪音的</a:t>
+            </a:r>
+            <a:r>
+              <a:rPr lang="en-US" altLang="zh-TW" dirty="0"/>
+              <a:t>cortisol</a:t>
+            </a:r>
+            <a:r>
+              <a:rPr lang="zh-TW" altLang="en-US" dirty="0"/>
+              <a:t>變化量應該要較小，而非暴露噪音的</a:t>
+            </a:r>
+            <a:r>
+              <a:rPr lang="en-US" altLang="zh-TW" dirty="0"/>
+              <a:t>cortisol</a:t>
+            </a:r>
+            <a:r>
+              <a:rPr lang="zh-TW" altLang="en-US" dirty="0"/>
+              <a:t>變化量應該要較大，但</a:t>
+            </a:r>
+            <a:r>
+              <a:rPr lang="zh-TW" altLang="en-US" dirty="0">
+                <a:solidFill>
+                  <a:srgbClr val="FF0000"/>
+                </a:solidFill>
+              </a:rPr>
+              <a:t>結果顯示大部分的人數值皆在</a:t>
+            </a:r>
+            <a:r>
+              <a:rPr lang="en-US" altLang="zh-TW" dirty="0">
+                <a:solidFill>
+                  <a:srgbClr val="FF0000"/>
+                </a:solidFill>
+              </a:rPr>
+              <a:t>0</a:t>
+            </a:r>
+            <a:r>
+              <a:rPr lang="zh-TW" altLang="en-US" dirty="0">
+                <a:solidFill>
+                  <a:srgbClr val="FF0000"/>
+                </a:solidFill>
+              </a:rPr>
+              <a:t>以上</a:t>
+            </a:r>
+            <a:endParaRPr lang="en-US" altLang="zh-TW" dirty="0">
+              <a:solidFill>
+                <a:srgbClr val="FF0000"/>
+              </a:solidFill>
+            </a:endParaRPr>
+          </a:p>
+          <a:p>
+            <a:r>
+              <a:rPr lang="zh-TW" altLang="en-US" dirty="0"/>
+              <a:t>下圖可以觀察到大於</a:t>
+            </a:r>
+            <a:r>
+              <a:rPr lang="en-US" altLang="zh-TW" dirty="0"/>
+              <a:t>0</a:t>
+            </a:r>
+            <a:r>
+              <a:rPr lang="zh-TW" altLang="en-US" dirty="0"/>
+              <a:t>的族群</a:t>
+            </a:r>
+            <a:r>
+              <a:rPr lang="en-US" altLang="zh-TW" dirty="0"/>
+              <a:t>(</a:t>
+            </a:r>
+            <a:r>
+              <a:rPr lang="zh-TW" altLang="en-US" dirty="0"/>
+              <a:t>代表有受噪音影響</a:t>
+            </a:r>
+            <a:r>
+              <a:rPr lang="en-US" altLang="zh-TW" dirty="0"/>
+              <a:t>)</a:t>
+            </a:r>
+            <a:r>
+              <a:rPr lang="zh-TW" altLang="en-US" dirty="0"/>
+              <a:t>有藍色蓋住橘色的現象，表示</a:t>
+            </a:r>
+            <a:r>
+              <a:rPr lang="zh-TW" altLang="en-US" dirty="0">
+                <a:solidFill>
+                  <a:srgbClr val="FF0000"/>
+                </a:solidFill>
+              </a:rPr>
+              <a:t>受噪音影響的情況下早晨</a:t>
+            </a:r>
+            <a:r>
+              <a:rPr lang="en-US" altLang="zh-TW" dirty="0">
+                <a:solidFill>
+                  <a:srgbClr val="FF0000"/>
+                </a:solidFill>
+              </a:rPr>
+              <a:t>cortisol</a:t>
+            </a:r>
+            <a:r>
+              <a:rPr lang="zh-TW" altLang="en-US" dirty="0">
+                <a:solidFill>
+                  <a:srgbClr val="FF0000"/>
+                </a:solidFill>
+              </a:rPr>
+              <a:t>變化量更劇烈</a:t>
+            </a:r>
+          </a:p>
+        </p:txBody>
+      </p:sp>
+      <p:sp>
+        <p:nvSpPr>
+          <p:cNvPr id="4" name="投影片編號版面配置區 3">
+            <a:extLst>
+              <a:ext uri="{FF2B5EF4-FFF2-40B4-BE49-F238E27FC236}">
+                <a16:creationId xmlns:a16="http://schemas.microsoft.com/office/drawing/2014/main" id="{0AD7327E-B8B4-4730-AC06-7E23F4833613}"/>
+              </a:ext>
+            </a:extLst>
+          </p:cNvPr>
+          <p:cNvSpPr>
+            <a:spLocks noGrp="1"/>
+          </p:cNvSpPr>
+          <p:nvPr>
+            <p:ph type="sldNum" sz="quarter" idx="12"/>
+          </p:nvPr>
+        </p:nvSpPr>
+        <p:spPr/>
+        <p:txBody>
+          <a:bodyPr/>
+          <a:lstStyle/>
+          <a:p>
+            <a:fld id="{F230EE04-BD3A-40AA-92AC-647453D5DADF}" type="slidenum">
+              <a:rPr lang="zh-TW" altLang="en-US" smtClean="0"/>
+              <a:t>14</a:t>
+            </a:fld>
+            <a:endParaRPr lang="zh-TW" altLang="en-US"/>
+          </a:p>
+        </p:txBody>
+      </p:sp>
+      <p:pic>
+        <p:nvPicPr>
+          <p:cNvPr id="8" name="圖片 7">
+            <a:extLst>
+              <a:ext uri="{FF2B5EF4-FFF2-40B4-BE49-F238E27FC236}">
+                <a16:creationId xmlns:a16="http://schemas.microsoft.com/office/drawing/2014/main" id="{BDAAA4BA-F7F5-47A6-B594-5168F6870665}"/>
+              </a:ext>
+            </a:extLst>
+          </p:cNvPr>
+          <p:cNvPicPr>
+            <a:picLocks noChangeAspect="1"/>
+          </p:cNvPicPr>
+          <p:nvPr/>
+        </p:nvPicPr>
+        <p:blipFill rotWithShape="1">
+          <a:blip r:embed="rId2"/>
+          <a:srcRect t="5098" b="6526"/>
+          <a:stretch/>
+        </p:blipFill>
+        <p:spPr>
+          <a:xfrm>
+            <a:off x="381172" y="3145423"/>
+            <a:ext cx="11429655" cy="1757518"/>
+          </a:xfrm>
+          <a:prstGeom prst="rect">
+            <a:avLst/>
+          </a:prstGeom>
+        </p:spPr>
+      </p:pic>
+      <p:pic>
+        <p:nvPicPr>
+          <p:cNvPr id="6" name="圖片 5">
+            <a:extLst>
+              <a:ext uri="{FF2B5EF4-FFF2-40B4-BE49-F238E27FC236}">
+                <a16:creationId xmlns:a16="http://schemas.microsoft.com/office/drawing/2014/main" id="{680971E2-C187-43A9-A8D2-45126F7E4B3D}"/>
+              </a:ext>
+            </a:extLst>
+          </p:cNvPr>
+          <p:cNvPicPr>
+            <a:picLocks noChangeAspect="1"/>
+          </p:cNvPicPr>
+          <p:nvPr/>
+        </p:nvPicPr>
+        <p:blipFill rotWithShape="1">
+          <a:blip r:embed="rId3"/>
+          <a:srcRect t="5124" b="6125"/>
+          <a:stretch/>
+        </p:blipFill>
+        <p:spPr>
+          <a:xfrm>
+            <a:off x="381171" y="4988917"/>
+            <a:ext cx="11429655" cy="1691946"/>
+          </a:xfrm>
+          <a:prstGeom prst="rect">
+            <a:avLst/>
+          </a:prstGeom>
+        </p:spPr>
+      </p:pic>
+      <p:sp>
+        <p:nvSpPr>
+          <p:cNvPr id="5" name="文字方塊 4">
+            <a:extLst>
+              <a:ext uri="{FF2B5EF4-FFF2-40B4-BE49-F238E27FC236}">
+                <a16:creationId xmlns:a16="http://schemas.microsoft.com/office/drawing/2014/main" id="{79A608A2-E3D2-41C0-A1B2-3A0EF89EB8B0}"/>
+              </a:ext>
+            </a:extLst>
+          </p:cNvPr>
+          <p:cNvSpPr txBox="1"/>
+          <p:nvPr/>
+        </p:nvSpPr>
+        <p:spPr>
+          <a:xfrm>
+            <a:off x="720435" y="5114925"/>
+            <a:ext cx="3708689" cy="523220"/>
+          </a:xfrm>
+          <a:prstGeom prst="rect">
+            <a:avLst/>
+          </a:prstGeom>
+          <a:noFill/>
+        </p:spPr>
+        <p:txBody>
+          <a:bodyPr wrap="square" rtlCol="0">
+            <a:spAutoFit/>
+          </a:bodyPr>
+          <a:lstStyle/>
+          <a:p>
+            <a:r>
+              <a:rPr lang="zh-TW" altLang="en-US" sz="1400" dirty="0">
+                <a:solidFill>
+                  <a:schemeClr val="accent1">
+                    <a:lumMod val="75000"/>
+                  </a:schemeClr>
+                </a:solidFill>
+              </a:rPr>
+              <a:t>藍</a:t>
+            </a:r>
+            <a:r>
+              <a:rPr lang="en-US" altLang="zh-TW" sz="1400" dirty="0">
+                <a:solidFill>
+                  <a:schemeClr val="accent1">
+                    <a:lumMod val="75000"/>
+                  </a:schemeClr>
+                </a:solidFill>
+              </a:rPr>
+              <a:t>:</a:t>
+            </a:r>
+            <a:r>
+              <a:rPr lang="zh-TW" altLang="en-US" sz="1400" dirty="0">
+                <a:solidFill>
+                  <a:schemeClr val="accent1">
+                    <a:lumMod val="75000"/>
+                  </a:schemeClr>
+                </a:solidFill>
+              </a:rPr>
+              <a:t> 早晨</a:t>
+            </a:r>
+            <a:r>
+              <a:rPr lang="en-US" altLang="zh-TW" sz="1400" dirty="0">
+                <a:solidFill>
+                  <a:schemeClr val="accent1">
+                    <a:lumMod val="75000"/>
+                  </a:schemeClr>
+                </a:solidFill>
+              </a:rPr>
+              <a:t>(</a:t>
+            </a:r>
+            <a:r>
+              <a:rPr lang="zh-TW" altLang="en-US" sz="1400" dirty="0">
+                <a:solidFill>
+                  <a:schemeClr val="accent1">
+                    <a:lumMod val="75000"/>
+                  </a:schemeClr>
+                </a:solidFill>
+              </a:rPr>
+              <a:t>暴露 </a:t>
+            </a:r>
+            <a:r>
+              <a:rPr lang="en-US" altLang="zh-TW" sz="1400" dirty="0">
+                <a:solidFill>
+                  <a:schemeClr val="accent1">
+                    <a:lumMod val="75000"/>
+                  </a:schemeClr>
+                </a:solidFill>
+              </a:rPr>
+              <a:t>– </a:t>
+            </a:r>
+            <a:r>
+              <a:rPr lang="zh-TW" altLang="en-US" sz="1400" dirty="0">
+                <a:solidFill>
+                  <a:schemeClr val="accent1">
+                    <a:lumMod val="75000"/>
+                  </a:schemeClr>
+                </a:solidFill>
+              </a:rPr>
+              <a:t>非暴露</a:t>
+            </a:r>
+            <a:r>
+              <a:rPr lang="en-US" altLang="zh-TW" sz="1400" dirty="0">
+                <a:solidFill>
+                  <a:schemeClr val="accent1">
+                    <a:lumMod val="75000"/>
+                  </a:schemeClr>
+                </a:solidFill>
+              </a:rPr>
+              <a:t>)</a:t>
+            </a:r>
+          </a:p>
+          <a:p>
+            <a:r>
+              <a:rPr lang="zh-TW" altLang="en-US" sz="1400" dirty="0">
+                <a:solidFill>
+                  <a:schemeClr val="accent2">
+                    <a:lumMod val="75000"/>
+                  </a:schemeClr>
+                </a:solidFill>
+              </a:rPr>
+              <a:t>橘</a:t>
+            </a:r>
+            <a:r>
+              <a:rPr lang="en-US" altLang="zh-TW" sz="1400" dirty="0">
+                <a:solidFill>
+                  <a:schemeClr val="accent2">
+                    <a:lumMod val="75000"/>
+                  </a:schemeClr>
+                </a:solidFill>
+              </a:rPr>
+              <a:t>:</a:t>
+            </a:r>
+            <a:r>
+              <a:rPr lang="zh-TW" altLang="en-US" sz="1400" dirty="0">
+                <a:solidFill>
+                  <a:schemeClr val="accent2">
+                    <a:lumMod val="75000"/>
+                  </a:schemeClr>
+                </a:solidFill>
+              </a:rPr>
+              <a:t> 傍晚</a:t>
+            </a:r>
+            <a:r>
+              <a:rPr lang="en-US" altLang="zh-TW" sz="1400" dirty="0">
+                <a:solidFill>
+                  <a:schemeClr val="accent2">
+                    <a:lumMod val="75000"/>
+                  </a:schemeClr>
+                </a:solidFill>
+              </a:rPr>
+              <a:t>(</a:t>
+            </a:r>
+            <a:r>
+              <a:rPr lang="zh-TW" altLang="en-US" sz="1400" dirty="0">
+                <a:solidFill>
+                  <a:schemeClr val="accent2">
+                    <a:lumMod val="75000"/>
+                  </a:schemeClr>
+                </a:solidFill>
+              </a:rPr>
+              <a:t>暴露 </a:t>
+            </a:r>
+            <a:r>
+              <a:rPr lang="en-US" altLang="zh-TW" sz="1400" dirty="0">
+                <a:solidFill>
+                  <a:schemeClr val="accent2">
+                    <a:lumMod val="75000"/>
+                  </a:schemeClr>
+                </a:solidFill>
+              </a:rPr>
+              <a:t>–</a:t>
+            </a:r>
+            <a:r>
+              <a:rPr lang="zh-TW" altLang="en-US" sz="1400" dirty="0">
+                <a:solidFill>
+                  <a:schemeClr val="accent2">
+                    <a:lumMod val="75000"/>
+                  </a:schemeClr>
+                </a:solidFill>
+              </a:rPr>
+              <a:t> 非暴露</a:t>
+            </a:r>
+            <a:r>
+              <a:rPr lang="en-US" altLang="zh-TW" sz="1400" dirty="0">
+                <a:solidFill>
+                  <a:schemeClr val="accent2">
+                    <a:lumMod val="75000"/>
+                  </a:schemeClr>
+                </a:solidFill>
+              </a:rPr>
+              <a:t>)</a:t>
+            </a:r>
+            <a:endParaRPr lang="zh-TW" altLang="en-US" sz="1400" dirty="0">
+              <a:solidFill>
+                <a:schemeClr val="accent2">
+                  <a:lumMod val="75000"/>
+                </a:schemeClr>
+              </a:solidFill>
+            </a:endParaRPr>
+          </a:p>
+        </p:txBody>
+      </p:sp>
+      <p:sp>
+        <p:nvSpPr>
+          <p:cNvPr id="9" name="文字方塊 8">
+            <a:extLst>
+              <a:ext uri="{FF2B5EF4-FFF2-40B4-BE49-F238E27FC236}">
+                <a16:creationId xmlns:a16="http://schemas.microsoft.com/office/drawing/2014/main" id="{6474B17F-1207-4164-9981-D8111B6FEC95}"/>
+              </a:ext>
+            </a:extLst>
+          </p:cNvPr>
+          <p:cNvSpPr txBox="1"/>
+          <p:nvPr/>
+        </p:nvSpPr>
+        <p:spPr>
+          <a:xfrm>
+            <a:off x="720434" y="3291216"/>
+            <a:ext cx="3708689" cy="307777"/>
+          </a:xfrm>
+          <a:prstGeom prst="rect">
+            <a:avLst/>
+          </a:prstGeom>
+          <a:noFill/>
+        </p:spPr>
+        <p:txBody>
+          <a:bodyPr wrap="square" rtlCol="0">
+            <a:spAutoFit/>
+          </a:bodyPr>
+          <a:lstStyle/>
+          <a:p>
+            <a:r>
+              <a:rPr lang="zh-TW" altLang="en-US" sz="1400" dirty="0">
+                <a:solidFill>
+                  <a:schemeClr val="accent2">
+                    <a:lumMod val="75000"/>
+                  </a:schemeClr>
+                </a:solidFill>
+              </a:rPr>
+              <a:t>睡眠中</a:t>
+            </a:r>
+            <a:r>
+              <a:rPr lang="en-US" altLang="zh-TW" sz="1400" dirty="0">
+                <a:solidFill>
+                  <a:schemeClr val="accent2">
+                    <a:lumMod val="75000"/>
+                  </a:schemeClr>
+                </a:solidFill>
+              </a:rPr>
+              <a:t>cortisol</a:t>
+            </a:r>
+            <a:r>
+              <a:rPr lang="zh-TW" altLang="en-US" sz="1400" dirty="0">
+                <a:solidFill>
+                  <a:schemeClr val="accent2">
+                    <a:lumMod val="75000"/>
+                  </a:schemeClr>
+                </a:solidFill>
+              </a:rPr>
+              <a:t>變化量</a:t>
+            </a:r>
+          </a:p>
+        </p:txBody>
+      </p:sp>
+    </p:spTree>
+    <p:extLst>
+      <p:ext uri="{BB962C8B-B14F-4D97-AF65-F5344CB8AC3E}">
+        <p14:creationId xmlns:p14="http://schemas.microsoft.com/office/powerpoint/2010/main" val="989824843"/>
+      </p:ext>
+    </p:extLst>
+  </p:cSld>
+  <p:clrMapOvr>
+    <a:masterClrMapping/>
+  </p:clrMapOvr>
+</p:sld>
+</file>
+
+<file path=ppt/slides/slide15.xml><?xml version="1.0" encoding="utf-8"?>
+<p:sld xmlns:a="http://schemas.openxmlformats.org/drawingml/2006/main" xmlns:r="http://schemas.openxmlformats.org/officeDocument/2006/relationships" xmlns:p="http://schemas.openxmlformats.org/presentationml/2006/main">
+  <p:cSld>
+    <p:spTree>
+      <p:nvGrpSpPr>
+        <p:cNvPr id="1" name=""/>
+        <p:cNvGrpSpPr/>
+        <p:nvPr/>
+      </p:nvGrpSpPr>
+      <p:grpSpPr>
+        <a:xfrm>
+          <a:off x="0" y="0"/>
+          <a:ext cx="0" cy="0"/>
+          <a:chOff x="0" y="0"/>
+          <a:chExt cx="0" cy="0"/>
+        </a:xfrm>
+      </p:grpSpPr>
+      <p:sp>
+        <p:nvSpPr>
+          <p:cNvPr id="2" name="標題 1">
+            <a:extLst>
+              <a:ext uri="{FF2B5EF4-FFF2-40B4-BE49-F238E27FC236}">
+                <a16:creationId xmlns:a16="http://schemas.microsoft.com/office/drawing/2014/main" id="{1A53F928-205A-4B26-A70F-B045E27D4520}"/>
+              </a:ext>
+            </a:extLst>
+          </p:cNvPr>
+          <p:cNvSpPr>
+            <a:spLocks noGrp="1"/>
+          </p:cNvSpPr>
+          <p:nvPr>
+            <p:ph type="title"/>
+          </p:nvPr>
+        </p:nvSpPr>
+        <p:spPr/>
+        <p:txBody>
+          <a:bodyPr/>
+          <a:lstStyle/>
+          <a:p>
+            <a:r>
+              <a:rPr lang="zh-TW" altLang="en-US" dirty="0"/>
+              <a:t>睡眠過程</a:t>
+            </a:r>
+            <a:r>
+              <a:rPr lang="en-US" altLang="zh-TW" dirty="0"/>
+              <a:t>Cortisol</a:t>
+            </a:r>
+            <a:r>
+              <a:rPr lang="zh-TW" altLang="en-US" dirty="0"/>
+              <a:t>變化量</a:t>
+            </a:r>
+          </a:p>
+        </p:txBody>
+      </p:sp>
+      <p:sp>
+        <p:nvSpPr>
+          <p:cNvPr id="3" name="內容版面配置區 2">
+            <a:extLst>
+              <a:ext uri="{FF2B5EF4-FFF2-40B4-BE49-F238E27FC236}">
+                <a16:creationId xmlns:a16="http://schemas.microsoft.com/office/drawing/2014/main" id="{7A69C8F0-103E-469E-8137-9E9DA9B95111}"/>
+              </a:ext>
+            </a:extLst>
+          </p:cNvPr>
+          <p:cNvSpPr>
+            <a:spLocks noGrp="1"/>
+          </p:cNvSpPr>
+          <p:nvPr>
+            <p:ph idx="1"/>
+          </p:nvPr>
+        </p:nvSpPr>
+        <p:spPr>
+          <a:xfrm>
+            <a:off x="720436" y="1321724"/>
+            <a:ext cx="10633364" cy="2790464"/>
+          </a:xfrm>
+        </p:spPr>
+        <p:txBody>
+          <a:bodyPr>
+            <a:normAutofit/>
+          </a:bodyPr>
+          <a:lstStyle/>
+          <a:p>
+            <a:r>
+              <a:rPr lang="zh-TW" altLang="en-US" dirty="0"/>
+              <a:t>下圖紅色部分為受噪音影響早晚</a:t>
+            </a:r>
+            <a:r>
+              <a:rPr lang="en-US" altLang="zh-TW" dirty="0"/>
+              <a:t>cortisol</a:t>
+            </a:r>
+            <a:r>
+              <a:rPr lang="zh-TW" altLang="en-US" dirty="0"/>
+              <a:t>都提高的族群，再進一步觀察可以發現此族群的早晨</a:t>
+            </a:r>
+            <a:r>
+              <a:rPr lang="en-US" altLang="zh-TW" dirty="0"/>
+              <a:t>cortisol</a:t>
+            </a:r>
+            <a:r>
+              <a:rPr lang="zh-TW" altLang="en-US" dirty="0"/>
+              <a:t>會非常明顯的提高很多</a:t>
+            </a:r>
+            <a:endParaRPr lang="en-US" altLang="zh-TW" dirty="0"/>
+          </a:p>
+          <a:p>
+            <a:r>
+              <a:rPr lang="zh-TW" altLang="en-US" dirty="0"/>
+              <a:t>與預期的假設結果相反，也許在高</a:t>
+            </a:r>
+            <a:r>
+              <a:rPr lang="en-US" altLang="zh-TW" dirty="0"/>
+              <a:t>cortisol</a:t>
+            </a:r>
+            <a:r>
+              <a:rPr lang="zh-TW" altLang="en-US" dirty="0"/>
+              <a:t>情況下入睡，身體為了適應隔天的高壓環境而產生比平常更多的</a:t>
+            </a:r>
+            <a:r>
+              <a:rPr lang="en-US" altLang="zh-TW" dirty="0"/>
+              <a:t>cortisol</a:t>
+            </a:r>
+          </a:p>
+          <a:p>
+            <a:r>
+              <a:rPr lang="zh-TW" altLang="en-US" dirty="0">
+                <a:solidFill>
+                  <a:srgbClr val="FF0000"/>
+                </a:solidFill>
+              </a:rPr>
+              <a:t>因此受噪音影響傍晚</a:t>
+            </a:r>
+            <a:r>
+              <a:rPr lang="en-US" altLang="zh-TW" dirty="0">
+                <a:solidFill>
+                  <a:srgbClr val="FF0000"/>
+                </a:solidFill>
+              </a:rPr>
+              <a:t>cortisol</a:t>
+            </a:r>
+            <a:r>
+              <a:rPr lang="zh-TW" altLang="en-US" dirty="0">
+                <a:solidFill>
+                  <a:srgbClr val="FF0000"/>
+                </a:solidFill>
+              </a:rPr>
+              <a:t>高者，隔天早晨</a:t>
+            </a:r>
+            <a:r>
+              <a:rPr lang="en-US" altLang="zh-TW" dirty="0">
+                <a:solidFill>
+                  <a:srgbClr val="FF0000"/>
+                </a:solidFill>
+              </a:rPr>
+              <a:t>cortisol</a:t>
+            </a:r>
+            <a:r>
+              <a:rPr lang="zh-TW" altLang="en-US" dirty="0">
+                <a:solidFill>
+                  <a:srgbClr val="FF0000"/>
+                </a:solidFill>
+              </a:rPr>
+              <a:t>會比無噪音下更高出不少</a:t>
+            </a:r>
+          </a:p>
+        </p:txBody>
+      </p:sp>
+      <p:sp>
+        <p:nvSpPr>
+          <p:cNvPr id="4" name="投影片編號版面配置區 3">
+            <a:extLst>
+              <a:ext uri="{FF2B5EF4-FFF2-40B4-BE49-F238E27FC236}">
+                <a16:creationId xmlns:a16="http://schemas.microsoft.com/office/drawing/2014/main" id="{B1B5FB65-83A7-41BA-99DB-A5A694C8D023}"/>
+              </a:ext>
+            </a:extLst>
+          </p:cNvPr>
+          <p:cNvSpPr>
+            <a:spLocks noGrp="1"/>
+          </p:cNvSpPr>
+          <p:nvPr>
+            <p:ph type="sldNum" sz="quarter" idx="12"/>
+          </p:nvPr>
+        </p:nvSpPr>
+        <p:spPr/>
+        <p:txBody>
+          <a:bodyPr/>
+          <a:lstStyle/>
+          <a:p>
+            <a:fld id="{F230EE04-BD3A-40AA-92AC-647453D5DADF}" type="slidenum">
+              <a:rPr lang="zh-TW" altLang="en-US" smtClean="0"/>
+              <a:t>15</a:t>
+            </a:fld>
+            <a:endParaRPr lang="zh-TW" altLang="en-US"/>
+          </a:p>
+        </p:txBody>
+      </p:sp>
+      <p:pic>
+        <p:nvPicPr>
+          <p:cNvPr id="7" name="圖片 6">
+            <a:extLst>
+              <a:ext uri="{FF2B5EF4-FFF2-40B4-BE49-F238E27FC236}">
+                <a16:creationId xmlns:a16="http://schemas.microsoft.com/office/drawing/2014/main" id="{4BA82CBC-7537-4725-8CBC-3BFC16E25426}"/>
+              </a:ext>
+            </a:extLst>
+          </p:cNvPr>
+          <p:cNvPicPr>
+            <a:picLocks noChangeAspect="1"/>
+          </p:cNvPicPr>
+          <p:nvPr/>
+        </p:nvPicPr>
+        <p:blipFill>
+          <a:blip r:embed="rId3"/>
+          <a:stretch>
+            <a:fillRect/>
+          </a:stretch>
+        </p:blipFill>
+        <p:spPr>
+          <a:xfrm>
+            <a:off x="390525" y="4112188"/>
+            <a:ext cx="11572875" cy="2135564"/>
+          </a:xfrm>
+          <a:prstGeom prst="rect">
+            <a:avLst/>
+          </a:prstGeom>
+        </p:spPr>
+      </p:pic>
+      <p:cxnSp>
+        <p:nvCxnSpPr>
+          <p:cNvPr id="10" name="直線接點 9">
+            <a:extLst>
+              <a:ext uri="{FF2B5EF4-FFF2-40B4-BE49-F238E27FC236}">
+                <a16:creationId xmlns:a16="http://schemas.microsoft.com/office/drawing/2014/main" id="{054F44E2-BCC4-4399-8CE9-65E7B42D283E}"/>
+              </a:ext>
+            </a:extLst>
+          </p:cNvPr>
+          <p:cNvCxnSpPr>
+            <a:cxnSpLocks/>
+          </p:cNvCxnSpPr>
+          <p:nvPr/>
+        </p:nvCxnSpPr>
+        <p:spPr>
+          <a:xfrm>
+            <a:off x="703635" y="6247752"/>
+            <a:ext cx="170859" cy="0"/>
+          </a:xfrm>
+          <a:prstGeom prst="line">
+            <a:avLst/>
+          </a:prstGeom>
+          <a:ln w="28575">
+            <a:solidFill>
+              <a:srgbClr val="FF0000"/>
+            </a:solidFill>
+          </a:ln>
+        </p:spPr>
+        <p:style>
+          <a:lnRef idx="1">
+            <a:schemeClr val="accent1"/>
+          </a:lnRef>
+          <a:fillRef idx="0">
+            <a:schemeClr val="accent1"/>
+          </a:fillRef>
+          <a:effectRef idx="0">
+            <a:schemeClr val="accent1"/>
+          </a:effectRef>
+          <a:fontRef idx="minor">
+            <a:schemeClr val="tx1"/>
+          </a:fontRef>
+        </p:style>
+      </p:cxnSp>
+      <p:cxnSp>
+        <p:nvCxnSpPr>
+          <p:cNvPr id="14" name="直線接點 13">
+            <a:extLst>
+              <a:ext uri="{FF2B5EF4-FFF2-40B4-BE49-F238E27FC236}">
+                <a16:creationId xmlns:a16="http://schemas.microsoft.com/office/drawing/2014/main" id="{89348BB8-633D-4EFC-AA7E-B19BC8AB61F0}"/>
+              </a:ext>
+            </a:extLst>
+          </p:cNvPr>
+          <p:cNvCxnSpPr>
+            <a:cxnSpLocks/>
+          </p:cNvCxnSpPr>
+          <p:nvPr/>
+        </p:nvCxnSpPr>
+        <p:spPr>
+          <a:xfrm>
+            <a:off x="1564694" y="6247752"/>
+            <a:ext cx="170859" cy="0"/>
+          </a:xfrm>
+          <a:prstGeom prst="line">
+            <a:avLst/>
+          </a:prstGeom>
+          <a:ln w="28575">
+            <a:solidFill>
+              <a:srgbClr val="FF0000"/>
+            </a:solidFill>
+          </a:ln>
+        </p:spPr>
+        <p:style>
+          <a:lnRef idx="1">
+            <a:schemeClr val="accent1"/>
+          </a:lnRef>
+          <a:fillRef idx="0">
+            <a:schemeClr val="accent1"/>
+          </a:fillRef>
+          <a:effectRef idx="0">
+            <a:schemeClr val="accent1"/>
+          </a:effectRef>
+          <a:fontRef idx="minor">
+            <a:schemeClr val="tx1"/>
+          </a:fontRef>
+        </p:style>
+      </p:cxnSp>
+      <p:cxnSp>
+        <p:nvCxnSpPr>
+          <p:cNvPr id="15" name="直線接點 14">
+            <a:extLst>
+              <a:ext uri="{FF2B5EF4-FFF2-40B4-BE49-F238E27FC236}">
+                <a16:creationId xmlns:a16="http://schemas.microsoft.com/office/drawing/2014/main" id="{7BFBFC35-7878-40A7-AD4E-3182AD1E399D}"/>
+              </a:ext>
+            </a:extLst>
+          </p:cNvPr>
+          <p:cNvCxnSpPr>
+            <a:cxnSpLocks/>
+          </p:cNvCxnSpPr>
+          <p:nvPr/>
+        </p:nvCxnSpPr>
+        <p:spPr>
+          <a:xfrm>
+            <a:off x="2998208" y="6247752"/>
+            <a:ext cx="170859" cy="0"/>
+          </a:xfrm>
+          <a:prstGeom prst="line">
+            <a:avLst/>
+          </a:prstGeom>
+          <a:ln w="28575">
+            <a:solidFill>
+              <a:srgbClr val="FF0000"/>
+            </a:solidFill>
+          </a:ln>
+        </p:spPr>
+        <p:style>
+          <a:lnRef idx="1">
+            <a:schemeClr val="accent1"/>
+          </a:lnRef>
+          <a:fillRef idx="0">
+            <a:schemeClr val="accent1"/>
+          </a:fillRef>
+          <a:effectRef idx="0">
+            <a:schemeClr val="accent1"/>
+          </a:effectRef>
+          <a:fontRef idx="minor">
+            <a:schemeClr val="tx1"/>
+          </a:fontRef>
+        </p:style>
+      </p:cxnSp>
+      <p:cxnSp>
+        <p:nvCxnSpPr>
+          <p:cNvPr id="16" name="直線接點 15">
+            <a:extLst>
+              <a:ext uri="{FF2B5EF4-FFF2-40B4-BE49-F238E27FC236}">
+                <a16:creationId xmlns:a16="http://schemas.microsoft.com/office/drawing/2014/main" id="{78E62607-C20D-4BB0-A18C-ADCE0DED38D7}"/>
+              </a:ext>
+            </a:extLst>
+          </p:cNvPr>
+          <p:cNvCxnSpPr>
+            <a:cxnSpLocks/>
+          </p:cNvCxnSpPr>
+          <p:nvPr/>
+        </p:nvCxnSpPr>
+        <p:spPr>
+          <a:xfrm>
+            <a:off x="3292054" y="6247752"/>
+            <a:ext cx="170859" cy="0"/>
+          </a:xfrm>
+          <a:prstGeom prst="line">
+            <a:avLst/>
+          </a:prstGeom>
+          <a:ln w="28575">
+            <a:solidFill>
+              <a:srgbClr val="FF0000"/>
+            </a:solidFill>
+          </a:ln>
+        </p:spPr>
+        <p:style>
+          <a:lnRef idx="1">
+            <a:schemeClr val="accent1"/>
+          </a:lnRef>
+          <a:fillRef idx="0">
+            <a:schemeClr val="accent1"/>
+          </a:fillRef>
+          <a:effectRef idx="0">
+            <a:schemeClr val="accent1"/>
+          </a:effectRef>
+          <a:fontRef idx="minor">
+            <a:schemeClr val="tx1"/>
+          </a:fontRef>
+        </p:style>
+      </p:cxnSp>
+      <p:cxnSp>
+        <p:nvCxnSpPr>
+          <p:cNvPr id="17" name="直線接點 16">
+            <a:extLst>
+              <a:ext uri="{FF2B5EF4-FFF2-40B4-BE49-F238E27FC236}">
+                <a16:creationId xmlns:a16="http://schemas.microsoft.com/office/drawing/2014/main" id="{CB16C31E-7EAE-4594-8B5B-8754C9AB99CA}"/>
+              </a:ext>
+            </a:extLst>
+          </p:cNvPr>
+          <p:cNvCxnSpPr>
+            <a:cxnSpLocks/>
+          </p:cNvCxnSpPr>
+          <p:nvPr/>
+        </p:nvCxnSpPr>
+        <p:spPr>
+          <a:xfrm>
+            <a:off x="3587806" y="6247752"/>
+            <a:ext cx="170859" cy="0"/>
+          </a:xfrm>
+          <a:prstGeom prst="line">
+            <a:avLst/>
+          </a:prstGeom>
+          <a:ln w="28575">
+            <a:solidFill>
+              <a:srgbClr val="FF0000"/>
+            </a:solidFill>
+          </a:ln>
+        </p:spPr>
+        <p:style>
+          <a:lnRef idx="1">
+            <a:schemeClr val="accent1"/>
+          </a:lnRef>
+          <a:fillRef idx="0">
+            <a:schemeClr val="accent1"/>
+          </a:fillRef>
+          <a:effectRef idx="0">
+            <a:schemeClr val="accent1"/>
+          </a:effectRef>
+          <a:fontRef idx="minor">
+            <a:schemeClr val="tx1"/>
+          </a:fontRef>
+        </p:style>
+      </p:cxnSp>
+      <p:cxnSp>
+        <p:nvCxnSpPr>
+          <p:cNvPr id="18" name="直線接點 17">
+            <a:extLst>
+              <a:ext uri="{FF2B5EF4-FFF2-40B4-BE49-F238E27FC236}">
+                <a16:creationId xmlns:a16="http://schemas.microsoft.com/office/drawing/2014/main" id="{0D3A49F9-1311-486B-A380-CC3259B23341}"/>
+              </a:ext>
+            </a:extLst>
+          </p:cNvPr>
+          <p:cNvCxnSpPr>
+            <a:cxnSpLocks/>
+          </p:cNvCxnSpPr>
+          <p:nvPr/>
+        </p:nvCxnSpPr>
+        <p:spPr>
+          <a:xfrm>
+            <a:off x="4447436" y="6247752"/>
+            <a:ext cx="170859" cy="0"/>
+          </a:xfrm>
+          <a:prstGeom prst="line">
+            <a:avLst/>
+          </a:prstGeom>
+          <a:ln w="28575">
+            <a:solidFill>
+              <a:srgbClr val="FF0000"/>
+            </a:solidFill>
+          </a:ln>
+        </p:spPr>
+        <p:style>
+          <a:lnRef idx="1">
+            <a:schemeClr val="accent1"/>
+          </a:lnRef>
+          <a:fillRef idx="0">
+            <a:schemeClr val="accent1"/>
+          </a:fillRef>
+          <a:effectRef idx="0">
+            <a:schemeClr val="accent1"/>
+          </a:effectRef>
+          <a:fontRef idx="minor">
+            <a:schemeClr val="tx1"/>
+          </a:fontRef>
+        </p:style>
+      </p:cxnSp>
+      <p:cxnSp>
+        <p:nvCxnSpPr>
+          <p:cNvPr id="19" name="直線接點 18">
+            <a:extLst>
+              <a:ext uri="{FF2B5EF4-FFF2-40B4-BE49-F238E27FC236}">
+                <a16:creationId xmlns:a16="http://schemas.microsoft.com/office/drawing/2014/main" id="{6DE63C80-6DE7-4B41-82A3-336775D8B29A}"/>
+              </a:ext>
+            </a:extLst>
+          </p:cNvPr>
+          <p:cNvCxnSpPr>
+            <a:cxnSpLocks/>
+          </p:cNvCxnSpPr>
+          <p:nvPr/>
+        </p:nvCxnSpPr>
+        <p:spPr>
+          <a:xfrm>
+            <a:off x="4736996" y="6247752"/>
+            <a:ext cx="170859" cy="0"/>
+          </a:xfrm>
+          <a:prstGeom prst="line">
+            <a:avLst/>
+          </a:prstGeom>
+          <a:ln w="28575">
+            <a:solidFill>
+              <a:srgbClr val="FF0000"/>
+            </a:solidFill>
+          </a:ln>
+        </p:spPr>
+        <p:style>
+          <a:lnRef idx="1">
+            <a:schemeClr val="accent1"/>
+          </a:lnRef>
+          <a:fillRef idx="0">
+            <a:schemeClr val="accent1"/>
+          </a:fillRef>
+          <a:effectRef idx="0">
+            <a:schemeClr val="accent1"/>
+          </a:effectRef>
+          <a:fontRef idx="minor">
+            <a:schemeClr val="tx1"/>
+          </a:fontRef>
+        </p:style>
+      </p:cxnSp>
+      <p:cxnSp>
+        <p:nvCxnSpPr>
+          <p:cNvPr id="20" name="直線接點 19">
+            <a:extLst>
+              <a:ext uri="{FF2B5EF4-FFF2-40B4-BE49-F238E27FC236}">
+                <a16:creationId xmlns:a16="http://schemas.microsoft.com/office/drawing/2014/main" id="{7FE0479E-4E35-4CBC-AE38-22B8FA2140E5}"/>
+              </a:ext>
+            </a:extLst>
+          </p:cNvPr>
+          <p:cNvCxnSpPr>
+            <a:cxnSpLocks/>
+          </p:cNvCxnSpPr>
+          <p:nvPr/>
+        </p:nvCxnSpPr>
+        <p:spPr>
+          <a:xfrm>
+            <a:off x="5032748" y="6247752"/>
+            <a:ext cx="170859" cy="0"/>
+          </a:xfrm>
+          <a:prstGeom prst="line">
+            <a:avLst/>
+          </a:prstGeom>
+          <a:ln w="28575">
+            <a:solidFill>
+              <a:srgbClr val="FF0000"/>
+            </a:solidFill>
+          </a:ln>
+        </p:spPr>
+        <p:style>
+          <a:lnRef idx="1">
+            <a:schemeClr val="accent1"/>
+          </a:lnRef>
+          <a:fillRef idx="0">
+            <a:schemeClr val="accent1"/>
+          </a:fillRef>
+          <a:effectRef idx="0">
+            <a:schemeClr val="accent1"/>
+          </a:effectRef>
+          <a:fontRef idx="minor">
+            <a:schemeClr val="tx1"/>
+          </a:fontRef>
+        </p:style>
+      </p:cxnSp>
+      <p:cxnSp>
+        <p:nvCxnSpPr>
+          <p:cNvPr id="21" name="直線接點 20">
+            <a:extLst>
+              <a:ext uri="{FF2B5EF4-FFF2-40B4-BE49-F238E27FC236}">
+                <a16:creationId xmlns:a16="http://schemas.microsoft.com/office/drawing/2014/main" id="{5A2B50BF-2BB2-47A7-885E-94795CB320AC}"/>
+              </a:ext>
+            </a:extLst>
+          </p:cNvPr>
+          <p:cNvCxnSpPr>
+            <a:cxnSpLocks/>
+          </p:cNvCxnSpPr>
+          <p:nvPr/>
+        </p:nvCxnSpPr>
+        <p:spPr>
+          <a:xfrm>
+            <a:off x="5327547" y="6247752"/>
+            <a:ext cx="170859" cy="0"/>
+          </a:xfrm>
+          <a:prstGeom prst="line">
+            <a:avLst/>
+          </a:prstGeom>
+          <a:ln w="28575">
+            <a:solidFill>
+              <a:srgbClr val="FF0000"/>
+            </a:solidFill>
+          </a:ln>
+        </p:spPr>
+        <p:style>
+          <a:lnRef idx="1">
+            <a:schemeClr val="accent1"/>
+          </a:lnRef>
+          <a:fillRef idx="0">
+            <a:schemeClr val="accent1"/>
+          </a:fillRef>
+          <a:effectRef idx="0">
+            <a:schemeClr val="accent1"/>
+          </a:effectRef>
+          <a:fontRef idx="minor">
+            <a:schemeClr val="tx1"/>
+          </a:fontRef>
+        </p:style>
+      </p:cxnSp>
+      <p:cxnSp>
+        <p:nvCxnSpPr>
+          <p:cNvPr id="22" name="直線接點 21">
+            <a:extLst>
+              <a:ext uri="{FF2B5EF4-FFF2-40B4-BE49-F238E27FC236}">
+                <a16:creationId xmlns:a16="http://schemas.microsoft.com/office/drawing/2014/main" id="{5087A1BE-E90B-46DB-9C74-BA4CCB4BD7AC}"/>
+              </a:ext>
+            </a:extLst>
+          </p:cNvPr>
+          <p:cNvCxnSpPr>
+            <a:cxnSpLocks/>
+          </p:cNvCxnSpPr>
+          <p:nvPr/>
+        </p:nvCxnSpPr>
+        <p:spPr>
+          <a:xfrm>
+            <a:off x="5599010" y="6247752"/>
+            <a:ext cx="170859" cy="0"/>
+          </a:xfrm>
+          <a:prstGeom prst="line">
+            <a:avLst/>
+          </a:prstGeom>
+          <a:ln w="28575">
+            <a:solidFill>
+              <a:srgbClr val="FF0000"/>
+            </a:solidFill>
+          </a:ln>
+        </p:spPr>
+        <p:style>
+          <a:lnRef idx="1">
+            <a:schemeClr val="accent1"/>
+          </a:lnRef>
+          <a:fillRef idx="0">
+            <a:schemeClr val="accent1"/>
+          </a:fillRef>
+          <a:effectRef idx="0">
+            <a:schemeClr val="accent1"/>
+          </a:effectRef>
+          <a:fontRef idx="minor">
+            <a:schemeClr val="tx1"/>
+          </a:fontRef>
+        </p:style>
+      </p:cxnSp>
+      <p:cxnSp>
+        <p:nvCxnSpPr>
+          <p:cNvPr id="23" name="直線接點 22">
+            <a:extLst>
+              <a:ext uri="{FF2B5EF4-FFF2-40B4-BE49-F238E27FC236}">
+                <a16:creationId xmlns:a16="http://schemas.microsoft.com/office/drawing/2014/main" id="{1C04A766-A8CE-4376-9F51-3F5C96C4B38D}"/>
+              </a:ext>
+            </a:extLst>
+          </p:cNvPr>
+          <p:cNvCxnSpPr>
+            <a:cxnSpLocks/>
+          </p:cNvCxnSpPr>
+          <p:nvPr/>
+        </p:nvCxnSpPr>
+        <p:spPr>
+          <a:xfrm>
+            <a:off x="6162412" y="6247752"/>
+            <a:ext cx="170859" cy="0"/>
+          </a:xfrm>
+          <a:prstGeom prst="line">
+            <a:avLst/>
+          </a:prstGeom>
+          <a:ln w="28575">
+            <a:solidFill>
+              <a:srgbClr val="FF0000"/>
+            </a:solidFill>
+          </a:ln>
+        </p:spPr>
+        <p:style>
+          <a:lnRef idx="1">
+            <a:schemeClr val="accent1"/>
+          </a:lnRef>
+          <a:fillRef idx="0">
+            <a:schemeClr val="accent1"/>
+          </a:fillRef>
+          <a:effectRef idx="0">
+            <a:schemeClr val="accent1"/>
+          </a:effectRef>
+          <a:fontRef idx="minor">
+            <a:schemeClr val="tx1"/>
+          </a:fontRef>
+        </p:style>
+      </p:cxnSp>
+      <p:cxnSp>
+        <p:nvCxnSpPr>
+          <p:cNvPr id="24" name="直線接點 23">
+            <a:extLst>
+              <a:ext uri="{FF2B5EF4-FFF2-40B4-BE49-F238E27FC236}">
+                <a16:creationId xmlns:a16="http://schemas.microsoft.com/office/drawing/2014/main" id="{FBFA1D89-A620-41BD-8BDC-6576753AD324}"/>
+              </a:ext>
+            </a:extLst>
+          </p:cNvPr>
+          <p:cNvCxnSpPr>
+            <a:cxnSpLocks/>
+          </p:cNvCxnSpPr>
+          <p:nvPr/>
+        </p:nvCxnSpPr>
+        <p:spPr>
+          <a:xfrm>
+            <a:off x="7890247" y="6247752"/>
+            <a:ext cx="170859" cy="0"/>
+          </a:xfrm>
+          <a:prstGeom prst="line">
+            <a:avLst/>
+          </a:prstGeom>
+          <a:ln w="28575">
+            <a:solidFill>
+              <a:srgbClr val="FF0000"/>
+            </a:solidFill>
+          </a:ln>
+        </p:spPr>
+        <p:style>
+          <a:lnRef idx="1">
+            <a:schemeClr val="accent1"/>
+          </a:lnRef>
+          <a:fillRef idx="0">
+            <a:schemeClr val="accent1"/>
+          </a:fillRef>
+          <a:effectRef idx="0">
+            <a:schemeClr val="accent1"/>
+          </a:effectRef>
+          <a:fontRef idx="minor">
+            <a:schemeClr val="tx1"/>
+          </a:fontRef>
+        </p:style>
+      </p:cxnSp>
+      <p:cxnSp>
+        <p:nvCxnSpPr>
+          <p:cNvPr id="25" name="直線接點 24">
+            <a:extLst>
+              <a:ext uri="{FF2B5EF4-FFF2-40B4-BE49-F238E27FC236}">
+                <a16:creationId xmlns:a16="http://schemas.microsoft.com/office/drawing/2014/main" id="{C040B33F-1901-43E5-981A-8DBCA9A0AD5F}"/>
+              </a:ext>
+            </a:extLst>
+          </p:cNvPr>
+          <p:cNvCxnSpPr>
+            <a:cxnSpLocks/>
+          </p:cNvCxnSpPr>
+          <p:nvPr/>
+        </p:nvCxnSpPr>
+        <p:spPr>
+          <a:xfrm>
+            <a:off x="8477463" y="6247752"/>
+            <a:ext cx="170859" cy="0"/>
+          </a:xfrm>
+          <a:prstGeom prst="line">
+            <a:avLst/>
+          </a:prstGeom>
+          <a:ln w="28575">
+            <a:solidFill>
+              <a:srgbClr val="FF0000"/>
+            </a:solidFill>
+          </a:ln>
+        </p:spPr>
+        <p:style>
+          <a:lnRef idx="1">
+            <a:schemeClr val="accent1"/>
+          </a:lnRef>
+          <a:fillRef idx="0">
+            <a:schemeClr val="accent1"/>
+          </a:fillRef>
+          <a:effectRef idx="0">
+            <a:schemeClr val="accent1"/>
+          </a:effectRef>
+          <a:fontRef idx="minor">
+            <a:schemeClr val="tx1"/>
+          </a:fontRef>
+        </p:style>
+      </p:cxnSp>
+      <p:cxnSp>
+        <p:nvCxnSpPr>
+          <p:cNvPr id="26" name="直線接點 25">
+            <a:extLst>
+              <a:ext uri="{FF2B5EF4-FFF2-40B4-BE49-F238E27FC236}">
+                <a16:creationId xmlns:a16="http://schemas.microsoft.com/office/drawing/2014/main" id="{0EC7E675-AA6A-485B-81AD-B87568CB72B3}"/>
+              </a:ext>
+            </a:extLst>
+          </p:cNvPr>
+          <p:cNvCxnSpPr>
+            <a:cxnSpLocks/>
+          </p:cNvCxnSpPr>
+          <p:nvPr/>
+        </p:nvCxnSpPr>
+        <p:spPr>
+          <a:xfrm>
+            <a:off x="8761785" y="6247752"/>
+            <a:ext cx="170859" cy="0"/>
+          </a:xfrm>
+          <a:prstGeom prst="line">
+            <a:avLst/>
+          </a:prstGeom>
+          <a:ln w="28575">
+            <a:solidFill>
+              <a:srgbClr val="FF0000"/>
+            </a:solidFill>
+          </a:ln>
+        </p:spPr>
+        <p:style>
+          <a:lnRef idx="1">
+            <a:schemeClr val="accent1"/>
+          </a:lnRef>
+          <a:fillRef idx="0">
+            <a:schemeClr val="accent1"/>
+          </a:fillRef>
+          <a:effectRef idx="0">
+            <a:schemeClr val="accent1"/>
+          </a:effectRef>
+          <a:fontRef idx="minor">
+            <a:schemeClr val="tx1"/>
+          </a:fontRef>
+        </p:style>
+      </p:cxnSp>
+      <p:cxnSp>
+        <p:nvCxnSpPr>
+          <p:cNvPr id="27" name="直線接點 26">
+            <a:extLst>
+              <a:ext uri="{FF2B5EF4-FFF2-40B4-BE49-F238E27FC236}">
+                <a16:creationId xmlns:a16="http://schemas.microsoft.com/office/drawing/2014/main" id="{5835EB39-FADC-4892-A410-DA710586832B}"/>
+              </a:ext>
+            </a:extLst>
+          </p:cNvPr>
+          <p:cNvCxnSpPr>
+            <a:cxnSpLocks/>
+          </p:cNvCxnSpPr>
+          <p:nvPr/>
+        </p:nvCxnSpPr>
+        <p:spPr>
+          <a:xfrm>
+            <a:off x="9051345" y="6247752"/>
+            <a:ext cx="170859" cy="0"/>
+          </a:xfrm>
+          <a:prstGeom prst="line">
+            <a:avLst/>
+          </a:prstGeom>
+          <a:ln w="28575">
+            <a:solidFill>
+              <a:srgbClr val="FF0000"/>
+            </a:solidFill>
+          </a:ln>
+        </p:spPr>
+        <p:style>
+          <a:lnRef idx="1">
+            <a:schemeClr val="accent1"/>
+          </a:lnRef>
+          <a:fillRef idx="0">
+            <a:schemeClr val="accent1"/>
+          </a:fillRef>
+          <a:effectRef idx="0">
+            <a:schemeClr val="accent1"/>
+          </a:effectRef>
+          <a:fontRef idx="minor">
+            <a:schemeClr val="tx1"/>
+          </a:fontRef>
+        </p:style>
+      </p:cxnSp>
+      <p:cxnSp>
+        <p:nvCxnSpPr>
+          <p:cNvPr id="28" name="直線接點 27">
+            <a:extLst>
+              <a:ext uri="{FF2B5EF4-FFF2-40B4-BE49-F238E27FC236}">
+                <a16:creationId xmlns:a16="http://schemas.microsoft.com/office/drawing/2014/main" id="{B10FEE4D-9F7C-4F49-B5A6-F14ED41F2A84}"/>
+              </a:ext>
+            </a:extLst>
+          </p:cNvPr>
+          <p:cNvCxnSpPr>
+            <a:cxnSpLocks/>
+          </p:cNvCxnSpPr>
+          <p:nvPr/>
+        </p:nvCxnSpPr>
+        <p:spPr>
+          <a:xfrm>
+            <a:off x="9328047" y="6247752"/>
+            <a:ext cx="170859" cy="0"/>
+          </a:xfrm>
+          <a:prstGeom prst="line">
+            <a:avLst/>
+          </a:prstGeom>
+          <a:ln w="28575">
+            <a:solidFill>
+              <a:srgbClr val="FF0000"/>
+            </a:solidFill>
+          </a:ln>
+        </p:spPr>
+        <p:style>
+          <a:lnRef idx="1">
+            <a:schemeClr val="accent1"/>
+          </a:lnRef>
+          <a:fillRef idx="0">
+            <a:schemeClr val="accent1"/>
+          </a:fillRef>
+          <a:effectRef idx="0">
+            <a:schemeClr val="accent1"/>
+          </a:effectRef>
+          <a:fontRef idx="minor">
+            <a:schemeClr val="tx1"/>
+          </a:fontRef>
+        </p:style>
+      </p:cxnSp>
+      <p:cxnSp>
+        <p:nvCxnSpPr>
+          <p:cNvPr id="29" name="直線接點 28">
+            <a:extLst>
+              <a:ext uri="{FF2B5EF4-FFF2-40B4-BE49-F238E27FC236}">
+                <a16:creationId xmlns:a16="http://schemas.microsoft.com/office/drawing/2014/main" id="{E3000A60-6710-43B1-971C-221034E51907}"/>
+              </a:ext>
+            </a:extLst>
+          </p:cNvPr>
+          <p:cNvCxnSpPr>
+            <a:cxnSpLocks/>
+          </p:cNvCxnSpPr>
+          <p:nvPr/>
+        </p:nvCxnSpPr>
+        <p:spPr>
+          <a:xfrm>
+            <a:off x="9636180" y="6247752"/>
+            <a:ext cx="170859" cy="0"/>
+          </a:xfrm>
+          <a:prstGeom prst="line">
+            <a:avLst/>
+          </a:prstGeom>
+          <a:ln w="28575">
+            <a:solidFill>
+              <a:srgbClr val="FF0000"/>
+            </a:solidFill>
+          </a:ln>
+        </p:spPr>
+        <p:style>
+          <a:lnRef idx="1">
+            <a:schemeClr val="accent1"/>
+          </a:lnRef>
+          <a:fillRef idx="0">
+            <a:schemeClr val="accent1"/>
+          </a:fillRef>
+          <a:effectRef idx="0">
+            <a:schemeClr val="accent1"/>
+          </a:effectRef>
+          <a:fontRef idx="minor">
+            <a:schemeClr val="tx1"/>
+          </a:fontRef>
+        </p:style>
+      </p:cxnSp>
+      <p:cxnSp>
+        <p:nvCxnSpPr>
+          <p:cNvPr id="30" name="直線接點 29">
+            <a:extLst>
+              <a:ext uri="{FF2B5EF4-FFF2-40B4-BE49-F238E27FC236}">
+                <a16:creationId xmlns:a16="http://schemas.microsoft.com/office/drawing/2014/main" id="{A6166319-76D1-4EB6-9029-9B7519144EB3}"/>
+              </a:ext>
+            </a:extLst>
+          </p:cNvPr>
+          <p:cNvCxnSpPr>
+            <a:cxnSpLocks/>
+          </p:cNvCxnSpPr>
+          <p:nvPr/>
+        </p:nvCxnSpPr>
+        <p:spPr>
+          <a:xfrm>
+            <a:off x="10210537" y="6247752"/>
+            <a:ext cx="170859" cy="0"/>
+          </a:xfrm>
+          <a:prstGeom prst="line">
+            <a:avLst/>
+          </a:prstGeom>
+          <a:ln w="28575">
+            <a:solidFill>
+              <a:srgbClr val="FF0000"/>
+            </a:solidFill>
+          </a:ln>
+        </p:spPr>
+        <p:style>
+          <a:lnRef idx="1">
+            <a:schemeClr val="accent1"/>
+          </a:lnRef>
+          <a:fillRef idx="0">
+            <a:schemeClr val="accent1"/>
+          </a:fillRef>
+          <a:effectRef idx="0">
+            <a:schemeClr val="accent1"/>
+          </a:effectRef>
+          <a:fontRef idx="minor">
+            <a:schemeClr val="tx1"/>
+          </a:fontRef>
+        </p:style>
+      </p:cxnSp>
+      <p:cxnSp>
+        <p:nvCxnSpPr>
+          <p:cNvPr id="31" name="直線接點 30">
+            <a:extLst>
+              <a:ext uri="{FF2B5EF4-FFF2-40B4-BE49-F238E27FC236}">
+                <a16:creationId xmlns:a16="http://schemas.microsoft.com/office/drawing/2014/main" id="{F8EFE32D-5E43-41FA-B045-0FC42CA2BC4E}"/>
+              </a:ext>
+            </a:extLst>
+          </p:cNvPr>
+          <p:cNvCxnSpPr>
+            <a:cxnSpLocks/>
+          </p:cNvCxnSpPr>
+          <p:nvPr/>
+        </p:nvCxnSpPr>
+        <p:spPr>
+          <a:xfrm>
+            <a:off x="11085786" y="6247752"/>
+            <a:ext cx="170859" cy="0"/>
+          </a:xfrm>
+          <a:prstGeom prst="line">
+            <a:avLst/>
+          </a:prstGeom>
+          <a:ln w="28575">
+            <a:solidFill>
+              <a:srgbClr val="FF0000"/>
+            </a:solidFill>
+          </a:ln>
+        </p:spPr>
+        <p:style>
+          <a:lnRef idx="1">
+            <a:schemeClr val="accent1"/>
+          </a:lnRef>
+          <a:fillRef idx="0">
+            <a:schemeClr val="accent1"/>
+          </a:fillRef>
+          <a:effectRef idx="0">
+            <a:schemeClr val="accent1"/>
+          </a:effectRef>
+          <a:fontRef idx="minor">
+            <a:schemeClr val="tx1"/>
+          </a:fontRef>
+        </p:style>
+      </p:cxnSp>
+      <p:cxnSp>
+        <p:nvCxnSpPr>
+          <p:cNvPr id="32" name="直線接點 31">
+            <a:extLst>
+              <a:ext uri="{FF2B5EF4-FFF2-40B4-BE49-F238E27FC236}">
+                <a16:creationId xmlns:a16="http://schemas.microsoft.com/office/drawing/2014/main" id="{516470E8-7C10-44AC-9272-013451ADB665}"/>
+              </a:ext>
+            </a:extLst>
+          </p:cNvPr>
+          <p:cNvCxnSpPr>
+            <a:cxnSpLocks/>
+          </p:cNvCxnSpPr>
+          <p:nvPr/>
+        </p:nvCxnSpPr>
+        <p:spPr>
+          <a:xfrm>
+            <a:off x="11374017" y="6247752"/>
+            <a:ext cx="170859" cy="0"/>
+          </a:xfrm>
+          <a:prstGeom prst="line">
+            <a:avLst/>
+          </a:prstGeom>
+          <a:ln w="28575">
+            <a:solidFill>
+              <a:srgbClr val="FF0000"/>
+            </a:solidFill>
+          </a:ln>
+        </p:spPr>
+        <p:style>
+          <a:lnRef idx="1">
+            <a:schemeClr val="accent1"/>
+          </a:lnRef>
+          <a:fillRef idx="0">
+            <a:schemeClr val="accent1"/>
+          </a:fillRef>
+          <a:effectRef idx="0">
+            <a:schemeClr val="accent1"/>
+          </a:effectRef>
+          <a:fontRef idx="minor">
+            <a:schemeClr val="tx1"/>
+          </a:fontRef>
+        </p:style>
+      </p:cxnSp>
+      <p:cxnSp>
+        <p:nvCxnSpPr>
+          <p:cNvPr id="33" name="直線接點 32">
+            <a:extLst>
+              <a:ext uri="{FF2B5EF4-FFF2-40B4-BE49-F238E27FC236}">
+                <a16:creationId xmlns:a16="http://schemas.microsoft.com/office/drawing/2014/main" id="{D7D6AF24-957A-4E6F-A97F-1F5216343992}"/>
+              </a:ext>
+            </a:extLst>
+          </p:cNvPr>
+          <p:cNvCxnSpPr>
+            <a:cxnSpLocks/>
+          </p:cNvCxnSpPr>
+          <p:nvPr/>
+        </p:nvCxnSpPr>
+        <p:spPr>
+          <a:xfrm>
+            <a:off x="11656808" y="6247752"/>
+            <a:ext cx="170859" cy="0"/>
+          </a:xfrm>
+          <a:prstGeom prst="line">
+            <a:avLst/>
+          </a:prstGeom>
+          <a:ln w="28575">
+            <a:solidFill>
+              <a:srgbClr val="FF0000"/>
+            </a:solidFill>
+          </a:ln>
+        </p:spPr>
+        <p:style>
+          <a:lnRef idx="1">
+            <a:schemeClr val="accent1"/>
+          </a:lnRef>
+          <a:fillRef idx="0">
+            <a:schemeClr val="accent1"/>
+          </a:fillRef>
+          <a:effectRef idx="0">
+            <a:schemeClr val="accent1"/>
+          </a:effectRef>
+          <a:fontRef idx="minor">
+            <a:schemeClr val="tx1"/>
+          </a:fontRef>
+        </p:style>
+      </p:cxnSp>
+    </p:spTree>
+    <p:extLst>
+      <p:ext uri="{BB962C8B-B14F-4D97-AF65-F5344CB8AC3E}">
+        <p14:creationId xmlns:p14="http://schemas.microsoft.com/office/powerpoint/2010/main" val="2148338441"/>
+      </p:ext>
+    </p:extLst>
+  </p:cSld>
+  <p:clrMapOvr>
+    <a:masterClrMapping/>
+  </p:clrMapOvr>
+</p:sld>
+</file>
+
+<file path=ppt/slides/slide16.xml><?xml version="1.0" encoding="utf-8"?>
+<p:sld xmlns:a="http://schemas.openxmlformats.org/drawingml/2006/main" xmlns:r="http://schemas.openxmlformats.org/officeDocument/2006/relationships" xmlns:p="http://schemas.openxmlformats.org/presentationml/2006/main">
+  <p:cSld>
+    <p:spTree>
+      <p:nvGrpSpPr>
+        <p:cNvPr id="1" name=""/>
+        <p:cNvGrpSpPr/>
+        <p:nvPr/>
+      </p:nvGrpSpPr>
+      <p:grpSpPr>
+        <a:xfrm>
+          <a:off x="0" y="0"/>
+          <a:ext cx="0" cy="0"/>
+          <a:chOff x="0" y="0"/>
+          <a:chExt cx="0" cy="0"/>
+        </a:xfrm>
+      </p:grpSpPr>
+      <p:sp>
+        <p:nvSpPr>
+          <p:cNvPr id="2" name="標題 1">
+            <a:extLst>
+              <a:ext uri="{FF2B5EF4-FFF2-40B4-BE49-F238E27FC236}">
+                <a16:creationId xmlns:a16="http://schemas.microsoft.com/office/drawing/2014/main" id="{5F84B9F7-B03D-49FC-BEE5-33FE574666BB}"/>
+              </a:ext>
+            </a:extLst>
+          </p:cNvPr>
+          <p:cNvSpPr>
+            <a:spLocks noGrp="1"/>
+          </p:cNvSpPr>
+          <p:nvPr>
+            <p:ph type="title"/>
+          </p:nvPr>
+        </p:nvSpPr>
+        <p:spPr/>
+        <p:txBody>
+          <a:bodyPr/>
+          <a:lstStyle/>
+          <a:p>
+            <a:r>
+              <a:rPr lang="zh-TW" altLang="en-US" dirty="0"/>
+              <a:t>睡眠過程</a:t>
+            </a:r>
+            <a:r>
+              <a:rPr lang="en-US" altLang="zh-TW" dirty="0"/>
+              <a:t>Cortisol</a:t>
+            </a:r>
+            <a:r>
+              <a:rPr lang="zh-TW" altLang="en-US" dirty="0"/>
+              <a:t>變化量分群</a:t>
+            </a:r>
+          </a:p>
+        </p:txBody>
+      </p:sp>
+      <p:sp>
+        <p:nvSpPr>
+          <p:cNvPr id="3" name="內容版面配置區 2">
+            <a:extLst>
+              <a:ext uri="{FF2B5EF4-FFF2-40B4-BE49-F238E27FC236}">
+                <a16:creationId xmlns:a16="http://schemas.microsoft.com/office/drawing/2014/main" id="{D061F8B5-9BE2-4011-B78D-3C2BA83454B9}"/>
+              </a:ext>
+            </a:extLst>
+          </p:cNvPr>
+          <p:cNvSpPr>
+            <a:spLocks noGrp="1"/>
+          </p:cNvSpPr>
+          <p:nvPr>
+            <p:ph idx="1"/>
+          </p:nvPr>
+        </p:nvSpPr>
+        <p:spPr/>
+        <p:txBody>
+          <a:bodyPr/>
+          <a:lstStyle/>
+          <a:p>
+            <a:pPr marL="114300" indent="-342900">
+              <a:buFont typeface="Arial" panose="020B0604020202020204" pitchFamily="34" charset="0"/>
+              <a:buChar char="•"/>
+            </a:pPr>
+            <a:r>
+              <a:rPr lang="zh-TW" altLang="en-US" dirty="0"/>
+              <a:t>以半數為分界點</a:t>
+            </a:r>
+            <a:r>
+              <a:rPr lang="en-US" altLang="zh-TW" dirty="0"/>
+              <a:t>(</a:t>
+            </a:r>
+            <a:r>
+              <a:rPr lang="zh-TW" altLang="en-US" dirty="0"/>
+              <a:t>藍線</a:t>
+            </a:r>
+            <a:r>
+              <a:rPr lang="en-US" altLang="zh-TW" dirty="0"/>
+              <a:t>)</a:t>
+            </a:r>
+          </a:p>
+          <a:p>
+            <a:pPr marL="114300" indent="-342900">
+              <a:buFont typeface="Arial" panose="020B0604020202020204" pitchFamily="34" charset="0"/>
+              <a:buChar char="•"/>
+            </a:pPr>
+            <a:r>
+              <a:rPr lang="zh-TW" altLang="en-US" dirty="0"/>
+              <a:t>以變化量靠近</a:t>
+            </a:r>
+            <a:r>
+              <a:rPr lang="en-US" altLang="zh-TW" dirty="0"/>
+              <a:t>0</a:t>
+            </a:r>
+            <a:r>
+              <a:rPr lang="zh-TW" altLang="en-US" dirty="0"/>
+              <a:t>且有明顯落差處為一個分界點</a:t>
+            </a:r>
+            <a:r>
+              <a:rPr lang="en-US" altLang="zh-TW" dirty="0"/>
+              <a:t>(</a:t>
+            </a:r>
+            <a:r>
+              <a:rPr lang="zh-TW" altLang="en-US" dirty="0"/>
+              <a:t>綠線</a:t>
+            </a:r>
+            <a:r>
+              <a:rPr lang="en-US" altLang="zh-TW" dirty="0"/>
+              <a:t>)</a:t>
+            </a:r>
+          </a:p>
+        </p:txBody>
+      </p:sp>
+      <p:sp>
+        <p:nvSpPr>
+          <p:cNvPr id="4" name="投影片編號版面配置區 3">
+            <a:extLst>
+              <a:ext uri="{FF2B5EF4-FFF2-40B4-BE49-F238E27FC236}">
+                <a16:creationId xmlns:a16="http://schemas.microsoft.com/office/drawing/2014/main" id="{34281811-6398-4A02-BA33-C3AFCC47C348}"/>
+              </a:ext>
+            </a:extLst>
+          </p:cNvPr>
+          <p:cNvSpPr>
+            <a:spLocks noGrp="1"/>
+          </p:cNvSpPr>
+          <p:nvPr>
+            <p:ph type="sldNum" sz="quarter" idx="12"/>
+          </p:nvPr>
+        </p:nvSpPr>
+        <p:spPr/>
+        <p:txBody>
+          <a:bodyPr/>
+          <a:lstStyle/>
+          <a:p>
+            <a:fld id="{F230EE04-BD3A-40AA-92AC-647453D5DADF}" type="slidenum">
+              <a:rPr lang="zh-TW" altLang="en-US" smtClean="0"/>
+              <a:t>16</a:t>
+            </a:fld>
+            <a:endParaRPr lang="zh-TW" altLang="en-US"/>
+          </a:p>
+        </p:txBody>
+      </p:sp>
+      <p:pic>
+        <p:nvPicPr>
+          <p:cNvPr id="5" name="圖片 4">
+            <a:extLst>
+              <a:ext uri="{FF2B5EF4-FFF2-40B4-BE49-F238E27FC236}">
+                <a16:creationId xmlns:a16="http://schemas.microsoft.com/office/drawing/2014/main" id="{538D448B-EDFA-4C37-A715-7F5D5A723AC1}"/>
+              </a:ext>
+            </a:extLst>
+          </p:cNvPr>
+          <p:cNvPicPr>
+            <a:picLocks noChangeAspect="1"/>
+          </p:cNvPicPr>
+          <p:nvPr/>
+        </p:nvPicPr>
+        <p:blipFill>
+          <a:blip r:embed="rId2"/>
+          <a:stretch>
+            <a:fillRect/>
+          </a:stretch>
+        </p:blipFill>
+        <p:spPr>
+          <a:xfrm>
+            <a:off x="360220" y="3428313"/>
+            <a:ext cx="11353796" cy="2748650"/>
+          </a:xfrm>
+          <a:prstGeom prst="rect">
+            <a:avLst/>
+          </a:prstGeom>
+        </p:spPr>
+      </p:pic>
+      <p:cxnSp>
+        <p:nvCxnSpPr>
+          <p:cNvPr id="6" name="直線接點 5">
+            <a:extLst>
+              <a:ext uri="{FF2B5EF4-FFF2-40B4-BE49-F238E27FC236}">
+                <a16:creationId xmlns:a16="http://schemas.microsoft.com/office/drawing/2014/main" id="{69736DC5-BF27-446D-83D2-9582BE25EBB3}"/>
+              </a:ext>
+            </a:extLst>
+          </p:cNvPr>
+          <p:cNvCxnSpPr>
+            <a:cxnSpLocks/>
+          </p:cNvCxnSpPr>
+          <p:nvPr/>
+        </p:nvCxnSpPr>
+        <p:spPr>
+          <a:xfrm flipV="1">
+            <a:off x="4122820" y="3602488"/>
+            <a:ext cx="0" cy="2236337"/>
+          </a:xfrm>
+          <a:prstGeom prst="line">
+            <a:avLst/>
+          </a:prstGeom>
+          <a:ln w="28575">
+            <a:solidFill>
+              <a:schemeClr val="accent6">
+                <a:lumMod val="60000"/>
+                <a:lumOff val="40000"/>
+              </a:schemeClr>
+            </a:solidFill>
+          </a:ln>
+        </p:spPr>
+        <p:style>
+          <a:lnRef idx="1">
+            <a:schemeClr val="accent3"/>
+          </a:lnRef>
+          <a:fillRef idx="0">
+            <a:schemeClr val="accent3"/>
+          </a:fillRef>
+          <a:effectRef idx="0">
+            <a:schemeClr val="accent3"/>
+          </a:effectRef>
+          <a:fontRef idx="minor">
+            <a:schemeClr val="tx1"/>
+          </a:fontRef>
+        </p:style>
+      </p:cxnSp>
+      <p:cxnSp>
+        <p:nvCxnSpPr>
+          <p:cNvPr id="7" name="直線接點 6">
+            <a:extLst>
+              <a:ext uri="{FF2B5EF4-FFF2-40B4-BE49-F238E27FC236}">
+                <a16:creationId xmlns:a16="http://schemas.microsoft.com/office/drawing/2014/main" id="{00B49A31-4F1C-40FC-A59A-36A024868DE4}"/>
+              </a:ext>
+            </a:extLst>
+          </p:cNvPr>
+          <p:cNvCxnSpPr>
+            <a:cxnSpLocks/>
+          </p:cNvCxnSpPr>
+          <p:nvPr/>
+        </p:nvCxnSpPr>
+        <p:spPr>
+          <a:xfrm flipV="1">
+            <a:off x="6227845" y="3602488"/>
+            <a:ext cx="0" cy="2236337"/>
+          </a:xfrm>
+          <a:prstGeom prst="line">
+            <a:avLst/>
+          </a:prstGeom>
+          <a:ln w="28575">
+            <a:solidFill>
+              <a:schemeClr val="accent5">
+                <a:lumMod val="60000"/>
+                <a:lumOff val="40000"/>
+              </a:schemeClr>
+            </a:solidFill>
+          </a:ln>
+        </p:spPr>
+        <p:style>
+          <a:lnRef idx="1">
+            <a:schemeClr val="accent3"/>
+          </a:lnRef>
+          <a:fillRef idx="0">
+            <a:schemeClr val="accent3"/>
+          </a:fillRef>
+          <a:effectRef idx="0">
+            <a:schemeClr val="accent3"/>
+          </a:effectRef>
+          <a:fontRef idx="minor">
+            <a:schemeClr val="tx1"/>
+          </a:fontRef>
+        </p:style>
+      </p:cxnSp>
+      <p:sp>
+        <p:nvSpPr>
+          <p:cNvPr id="13" name="文字方塊 12">
+            <a:extLst>
+              <a:ext uri="{FF2B5EF4-FFF2-40B4-BE49-F238E27FC236}">
+                <a16:creationId xmlns:a16="http://schemas.microsoft.com/office/drawing/2014/main" id="{88F1D3E6-1C0D-4DDB-A92A-3C2D58192E2E}"/>
+              </a:ext>
+            </a:extLst>
+          </p:cNvPr>
+          <p:cNvSpPr txBox="1"/>
+          <p:nvPr/>
+        </p:nvSpPr>
+        <p:spPr>
+          <a:xfrm>
+            <a:off x="3256045" y="3749342"/>
+            <a:ext cx="952500" cy="276999"/>
+          </a:xfrm>
+          <a:prstGeom prst="rect">
+            <a:avLst/>
+          </a:prstGeom>
+          <a:noFill/>
+        </p:spPr>
+        <p:txBody>
+          <a:bodyPr wrap="square" rtlCol="0">
+            <a:spAutoFit/>
+          </a:bodyPr>
+          <a:lstStyle/>
+          <a:p>
+            <a:r>
+              <a:rPr lang="zh-TW" altLang="en-US" sz="1200" dirty="0"/>
+              <a:t>以</a:t>
+            </a:r>
+            <a:r>
+              <a:rPr lang="en-US" altLang="zh-TW" sz="1200" dirty="0"/>
+              <a:t>0</a:t>
+            </a:r>
+            <a:r>
+              <a:rPr lang="zh-TW" altLang="en-US" sz="1200" dirty="0"/>
+              <a:t>為區分</a:t>
+            </a:r>
+          </a:p>
+        </p:txBody>
+      </p:sp>
+      <p:sp>
+        <p:nvSpPr>
+          <p:cNvPr id="14" name="文字方塊 13">
+            <a:extLst>
+              <a:ext uri="{FF2B5EF4-FFF2-40B4-BE49-F238E27FC236}">
+                <a16:creationId xmlns:a16="http://schemas.microsoft.com/office/drawing/2014/main" id="{826C05E3-CE0F-4C92-890F-3CB050F0B776}"/>
+              </a:ext>
+            </a:extLst>
+          </p:cNvPr>
+          <p:cNvSpPr txBox="1"/>
+          <p:nvPr/>
+        </p:nvSpPr>
+        <p:spPr>
+          <a:xfrm>
+            <a:off x="6227845" y="3749342"/>
+            <a:ext cx="1181095" cy="276999"/>
+          </a:xfrm>
+          <a:prstGeom prst="rect">
+            <a:avLst/>
+          </a:prstGeom>
+          <a:noFill/>
+        </p:spPr>
+        <p:txBody>
+          <a:bodyPr wrap="square" rtlCol="0">
+            <a:spAutoFit/>
+          </a:bodyPr>
+          <a:lstStyle/>
+          <a:p>
+            <a:r>
+              <a:rPr lang="zh-TW" altLang="en-US" sz="1200" dirty="0"/>
+              <a:t>以半數為區分</a:t>
+            </a:r>
+          </a:p>
+        </p:txBody>
+      </p:sp>
+    </p:spTree>
+    <p:extLst>
+      <p:ext uri="{BB962C8B-B14F-4D97-AF65-F5344CB8AC3E}">
+        <p14:creationId xmlns:p14="http://schemas.microsoft.com/office/powerpoint/2010/main" val="3375305589"/>
+      </p:ext>
+    </p:extLst>
+  </p:cSld>
+  <p:clrMapOvr>
+    <a:masterClrMapping/>
+  </p:clrMapOvr>
+</p:sld>
+</file>
+
+<file path=ppt/slides/slide17.xml><?xml version="1.0" encoding="utf-8"?>
+<p:sld xmlns:a="http://schemas.openxmlformats.org/drawingml/2006/main" xmlns:r="http://schemas.openxmlformats.org/officeDocument/2006/relationships" xmlns:p="http://schemas.openxmlformats.org/presentationml/2006/main">
+  <p:cSld>
+    <p:spTree>
+      <p:nvGrpSpPr>
+        <p:cNvPr id="1" name=""/>
+        <p:cNvGrpSpPr/>
+        <p:nvPr/>
+      </p:nvGrpSpPr>
+      <p:grpSpPr>
+        <a:xfrm>
+          <a:off x="0" y="0"/>
+          <a:ext cx="0" cy="0"/>
+          <a:chOff x="0" y="0"/>
+          <a:chExt cx="0" cy="0"/>
+        </a:xfrm>
+      </p:grpSpPr>
+      <p:sp>
+        <p:nvSpPr>
+          <p:cNvPr id="2" name="標題 1">
+            <a:extLst>
+              <a:ext uri="{FF2B5EF4-FFF2-40B4-BE49-F238E27FC236}">
+                <a16:creationId xmlns:a16="http://schemas.microsoft.com/office/drawing/2014/main" id="{DD380983-BC0F-4DAF-AEBF-BFD6CEEB27F3}"/>
+              </a:ext>
+            </a:extLst>
+          </p:cNvPr>
+          <p:cNvSpPr>
+            <a:spLocks noGrp="1"/>
+          </p:cNvSpPr>
+          <p:nvPr>
+            <p:ph type="title"/>
+          </p:nvPr>
+        </p:nvSpPr>
+        <p:spPr/>
+        <p:txBody>
+          <a:bodyPr>
+            <a:normAutofit/>
+          </a:bodyPr>
+          <a:lstStyle/>
+          <a:p>
+            <a:r>
+              <a:rPr lang="zh-TW" altLang="en-US" sz="2800" dirty="0"/>
+              <a:t>睡眠過程</a:t>
+            </a:r>
+            <a:r>
+              <a:rPr lang="en-US" altLang="zh-TW" sz="2800" dirty="0"/>
+              <a:t>Cortisol</a:t>
+            </a:r>
+            <a:r>
+              <a:rPr lang="zh-TW" altLang="en-US" sz="2800" dirty="0"/>
+              <a:t>變化量分群</a:t>
+            </a:r>
+            <a:r>
+              <a:rPr lang="en-US" altLang="zh-TW" sz="2800" dirty="0"/>
+              <a:t>- </a:t>
+            </a:r>
+            <a:r>
+              <a:rPr lang="zh-TW" altLang="en-US" sz="2800" dirty="0"/>
+              <a:t>睡眠指標統計</a:t>
+            </a:r>
+            <a:r>
+              <a:rPr lang="en-US" altLang="zh-TW" sz="2800" dirty="0"/>
+              <a:t>(Mean</a:t>
+            </a:r>
+            <a:r>
+              <a:rPr lang="zh-TW" altLang="en-US" sz="2800" dirty="0"/>
+              <a:t>、</a:t>
+            </a:r>
+            <a:r>
+              <a:rPr lang="en-US" altLang="zh-TW" sz="2800" dirty="0"/>
+              <a:t>SD</a:t>
+            </a:r>
+            <a:r>
+              <a:rPr lang="zh-TW" altLang="en-US" sz="2800" dirty="0"/>
+              <a:t>、</a:t>
+            </a:r>
+            <a:r>
+              <a:rPr lang="en-US" altLang="zh-TW" sz="2800" dirty="0"/>
+              <a:t>p-value)</a:t>
+            </a:r>
+            <a:endParaRPr lang="zh-TW" altLang="en-US" sz="2800" dirty="0"/>
+          </a:p>
+        </p:txBody>
+      </p:sp>
+      <p:sp>
+        <p:nvSpPr>
+          <p:cNvPr id="4" name="投影片編號版面配置區 3">
+            <a:extLst>
+              <a:ext uri="{FF2B5EF4-FFF2-40B4-BE49-F238E27FC236}">
+                <a16:creationId xmlns:a16="http://schemas.microsoft.com/office/drawing/2014/main" id="{11DEEB29-E9A7-4E01-84C3-EEE6912E29EF}"/>
+              </a:ext>
+            </a:extLst>
+          </p:cNvPr>
+          <p:cNvSpPr>
+            <a:spLocks noGrp="1"/>
+          </p:cNvSpPr>
+          <p:nvPr>
+            <p:ph type="sldNum" sz="quarter" idx="12"/>
+          </p:nvPr>
+        </p:nvSpPr>
+        <p:spPr/>
+        <p:txBody>
+          <a:bodyPr/>
+          <a:lstStyle/>
+          <a:p>
+            <a:fld id="{F230EE04-BD3A-40AA-92AC-647453D5DADF}" type="slidenum">
+              <a:rPr lang="zh-TW" altLang="en-US" smtClean="0"/>
+              <a:t>17</a:t>
+            </a:fld>
+            <a:endParaRPr lang="zh-TW" altLang="en-US"/>
+          </a:p>
+        </p:txBody>
+      </p:sp>
+      <p:sp>
+        <p:nvSpPr>
+          <p:cNvPr id="5" name="內容版面配置區 2">
+            <a:extLst>
+              <a:ext uri="{FF2B5EF4-FFF2-40B4-BE49-F238E27FC236}">
+                <a16:creationId xmlns:a16="http://schemas.microsoft.com/office/drawing/2014/main" id="{2F4AB32B-62E7-4BF2-BEFB-D81B0C0F3A39}"/>
+              </a:ext>
+            </a:extLst>
+          </p:cNvPr>
+          <p:cNvSpPr>
+            <a:spLocks noGrp="1"/>
+          </p:cNvSpPr>
+          <p:nvPr>
+            <p:ph idx="1"/>
+          </p:nvPr>
+        </p:nvSpPr>
+        <p:spPr>
+          <a:xfrm>
+            <a:off x="720436" y="1321724"/>
+            <a:ext cx="10633364" cy="1431001"/>
+          </a:xfrm>
+        </p:spPr>
+        <p:txBody>
+          <a:bodyPr>
+            <a:normAutofit/>
+          </a:bodyPr>
+          <a:lstStyle/>
+          <a:p>
+            <a:r>
+              <a:rPr lang="en-US" altLang="zh-TW" dirty="0">
+                <a:solidFill>
+                  <a:schemeClr val="accent1"/>
+                </a:solidFill>
+              </a:rPr>
+              <a:t>20</a:t>
+            </a:r>
+            <a:r>
+              <a:rPr lang="zh-TW" altLang="en-US" dirty="0">
+                <a:solidFill>
+                  <a:schemeClr val="accent1"/>
+                </a:solidFill>
+              </a:rPr>
+              <a:t>筆低</a:t>
+            </a:r>
+            <a:r>
+              <a:rPr lang="zh-TW" altLang="en-US" sz="2400" dirty="0">
+                <a:solidFill>
+                  <a:schemeClr val="accent1"/>
+                </a:solidFill>
+              </a:rPr>
+              <a:t>睡眠過程</a:t>
+            </a:r>
+            <a:r>
+              <a:rPr lang="en-US" altLang="zh-TW" dirty="0">
+                <a:solidFill>
+                  <a:schemeClr val="accent1"/>
+                </a:solidFill>
+              </a:rPr>
+              <a:t>c</a:t>
+            </a:r>
+            <a:r>
+              <a:rPr lang="en-US" altLang="zh-TW" sz="2400" dirty="0">
+                <a:solidFill>
+                  <a:schemeClr val="accent1"/>
+                </a:solidFill>
+              </a:rPr>
+              <a:t>ortisol</a:t>
+            </a:r>
+            <a:r>
+              <a:rPr lang="zh-TW" altLang="en-US" dirty="0">
+                <a:solidFill>
+                  <a:schemeClr val="accent1"/>
+                </a:solidFill>
+              </a:rPr>
+              <a:t>變化量</a:t>
+            </a:r>
+            <a:r>
+              <a:rPr lang="zh-TW" altLang="en-US" dirty="0"/>
+              <a:t>與</a:t>
+            </a:r>
+            <a:r>
+              <a:rPr lang="en-US" altLang="zh-TW" dirty="0">
+                <a:solidFill>
+                  <a:schemeClr val="accent2"/>
+                </a:solidFill>
+              </a:rPr>
+              <a:t>19</a:t>
+            </a:r>
+            <a:r>
+              <a:rPr lang="zh-TW" altLang="en-US" dirty="0">
+                <a:solidFill>
+                  <a:schemeClr val="accent2"/>
+                </a:solidFill>
+              </a:rPr>
+              <a:t>筆高</a:t>
+            </a:r>
+            <a:r>
+              <a:rPr lang="zh-TW" altLang="en-US" sz="2400" dirty="0">
+                <a:solidFill>
+                  <a:schemeClr val="accent2"/>
+                </a:solidFill>
+              </a:rPr>
+              <a:t>睡眠過程</a:t>
+            </a:r>
+            <a:r>
+              <a:rPr lang="en-US" altLang="zh-TW" sz="2400" dirty="0">
+                <a:solidFill>
+                  <a:schemeClr val="accent2"/>
+                </a:solidFill>
+              </a:rPr>
+              <a:t>cortisol</a:t>
+            </a:r>
+            <a:r>
+              <a:rPr lang="zh-TW" altLang="en-US" dirty="0">
+                <a:solidFill>
+                  <a:schemeClr val="accent2"/>
+                </a:solidFill>
+              </a:rPr>
+              <a:t>變化量</a:t>
+            </a:r>
+            <a:r>
+              <a:rPr lang="zh-TW" altLang="en-US" dirty="0"/>
+              <a:t>做統計檢定</a:t>
+            </a:r>
+            <a:r>
+              <a:rPr lang="en-US" altLang="zh-TW" dirty="0"/>
+              <a:t>(two-tailed t-test)</a:t>
+            </a:r>
+          </a:p>
+        </p:txBody>
+      </p:sp>
+    </p:spTree>
+    <p:extLst>
+      <p:ext uri="{BB962C8B-B14F-4D97-AF65-F5344CB8AC3E}">
+        <p14:creationId xmlns:p14="http://schemas.microsoft.com/office/powerpoint/2010/main" val="2785892645"/>
+      </p:ext>
+    </p:extLst>
+  </p:cSld>
+  <p:clrMapOvr>
+    <a:masterClrMapping/>
+  </p:clrMapOvr>
+</p:sld>
+</file>
+
+<file path=ppt/slides/slide18.xml><?xml version="1.0" encoding="utf-8"?>
+<p:sld xmlns:a="http://schemas.openxmlformats.org/drawingml/2006/main" xmlns:r="http://schemas.openxmlformats.org/officeDocument/2006/relationships" xmlns:p="http://schemas.openxmlformats.org/presentationml/2006/main">
+  <p:cSld>
+    <p:spTree>
+      <p:nvGrpSpPr>
+        <p:cNvPr id="1" name=""/>
+        <p:cNvGrpSpPr/>
+        <p:nvPr/>
+      </p:nvGrpSpPr>
+      <p:grpSpPr>
+        <a:xfrm>
+          <a:off x="0" y="0"/>
+          <a:ext cx="0" cy="0"/>
+          <a:chOff x="0" y="0"/>
+          <a:chExt cx="0" cy="0"/>
+        </a:xfrm>
+      </p:grpSpPr>
+      <p:sp>
+        <p:nvSpPr>
+          <p:cNvPr id="2" name="標題 1">
+            <a:extLst>
+              <a:ext uri="{FF2B5EF4-FFF2-40B4-BE49-F238E27FC236}">
+                <a16:creationId xmlns:a16="http://schemas.microsoft.com/office/drawing/2014/main" id="{DD380983-BC0F-4DAF-AEBF-BFD6CEEB27F3}"/>
+              </a:ext>
+            </a:extLst>
+          </p:cNvPr>
+          <p:cNvSpPr>
+            <a:spLocks noGrp="1"/>
+          </p:cNvSpPr>
+          <p:nvPr>
+            <p:ph type="title"/>
+          </p:nvPr>
+        </p:nvSpPr>
+        <p:spPr/>
+        <p:txBody>
+          <a:bodyPr>
+            <a:normAutofit/>
+          </a:bodyPr>
+          <a:lstStyle/>
+          <a:p>
+            <a:r>
+              <a:rPr lang="zh-TW" altLang="en-US" sz="2800" dirty="0"/>
+              <a:t>睡眠過程</a:t>
+            </a:r>
+            <a:r>
+              <a:rPr lang="en-US" altLang="zh-TW" sz="2800" dirty="0"/>
+              <a:t>Cortisol</a:t>
+            </a:r>
+            <a:r>
+              <a:rPr lang="zh-TW" altLang="en-US" sz="2800" dirty="0"/>
+              <a:t>變化量分群</a:t>
+            </a:r>
+            <a:r>
+              <a:rPr lang="en-US" altLang="zh-TW" sz="2800" dirty="0"/>
+              <a:t>- </a:t>
+            </a:r>
+            <a:r>
+              <a:rPr lang="zh-TW" altLang="en-US" sz="2800" dirty="0"/>
+              <a:t>睡眠指標統計</a:t>
+            </a:r>
+            <a:r>
+              <a:rPr lang="en-US" altLang="zh-TW" sz="2800" dirty="0"/>
+              <a:t>(Mean</a:t>
+            </a:r>
+            <a:r>
+              <a:rPr lang="zh-TW" altLang="en-US" sz="2800" dirty="0"/>
+              <a:t>、</a:t>
+            </a:r>
+            <a:r>
+              <a:rPr lang="en-US" altLang="zh-TW" sz="2800" dirty="0"/>
+              <a:t>SD</a:t>
+            </a:r>
+            <a:r>
+              <a:rPr lang="zh-TW" altLang="en-US" sz="2800" dirty="0"/>
+              <a:t>、</a:t>
+            </a:r>
+            <a:r>
+              <a:rPr lang="en-US" altLang="zh-TW" sz="2800" dirty="0"/>
+              <a:t>p-value)</a:t>
+            </a:r>
+            <a:endParaRPr lang="zh-TW" altLang="en-US" sz="2800" dirty="0"/>
+          </a:p>
+        </p:txBody>
+      </p:sp>
+      <p:sp>
+        <p:nvSpPr>
+          <p:cNvPr id="4" name="投影片編號版面配置區 3">
+            <a:extLst>
+              <a:ext uri="{FF2B5EF4-FFF2-40B4-BE49-F238E27FC236}">
+                <a16:creationId xmlns:a16="http://schemas.microsoft.com/office/drawing/2014/main" id="{11DEEB29-E9A7-4E01-84C3-EEE6912E29EF}"/>
+              </a:ext>
+            </a:extLst>
+          </p:cNvPr>
+          <p:cNvSpPr>
+            <a:spLocks noGrp="1"/>
+          </p:cNvSpPr>
+          <p:nvPr>
+            <p:ph type="sldNum" sz="quarter" idx="12"/>
+          </p:nvPr>
+        </p:nvSpPr>
+        <p:spPr/>
+        <p:txBody>
+          <a:bodyPr/>
+          <a:lstStyle/>
+          <a:p>
+            <a:fld id="{F230EE04-BD3A-40AA-92AC-647453D5DADF}" type="slidenum">
+              <a:rPr lang="zh-TW" altLang="en-US" smtClean="0"/>
+              <a:t>18</a:t>
+            </a:fld>
+            <a:endParaRPr lang="zh-TW" altLang="en-US"/>
+          </a:p>
+        </p:txBody>
+      </p:sp>
+      <p:sp>
+        <p:nvSpPr>
+          <p:cNvPr id="5" name="內容版面配置區 2">
+            <a:extLst>
+              <a:ext uri="{FF2B5EF4-FFF2-40B4-BE49-F238E27FC236}">
+                <a16:creationId xmlns:a16="http://schemas.microsoft.com/office/drawing/2014/main" id="{2F4AB32B-62E7-4BF2-BEFB-D81B0C0F3A39}"/>
+              </a:ext>
+            </a:extLst>
+          </p:cNvPr>
+          <p:cNvSpPr>
+            <a:spLocks noGrp="1"/>
+          </p:cNvSpPr>
+          <p:nvPr>
+            <p:ph idx="1"/>
+          </p:nvPr>
+        </p:nvSpPr>
+        <p:spPr>
+          <a:xfrm>
+            <a:off x="720436" y="1321724"/>
+            <a:ext cx="10633364" cy="1431001"/>
+          </a:xfrm>
+        </p:spPr>
+        <p:txBody>
+          <a:bodyPr>
+            <a:normAutofit/>
+          </a:bodyPr>
+          <a:lstStyle/>
+          <a:p>
+            <a:r>
+              <a:rPr lang="en-US" altLang="zh-TW" dirty="0">
+                <a:solidFill>
+                  <a:schemeClr val="accent1"/>
+                </a:solidFill>
+              </a:rPr>
+              <a:t>12</a:t>
+            </a:r>
+            <a:r>
+              <a:rPr lang="zh-TW" altLang="en-US" dirty="0">
+                <a:solidFill>
+                  <a:schemeClr val="accent1"/>
+                </a:solidFill>
+              </a:rPr>
+              <a:t>筆低</a:t>
+            </a:r>
+            <a:r>
+              <a:rPr lang="zh-TW" altLang="en-US" sz="2400" dirty="0">
+                <a:solidFill>
+                  <a:schemeClr val="accent1"/>
+                </a:solidFill>
+              </a:rPr>
+              <a:t>睡眠過程</a:t>
+            </a:r>
+            <a:r>
+              <a:rPr lang="en-US" altLang="zh-TW" dirty="0">
+                <a:solidFill>
+                  <a:schemeClr val="accent1"/>
+                </a:solidFill>
+              </a:rPr>
+              <a:t>c</a:t>
+            </a:r>
+            <a:r>
+              <a:rPr lang="en-US" altLang="zh-TW" sz="2400" dirty="0">
+                <a:solidFill>
+                  <a:schemeClr val="accent1"/>
+                </a:solidFill>
+              </a:rPr>
+              <a:t>ortisol</a:t>
+            </a:r>
+            <a:r>
+              <a:rPr lang="zh-TW" altLang="en-US" dirty="0">
+                <a:solidFill>
+                  <a:schemeClr val="accent1"/>
+                </a:solidFill>
+              </a:rPr>
+              <a:t>變化量</a:t>
+            </a:r>
+            <a:r>
+              <a:rPr lang="zh-TW" altLang="en-US" dirty="0"/>
+              <a:t>與</a:t>
+            </a:r>
+            <a:r>
+              <a:rPr lang="en-US" altLang="zh-TW" dirty="0">
+                <a:solidFill>
+                  <a:schemeClr val="accent2"/>
+                </a:solidFill>
+              </a:rPr>
+              <a:t>27</a:t>
+            </a:r>
+            <a:r>
+              <a:rPr lang="zh-TW" altLang="en-US" dirty="0">
+                <a:solidFill>
+                  <a:schemeClr val="accent2"/>
+                </a:solidFill>
+              </a:rPr>
+              <a:t>筆高</a:t>
+            </a:r>
+            <a:r>
+              <a:rPr lang="zh-TW" altLang="en-US" sz="2400" dirty="0">
+                <a:solidFill>
+                  <a:schemeClr val="accent2"/>
+                </a:solidFill>
+              </a:rPr>
+              <a:t>睡眠過程</a:t>
+            </a:r>
+            <a:r>
+              <a:rPr lang="en-US" altLang="zh-TW" sz="2400" dirty="0">
+                <a:solidFill>
+                  <a:schemeClr val="accent2"/>
+                </a:solidFill>
+              </a:rPr>
+              <a:t>cortisol</a:t>
+            </a:r>
+            <a:r>
+              <a:rPr lang="zh-TW" altLang="en-US" dirty="0">
+                <a:solidFill>
+                  <a:schemeClr val="accent2"/>
+                </a:solidFill>
+              </a:rPr>
+              <a:t>變化量</a:t>
+            </a:r>
+            <a:r>
+              <a:rPr lang="zh-TW" altLang="en-US" dirty="0"/>
+              <a:t>做統計檢定</a:t>
+            </a:r>
+            <a:r>
+              <a:rPr lang="en-US" altLang="zh-TW" dirty="0"/>
+              <a:t>(two-tailed t-test)</a:t>
+            </a:r>
+          </a:p>
+        </p:txBody>
+      </p:sp>
+    </p:spTree>
+    <p:extLst>
+      <p:ext uri="{BB962C8B-B14F-4D97-AF65-F5344CB8AC3E}">
+        <p14:creationId xmlns:p14="http://schemas.microsoft.com/office/powerpoint/2010/main" val="892545337"/>
+      </p:ext>
+    </p:extLst>
+  </p:cSld>
+  <p:clrMapOvr>
+    <a:masterClrMapping/>
+  </p:clrMapOvr>
+</p:sld>
+</file>
+
 <file path=ppt/slides/slide2.xml><?xml version="1.0" encoding="utf-8"?>
 <p:sld xmlns:a="http://schemas.openxmlformats.org/drawingml/2006/main" xmlns:r="http://schemas.openxmlformats.org/officeDocument/2006/relationships" xmlns:p="http://schemas.openxmlformats.org/presentationml/2006/main">
   <p:cSld>
@@ -4288,7 +8605,7 @@
         <p:spPr>
           <a:xfrm>
             <a:off x="720436" y="1321724"/>
-            <a:ext cx="10633364" cy="1578792"/>
+            <a:ext cx="10633364" cy="1050001"/>
           </a:xfrm>
         </p:spPr>
         <p:txBody>
@@ -4298,65 +8615,49 @@
           <a:lstStyle/>
           <a:p>
             <a:r>
-              <a:rPr lang="en-US" altLang="zh-TW" dirty="0"/>
+              <a:rPr lang="en-US" altLang="zh-TW" dirty="0">
+                <a:solidFill>
+                  <a:schemeClr val="accent1"/>
+                </a:solidFill>
+              </a:rPr>
               <a:t>39</a:t>
             </a:r>
             <a:r>
-              <a:rPr lang="zh-TW" altLang="en-US" dirty="0"/>
-              <a:t>筆暴露噪音與</a:t>
-            </a:r>
-            <a:r>
-              <a:rPr lang="en-US" altLang="zh-TW" dirty="0"/>
+              <a:rPr lang="zh-TW" altLang="en-US" dirty="0">
+                <a:solidFill>
+                  <a:schemeClr val="accent1"/>
+                </a:solidFill>
+              </a:rPr>
+              <a:t>筆暴露噪音</a:t>
+            </a:r>
+            <a:r>
+              <a:rPr lang="zh-TW" altLang="en-US" dirty="0"/>
+              <a:t>與</a:t>
+            </a:r>
+            <a:r>
+              <a:rPr lang="en-US" altLang="zh-TW" dirty="0">
+                <a:solidFill>
+                  <a:schemeClr val="accent2"/>
+                </a:solidFill>
+              </a:rPr>
               <a:t>39</a:t>
             </a:r>
             <a:r>
-              <a:rPr lang="zh-TW" altLang="en-US" dirty="0"/>
-              <a:t>筆非暴露噪音做統計分析</a:t>
+              <a:rPr lang="zh-TW" altLang="en-US" dirty="0">
+                <a:solidFill>
+                  <a:schemeClr val="accent2"/>
+                </a:solidFill>
+              </a:rPr>
+              <a:t>筆非暴露噪音</a:t>
+            </a:r>
+            <a:r>
+              <a:rPr lang="zh-TW" altLang="en-US" dirty="0"/>
+              <a:t>做統計檢定</a:t>
             </a:r>
             <a:r>
               <a:rPr lang="en-US" altLang="zh-TW" dirty="0"/>
               <a:t>(two-tailed t-test)</a:t>
             </a:r>
-          </a:p>
-          <a:p>
-            <a:r>
-              <a:rPr lang="zh-TW" altLang="en-US" sz="2000" dirty="0">
-                <a:solidFill>
-                  <a:schemeClr val="accent1">
-                    <a:lumMod val="75000"/>
-                  </a:schemeClr>
-                </a:solidFill>
-              </a:rPr>
-              <a:t>藍</a:t>
-            </a:r>
-            <a:r>
-              <a:rPr lang="en-US" altLang="zh-TW" sz="2000" dirty="0"/>
-              <a:t>:</a:t>
-            </a:r>
-            <a:r>
-              <a:rPr lang="zh-TW" altLang="en-US" sz="2000" dirty="0"/>
-              <a:t> 暴露噪音</a:t>
-            </a:r>
-            <a:endParaRPr lang="en-US" altLang="zh-TW" sz="2000" dirty="0"/>
-          </a:p>
-          <a:p>
-            <a:r>
-              <a:rPr lang="zh-TW" altLang="en-US" sz="2000" dirty="0">
-                <a:solidFill>
-                  <a:schemeClr val="accent2"/>
-                </a:solidFill>
-              </a:rPr>
-              <a:t>橘</a:t>
-            </a:r>
-            <a:r>
-              <a:rPr lang="en-US" altLang="zh-TW" sz="2000" dirty="0"/>
-              <a:t>:</a:t>
-            </a:r>
-            <a:r>
-              <a:rPr lang="zh-TW" altLang="en-US" sz="2000" dirty="0"/>
-              <a:t> 非暴露噪音</a:t>
-            </a:r>
-            <a:endParaRPr lang="en-US" altLang="zh-TW" sz="2000" dirty="0"/>
           </a:p>
           <a:p>
             <a:endParaRPr lang="zh-TW" altLang="en-US" dirty="0"/>
@@ -4414,7 +8715,7 @@
         </p:blipFill>
         <p:spPr>
           <a:xfrm>
-            <a:off x="626795" y="3185443"/>
+            <a:off x="636320" y="2679295"/>
             <a:ext cx="11174384" cy="2857899"/>
           </a:xfrm>
           <a:prstGeom prst="rect">
@@ -4436,7 +8737,7 @@
         </p:nvSpPr>
         <p:spPr>
           <a:xfrm>
-            <a:off x="766235" y="5992496"/>
+            <a:off x="775760" y="5486348"/>
             <a:ext cx="1332953" cy="461665"/>
           </a:xfrm>
           <a:prstGeom prst="rect">
@@ -4498,7 +8799,7 @@
         </p:nvSpPr>
         <p:spPr>
           <a:xfrm>
-            <a:off x="2407998" y="5992496"/>
+            <a:off x="2417523" y="5486348"/>
             <a:ext cx="1332953" cy="461665"/>
           </a:xfrm>
           <a:prstGeom prst="rect">
@@ -4560,7 +8861,7 @@
         </p:nvSpPr>
         <p:spPr>
           <a:xfrm>
-            <a:off x="3977754" y="5992496"/>
+            <a:off x="3987279" y="5486348"/>
             <a:ext cx="1332953" cy="461665"/>
           </a:xfrm>
           <a:prstGeom prst="rect">
@@ -4622,7 +8923,7 @@
         </p:nvSpPr>
         <p:spPr>
           <a:xfrm>
-            <a:off x="5657103" y="5992496"/>
+            <a:off x="5666628" y="5486348"/>
             <a:ext cx="1332953" cy="461665"/>
           </a:xfrm>
           <a:prstGeom prst="rect">
@@ -4684,7 +8985,7 @@
         </p:nvSpPr>
         <p:spPr>
           <a:xfrm>
-            <a:off x="7354072" y="5992496"/>
+            <a:off x="7363597" y="5486348"/>
             <a:ext cx="1332953" cy="461665"/>
           </a:xfrm>
           <a:prstGeom prst="rect">
@@ -4746,7 +9047,7 @@
         </p:nvSpPr>
         <p:spPr>
           <a:xfrm>
-            <a:off x="8995833" y="5992496"/>
+            <a:off x="9005358" y="5486348"/>
             <a:ext cx="1332953" cy="461665"/>
           </a:xfrm>
           <a:prstGeom prst="rect">
@@ -4808,7 +9109,7 @@
         </p:nvSpPr>
         <p:spPr>
           <a:xfrm>
-            <a:off x="10565589" y="5992496"/>
+            <a:off x="10575114" y="5486348"/>
             <a:ext cx="1332953" cy="461665"/>
           </a:xfrm>
           <a:prstGeom prst="rect">
@@ -5152,14 +9453,14 @@
             <a:pPr lvl="2"/>
             <a:r>
               <a:rPr lang="zh-TW" altLang="en-US" dirty="0"/>
-              <a:t>睡眠</a:t>
+              <a:t>睡眠過程</a:t>
             </a:r>
             <a:r>
               <a:rPr lang="en-US" altLang="zh-TW" dirty="0"/>
               <a:t>cortisol</a:t>
             </a:r>
             <a:r>
-              <a:rPr lang="zh-TW" altLang="en-US"/>
+              <a:rPr lang="zh-TW" altLang="en-US" dirty="0"/>
               <a:t>變化量</a:t>
             </a:r>
             <a:endParaRPr lang="en-US" altLang="zh-TW" dirty="0"/>
@@ -5777,7 +10078,7 @@
             </a:r>
             <a:r>
               <a:rPr lang="en-US" altLang="zh-TW" dirty="0"/>
-              <a:t>cortisol</a:t>
+              <a:t>Cortisol</a:t>
             </a:r>
             <a:r>
               <a:rPr lang="zh-TW" altLang="en-US" dirty="0"/>
@@ -5834,7 +10135,7 @@
         <p:spPr>
           <a:xfrm>
             <a:off x="720436" y="1321724"/>
-            <a:ext cx="10633364" cy="1431001"/>
+            <a:ext cx="10633364" cy="726151"/>
           </a:xfrm>
         </p:spPr>
         <p:txBody>
@@ -5844,15 +10145,27 @@
           <a:lstStyle/>
           <a:p>
             <a:r>
-              <a:rPr lang="en-US" altLang="zh-TW" dirty="0"/>
+              <a:rPr lang="en-US" altLang="zh-TW" dirty="0">
+                <a:solidFill>
+                  <a:schemeClr val="accent1"/>
+                </a:solidFill>
+              </a:rPr>
               <a:t>39</a:t>
             </a:r>
             <a:r>
-              <a:rPr lang="zh-TW" altLang="en-US" dirty="0"/>
+              <a:rPr lang="zh-TW" altLang="en-US" dirty="0">
+                <a:solidFill>
+                  <a:schemeClr val="accent1"/>
+                </a:solidFill>
+              </a:rPr>
               <a:t>筆低</a:t>
             </a:r>
             <a:r>
-              <a:rPr lang="en-US" altLang="zh-TW" dirty="0"/>
+              <a:rPr lang="en-US" altLang="zh-TW" dirty="0">
+                <a:solidFill>
+                  <a:schemeClr val="accent1"/>
+                </a:solidFill>
+              </a:rPr>
               <a:t>p.m. cortisol</a:t>
             </a:r>
             <a:r>
@@ -5860,78 +10173,36 @@
               <a:t>與</a:t>
             </a:r>
             <a:r>
-              <a:rPr lang="en-US" altLang="zh-TW" dirty="0"/>
+              <a:rPr lang="en-US" altLang="zh-TW" dirty="0">
+                <a:solidFill>
+                  <a:schemeClr val="accent2"/>
+                </a:solidFill>
+              </a:rPr>
               <a:t>39</a:t>
             </a:r>
             <a:r>
-              <a:rPr lang="zh-TW" altLang="en-US" dirty="0"/>
+              <a:rPr lang="zh-TW" altLang="en-US" dirty="0">
+                <a:solidFill>
+                  <a:schemeClr val="accent2"/>
+                </a:solidFill>
+              </a:rPr>
               <a:t>筆高</a:t>
             </a:r>
             <a:r>
-              <a:rPr lang="en-US" altLang="zh-TW" dirty="0"/>
+              <a:rPr lang="en-US" altLang="zh-TW" dirty="0">
+                <a:solidFill>
+                  <a:schemeClr val="accent2"/>
+                </a:solidFill>
+              </a:rPr>
               <a:t>p.m. cortisol</a:t>
             </a:r>
             <a:r>
               <a:rPr lang="zh-TW" altLang="en-US" dirty="0"/>
-              <a:t>做統計分析結果</a:t>
+              <a:t>做統計檢定</a:t>
             </a:r>
             <a:r>
               <a:rPr lang="en-US" altLang="zh-TW" dirty="0"/>
               <a:t>(two-tailed t-test)</a:t>
-            </a:r>
-          </a:p>
-          <a:p>
-            <a:r>
-              <a:rPr lang="zh-TW" altLang="en-US" sz="2000" dirty="0">
-                <a:solidFill>
-                  <a:schemeClr val="accent1">
-                    <a:lumMod val="75000"/>
-                  </a:schemeClr>
-                </a:solidFill>
-              </a:rPr>
-              <a:t>藍</a:t>
-            </a:r>
-            <a:r>
-              <a:rPr lang="en-US" altLang="zh-TW" sz="2000" dirty="0"/>
-              <a:t>:</a:t>
-            </a:r>
-            <a:r>
-              <a:rPr lang="zh-TW" altLang="en-US" sz="2000" dirty="0"/>
-              <a:t> 低</a:t>
-            </a:r>
-            <a:r>
-              <a:rPr lang="en-US" altLang="zh-TW" sz="2000" dirty="0"/>
-              <a:t>p.m.</a:t>
-            </a:r>
-            <a:r>
-              <a:rPr lang="zh-TW" altLang="en-US" sz="2000" dirty="0"/>
-              <a:t> </a:t>
-            </a:r>
-            <a:r>
-              <a:rPr lang="en-US" altLang="zh-TW" sz="2000" dirty="0"/>
-              <a:t>cortisol</a:t>
-            </a:r>
-          </a:p>
-          <a:p>
-            <a:r>
-              <a:rPr lang="zh-TW" altLang="en-US" sz="2000" dirty="0">
-                <a:solidFill>
-                  <a:schemeClr val="accent2"/>
-                </a:solidFill>
-              </a:rPr>
-              <a:t>橘</a:t>
-            </a:r>
-            <a:r>
-              <a:rPr lang="en-US" altLang="zh-TW" sz="2000" dirty="0"/>
-              <a:t>:</a:t>
-            </a:r>
-            <a:r>
-              <a:rPr lang="zh-TW" altLang="en-US" sz="2000" dirty="0"/>
-              <a:t> 高</a:t>
-            </a:r>
-            <a:r>
-              <a:rPr lang="en-US" altLang="zh-TW" sz="2000" dirty="0"/>
-              <a:t>p.m. cortisol</a:t>
             </a:r>
           </a:p>
           <a:p>
@@ -5990,7 +10261,7 @@
         </p:blipFill>
         <p:spPr>
           <a:xfrm>
-            <a:off x="427820" y="2883857"/>
+            <a:off x="446870" y="2150432"/>
             <a:ext cx="11526859" cy="3229426"/>
           </a:xfrm>
           <a:prstGeom prst="rect">
@@ -6012,7 +10283,7 @@
         </p:nvSpPr>
         <p:spPr>
           <a:xfrm>
-            <a:off x="599729" y="6031209"/>
+            <a:off x="618779" y="5297784"/>
             <a:ext cx="1332953" cy="461665"/>
           </a:xfrm>
           <a:prstGeom prst="rect">
@@ -6074,7 +10345,7 @@
         </p:nvSpPr>
         <p:spPr>
           <a:xfrm>
-            <a:off x="2362199" y="6031209"/>
+            <a:off x="2381249" y="5297784"/>
             <a:ext cx="1332953" cy="461665"/>
           </a:xfrm>
           <a:prstGeom prst="rect">
@@ -6136,7 +10407,7 @@
         </p:nvSpPr>
         <p:spPr>
           <a:xfrm>
-            <a:off x="3931955" y="6031209"/>
+            <a:off x="3951005" y="5297784"/>
             <a:ext cx="1332953" cy="461665"/>
           </a:xfrm>
           <a:prstGeom prst="rect">
@@ -6198,7 +10469,7 @@
         </p:nvSpPr>
         <p:spPr>
           <a:xfrm>
-            <a:off x="5666512" y="6031209"/>
+            <a:off x="5685562" y="5297784"/>
             <a:ext cx="1332953" cy="461665"/>
           </a:xfrm>
           <a:prstGeom prst="rect">
@@ -6260,7 +10531,7 @@
         </p:nvSpPr>
         <p:spPr>
           <a:xfrm>
-            <a:off x="7401069" y="6031209"/>
+            <a:off x="7420119" y="5297784"/>
             <a:ext cx="1332953" cy="461665"/>
           </a:xfrm>
           <a:prstGeom prst="rect">
@@ -6322,7 +10593,7 @@
         </p:nvSpPr>
         <p:spPr>
           <a:xfrm>
-            <a:off x="9042429" y="6031209"/>
+            <a:off x="9061479" y="5297784"/>
             <a:ext cx="1332953" cy="461665"/>
           </a:xfrm>
           <a:prstGeom prst="rect">
@@ -6384,7 +10655,7 @@
         </p:nvSpPr>
         <p:spPr>
           <a:xfrm>
-            <a:off x="10693660" y="6031209"/>
+            <a:off x="10712710" y="5297784"/>
             <a:ext cx="1332953" cy="461665"/>
           </a:xfrm>
           <a:prstGeom prst="rect">
@@ -6446,7 +10717,7 @@
         </p:nvSpPr>
         <p:spPr>
           <a:xfrm>
-            <a:off x="2581274" y="6031208"/>
+            <a:off x="2600324" y="5297783"/>
             <a:ext cx="2438401" cy="461665"/>
           </a:xfrm>
           <a:prstGeom prst="rect">
@@ -6481,6 +10752,85 @@
           <a:p>
             <a:pPr algn="ctr"/>
             <a:endParaRPr lang="zh-TW" altLang="en-US"/>
+          </a:p>
+        </p:txBody>
+      </p:sp>
+      <p:sp>
+        <p:nvSpPr>
+          <p:cNvPr id="16" name="文字方塊 15">
+            <a:extLst>
+              <a:ext uri="{FF2B5EF4-FFF2-40B4-BE49-F238E27FC236}">
+                <a16:creationId xmlns:a16="http://schemas.microsoft.com/office/drawing/2014/main" id="{B5F71544-DAFA-4714-9AFF-3D0152064C6F}"/>
+              </a:ext>
+            </a:extLst>
+          </p:cNvPr>
+          <p:cNvSpPr txBox="1"/>
+          <p:nvPr/>
+        </p:nvSpPr>
+        <p:spPr>
+          <a:xfrm>
+            <a:off x="720436" y="6053560"/>
+            <a:ext cx="6957501" cy="369332"/>
+          </a:xfrm>
+          <a:prstGeom prst="rect">
+            <a:avLst/>
+          </a:prstGeom>
+          <a:noFill/>
+        </p:spPr>
+        <p:txBody>
+          <a:bodyPr wrap="square">
+            <a:spAutoFit/>
+          </a:bodyPr>
+          <a:lstStyle/>
+          <a:p>
+            <a:r>
+              <a:rPr lang="en-US" altLang="zh-TW" dirty="0">
+                <a:solidFill>
+                  <a:srgbClr val="FF0000"/>
+                </a:solidFill>
+              </a:rPr>
+              <a:t>cortisol</a:t>
+            </a:r>
+            <a:r>
+              <a:rPr lang="zh-TW" altLang="en-US" dirty="0">
+                <a:solidFill>
+                  <a:srgbClr val="FF0000"/>
+                </a:solidFill>
+              </a:rPr>
+              <a:t>的高低對</a:t>
+            </a:r>
+            <a:r>
+              <a:rPr lang="en-US" altLang="zh-TW" dirty="0">
+                <a:solidFill>
+                  <a:srgbClr val="FF0000"/>
+                </a:solidFill>
+              </a:rPr>
+              <a:t>REM</a:t>
+            </a:r>
+            <a:r>
+              <a:rPr lang="zh-TW" altLang="en-US" dirty="0">
+                <a:solidFill>
+                  <a:srgbClr val="FF0000"/>
+                </a:solidFill>
+              </a:rPr>
+              <a:t>總時間、</a:t>
+            </a:r>
+            <a:r>
+              <a:rPr lang="en-US" altLang="zh-TW" dirty="0">
+                <a:solidFill>
+                  <a:srgbClr val="FF0000"/>
+                </a:solidFill>
+              </a:rPr>
+              <a:t>REM</a:t>
+            </a:r>
+            <a:r>
+              <a:rPr lang="zh-TW" altLang="en-US" dirty="0">
+                <a:solidFill>
+                  <a:srgbClr val="FF0000"/>
+                </a:solidFill>
+              </a:rPr>
+              <a:t>整晚佔比在統計上有顯著差異</a:t>
+            </a:r>
           </a:p>
         </p:txBody>
       </p:sp>
@@ -6519,7 +10869,7 @@
           <p:cNvPr id="2" name="標題 1">
             <a:extLst>
               <a:ext uri="{FF2B5EF4-FFF2-40B4-BE49-F238E27FC236}">
-                <a16:creationId xmlns:a16="http://schemas.microsoft.com/office/drawing/2014/main" id="{9A568CE0-D003-490C-92AD-A07C2EB40E88}"/>
+                <a16:creationId xmlns:a16="http://schemas.microsoft.com/office/drawing/2014/main" id="{EB0EA44B-43A2-4CBE-9EB5-B670B3FC4BE0}"/>
               </a:ext>
             </a:extLst>
           </p:cNvPr>
@@ -6537,15 +10887,7 @@
           <a:p>
             <a:r>
               <a:rPr lang="zh-TW" altLang="en-US" dirty="0"/>
-              <a:t>以早晨</a:t>
-            </a:r>
-            <a:r>
-              <a:rPr lang="en-US" altLang="zh-TW" dirty="0"/>
-              <a:t>Cortisol</a:t>
-            </a:r>
-            <a:r>
-              <a:rPr lang="zh-TW" altLang="en-US" dirty="0"/>
-              <a:t>排序分布</a:t>
+              <a:t>噪音耐受性</a:t>
             </a:r>
           </a:p>
         </p:txBody>
@@ -6555,7 +10897,7 @@
           <p:cNvPr id="3" name="內容版面配置區 2">
             <a:extLst>
               <a:ext uri="{FF2B5EF4-FFF2-40B4-BE49-F238E27FC236}">
-                <a16:creationId xmlns:a16="http://schemas.microsoft.com/office/drawing/2014/main" id="{47AB767B-53F1-459C-9841-5FD5805DD750}"/>
+                <a16:creationId xmlns:a16="http://schemas.microsoft.com/office/drawing/2014/main" id="{27BB5D75-D821-4B3D-B441-821DA3BE8806}"/>
               </a:ext>
             </a:extLst>
           </p:cNvPr>
@@ -6566,54 +10908,96 @@
             <p:ph idx="1"/>
           </p:nvPr>
         </p:nvSpPr>
-        <p:spPr>
-          <a:xfrm>
-            <a:off x="720436" y="1321724"/>
-            <a:ext cx="10633364" cy="835995"/>
-          </a:xfrm>
-        </p:spPr>
-        <p:txBody>
-          <a:bodyPr>
-            <a:normAutofit/>
-          </a:bodyPr>
-          <a:lstStyle/>
-          <a:p>
-            <a:r>
-              <a:rPr lang="zh-TW" altLang="en-US" sz="2000" dirty="0">
-                <a:solidFill>
-                  <a:schemeClr val="accent1">
-                    <a:lumMod val="75000"/>
-                  </a:schemeClr>
-                </a:solidFill>
-              </a:rPr>
-              <a:t>藍</a:t>
-            </a:r>
-            <a:r>
-              <a:rPr lang="en-US" altLang="zh-TW" sz="2000" dirty="0"/>
-              <a:t>:</a:t>
-            </a:r>
-            <a:r>
-              <a:rPr lang="zh-TW" altLang="en-US" sz="2000" dirty="0"/>
-              <a:t> 暴露</a:t>
-            </a:r>
-            <a:endParaRPr lang="en-US" altLang="zh-TW" sz="2000" dirty="0"/>
-          </a:p>
-          <a:p>
-            <a:r>
-              <a:rPr lang="zh-TW" altLang="en-US" sz="2000" dirty="0">
-                <a:solidFill>
-                  <a:schemeClr val="accent2"/>
-                </a:solidFill>
-              </a:rPr>
-              <a:t>橘</a:t>
-            </a:r>
-            <a:r>
-              <a:rPr lang="en-US" altLang="zh-TW" sz="2000" dirty="0"/>
-              <a:t>:</a:t>
-            </a:r>
-            <a:r>
-              <a:rPr lang="zh-TW" altLang="en-US" sz="2000" dirty="0"/>
-              <a:t> 非暴露</a:t>
+        <p:spPr/>
+        <p:txBody>
+          <a:bodyPr/>
+          <a:lstStyle/>
+          <a:p>
+            <a:r>
+              <a:rPr lang="zh-TW" altLang="en-US" dirty="0"/>
+              <a:t>變化量 </a:t>
+            </a:r>
+            <a:r>
+              <a:rPr lang="en-US" altLang="zh-TW" dirty="0"/>
+              <a:t>=</a:t>
+            </a:r>
+            <a:r>
+              <a:rPr lang="zh-TW" altLang="en-US" dirty="0"/>
+              <a:t> 暴露噪音傍晚</a:t>
+            </a:r>
+            <a:r>
+              <a:rPr lang="en-US" altLang="zh-TW" dirty="0"/>
+              <a:t>cortisol – </a:t>
+            </a:r>
+            <a:r>
+              <a:rPr lang="zh-TW" altLang="en-US" dirty="0"/>
+              <a:t>非暴露噪音傍晚</a:t>
+            </a:r>
+            <a:r>
+              <a:rPr lang="en-US" altLang="zh-TW" dirty="0"/>
+              <a:t>cortisol</a:t>
+            </a:r>
+          </a:p>
+          <a:p>
+            <a:endParaRPr lang="en-US" altLang="zh-TW" dirty="0"/>
+          </a:p>
+          <a:p>
+            <a:pPr lvl="1"/>
+            <a:r>
+              <a:rPr lang="zh-TW" altLang="en-US" dirty="0"/>
+              <a:t>從</a:t>
+            </a:r>
+            <a:r>
+              <a:rPr lang="en-US" altLang="zh-TW" dirty="0"/>
+              <a:t>cortisol</a:t>
+            </a:r>
+            <a:r>
+              <a:rPr lang="zh-TW" altLang="en-US" dirty="0"/>
+              <a:t>意義來看，若傍晚</a:t>
+            </a:r>
+            <a:r>
+              <a:rPr lang="en-US" altLang="zh-TW" dirty="0"/>
+              <a:t>cortisol</a:t>
+            </a:r>
+            <a:r>
+              <a:rPr lang="zh-TW" altLang="en-US" dirty="0"/>
+              <a:t>數值過高則可假設此晚睡眠品質可能會較差</a:t>
+            </a:r>
+            <a:endParaRPr lang="en-US" altLang="zh-TW" dirty="0"/>
+          </a:p>
+          <a:p>
+            <a:pPr lvl="1"/>
+            <a:endParaRPr lang="en-US" altLang="zh-TW" dirty="0"/>
+          </a:p>
+          <a:p>
+            <a:pPr lvl="1"/>
+            <a:r>
+              <a:rPr lang="zh-TW" altLang="en-US" dirty="0"/>
+              <a:t>預期</a:t>
+            </a:r>
+            <a:r>
+              <a:rPr lang="zh-TW" altLang="en-US" dirty="0">
+                <a:solidFill>
+                  <a:schemeClr val="accent1"/>
+                </a:solidFill>
+              </a:rPr>
+              <a:t>變化量較大</a:t>
+            </a:r>
+            <a:r>
+              <a:rPr lang="zh-TW" altLang="en-US" dirty="0"/>
+              <a:t>的族群為</a:t>
+            </a:r>
+            <a:r>
+              <a:rPr lang="zh-TW" altLang="en-US" dirty="0">
+                <a:solidFill>
+                  <a:schemeClr val="accent1"/>
+                </a:solidFill>
+              </a:rPr>
+              <a:t>易受噪音影響</a:t>
+            </a:r>
+            <a:r>
+              <a:rPr lang="zh-TW" altLang="en-US" dirty="0"/>
+              <a:t>，在暴露與非暴露的睡眠指標上會比不易受影響的族群有更明顯的變化表現</a:t>
             </a:r>
           </a:p>
         </p:txBody>
@@ -6623,7 +11007,7 @@
           <p:cNvPr id="4" name="投影片編號版面配置區 3">
             <a:extLst>
               <a:ext uri="{FF2B5EF4-FFF2-40B4-BE49-F238E27FC236}">
-                <a16:creationId xmlns:a16="http://schemas.microsoft.com/office/drawing/2014/main" id="{2A99EDC4-E896-4122-972F-3AAD6580D675}"/>
+                <a16:creationId xmlns:a16="http://schemas.microsoft.com/office/drawing/2014/main" id="{FCC68FD3-AD91-4A5C-A1BF-9A64A6223AF4}"/>
               </a:ext>
             </a:extLst>
           </p:cNvPr>
@@ -6642,6 +11026,169 @@
             <a:fld id="{F230EE04-BD3A-40AA-92AC-647453D5DADF}" type="slidenum">
               <a:rPr lang="zh-TW" altLang="en-US" smtClean="0"/>
               <a:t>7</a:t>
+            </a:fld>
+            <a:endParaRPr lang="zh-TW" altLang="en-US"/>
+          </a:p>
+        </p:txBody>
+      </p:sp>
+    </p:spTree>
+    <p:extLst>
+      <p:ext uri="{BB962C8B-B14F-4D97-AF65-F5344CB8AC3E}">
+        <p14:creationId xmlns:p14="http://schemas.microsoft.com/office/powerpoint/2010/main" val="1270696355"/>
+      </p:ext>
+    </p:extLst>
+  </p:cSld>
+  <p:clrMapOvr>
+    <a:masterClrMapping/>
+  </p:clrMapOvr>
+</p:sld>
+</file>
+
+<file path=ppt/slides/slide8.xml><?xml version="1.0" encoding="utf-8"?>
+<p:sld xmlns:a="http://schemas.openxmlformats.org/drawingml/2006/main" xmlns:r="http://schemas.openxmlformats.org/officeDocument/2006/relationships" xmlns:p="http://schemas.openxmlformats.org/presentationml/2006/main">
+  <p:cSld>
+    <p:spTree>
+      <p:nvGrpSpPr>
+        <p:cNvPr id="1" name=""/>
+        <p:cNvGrpSpPr/>
+        <p:nvPr/>
+      </p:nvGrpSpPr>
+      <p:grpSpPr>
+        <a:xfrm>
+          <a:off x="0" y="0"/>
+          <a:ext cx="0" cy="0"/>
+          <a:chOff x="0" y="0"/>
+          <a:chExt cx="0" cy="0"/>
+        </a:xfrm>
+      </p:grpSpPr>
+      <p:sp>
+        <p:nvSpPr>
+          <p:cNvPr id="2" name="標題 1">
+            <a:extLst>
+              <a:ext uri="{FF2B5EF4-FFF2-40B4-BE49-F238E27FC236}">
+                <a16:creationId xmlns:a16="http://schemas.microsoft.com/office/drawing/2014/main" id="{9A568CE0-D003-490C-92AD-A07C2EB40E88}"/>
+              </a:ext>
+            </a:extLst>
+          </p:cNvPr>
+          <p:cNvSpPr>
+            <a:spLocks noGrp="1"/>
+          </p:cNvSpPr>
+          <p:nvPr>
+            <p:ph type="title"/>
+          </p:nvPr>
+        </p:nvSpPr>
+        <p:spPr/>
+        <p:txBody>
+          <a:bodyPr/>
+          <a:lstStyle/>
+          <a:p>
+            <a:r>
+              <a:rPr lang="zh-TW" altLang="en-US" dirty="0"/>
+              <a:t>以早晨</a:t>
+            </a:r>
+            <a:r>
+              <a:rPr lang="en-US" altLang="zh-TW" dirty="0"/>
+              <a:t>Cortisol</a:t>
+            </a:r>
+            <a:r>
+              <a:rPr lang="zh-TW" altLang="en-US" dirty="0"/>
+              <a:t>排序分布</a:t>
+            </a:r>
+          </a:p>
+        </p:txBody>
+      </p:sp>
+      <p:sp>
+        <p:nvSpPr>
+          <p:cNvPr id="3" name="內容版面配置區 2">
+            <a:extLst>
+              <a:ext uri="{FF2B5EF4-FFF2-40B4-BE49-F238E27FC236}">
+                <a16:creationId xmlns:a16="http://schemas.microsoft.com/office/drawing/2014/main" id="{47AB767B-53F1-459C-9841-5FD5805DD750}"/>
+              </a:ext>
+            </a:extLst>
+          </p:cNvPr>
+          <p:cNvSpPr>
+            <a:spLocks noGrp="1"/>
+          </p:cNvSpPr>
+          <p:nvPr>
+            <p:ph idx="1"/>
+          </p:nvPr>
+        </p:nvSpPr>
+        <p:spPr>
+          <a:xfrm>
+            <a:off x="720436" y="1321724"/>
+            <a:ext cx="10633364" cy="835995"/>
+          </a:xfrm>
+        </p:spPr>
+        <p:txBody>
+          <a:bodyPr>
+            <a:normAutofit/>
+          </a:bodyPr>
+          <a:lstStyle/>
+          <a:p>
+            <a:r>
+              <a:rPr lang="zh-TW" altLang="en-US" sz="2000" dirty="0">
+                <a:solidFill>
+                  <a:schemeClr val="accent1">
+                    <a:lumMod val="75000"/>
+                  </a:schemeClr>
+                </a:solidFill>
+              </a:rPr>
+              <a:t>藍</a:t>
+            </a:r>
+            <a:r>
+              <a:rPr lang="en-US" altLang="zh-TW" sz="2000" dirty="0"/>
+              <a:t>:</a:t>
+            </a:r>
+            <a:r>
+              <a:rPr lang="zh-TW" altLang="en-US" sz="2000" dirty="0"/>
+              <a:t> 暴露噪音</a:t>
+            </a:r>
+            <a:endParaRPr lang="en-US" altLang="zh-TW" sz="2000" dirty="0"/>
+          </a:p>
+          <a:p>
+            <a:r>
+              <a:rPr lang="zh-TW" altLang="en-US" sz="2000" dirty="0">
+                <a:solidFill>
+                  <a:schemeClr val="accent2"/>
+                </a:solidFill>
+              </a:rPr>
+              <a:t>橘</a:t>
+            </a:r>
+            <a:r>
+              <a:rPr lang="en-US" altLang="zh-TW" sz="2000" dirty="0"/>
+              <a:t>:</a:t>
+            </a:r>
+            <a:r>
+              <a:rPr lang="zh-TW" altLang="en-US" sz="2000" dirty="0"/>
+              <a:t> 非暴露噪音</a:t>
+            </a:r>
+          </a:p>
+        </p:txBody>
+      </p:sp>
+      <p:sp>
+        <p:nvSpPr>
+          <p:cNvPr id="4" name="投影片編號版面配置區 3">
+            <a:extLst>
+              <a:ext uri="{FF2B5EF4-FFF2-40B4-BE49-F238E27FC236}">
+                <a16:creationId xmlns:a16="http://schemas.microsoft.com/office/drawing/2014/main" id="{2A99EDC4-E896-4122-972F-3AAD6580D675}"/>
+              </a:ext>
+            </a:extLst>
+          </p:cNvPr>
+          <p:cNvSpPr>
+            <a:spLocks noGrp="1"/>
+          </p:cNvSpPr>
+          <p:nvPr>
+            <p:ph type="sldNum" sz="quarter" idx="12"/>
+          </p:nvPr>
+        </p:nvSpPr>
+        <p:spPr/>
+        <p:txBody>
+          <a:bodyPr/>
+          <a:lstStyle/>
+          <a:p>
+            <a:fld id="{F230EE04-BD3A-40AA-92AC-647453D5DADF}" type="slidenum">
+              <a:rPr lang="zh-TW" altLang="en-US" smtClean="0"/>
+              <a:t>8</a:t>
             </a:fld>
             <a:endParaRPr lang="zh-TW" altLang="en-US"/>
           </a:p>
@@ -7053,7 +11600,7 @@
 </p:sld>
 </file>
 
-<file path=ppt/slides/slide8.xml><?xml version="1.0" encoding="utf-8"?>
+<file path=ppt/slides/slide9.xml><?xml version="1.0" encoding="utf-8"?>
 <p:sld xmlns:a="http://schemas.openxmlformats.org/drawingml/2006/main" xmlns:r="http://schemas.openxmlformats.org/officeDocument/2006/relationships" xmlns:p="http://schemas.openxmlformats.org/presentationml/2006/main">
   <p:cSld>
     <p:spTree>
@@ -7129,7 +11676,7 @@
           <a:p>
             <a:fld id="{F230EE04-BD3A-40AA-92AC-647453D5DADF}" type="slidenum">
               <a:rPr lang="zh-TW" altLang="en-US" smtClean="0"/>
-              <a:t>8</a:t>
+              <a:t>9</a:t>
             </a:fld>
             <a:endParaRPr lang="zh-TW" altLang="en-US"/>
           </a:p>
@@ -7179,7 +11726,7 @@
             </a:r>
             <a:r>
               <a:rPr lang="zh-TW" altLang="en-US" sz="2000" dirty="0"/>
-              <a:t> 暴露</a:t>
+              <a:t> 暴露噪音</a:t>
             </a:r>
             <a:endParaRPr lang="en-US" altLang="zh-TW" sz="2000" dirty="0"/>
           </a:p>
@@ -7198,7 +11745,7 @@
             </a:r>
             <a:r>
               <a:rPr lang="zh-TW" altLang="en-US" sz="2000" dirty="0"/>
-              <a:t> 非暴露</a:t>
+              <a:t> 非暴露噪音</a:t>
             </a:r>
           </a:p>
         </p:txBody>

--- a/20210807_REM分析.pptx
+++ b/20210807_REM分析.pptx
@@ -5,7 +5,7 @@
     <p:sldMasterId id="2147483648" r:id="rId1"/>
   </p:sldMasterIdLst>
   <p:notesMasterIdLst>
-    <p:notesMasterId r:id="rId20"/>
+    <p:notesMasterId r:id="rId22"/>
   </p:notesMasterIdLst>
   <p:sldIdLst>
     <p:sldId id="258" r:id="rId2"/>
@@ -19,13 +19,15 @@
     <p:sldId id="347" r:id="rId10"/>
     <p:sldId id="362" r:id="rId11"/>
     <p:sldId id="363" r:id="rId12"/>
-    <p:sldId id="366" r:id="rId13"/>
-    <p:sldId id="328" r:id="rId14"/>
-    <p:sldId id="332" r:id="rId15"/>
-    <p:sldId id="334" r:id="rId16"/>
-    <p:sldId id="335" r:id="rId17"/>
-    <p:sldId id="367" r:id="rId18"/>
-    <p:sldId id="368" r:id="rId19"/>
+    <p:sldId id="370" r:id="rId13"/>
+    <p:sldId id="371" r:id="rId14"/>
+    <p:sldId id="328" r:id="rId15"/>
+    <p:sldId id="332" r:id="rId16"/>
+    <p:sldId id="334" r:id="rId17"/>
+    <p:sldId id="335" r:id="rId18"/>
+    <p:sldId id="367" r:id="rId19"/>
+    <p:sldId id="368" r:id="rId20"/>
+    <p:sldId id="369" r:id="rId21"/>
   </p:sldIdLst>
   <p:sldSz cx="12192000" cy="6858000"/>
   <p:notesSz cx="6858000" cy="9144000"/>
@@ -630,7 +632,7 @@
           <a:p>
             <a:fld id="{F7FB5DC6-CCB2-413E-8E4D-68A492D6F246}" type="slidenum">
               <a:rPr lang="zh-TW" altLang="en-US" smtClean="0"/>
-              <a:t>15</a:t>
+              <a:t>16</a:t>
             </a:fld>
             <a:endParaRPr lang="zh-TW" altLang="en-US"/>
           </a:p>
@@ -5365,7 +5367,7 @@
           <p:cNvPr id="2" name="標題 1">
             <a:extLst>
               <a:ext uri="{FF2B5EF4-FFF2-40B4-BE49-F238E27FC236}">
-                <a16:creationId xmlns:a16="http://schemas.microsoft.com/office/drawing/2014/main" id="{E2A053B2-0AC9-4324-9659-FAA1D03A3831}"/>
+                <a16:creationId xmlns:a16="http://schemas.microsoft.com/office/drawing/2014/main" id="{F4A764DC-C6AD-45D3-928D-8BE6068E7A9D}"/>
               </a:ext>
             </a:extLst>
           </p:cNvPr>
@@ -5382,26 +5384,17 @@
           <a:lstStyle/>
           <a:p>
             <a:r>
+              <a:rPr lang="zh-TW" altLang="en-US" dirty="0"/>
+              <a:t>耐受性 </a:t>
+            </a:r>
+            <a:r>
               <a:rPr lang="en-US" altLang="zh-TW" dirty="0"/>
-              <a:t>REM latency (</a:t>
+              <a:t>x </a:t>
             </a:r>
             <a:r>
               <a:rPr lang="zh-TW" altLang="en-US" dirty="0"/>
-              <a:t>以傍晚</a:t>
-            </a:r>
-            <a:r>
-              <a:rPr lang="en-US" altLang="zh-TW" dirty="0"/>
-              <a:t>cortisol</a:t>
-            </a:r>
-            <a:r>
-              <a:rPr lang="zh-TW" altLang="en-US" dirty="0"/>
-              <a:t>變化量排序</a:t>
-            </a:r>
-            <a:r>
-              <a:rPr lang="en-US" altLang="zh-TW" dirty="0"/>
-              <a:t>)</a:t>
-            </a:r>
-            <a:endParaRPr lang="zh-TW" altLang="en-US" dirty="0"/>
+              <a:t>絕對值</a:t>
+            </a:r>
           </a:p>
         </p:txBody>
       </p:sp>
@@ -5410,7 +5403,7 @@
           <p:cNvPr id="3" name="內容版面配置區 2">
             <a:extLst>
               <a:ext uri="{FF2B5EF4-FFF2-40B4-BE49-F238E27FC236}">
-                <a16:creationId xmlns:a16="http://schemas.microsoft.com/office/drawing/2014/main" id="{31A1DEBA-0746-4A85-B7DE-2A8273A03D67}"/>
+                <a16:creationId xmlns:a16="http://schemas.microsoft.com/office/drawing/2014/main" id="{878B0714-5D57-44B3-9C17-2B713B945359}"/>
               </a:ext>
             </a:extLst>
           </p:cNvPr>
@@ -5421,87 +5414,54 @@
             <p:ph idx="1"/>
           </p:nvPr>
         </p:nvSpPr>
-        <p:spPr>
-          <a:xfrm>
-            <a:off x="720436" y="1321725"/>
-            <a:ext cx="10633364" cy="497678"/>
-          </a:xfrm>
-        </p:spPr>
+        <p:spPr/>
         <p:txBody>
           <a:bodyPr/>
           <a:lstStyle/>
           <a:p>
             <a:r>
-              <a:rPr lang="zh-TW" altLang="en-US" dirty="0">
-                <a:solidFill>
-                  <a:schemeClr val="accent5">
-                    <a:lumMod val="50000"/>
-                  </a:schemeClr>
-                </a:solidFill>
-              </a:rPr>
-              <a:t>藍</a:t>
+              <a:rPr lang="zh-TW" altLang="en-US" dirty="0"/>
+              <a:t>已經確定在高</a:t>
             </a:r>
             <a:r>
               <a:rPr lang="en-US" altLang="zh-TW" dirty="0"/>
-              <a:t>:</a:t>
+              <a:t>p.m. cortisol</a:t>
             </a:r>
             <a:r>
               <a:rPr lang="zh-TW" altLang="en-US" dirty="0"/>
-              <a:t> 暴露        </a:t>
-            </a:r>
-            <a:r>
-              <a:rPr lang="zh-TW" altLang="en-US" dirty="0">
-                <a:solidFill>
-                  <a:schemeClr val="accent2"/>
-                </a:solidFill>
-              </a:rPr>
-              <a:t>橘</a:t>
+              <a:t>下</a:t>
             </a:r>
             <a:r>
               <a:rPr lang="en-US" altLang="zh-TW" dirty="0"/>
-              <a:t>:</a:t>
+              <a:t>REM</a:t>
             </a:r>
             <a:r>
               <a:rPr lang="zh-TW" altLang="en-US" dirty="0"/>
-              <a:t> 非暴露        </a:t>
-            </a:r>
-            <a:r>
-              <a:rPr lang="zh-TW" altLang="en-US" dirty="0">
-                <a:solidFill>
-                  <a:srgbClr val="0070C0"/>
-                </a:solidFill>
-              </a:rPr>
-              <a:t>點</a:t>
+              <a:t>整晚占比會有顯著提升</a:t>
+            </a:r>
+            <a:endParaRPr lang="en-US" altLang="zh-TW" dirty="0"/>
+          </a:p>
+          <a:p>
+            <a:r>
+              <a:rPr lang="zh-TW" altLang="en-US" dirty="0"/>
+              <a:t>從耐受性來觀察無顯著差異，但易受影響的人不一定絕對數值很高，因此加入另一變數</a:t>
             </a:r>
             <a:r>
               <a:rPr lang="en-US" altLang="zh-TW" dirty="0"/>
-              <a:t>:</a:t>
+              <a:t>“</a:t>
             </a:r>
             <a:r>
               <a:rPr lang="zh-TW" altLang="en-US" dirty="0"/>
-              <a:t> </a:t>
+              <a:t>絕對值</a:t>
             </a:r>
             <a:r>
               <a:rPr lang="en-US" altLang="zh-TW" dirty="0"/>
-              <a:t>(</a:t>
+              <a:t>”</a:t>
             </a:r>
             <a:r>
               <a:rPr lang="zh-TW" altLang="en-US" dirty="0"/>
-              <a:t>暴露 </a:t>
-            </a:r>
-            <a:r>
-              <a:rPr lang="en-US" altLang="zh-TW" dirty="0"/>
-              <a:t>– </a:t>
-            </a:r>
-            <a:r>
-              <a:rPr lang="zh-TW" altLang="en-US" dirty="0"/>
-              <a:t>非暴露</a:t>
-            </a:r>
-            <a:r>
-              <a:rPr lang="en-US" altLang="zh-TW" dirty="0"/>
-              <a:t>)</a:t>
-            </a:r>
-            <a:endParaRPr lang="zh-TW" altLang="en-US" dirty="0"/>
+              <a:t>來做觀察</a:t>
+            </a:r>
           </a:p>
         </p:txBody>
       </p:sp>
@@ -5510,7 +5470,7 @@
           <p:cNvPr id="4" name="投影片編號版面配置區 3">
             <a:extLst>
               <a:ext uri="{FF2B5EF4-FFF2-40B4-BE49-F238E27FC236}">
-                <a16:creationId xmlns:a16="http://schemas.microsoft.com/office/drawing/2014/main" id="{5EE0B3E6-E314-42FC-9DB5-0A4B9C6FF49D}"/>
+                <a16:creationId xmlns:a16="http://schemas.microsoft.com/office/drawing/2014/main" id="{4482C115-D408-4FAE-A43E-49EEE239C25E}"/>
               </a:ext>
             </a:extLst>
           </p:cNvPr>
@@ -5534,86 +5494,334 @@
           </a:p>
         </p:txBody>
       </p:sp>
-      <p:pic>
-        <p:nvPicPr>
-          <p:cNvPr id="6" name="圖片 5">
-            <a:extLst>
-              <a:ext uri="{FF2B5EF4-FFF2-40B4-BE49-F238E27FC236}">
-                <a16:creationId xmlns:a16="http://schemas.microsoft.com/office/drawing/2014/main" id="{B2CDC6A7-B906-4CA7-8FBB-A96B8BF41BD8}"/>
-              </a:ext>
-            </a:extLst>
-          </p:cNvPr>
-          <p:cNvPicPr>
-            <a:picLocks noChangeAspect="1"/>
-          </p:cNvPicPr>
+      <p:graphicFrame>
+        <p:nvGraphicFramePr>
+          <p:cNvPr id="6" name="表格 6">
+            <a:extLst>
+              <a:ext uri="{FF2B5EF4-FFF2-40B4-BE49-F238E27FC236}">
+                <a16:creationId xmlns:a16="http://schemas.microsoft.com/office/drawing/2014/main" id="{F7F1EAC8-D22F-4E8A-8BEA-039ED2D96A21}"/>
+              </a:ext>
+            </a:extLst>
+          </p:cNvPr>
+          <p:cNvGraphicFramePr>
+            <a:graphicFrameLocks noGrp="1"/>
+          </p:cNvGraphicFramePr>
+          <p:nvPr>
+            <p:extLst>
+              <p:ext uri="{D42A27DB-BD31-4B8C-83A1-F6EECF244321}">
+                <p14:modId xmlns:p14="http://schemas.microsoft.com/office/powerpoint/2010/main" val="2866296433"/>
+              </p:ext>
+            </p:extLst>
+          </p:nvPr>
+        </p:nvGraphicFramePr>
+        <p:xfrm>
+          <a:off x="2032000" y="4149393"/>
+          <a:ext cx="8127999" cy="1517982"/>
+        </p:xfrm>
+        <a:graphic>
+          <a:graphicData uri="http://schemas.openxmlformats.org/drawingml/2006/table">
+            <a:tbl>
+              <a:tblPr firstRow="1" bandRow="1">
+                <a:tableStyleId>{5C22544A-7EE6-4342-B048-85BDC9FD1C3A}</a:tableStyleId>
+              </a:tblPr>
+              <a:tblGrid>
+                <a:gridCol w="1873250">
+                  <a:extLst>
+                    <a:ext uri="{9D8B030D-6E8A-4147-A177-3AD203B41FA5}">
+                      <a16:colId xmlns:a16="http://schemas.microsoft.com/office/drawing/2014/main" val="627759662"/>
+                    </a:ext>
+                  </a:extLst>
+                </a:gridCol>
+                <a:gridCol w="2857500">
+                  <a:extLst>
+                    <a:ext uri="{9D8B030D-6E8A-4147-A177-3AD203B41FA5}">
+                      <a16:colId xmlns:a16="http://schemas.microsoft.com/office/drawing/2014/main" val="3266818399"/>
+                    </a:ext>
+                  </a:extLst>
+                </a:gridCol>
+                <a:gridCol w="3397249">
+                  <a:extLst>
+                    <a:ext uri="{9D8B030D-6E8A-4147-A177-3AD203B41FA5}">
+                      <a16:colId xmlns:a16="http://schemas.microsoft.com/office/drawing/2014/main" val="4036022139"/>
+                    </a:ext>
+                  </a:extLst>
+                </a:gridCol>
+              </a:tblGrid>
+              <a:tr h="505994">
+                <a:tc>
+                  <a:txBody>
+                    <a:bodyPr/>
+                    <a:lstStyle/>
+                    <a:p>
+                      <a:pPr algn="ctr"/>
+                      <a:endParaRPr lang="zh-TW" altLang="en-US" dirty="0"/>
+                    </a:p>
+                  </a:txBody>
+                  <a:tcPr anchor="ctr"/>
+                </a:tc>
+                <a:tc>
+                  <a:txBody>
+                    <a:bodyPr/>
+                    <a:lstStyle/>
+                    <a:p>
+                      <a:pPr algn="ctr"/>
+                      <a:r>
+                        <a:rPr lang="en-US" altLang="zh-TW" dirty="0"/>
+                        <a:t>p.m. cortisol</a:t>
+                      </a:r>
+                      <a:r>
+                        <a:rPr lang="zh-TW" altLang="en-US" dirty="0"/>
+                        <a:t>高</a:t>
+                      </a:r>
+                    </a:p>
+                  </a:txBody>
+                  <a:tcPr anchor="ctr"/>
+                </a:tc>
+                <a:tc>
+                  <a:txBody>
+                    <a:bodyPr/>
+                    <a:lstStyle/>
+                    <a:p>
+                      <a:pPr algn="ctr"/>
+                      <a:r>
+                        <a:rPr lang="en-US" altLang="zh-TW" dirty="0"/>
+                        <a:t>p.m.</a:t>
+                      </a:r>
+                      <a:r>
+                        <a:rPr lang="zh-TW" altLang="en-US" dirty="0"/>
+                        <a:t> </a:t>
+                      </a:r>
+                      <a:r>
+                        <a:rPr lang="en-US" altLang="zh-TW" dirty="0"/>
+                        <a:t>cortisol</a:t>
+                      </a:r>
+                      <a:r>
+                        <a:rPr lang="zh-TW" altLang="en-US" dirty="0"/>
+                        <a:t>低</a:t>
+                      </a:r>
+                    </a:p>
+                  </a:txBody>
+                  <a:tcPr anchor="ctr"/>
+                </a:tc>
+                <a:extLst>
+                  <a:ext uri="{0D108BD9-81ED-4DB2-BD59-A6C34878D82A}">
+                    <a16:rowId xmlns:a16="http://schemas.microsoft.com/office/drawing/2014/main" val="1103164029"/>
+                  </a:ext>
+                </a:extLst>
+              </a:tr>
+              <a:tr h="505994">
+                <a:tc>
+                  <a:txBody>
+                    <a:bodyPr/>
+                    <a:lstStyle/>
+                    <a:p>
+                      <a:pPr algn="ctr"/>
+                      <a:r>
+                        <a:rPr lang="zh-TW" altLang="en-US" dirty="0"/>
+                        <a:t>耐受性高</a:t>
+                      </a:r>
+                    </a:p>
+                  </a:txBody>
+                  <a:tcPr anchor="ctr"/>
+                </a:tc>
+                <a:tc>
+                  <a:txBody>
+                    <a:bodyPr/>
+                    <a:lstStyle/>
+                    <a:p>
+                      <a:pPr algn="ctr"/>
+                      <a:r>
+                        <a:rPr lang="en-US" altLang="zh-TW" dirty="0"/>
+                        <a:t>7</a:t>
+                      </a:r>
+                      <a:r>
+                        <a:rPr lang="zh-TW" altLang="en-US" dirty="0"/>
+                        <a:t>位</a:t>
+                      </a:r>
+                    </a:p>
+                  </a:txBody>
+                  <a:tcPr anchor="ctr"/>
+                </a:tc>
+                <a:tc>
+                  <a:txBody>
+                    <a:bodyPr/>
+                    <a:lstStyle/>
+                    <a:p>
+                      <a:pPr algn="ctr"/>
+                      <a:r>
+                        <a:rPr lang="en-US" altLang="zh-TW" dirty="0"/>
+                        <a:t>12</a:t>
+                      </a:r>
+                      <a:r>
+                        <a:rPr lang="zh-TW" altLang="en-US" dirty="0"/>
+                        <a:t>位</a:t>
+                      </a:r>
+                    </a:p>
+                  </a:txBody>
+                  <a:tcPr anchor="ctr"/>
+                </a:tc>
+                <a:extLst>
+                  <a:ext uri="{0D108BD9-81ED-4DB2-BD59-A6C34878D82A}">
+                    <a16:rowId xmlns:a16="http://schemas.microsoft.com/office/drawing/2014/main" val="2508743662"/>
+                  </a:ext>
+                </a:extLst>
+              </a:tr>
+              <a:tr h="505994">
+                <a:tc>
+                  <a:txBody>
+                    <a:bodyPr/>
+                    <a:lstStyle/>
+                    <a:p>
+                      <a:pPr algn="ctr"/>
+                      <a:r>
+                        <a:rPr lang="zh-TW" altLang="en-US" dirty="0"/>
+                        <a:t>耐受性低</a:t>
+                      </a:r>
+                    </a:p>
+                  </a:txBody>
+                  <a:tcPr anchor="ctr"/>
+                </a:tc>
+                <a:tc>
+                  <a:txBody>
+                    <a:bodyPr/>
+                    <a:lstStyle/>
+                    <a:p>
+                      <a:pPr algn="ctr"/>
+                      <a:r>
+                        <a:rPr lang="en-US" altLang="zh-TW" dirty="0"/>
+                        <a:t>15</a:t>
+                      </a:r>
+                      <a:r>
+                        <a:rPr lang="zh-TW" altLang="en-US" dirty="0"/>
+                        <a:t>位</a:t>
+                      </a:r>
+                    </a:p>
+                  </a:txBody>
+                  <a:tcPr anchor="ctr"/>
+                </a:tc>
+                <a:tc>
+                  <a:txBody>
+                    <a:bodyPr/>
+                    <a:lstStyle/>
+                    <a:p>
+                      <a:pPr algn="ctr"/>
+                      <a:r>
+                        <a:rPr lang="en-US" altLang="zh-TW" dirty="0"/>
+                        <a:t>5</a:t>
+                      </a:r>
+                      <a:r>
+                        <a:rPr lang="zh-TW" altLang="en-US" dirty="0"/>
+                        <a:t>位</a:t>
+                      </a:r>
+                    </a:p>
+                  </a:txBody>
+                  <a:tcPr anchor="ctr"/>
+                </a:tc>
+                <a:extLst>
+                  <a:ext uri="{0D108BD9-81ED-4DB2-BD59-A6C34878D82A}">
+                    <a16:rowId xmlns:a16="http://schemas.microsoft.com/office/drawing/2014/main" val="215654280"/>
+                  </a:ext>
+                </a:extLst>
+              </a:tr>
+            </a:tbl>
+          </a:graphicData>
+        </a:graphic>
+      </p:graphicFrame>
+      <p:sp>
+        <p:nvSpPr>
+          <p:cNvPr id="8" name="矩形 7">
+            <a:extLst>
+              <a:ext uri="{FF2B5EF4-FFF2-40B4-BE49-F238E27FC236}">
+                <a16:creationId xmlns:a16="http://schemas.microsoft.com/office/drawing/2014/main" id="{BE3E6E94-3C56-4E1E-8202-2735DA8686DA}"/>
+              </a:ext>
+            </a:extLst>
+          </p:cNvPr>
+          <p:cNvSpPr/>
           <p:nvPr/>
-        </p:nvPicPr>
-        <p:blipFill>
-          <a:blip r:embed="rId2"/>
-          <a:stretch>
-            <a:fillRect/>
-          </a:stretch>
-        </p:blipFill>
-        <p:spPr>
-          <a:xfrm>
-            <a:off x="232544" y="1819402"/>
-            <a:ext cx="11726912" cy="4772691"/>
+        </p:nvSpPr>
+        <p:spPr>
+          <a:xfrm>
+            <a:off x="3895725" y="5153025"/>
+            <a:ext cx="2857500" cy="514350"/>
           </a:xfrm>
           <a:prstGeom prst="rect">
             <a:avLst/>
           </a:prstGeom>
-        </p:spPr>
-      </p:pic>
-      <p:cxnSp>
-        <p:nvCxnSpPr>
-          <p:cNvPr id="7" name="直線接點 6">
-            <a:extLst>
-              <a:ext uri="{FF2B5EF4-FFF2-40B4-BE49-F238E27FC236}">
-                <a16:creationId xmlns:a16="http://schemas.microsoft.com/office/drawing/2014/main" id="{4CF61FFC-0A10-40C9-B1D1-F6DAE1E17013}"/>
-              </a:ext>
-            </a:extLst>
-          </p:cNvPr>
-          <p:cNvCxnSpPr>
-            <a:cxnSpLocks/>
-          </p:cNvCxnSpPr>
+          <a:noFill/>
+          <a:ln w="19050">
+            <a:solidFill>
+              <a:srgbClr val="FF0000"/>
+            </a:solidFill>
+          </a:ln>
+        </p:spPr>
+        <p:style>
+          <a:lnRef idx="2">
+            <a:schemeClr val="accent1">
+              <a:shade val="50000"/>
+            </a:schemeClr>
+          </a:lnRef>
+          <a:fillRef idx="1">
+            <a:schemeClr val="accent1"/>
+          </a:fillRef>
+          <a:effectRef idx="0">
+            <a:schemeClr val="accent1"/>
+          </a:effectRef>
+          <a:fontRef idx="minor">
+            <a:schemeClr val="lt1"/>
+          </a:fontRef>
+        </p:style>
+        <p:txBody>
+          <a:bodyPr rtlCol="0" anchor="ctr"/>
+          <a:lstStyle/>
+          <a:p>
+            <a:pPr algn="ctr"/>
+            <a:endParaRPr lang="zh-TW" altLang="en-US"/>
+          </a:p>
+        </p:txBody>
+      </p:sp>
+      <p:sp>
+        <p:nvSpPr>
+          <p:cNvPr id="9" name="文字方塊 8">
+            <a:extLst>
+              <a:ext uri="{FF2B5EF4-FFF2-40B4-BE49-F238E27FC236}">
+                <a16:creationId xmlns:a16="http://schemas.microsoft.com/office/drawing/2014/main" id="{2EC8366D-5BF5-488B-8604-6ACBB4B8C73D}"/>
+              </a:ext>
+            </a:extLst>
+          </p:cNvPr>
+          <p:cNvSpPr txBox="1"/>
           <p:nvPr/>
-        </p:nvCxnSpPr>
-        <p:spPr>
-          <a:xfrm flipV="1">
-            <a:off x="6096000" y="1885951"/>
-            <a:ext cx="0" cy="4498180"/>
-          </a:xfrm>
-          <a:prstGeom prst="line">
+        </p:nvSpPr>
+        <p:spPr>
+          <a:xfrm>
+            <a:off x="3895725" y="5737503"/>
+            <a:ext cx="3095625" cy="369332"/>
+          </a:xfrm>
+          <a:prstGeom prst="rect">
             <a:avLst/>
           </a:prstGeom>
-          <a:ln w="28575">
-            <a:solidFill>
-              <a:schemeClr val="accent6">
-                <a:lumMod val="60000"/>
-                <a:lumOff val="40000"/>
-              </a:schemeClr>
-            </a:solidFill>
-          </a:ln>
-        </p:spPr>
-        <p:style>
-          <a:lnRef idx="1">
-            <a:schemeClr val="accent3"/>
-          </a:lnRef>
-          <a:fillRef idx="0">
-            <a:schemeClr val="accent3"/>
-          </a:fillRef>
-          <a:effectRef idx="0">
-            <a:schemeClr val="accent3"/>
-          </a:effectRef>
-          <a:fontRef idx="minor">
-            <a:schemeClr val="tx1"/>
-          </a:fontRef>
-        </p:style>
-      </p:cxnSp>
+          <a:noFill/>
+        </p:spPr>
+        <p:txBody>
+          <a:bodyPr wrap="square" rtlCol="0">
+            <a:spAutoFit/>
+          </a:bodyPr>
+          <a:lstStyle/>
+          <a:p>
+            <a:r>
+              <a:rPr lang="zh-TW" altLang="en-US" dirty="0">
+                <a:solidFill>
+                  <a:srgbClr val="FF0000"/>
+                </a:solidFill>
+              </a:rPr>
+              <a:t>期望有顯著差異的觀察族群</a:t>
+            </a:r>
+          </a:p>
+        </p:txBody>
+      </p:sp>
     </p:spTree>
     <p:extLst>
       <p:ext uri="{BB962C8B-B14F-4D97-AF65-F5344CB8AC3E}">
-        <p14:creationId xmlns:p14="http://schemas.microsoft.com/office/powerpoint/2010/main" val="655550356"/>
+        <p14:creationId xmlns:p14="http://schemas.microsoft.com/office/powerpoint/2010/main" val="433455830"/>
       </p:ext>
     </p:extLst>
   </p:cSld>
@@ -5645,7 +5853,7 @@
           <p:cNvPr id="2" name="標題 1">
             <a:extLst>
               <a:ext uri="{FF2B5EF4-FFF2-40B4-BE49-F238E27FC236}">
-                <a16:creationId xmlns:a16="http://schemas.microsoft.com/office/drawing/2014/main" id="{AF2CE65F-EB53-4137-B435-2FC1BC8822D6}"/>
+                <a16:creationId xmlns:a16="http://schemas.microsoft.com/office/drawing/2014/main" id="{18BFAEC7-E376-4BE3-B57A-A677080EAF4D}"/>
               </a:ext>
             </a:extLst>
           </p:cNvPr>
@@ -5663,16 +5871,45 @@
           <a:p>
             <a:r>
               <a:rPr lang="zh-TW" altLang="en-US" dirty="0"/>
-              <a:t>睡眠過程</a:t>
+              <a:t>耐受性 </a:t>
             </a:r>
             <a:r>
               <a:rPr lang="en-US" altLang="zh-TW" dirty="0"/>
-              <a:t>Cortisol</a:t>
+              <a:t>x </a:t>
             </a:r>
             <a:r>
               <a:rPr lang="zh-TW" altLang="en-US" dirty="0"/>
-              <a:t>變化量</a:t>
-            </a:r>
+              <a:t>絕對值 </a:t>
+            </a:r>
+            <a:r>
+              <a:rPr lang="en-US" altLang="zh-TW" dirty="0"/>
+              <a:t>- </a:t>
+            </a:r>
+            <a:r>
+              <a:rPr lang="zh-TW" altLang="en-US" dirty="0"/>
+              <a:t>睡眠指標統計</a:t>
+            </a:r>
+            <a:r>
+              <a:rPr lang="en-US" altLang="zh-TW" dirty="0"/>
+              <a:t>(Mean</a:t>
+            </a:r>
+            <a:r>
+              <a:rPr lang="zh-TW" altLang="en-US" dirty="0"/>
+              <a:t>、</a:t>
+            </a:r>
+            <a:r>
+              <a:rPr lang="en-US" altLang="zh-TW" dirty="0"/>
+              <a:t>SD</a:t>
+            </a:r>
+            <a:r>
+              <a:rPr lang="zh-TW" altLang="en-US" dirty="0"/>
+              <a:t>、</a:t>
+            </a:r>
+            <a:r>
+              <a:rPr lang="en-US" altLang="zh-TW" dirty="0"/>
+              <a:t>p-value)</a:t>
+            </a:r>
+            <a:endParaRPr lang="zh-TW" altLang="en-US" dirty="0"/>
           </a:p>
         </p:txBody>
       </p:sp>
@@ -5681,7 +5918,7 @@
           <p:cNvPr id="3" name="內容版面配置區 2">
             <a:extLst>
               <a:ext uri="{FF2B5EF4-FFF2-40B4-BE49-F238E27FC236}">
-                <a16:creationId xmlns:a16="http://schemas.microsoft.com/office/drawing/2014/main" id="{AE711BF1-F012-419C-AC92-AAB4AA8E30CE}"/>
+                <a16:creationId xmlns:a16="http://schemas.microsoft.com/office/drawing/2014/main" id="{936CCC53-E0DD-4703-B9C7-B2BE323ABA34}"/>
               </a:ext>
             </a:extLst>
           </p:cNvPr>
@@ -5692,210 +5929,60 @@
             <p:ph idx="1"/>
           </p:nvPr>
         </p:nvSpPr>
-        <p:spPr/>
+        <p:spPr>
+          <a:xfrm>
+            <a:off x="720436" y="1321725"/>
+            <a:ext cx="10633364" cy="1059526"/>
+          </a:xfrm>
+        </p:spPr>
         <p:txBody>
           <a:bodyPr/>
           <a:lstStyle/>
           <a:p>
             <a:r>
+              <a:rPr lang="en-US" altLang="zh-TW" dirty="0">
+                <a:solidFill>
+                  <a:schemeClr val="accent1"/>
+                </a:solidFill>
+              </a:rPr>
+              <a:t>15</a:t>
+            </a:r>
+            <a:r>
+              <a:rPr lang="zh-TW" altLang="en-US" dirty="0">
+                <a:solidFill>
+                  <a:schemeClr val="accent1"/>
+                </a:solidFill>
+              </a:rPr>
+              <a:t>筆暴露噪音</a:t>
+            </a:r>
+            <a:r>
               <a:rPr lang="zh-TW" altLang="en-US" dirty="0"/>
-              <a:t>變化量 </a:t>
+              <a:t>與</a:t>
+            </a:r>
+            <a:r>
+              <a:rPr lang="en-US" altLang="zh-TW" dirty="0">
+                <a:solidFill>
+                  <a:schemeClr val="accent2"/>
+                </a:solidFill>
+              </a:rPr>
+              <a:t>15</a:t>
+            </a:r>
+            <a:r>
+              <a:rPr lang="zh-TW" altLang="en-US" dirty="0">
+                <a:solidFill>
+                  <a:schemeClr val="accent2"/>
+                </a:solidFill>
+              </a:rPr>
+              <a:t>筆非暴露噪音</a:t>
+            </a:r>
+            <a:r>
+              <a:rPr lang="zh-TW" altLang="en-US" dirty="0"/>
+              <a:t>做統計檢定</a:t>
             </a:r>
             <a:r>
               <a:rPr lang="en-US" altLang="zh-TW" dirty="0"/>
-              <a:t>=</a:t>
-            </a:r>
-            <a:r>
-              <a:rPr lang="zh-TW" altLang="en-US" dirty="0"/>
-              <a:t> </a:t>
-            </a:r>
-            <a:r>
-              <a:rPr lang="en-US" altLang="zh-TW" dirty="0"/>
-              <a:t>(</a:t>
-            </a:r>
-            <a:r>
-              <a:rPr lang="zh-TW" altLang="en-US" dirty="0"/>
-              <a:t>暴露噪音早晨 </a:t>
-            </a:r>
-            <a:r>
-              <a:rPr lang="en-US" altLang="zh-TW" dirty="0"/>
-              <a:t>- </a:t>
-            </a:r>
-            <a:r>
-              <a:rPr lang="zh-TW" altLang="en-US" dirty="0"/>
-              <a:t>暴露噪音傍晚</a:t>
-            </a:r>
-            <a:r>
-              <a:rPr lang="en-US" altLang="zh-TW" dirty="0"/>
-              <a:t>)</a:t>
-            </a:r>
-            <a:r>
-              <a:rPr lang="zh-TW" altLang="en-US" dirty="0"/>
-              <a:t> </a:t>
-            </a:r>
-            <a:r>
-              <a:rPr lang="en-US" altLang="zh-TW" dirty="0"/>
-              <a:t>– (</a:t>
-            </a:r>
-            <a:r>
-              <a:rPr lang="zh-TW" altLang="en-US" dirty="0"/>
-              <a:t>非暴露噪音早晨 </a:t>
-            </a:r>
-            <a:r>
-              <a:rPr lang="en-US" altLang="zh-TW" dirty="0"/>
-              <a:t>– </a:t>
-            </a:r>
-            <a:r>
-              <a:rPr lang="zh-TW" altLang="en-US" dirty="0"/>
-              <a:t>非暴露噪音傍晚</a:t>
-            </a:r>
-            <a:r>
-              <a:rPr lang="en-US" altLang="zh-TW" dirty="0"/>
-              <a:t>)</a:t>
-            </a:r>
-          </a:p>
-          <a:p>
-            <a:endParaRPr lang="en-US" altLang="zh-TW" dirty="0"/>
-          </a:p>
-          <a:p>
-            <a:pPr lvl="1"/>
-            <a:r>
-              <a:rPr lang="zh-TW" altLang="en-US" dirty="0"/>
-              <a:t>預期</a:t>
-            </a:r>
-            <a:r>
-              <a:rPr lang="zh-TW" altLang="en-US" dirty="0">
-                <a:solidFill>
-                  <a:schemeClr val="accent1"/>
-                </a:solidFill>
-              </a:rPr>
-              <a:t>暴露噪音</a:t>
-            </a:r>
-            <a:r>
-              <a:rPr lang="zh-TW" altLang="en-US" dirty="0"/>
-              <a:t>當天</a:t>
-            </a:r>
-            <a:r>
-              <a:rPr lang="en-US" altLang="zh-TW" dirty="0"/>
-              <a:t>cortisol</a:t>
-            </a:r>
-            <a:r>
-              <a:rPr lang="zh-TW" altLang="en-US" dirty="0"/>
-              <a:t>可能</a:t>
-            </a:r>
-            <a:r>
-              <a:rPr lang="zh-TW" altLang="en-US" dirty="0">
-                <a:solidFill>
-                  <a:schemeClr val="accent1"/>
-                </a:solidFill>
-              </a:rPr>
-              <a:t>傍晚就處於相對高點</a:t>
-            </a:r>
-            <a:r>
-              <a:rPr lang="zh-TW" altLang="en-US" dirty="0"/>
-              <a:t>，或睡眠中</a:t>
-            </a:r>
-            <a:r>
-              <a:rPr lang="zh-TW" altLang="en-US" dirty="0">
-                <a:solidFill>
-                  <a:schemeClr val="accent1"/>
-                </a:solidFill>
-              </a:rPr>
-              <a:t>無法將</a:t>
-            </a:r>
-            <a:r>
-              <a:rPr lang="en-US" altLang="zh-TW" dirty="0">
-                <a:solidFill>
-                  <a:schemeClr val="accent1"/>
-                </a:solidFill>
-              </a:rPr>
-              <a:t>cortisol</a:t>
-            </a:r>
-            <a:r>
-              <a:rPr lang="zh-TW" altLang="en-US" dirty="0">
-                <a:solidFill>
-                  <a:schemeClr val="accent1"/>
-                </a:solidFill>
-              </a:rPr>
-              <a:t>拉回早晨高點</a:t>
-            </a:r>
-            <a:r>
-              <a:rPr lang="zh-TW" altLang="en-US" dirty="0"/>
-              <a:t>，因此相減值較小</a:t>
-            </a:r>
-            <a:endParaRPr lang="en-US" altLang="zh-TW" dirty="0"/>
-          </a:p>
-          <a:p>
-            <a:pPr lvl="1"/>
-            <a:endParaRPr lang="en-US" altLang="zh-TW" dirty="0"/>
-          </a:p>
-          <a:p>
-            <a:pPr lvl="1"/>
-            <a:r>
-              <a:rPr lang="zh-TW" altLang="en-US" dirty="0"/>
-              <a:t>預期</a:t>
-            </a:r>
-            <a:r>
-              <a:rPr lang="zh-TW" altLang="en-US" dirty="0">
-                <a:solidFill>
-                  <a:schemeClr val="accent1"/>
-                </a:solidFill>
-              </a:rPr>
-              <a:t>非暴露噪音</a:t>
-            </a:r>
-            <a:r>
-              <a:rPr lang="zh-TW" altLang="en-US" dirty="0"/>
-              <a:t>當天</a:t>
-            </a:r>
-            <a:r>
-              <a:rPr lang="en-US" altLang="zh-TW" dirty="0"/>
-              <a:t>cortisol</a:t>
-            </a:r>
-            <a:r>
-              <a:rPr lang="zh-TW" altLang="en-US" dirty="0"/>
-              <a:t>數值較為正常，傍晚進入低點，早晨進入高點，因此相減值較大</a:t>
-            </a:r>
-            <a:endParaRPr lang="en-US" altLang="zh-TW" dirty="0"/>
-          </a:p>
-          <a:p>
-            <a:pPr lvl="1"/>
-            <a:endParaRPr lang="en-US" altLang="zh-TW" dirty="0"/>
-          </a:p>
-          <a:p>
-            <a:pPr lvl="1"/>
-            <a:r>
-              <a:rPr lang="zh-TW" altLang="en-US" dirty="0"/>
-              <a:t>兩者相減後得到此人的噪音非噪音變化值，可以假設</a:t>
-            </a:r>
-            <a:r>
-              <a:rPr lang="zh-TW" altLang="en-US" dirty="0">
-                <a:solidFill>
-                  <a:schemeClr val="accent1"/>
-                </a:solidFill>
-              </a:rPr>
-              <a:t>負數越大者，在噪音下睡眠過程</a:t>
-            </a:r>
-            <a:r>
-              <a:rPr lang="en-US" altLang="zh-TW" dirty="0">
-                <a:solidFill>
-                  <a:schemeClr val="accent1"/>
-                </a:solidFill>
-              </a:rPr>
-              <a:t>cortisol</a:t>
-            </a:r>
-            <a:r>
-              <a:rPr lang="zh-TW" altLang="en-US" dirty="0">
-                <a:solidFill>
-                  <a:schemeClr val="accent1"/>
-                </a:solidFill>
-              </a:rPr>
-              <a:t>變化量較小</a:t>
-            </a:r>
-            <a:endParaRPr lang="en-US" altLang="zh-TW" dirty="0">
-              <a:solidFill>
-                <a:schemeClr val="accent1"/>
-              </a:solidFill>
-            </a:endParaRPr>
+              <a:t>(two-tailed t-test)</a:t>
+            </a:r>
           </a:p>
         </p:txBody>
       </p:sp>
@@ -5904,7 +5991,7 @@
           <p:cNvPr id="4" name="投影片編號版面配置區 3">
             <a:extLst>
               <a:ext uri="{FF2B5EF4-FFF2-40B4-BE49-F238E27FC236}">
-                <a16:creationId xmlns:a16="http://schemas.microsoft.com/office/drawing/2014/main" id="{D217FF9E-DF46-405A-901B-A8E73E5A36FF}"/>
+                <a16:creationId xmlns:a16="http://schemas.microsoft.com/office/drawing/2014/main" id="{61A30DB7-3E56-4A65-848E-48974630BF02}"/>
               </a:ext>
             </a:extLst>
           </p:cNvPr>
@@ -5928,10 +6015,474 @@
           </a:p>
         </p:txBody>
       </p:sp>
+      <p:pic>
+        <p:nvPicPr>
+          <p:cNvPr id="6" name="圖片 5">
+            <a:extLst>
+              <a:ext uri="{FF2B5EF4-FFF2-40B4-BE49-F238E27FC236}">
+                <a16:creationId xmlns:a16="http://schemas.microsoft.com/office/drawing/2014/main" id="{EDC2145E-751D-4970-84D8-1678D019EB14}"/>
+              </a:ext>
+            </a:extLst>
+          </p:cNvPr>
+          <p:cNvPicPr>
+            <a:picLocks noChangeAspect="1"/>
+          </p:cNvPicPr>
+          <p:nvPr/>
+        </p:nvPicPr>
+        <p:blipFill>
+          <a:blip r:embed="rId2"/>
+          <a:stretch>
+            <a:fillRect/>
+          </a:stretch>
+        </p:blipFill>
+        <p:spPr>
+          <a:xfrm>
+            <a:off x="461440" y="2670175"/>
+            <a:ext cx="11269120" cy="3250275"/>
+          </a:xfrm>
+          <a:prstGeom prst="rect">
+            <a:avLst/>
+          </a:prstGeom>
+        </p:spPr>
+      </p:pic>
+      <p:sp>
+        <p:nvSpPr>
+          <p:cNvPr id="7" name="文字方塊 6">
+            <a:extLst>
+              <a:ext uri="{FF2B5EF4-FFF2-40B4-BE49-F238E27FC236}">
+                <a16:creationId xmlns:a16="http://schemas.microsoft.com/office/drawing/2014/main" id="{EE3E5935-4870-4D74-9804-7CF34DDF52D4}"/>
+              </a:ext>
+            </a:extLst>
+          </p:cNvPr>
+          <p:cNvSpPr txBox="1"/>
+          <p:nvPr/>
+        </p:nvSpPr>
+        <p:spPr>
+          <a:xfrm>
+            <a:off x="638844" y="5870523"/>
+            <a:ext cx="1332953" cy="461665"/>
+          </a:xfrm>
+          <a:prstGeom prst="rect">
+            <a:avLst/>
+          </a:prstGeom>
+          <a:noFill/>
+        </p:spPr>
+        <p:txBody>
+          <a:bodyPr wrap="square" rtlCol="0">
+            <a:spAutoFit/>
+          </a:bodyPr>
+          <a:lstStyle/>
+          <a:p>
+            <a:pPr algn="ctr"/>
+            <a:r>
+              <a:rPr lang="en-US" altLang="zh-TW" sz="1200" dirty="0">
+                <a:solidFill>
+                  <a:schemeClr val="accent1">
+                    <a:lumMod val="75000"/>
+                  </a:schemeClr>
+                </a:solidFill>
+              </a:rPr>
+              <a:t>p-value:</a:t>
+            </a:r>
+          </a:p>
+          <a:p>
+            <a:pPr algn="ctr"/>
+            <a:r>
+              <a:rPr lang="en-US" altLang="zh-TW" sz="1200" dirty="0">
+                <a:solidFill>
+                  <a:schemeClr val="accent1">
+                    <a:lumMod val="75000"/>
+                  </a:schemeClr>
+                </a:solidFill>
+              </a:rPr>
+              <a:t>0.92</a:t>
+            </a:r>
+            <a:endParaRPr lang="zh-TW" altLang="en-US" sz="1200" dirty="0">
+              <a:solidFill>
+                <a:schemeClr val="accent1">
+                  <a:lumMod val="75000"/>
+                </a:schemeClr>
+              </a:solidFill>
+            </a:endParaRPr>
+          </a:p>
+        </p:txBody>
+      </p:sp>
+      <p:sp>
+        <p:nvSpPr>
+          <p:cNvPr id="8" name="文字方塊 7">
+            <a:extLst>
+              <a:ext uri="{FF2B5EF4-FFF2-40B4-BE49-F238E27FC236}">
+                <a16:creationId xmlns:a16="http://schemas.microsoft.com/office/drawing/2014/main" id="{E39C5D51-8268-45D0-AED2-D7CE4574AD54}"/>
+              </a:ext>
+            </a:extLst>
+          </p:cNvPr>
+          <p:cNvSpPr txBox="1"/>
+          <p:nvPr/>
+        </p:nvSpPr>
+        <p:spPr>
+          <a:xfrm>
+            <a:off x="2280607" y="5870523"/>
+            <a:ext cx="1332953" cy="461665"/>
+          </a:xfrm>
+          <a:prstGeom prst="rect">
+            <a:avLst/>
+          </a:prstGeom>
+          <a:noFill/>
+        </p:spPr>
+        <p:txBody>
+          <a:bodyPr wrap="square" rtlCol="0">
+            <a:spAutoFit/>
+          </a:bodyPr>
+          <a:lstStyle/>
+          <a:p>
+            <a:pPr algn="ctr"/>
+            <a:r>
+              <a:rPr lang="en-US" altLang="zh-TW" sz="1200" dirty="0">
+                <a:solidFill>
+                  <a:schemeClr val="accent1">
+                    <a:lumMod val="75000"/>
+                  </a:schemeClr>
+                </a:solidFill>
+              </a:rPr>
+              <a:t>p-value:</a:t>
+            </a:r>
+          </a:p>
+          <a:p>
+            <a:pPr algn="ctr"/>
+            <a:r>
+              <a:rPr lang="en-US" altLang="zh-TW" sz="1200" dirty="0">
+                <a:solidFill>
+                  <a:schemeClr val="accent1">
+                    <a:lumMod val="75000"/>
+                  </a:schemeClr>
+                </a:solidFill>
+              </a:rPr>
+              <a:t>0.513</a:t>
+            </a:r>
+            <a:endParaRPr lang="zh-TW" altLang="en-US" sz="1200" dirty="0">
+              <a:solidFill>
+                <a:schemeClr val="accent1">
+                  <a:lumMod val="75000"/>
+                </a:schemeClr>
+              </a:solidFill>
+            </a:endParaRPr>
+          </a:p>
+        </p:txBody>
+      </p:sp>
+      <p:sp>
+        <p:nvSpPr>
+          <p:cNvPr id="9" name="文字方塊 8">
+            <a:extLst>
+              <a:ext uri="{FF2B5EF4-FFF2-40B4-BE49-F238E27FC236}">
+                <a16:creationId xmlns:a16="http://schemas.microsoft.com/office/drawing/2014/main" id="{981994E9-445E-441A-ABD0-F42A04E8FD21}"/>
+              </a:ext>
+            </a:extLst>
+          </p:cNvPr>
+          <p:cNvSpPr txBox="1"/>
+          <p:nvPr/>
+        </p:nvSpPr>
+        <p:spPr>
+          <a:xfrm>
+            <a:off x="3850363" y="5870523"/>
+            <a:ext cx="1332953" cy="461665"/>
+          </a:xfrm>
+          <a:prstGeom prst="rect">
+            <a:avLst/>
+          </a:prstGeom>
+          <a:noFill/>
+        </p:spPr>
+        <p:txBody>
+          <a:bodyPr wrap="square" rtlCol="0">
+            <a:spAutoFit/>
+          </a:bodyPr>
+          <a:lstStyle/>
+          <a:p>
+            <a:pPr algn="ctr"/>
+            <a:r>
+              <a:rPr lang="en-US" altLang="zh-TW" sz="1200" dirty="0">
+                <a:solidFill>
+                  <a:schemeClr val="accent1">
+                    <a:lumMod val="75000"/>
+                  </a:schemeClr>
+                </a:solidFill>
+              </a:rPr>
+              <a:t>p-value:</a:t>
+            </a:r>
+          </a:p>
+          <a:p>
+            <a:pPr algn="ctr"/>
+            <a:r>
+              <a:rPr lang="en-US" altLang="zh-TW" sz="1200" dirty="0">
+                <a:solidFill>
+                  <a:schemeClr val="accent1">
+                    <a:lumMod val="75000"/>
+                  </a:schemeClr>
+                </a:solidFill>
+              </a:rPr>
+              <a:t>0.643</a:t>
+            </a:r>
+            <a:endParaRPr lang="zh-TW" altLang="en-US" sz="1200" dirty="0">
+              <a:solidFill>
+                <a:schemeClr val="accent1">
+                  <a:lumMod val="75000"/>
+                </a:schemeClr>
+              </a:solidFill>
+            </a:endParaRPr>
+          </a:p>
+        </p:txBody>
+      </p:sp>
+      <p:sp>
+        <p:nvSpPr>
+          <p:cNvPr id="10" name="文字方塊 9">
+            <a:extLst>
+              <a:ext uri="{FF2B5EF4-FFF2-40B4-BE49-F238E27FC236}">
+                <a16:creationId xmlns:a16="http://schemas.microsoft.com/office/drawing/2014/main" id="{76035FF4-4346-48D6-B225-8A3E97FB5A08}"/>
+              </a:ext>
+            </a:extLst>
+          </p:cNvPr>
+          <p:cNvSpPr txBox="1"/>
+          <p:nvPr/>
+        </p:nvSpPr>
+        <p:spPr>
+          <a:xfrm>
+            <a:off x="5529712" y="5870523"/>
+            <a:ext cx="1332953" cy="461665"/>
+          </a:xfrm>
+          <a:prstGeom prst="rect">
+            <a:avLst/>
+          </a:prstGeom>
+          <a:noFill/>
+        </p:spPr>
+        <p:txBody>
+          <a:bodyPr wrap="square" rtlCol="0">
+            <a:spAutoFit/>
+          </a:bodyPr>
+          <a:lstStyle/>
+          <a:p>
+            <a:pPr algn="ctr"/>
+            <a:r>
+              <a:rPr lang="en-US" altLang="zh-TW" sz="1200" dirty="0">
+                <a:solidFill>
+                  <a:schemeClr val="accent1">
+                    <a:lumMod val="75000"/>
+                  </a:schemeClr>
+                </a:solidFill>
+              </a:rPr>
+              <a:t>p-value:</a:t>
+            </a:r>
+          </a:p>
+          <a:p>
+            <a:pPr algn="ctr"/>
+            <a:r>
+              <a:rPr lang="en-US" altLang="zh-TW" sz="1200" dirty="0">
+                <a:solidFill>
+                  <a:schemeClr val="accent1">
+                    <a:lumMod val="75000"/>
+                  </a:schemeClr>
+                </a:solidFill>
+              </a:rPr>
+              <a:t>0.733</a:t>
+            </a:r>
+            <a:endParaRPr lang="zh-TW" altLang="en-US" sz="1200" dirty="0">
+              <a:solidFill>
+                <a:schemeClr val="accent1">
+                  <a:lumMod val="75000"/>
+                </a:schemeClr>
+              </a:solidFill>
+            </a:endParaRPr>
+          </a:p>
+        </p:txBody>
+      </p:sp>
+      <p:sp>
+        <p:nvSpPr>
+          <p:cNvPr id="11" name="文字方塊 10">
+            <a:extLst>
+              <a:ext uri="{FF2B5EF4-FFF2-40B4-BE49-F238E27FC236}">
+                <a16:creationId xmlns:a16="http://schemas.microsoft.com/office/drawing/2014/main" id="{F416AE59-65C7-47C0-BE97-849580749D62}"/>
+              </a:ext>
+            </a:extLst>
+          </p:cNvPr>
+          <p:cNvSpPr txBox="1"/>
+          <p:nvPr/>
+        </p:nvSpPr>
+        <p:spPr>
+          <a:xfrm>
+            <a:off x="7226681" y="5870523"/>
+            <a:ext cx="1332953" cy="461665"/>
+          </a:xfrm>
+          <a:prstGeom prst="rect">
+            <a:avLst/>
+          </a:prstGeom>
+          <a:noFill/>
+        </p:spPr>
+        <p:txBody>
+          <a:bodyPr wrap="square" rtlCol="0">
+            <a:spAutoFit/>
+          </a:bodyPr>
+          <a:lstStyle/>
+          <a:p>
+            <a:pPr algn="ctr"/>
+            <a:r>
+              <a:rPr lang="en-US" altLang="zh-TW" sz="1200" dirty="0">
+                <a:solidFill>
+                  <a:schemeClr val="accent1">
+                    <a:lumMod val="75000"/>
+                  </a:schemeClr>
+                </a:solidFill>
+              </a:rPr>
+              <a:t>p-value:</a:t>
+            </a:r>
+          </a:p>
+          <a:p>
+            <a:pPr algn="ctr"/>
+            <a:r>
+              <a:rPr lang="en-US" altLang="zh-TW" sz="1200" dirty="0">
+                <a:solidFill>
+                  <a:schemeClr val="accent1">
+                    <a:lumMod val="75000"/>
+                  </a:schemeClr>
+                </a:solidFill>
+              </a:rPr>
+              <a:t>0.158</a:t>
+            </a:r>
+            <a:endParaRPr lang="zh-TW" altLang="en-US" sz="1200" dirty="0">
+              <a:solidFill>
+                <a:schemeClr val="accent1">
+                  <a:lumMod val="75000"/>
+                </a:schemeClr>
+              </a:solidFill>
+            </a:endParaRPr>
+          </a:p>
+        </p:txBody>
+      </p:sp>
+      <p:sp>
+        <p:nvSpPr>
+          <p:cNvPr id="12" name="文字方塊 11">
+            <a:extLst>
+              <a:ext uri="{FF2B5EF4-FFF2-40B4-BE49-F238E27FC236}">
+                <a16:creationId xmlns:a16="http://schemas.microsoft.com/office/drawing/2014/main" id="{1B4FD48E-3CD2-47EC-B386-277903D2014D}"/>
+              </a:ext>
+            </a:extLst>
+          </p:cNvPr>
+          <p:cNvSpPr txBox="1"/>
+          <p:nvPr/>
+        </p:nvSpPr>
+        <p:spPr>
+          <a:xfrm>
+            <a:off x="8868442" y="5870523"/>
+            <a:ext cx="1332953" cy="461665"/>
+          </a:xfrm>
+          <a:prstGeom prst="rect">
+            <a:avLst/>
+          </a:prstGeom>
+          <a:noFill/>
+        </p:spPr>
+        <p:txBody>
+          <a:bodyPr wrap="square" rtlCol="0">
+            <a:spAutoFit/>
+          </a:bodyPr>
+          <a:lstStyle/>
+          <a:p>
+            <a:pPr algn="ctr"/>
+            <a:r>
+              <a:rPr lang="en-US" altLang="zh-TW" sz="1200" dirty="0">
+                <a:solidFill>
+                  <a:schemeClr val="accent1">
+                    <a:lumMod val="75000"/>
+                  </a:schemeClr>
+                </a:solidFill>
+              </a:rPr>
+              <a:t>p-value:</a:t>
+            </a:r>
+          </a:p>
+          <a:p>
+            <a:pPr algn="ctr"/>
+            <a:r>
+              <a:rPr lang="en-US" altLang="zh-TW" sz="1200" dirty="0">
+                <a:solidFill>
+                  <a:schemeClr val="accent1">
+                    <a:lumMod val="75000"/>
+                  </a:schemeClr>
+                </a:solidFill>
+              </a:rPr>
+              <a:t>0.88</a:t>
+            </a:r>
+            <a:endParaRPr lang="zh-TW" altLang="en-US" sz="1200" dirty="0">
+              <a:solidFill>
+                <a:schemeClr val="accent1">
+                  <a:lumMod val="75000"/>
+                </a:schemeClr>
+              </a:solidFill>
+            </a:endParaRPr>
+          </a:p>
+        </p:txBody>
+      </p:sp>
+      <p:sp>
+        <p:nvSpPr>
+          <p:cNvPr id="13" name="文字方塊 12">
+            <a:extLst>
+              <a:ext uri="{FF2B5EF4-FFF2-40B4-BE49-F238E27FC236}">
+                <a16:creationId xmlns:a16="http://schemas.microsoft.com/office/drawing/2014/main" id="{316A4D1E-3B74-4A0F-B636-CC802102AE27}"/>
+              </a:ext>
+            </a:extLst>
+          </p:cNvPr>
+          <p:cNvSpPr txBox="1"/>
+          <p:nvPr/>
+        </p:nvSpPr>
+        <p:spPr>
+          <a:xfrm>
+            <a:off x="10438198" y="5870523"/>
+            <a:ext cx="1332953" cy="461665"/>
+          </a:xfrm>
+          <a:prstGeom prst="rect">
+            <a:avLst/>
+          </a:prstGeom>
+          <a:noFill/>
+        </p:spPr>
+        <p:txBody>
+          <a:bodyPr wrap="square" rtlCol="0">
+            <a:spAutoFit/>
+          </a:bodyPr>
+          <a:lstStyle/>
+          <a:p>
+            <a:pPr algn="ctr"/>
+            <a:r>
+              <a:rPr lang="en-US" altLang="zh-TW" sz="1200" dirty="0">
+                <a:solidFill>
+                  <a:schemeClr val="accent1">
+                    <a:lumMod val="75000"/>
+                  </a:schemeClr>
+                </a:solidFill>
+              </a:rPr>
+              <a:t>p-value:</a:t>
+            </a:r>
+          </a:p>
+          <a:p>
+            <a:pPr algn="ctr"/>
+            <a:r>
+              <a:rPr lang="en-US" altLang="zh-TW" sz="1200" dirty="0">
+                <a:solidFill>
+                  <a:schemeClr val="accent1">
+                    <a:lumMod val="75000"/>
+                  </a:schemeClr>
+                </a:solidFill>
+              </a:rPr>
+              <a:t>0.446</a:t>
+            </a:r>
+            <a:endParaRPr lang="zh-TW" altLang="en-US" sz="1200" dirty="0">
+              <a:solidFill>
+                <a:schemeClr val="accent1">
+                  <a:lumMod val="75000"/>
+                </a:schemeClr>
+              </a:solidFill>
+            </a:endParaRPr>
+          </a:p>
+        </p:txBody>
+      </p:sp>
     </p:spTree>
     <p:extLst>
       <p:ext uri="{BB962C8B-B14F-4D97-AF65-F5344CB8AC3E}">
-        <p14:creationId xmlns:p14="http://schemas.microsoft.com/office/powerpoint/2010/main" val="2206379915"/>
+        <p14:creationId xmlns:p14="http://schemas.microsoft.com/office/powerpoint/2010/main" val="632536018"/>
       </p:ext>
     </p:extLst>
   </p:cSld>
@@ -5963,7 +6514,7 @@
           <p:cNvPr id="2" name="標題 1">
             <a:extLst>
               <a:ext uri="{FF2B5EF4-FFF2-40B4-BE49-F238E27FC236}">
-                <a16:creationId xmlns:a16="http://schemas.microsoft.com/office/drawing/2014/main" id="{34622B3B-BE12-4C8B-AB8A-34D5B7C9390A}"/>
+                <a16:creationId xmlns:a16="http://schemas.microsoft.com/office/drawing/2014/main" id="{AF2CE65F-EB53-4137-B435-2FC1BC8822D6}"/>
               </a:ext>
             </a:extLst>
           </p:cNvPr>
@@ -5999,7 +6550,7 @@
           <p:cNvPr id="3" name="內容版面配置區 2">
             <a:extLst>
               <a:ext uri="{FF2B5EF4-FFF2-40B4-BE49-F238E27FC236}">
-                <a16:creationId xmlns:a16="http://schemas.microsoft.com/office/drawing/2014/main" id="{ED5F113D-D4A8-4017-AC17-D6A9DB70C549}"/>
+                <a16:creationId xmlns:a16="http://schemas.microsoft.com/office/drawing/2014/main" id="{AE711BF1-F012-419C-AC92-AAB4AA8E30CE}"/>
               </a:ext>
             </a:extLst>
           </p:cNvPr>
@@ -6010,21 +6561,88 @@
             <p:ph idx="1"/>
           </p:nvPr>
         </p:nvSpPr>
-        <p:spPr>
-          <a:xfrm>
-            <a:off x="720436" y="1321724"/>
-            <a:ext cx="10633364" cy="1983451"/>
-          </a:xfrm>
-        </p:spPr>
-        <p:txBody>
-          <a:bodyPr>
-            <a:normAutofit/>
-          </a:bodyPr>
+        <p:spPr/>
+        <p:txBody>
+          <a:bodyPr/>
           <a:lstStyle/>
           <a:p>
             <a:r>
               <a:rPr lang="zh-TW" altLang="en-US" dirty="0"/>
-              <a:t>上圖預期暴露噪音的</a:t>
+              <a:t>變化量 </a:t>
+            </a:r>
+            <a:r>
+              <a:rPr lang="en-US" altLang="zh-TW" dirty="0"/>
+              <a:t>=</a:t>
+            </a:r>
+            <a:r>
+              <a:rPr lang="zh-TW" altLang="en-US" dirty="0"/>
+              <a:t> </a:t>
+            </a:r>
+            <a:r>
+              <a:rPr lang="en-US" altLang="zh-TW" dirty="0"/>
+              <a:t>(</a:t>
+            </a:r>
+            <a:r>
+              <a:rPr lang="zh-TW" altLang="en-US" dirty="0"/>
+              <a:t>暴露噪音早晨 </a:t>
+            </a:r>
+            <a:r>
+              <a:rPr lang="en-US" altLang="zh-TW" dirty="0"/>
+              <a:t>- </a:t>
+            </a:r>
+            <a:r>
+              <a:rPr lang="zh-TW" altLang="en-US" dirty="0"/>
+              <a:t>暴露噪音傍晚</a:t>
+            </a:r>
+            <a:r>
+              <a:rPr lang="en-US" altLang="zh-TW" dirty="0"/>
+              <a:t>)</a:t>
+            </a:r>
+            <a:r>
+              <a:rPr lang="zh-TW" altLang="en-US" dirty="0"/>
+              <a:t> </a:t>
+            </a:r>
+            <a:r>
+              <a:rPr lang="en-US" altLang="zh-TW" dirty="0"/>
+              <a:t>– (</a:t>
+            </a:r>
+            <a:r>
+              <a:rPr lang="zh-TW" altLang="en-US" dirty="0"/>
+              <a:t>非暴露噪音早晨 </a:t>
+            </a:r>
+            <a:r>
+              <a:rPr lang="en-US" altLang="zh-TW" dirty="0"/>
+              <a:t>– </a:t>
+            </a:r>
+            <a:r>
+              <a:rPr lang="zh-TW" altLang="en-US" dirty="0"/>
+              <a:t>非暴露噪音傍晚</a:t>
+            </a:r>
+            <a:r>
+              <a:rPr lang="en-US" altLang="zh-TW" dirty="0"/>
+              <a:t>)</a:t>
+            </a:r>
+          </a:p>
+          <a:p>
+            <a:endParaRPr lang="en-US" altLang="zh-TW" dirty="0"/>
+          </a:p>
+          <a:p>
+            <a:pPr lvl="1"/>
+            <a:r>
+              <a:rPr lang="zh-TW" altLang="en-US" dirty="0"/>
+              <a:t>預期</a:t>
+            </a:r>
+            <a:r>
+              <a:rPr lang="zh-TW" altLang="en-US" dirty="0">
+                <a:solidFill>
+                  <a:schemeClr val="accent1"/>
+                </a:solidFill>
+              </a:rPr>
+              <a:t>暴露噪音</a:t>
+            </a:r>
+            <a:r>
+              <a:rPr lang="zh-TW" altLang="en-US" dirty="0"/>
+              <a:t>當天</a:t>
             </a:r>
             <a:r>
               <a:rPr lang="en-US" altLang="zh-TW" dirty="0"/>
@@ -6032,7 +6650,71 @@
             </a:r>
             <a:r>
               <a:rPr lang="zh-TW" altLang="en-US" dirty="0"/>
-              <a:t>變化量應該要較小，而非暴露噪音的</a:t>
+              <a:t>可能</a:t>
+            </a:r>
+            <a:r>
+              <a:rPr lang="zh-TW" altLang="en-US" dirty="0">
+                <a:solidFill>
+                  <a:schemeClr val="accent1"/>
+                </a:solidFill>
+              </a:rPr>
+              <a:t>傍晚就處於相對高點</a:t>
+            </a:r>
+            <a:r>
+              <a:rPr lang="zh-TW" altLang="en-US" dirty="0"/>
+              <a:t>，或睡眠中</a:t>
+            </a:r>
+            <a:r>
+              <a:rPr lang="zh-TW" altLang="en-US" dirty="0">
+                <a:solidFill>
+                  <a:schemeClr val="accent1"/>
+                </a:solidFill>
+              </a:rPr>
+              <a:t>無法將</a:t>
+            </a:r>
+            <a:r>
+              <a:rPr lang="en-US" altLang="zh-TW" dirty="0">
+                <a:solidFill>
+                  <a:schemeClr val="accent1"/>
+                </a:solidFill>
+              </a:rPr>
+              <a:t>cortisol</a:t>
+            </a:r>
+            <a:r>
+              <a:rPr lang="zh-TW" altLang="en-US" dirty="0">
+                <a:solidFill>
+                  <a:schemeClr val="accent1"/>
+                </a:solidFill>
+              </a:rPr>
+              <a:t>拉回早晨高點</a:t>
+            </a:r>
+            <a:r>
+              <a:rPr lang="zh-TW" altLang="en-US" dirty="0"/>
+              <a:t>，因此相減值較小</a:t>
+            </a:r>
+            <a:endParaRPr lang="en-US" altLang="zh-TW" dirty="0"/>
+          </a:p>
+          <a:p>
+            <a:pPr lvl="1"/>
+            <a:endParaRPr lang="en-US" altLang="zh-TW" dirty="0"/>
+          </a:p>
+          <a:p>
+            <a:pPr lvl="1"/>
+            <a:r>
+              <a:rPr lang="zh-TW" altLang="en-US" dirty="0"/>
+              <a:t>預期</a:t>
+            </a:r>
+            <a:r>
+              <a:rPr lang="zh-TW" altLang="en-US" dirty="0">
+                <a:solidFill>
+                  <a:schemeClr val="accent1"/>
+                </a:solidFill>
+              </a:rPr>
+              <a:t>非暴露噪音</a:t>
+            </a:r>
+            <a:r>
+              <a:rPr lang="zh-TW" altLang="en-US" dirty="0"/>
+              <a:t>當天</a:t>
             </a:r>
             <a:r>
               <a:rPr lang="en-US" altLang="zh-TW" dirty="0"/>
@@ -6040,92 +6722,50 @@
             </a:r>
             <a:r>
               <a:rPr lang="zh-TW" altLang="en-US" dirty="0"/>
-              <a:t>變化量應該要較大，但</a:t>
+              <a:t>數值較為正常，傍晚進入低點，早晨進入高點，因此相減值較大</a:t>
+            </a:r>
+            <a:endParaRPr lang="en-US" altLang="zh-TW" dirty="0"/>
+          </a:p>
+          <a:p>
+            <a:pPr lvl="1"/>
+            <a:endParaRPr lang="en-US" altLang="zh-TW" dirty="0"/>
+          </a:p>
+          <a:p>
+            <a:pPr lvl="1"/>
+            <a:r>
+              <a:rPr lang="zh-TW" altLang="en-US" dirty="0"/>
+              <a:t>兩者相減後得到此人的噪音非噪音變化值，可以假設</a:t>
             </a:r>
             <a:r>
               <a:rPr lang="zh-TW" altLang="en-US" dirty="0">
                 <a:solidFill>
-                  <a:srgbClr val="FF0000"/>
-                </a:solidFill>
-              </a:rPr>
-              <a:t>結果顯示大部分的人數值皆在</a:t>
+                  <a:schemeClr val="accent1"/>
+                </a:solidFill>
+              </a:rPr>
+              <a:t>負數越大者，在噪音下睡眠過程</a:t>
             </a:r>
             <a:r>
               <a:rPr lang="en-US" altLang="zh-TW" dirty="0">
                 <a:solidFill>
-                  <a:srgbClr val="FF0000"/>
-                </a:solidFill>
-              </a:rPr>
-              <a:t>0</a:t>
+                  <a:schemeClr val="accent1"/>
+                </a:solidFill>
+              </a:rPr>
+              <a:t>cortisol</a:t>
             </a:r>
             <a:r>
               <a:rPr lang="zh-TW" altLang="en-US" dirty="0">
                 <a:solidFill>
-                  <a:srgbClr val="FF0000"/>
-                </a:solidFill>
-              </a:rPr>
-              <a:t>以上</a:t>
+                  <a:schemeClr val="accent1"/>
+                </a:solidFill>
+              </a:rPr>
+              <a:t>變化量較小</a:t>
             </a:r>
             <a:endParaRPr lang="en-US" altLang="zh-TW" dirty="0">
               <a:solidFill>
-                <a:srgbClr val="FF0000"/>
+                <a:schemeClr val="accent1"/>
               </a:solidFill>
             </a:endParaRPr>
           </a:p>
-          <a:p>
-            <a:r>
-              <a:rPr lang="zh-TW" altLang="en-US" dirty="0"/>
-              <a:t>下圖可以觀察到大於</a:t>
-            </a:r>
-            <a:r>
-              <a:rPr lang="en-US" altLang="zh-TW" dirty="0"/>
-              <a:t>0</a:t>
-            </a:r>
-            <a:r>
-              <a:rPr lang="zh-TW" altLang="en-US" dirty="0"/>
-              <a:t>的族群</a:t>
-            </a:r>
-            <a:r>
-              <a:rPr lang="en-US" altLang="zh-TW" dirty="0"/>
-              <a:t>(</a:t>
-            </a:r>
-            <a:r>
-              <a:rPr lang="zh-TW" altLang="en-US" dirty="0"/>
-              <a:t>代表有受噪音影響</a:t>
-            </a:r>
-            <a:r>
-              <a:rPr lang="en-US" altLang="zh-TW" dirty="0"/>
-              <a:t>)</a:t>
-            </a:r>
-            <a:r>
-              <a:rPr lang="zh-TW" altLang="en-US" dirty="0"/>
-              <a:t>有藍色蓋住橘色的現象，表示</a:t>
-            </a:r>
-            <a:r>
-              <a:rPr lang="zh-TW" altLang="en-US" dirty="0">
-                <a:solidFill>
-                  <a:srgbClr val="FF0000"/>
-                </a:solidFill>
-              </a:rPr>
-              <a:t>受噪音影響的情況下早晨</a:t>
-            </a:r>
-            <a:r>
-              <a:rPr lang="en-US" altLang="zh-TW" dirty="0">
-                <a:solidFill>
-                  <a:srgbClr val="FF0000"/>
-                </a:solidFill>
-              </a:rPr>
-              <a:t>cortisol</a:t>
-            </a:r>
-            <a:r>
-              <a:rPr lang="zh-TW" altLang="en-US" dirty="0">
-                <a:solidFill>
-                  <a:srgbClr val="FF0000"/>
-                </a:solidFill>
-              </a:rPr>
-              <a:t>變化量更劇烈</a:t>
-            </a:r>
-          </a:p>
         </p:txBody>
       </p:sp>
       <p:sp>
@@ -6133,7 +6773,7 @@
           <p:cNvPr id="4" name="投影片編號版面配置區 3">
             <a:extLst>
               <a:ext uri="{FF2B5EF4-FFF2-40B4-BE49-F238E27FC236}">
-                <a16:creationId xmlns:a16="http://schemas.microsoft.com/office/drawing/2014/main" id="{0AD7327E-B8B4-4730-AC06-7E23F4833613}"/>
+                <a16:creationId xmlns:a16="http://schemas.microsoft.com/office/drawing/2014/main" id="{D217FF9E-DF46-405A-901B-A8E73E5A36FF}"/>
               </a:ext>
             </a:extLst>
           </p:cNvPr>
@@ -6157,329 +6797,10 @@
           </a:p>
         </p:txBody>
       </p:sp>
-      <p:pic>
-        <p:nvPicPr>
-          <p:cNvPr id="8" name="圖片 7">
-            <a:extLst>
-              <a:ext uri="{FF2B5EF4-FFF2-40B4-BE49-F238E27FC236}">
-                <a16:creationId xmlns:a16="http://schemas.microsoft.com/office/drawing/2014/main" id="{BDAAA4BA-F7F5-47A6-B594-5168F6870665}"/>
-              </a:ext>
-            </a:extLst>
-          </p:cNvPr>
-          <p:cNvPicPr>
-            <a:picLocks noChangeAspect="1"/>
-          </p:cNvPicPr>
-          <p:nvPr/>
-        </p:nvPicPr>
-        <p:blipFill rotWithShape="1">
-          <a:blip r:embed="rId2"/>
-          <a:srcRect t="5098" b="6526"/>
-          <a:stretch/>
-        </p:blipFill>
-        <p:spPr>
-          <a:xfrm>
-            <a:off x="381172" y="3145423"/>
-            <a:ext cx="11429655" cy="1757518"/>
-          </a:xfrm>
-          <a:prstGeom prst="rect">
-            <a:avLst/>
-          </a:prstGeom>
-        </p:spPr>
-      </p:pic>
-      <p:pic>
-        <p:nvPicPr>
-          <p:cNvPr id="6" name="圖片 5">
-            <a:extLst>
-              <a:ext uri="{FF2B5EF4-FFF2-40B4-BE49-F238E27FC236}">
-                <a16:creationId xmlns:a16="http://schemas.microsoft.com/office/drawing/2014/main" id="{680971E2-C187-43A9-A8D2-45126F7E4B3D}"/>
-              </a:ext>
-            </a:extLst>
-          </p:cNvPr>
-          <p:cNvPicPr>
-            <a:picLocks noChangeAspect="1"/>
-          </p:cNvPicPr>
-          <p:nvPr/>
-        </p:nvPicPr>
-        <p:blipFill rotWithShape="1">
-          <a:blip r:embed="rId3"/>
-          <a:srcRect t="5124" b="6125"/>
-          <a:stretch/>
-        </p:blipFill>
-        <p:spPr>
-          <a:xfrm>
-            <a:off x="381171" y="4988917"/>
-            <a:ext cx="11429655" cy="1691946"/>
-          </a:xfrm>
-          <a:prstGeom prst="rect">
-            <a:avLst/>
-          </a:prstGeom>
-        </p:spPr>
-      </p:pic>
-      <p:sp>
-        <p:nvSpPr>
-          <p:cNvPr id="5" name="文字方塊 4">
-            <a:extLst>
-              <a:ext uri="{FF2B5EF4-FFF2-40B4-BE49-F238E27FC236}">
-                <a16:creationId xmlns:a16="http://schemas.microsoft.com/office/drawing/2014/main" id="{79A608A2-E3D2-41C0-A1B2-3A0EF89EB8B0}"/>
-              </a:ext>
-            </a:extLst>
-          </p:cNvPr>
-          <p:cNvSpPr txBox="1"/>
-          <p:nvPr/>
-        </p:nvSpPr>
-        <p:spPr>
-          <a:xfrm>
-            <a:off x="720435" y="5114925"/>
-            <a:ext cx="3708689" cy="523220"/>
-          </a:xfrm>
-          <a:prstGeom prst="rect">
-            <a:avLst/>
-          </a:prstGeom>
-          <a:noFill/>
-        </p:spPr>
-        <p:txBody>
-          <a:bodyPr wrap="square" rtlCol="0">
-            <a:spAutoFit/>
-          </a:bodyPr>
-          <a:lstStyle/>
-          <a:p>
-            <a:r>
-              <a:rPr lang="zh-TW" altLang="en-US" sz="1400" dirty="0">
-                <a:solidFill>
-                  <a:schemeClr val="accent1">
-                    <a:lumMod val="75000"/>
-                  </a:schemeClr>
-                </a:solidFill>
-              </a:rPr>
-              <a:t>藍</a:t>
-            </a:r>
-            <a:r>
-              <a:rPr lang="en-US" altLang="zh-TW" sz="1400" dirty="0">
-                <a:solidFill>
-                  <a:schemeClr val="accent1">
-                    <a:lumMod val="75000"/>
-                  </a:schemeClr>
-                </a:solidFill>
-              </a:rPr>
-              <a:t>:</a:t>
-            </a:r>
-            <a:r>
-              <a:rPr lang="zh-TW" altLang="en-US" sz="1400" dirty="0">
-                <a:solidFill>
-                  <a:schemeClr val="accent1">
-                    <a:lumMod val="75000"/>
-                  </a:schemeClr>
-                </a:solidFill>
-              </a:rPr>
-              <a:t> 早晨</a:t>
-            </a:r>
-            <a:r>
-              <a:rPr lang="en-US" altLang="zh-TW" sz="1400" dirty="0">
-                <a:solidFill>
-                  <a:schemeClr val="accent1">
-                    <a:lumMod val="75000"/>
-                  </a:schemeClr>
-                </a:solidFill>
-              </a:rPr>
-              <a:t>(</a:t>
-            </a:r>
-            <a:r>
-              <a:rPr lang="zh-TW" altLang="en-US" sz="1400" dirty="0">
-                <a:solidFill>
-                  <a:schemeClr val="accent1">
-                    <a:lumMod val="75000"/>
-                  </a:schemeClr>
-                </a:solidFill>
-              </a:rPr>
-              <a:t>暴露 </a:t>
-            </a:r>
-            <a:r>
-              <a:rPr lang="en-US" altLang="zh-TW" sz="1400" dirty="0">
-                <a:solidFill>
-                  <a:schemeClr val="accent1">
-                    <a:lumMod val="75000"/>
-                  </a:schemeClr>
-                </a:solidFill>
-              </a:rPr>
-              <a:t>– </a:t>
-            </a:r>
-            <a:r>
-              <a:rPr lang="zh-TW" altLang="en-US" sz="1400" dirty="0">
-                <a:solidFill>
-                  <a:schemeClr val="accent1">
-                    <a:lumMod val="75000"/>
-                  </a:schemeClr>
-                </a:solidFill>
-              </a:rPr>
-              <a:t>非暴露</a:t>
-            </a:r>
-            <a:r>
-              <a:rPr lang="en-US" altLang="zh-TW" sz="1400" dirty="0">
-                <a:solidFill>
-                  <a:schemeClr val="accent1">
-                    <a:lumMod val="75000"/>
-                  </a:schemeClr>
-                </a:solidFill>
-              </a:rPr>
-              <a:t>)</a:t>
-            </a:r>
-          </a:p>
-          <a:p>
-            <a:r>
-              <a:rPr lang="zh-TW" altLang="en-US" sz="1400" dirty="0">
-                <a:solidFill>
-                  <a:schemeClr val="accent2">
-                    <a:lumMod val="75000"/>
-                  </a:schemeClr>
-                </a:solidFill>
-              </a:rPr>
-              <a:t>橘</a:t>
-            </a:r>
-            <a:r>
-              <a:rPr lang="en-US" altLang="zh-TW" sz="1400" dirty="0">
-                <a:solidFill>
-                  <a:schemeClr val="accent2">
-                    <a:lumMod val="75000"/>
-                  </a:schemeClr>
-                </a:solidFill>
-              </a:rPr>
-              <a:t>:</a:t>
-            </a:r>
-            <a:r>
-              <a:rPr lang="zh-TW" altLang="en-US" sz="1400" dirty="0">
-                <a:solidFill>
-                  <a:schemeClr val="accent2">
-                    <a:lumMod val="75000"/>
-                  </a:schemeClr>
-                </a:solidFill>
-              </a:rPr>
-              <a:t> 傍晚</a:t>
-            </a:r>
-            <a:r>
-              <a:rPr lang="en-US" altLang="zh-TW" sz="1400" dirty="0">
-                <a:solidFill>
-                  <a:schemeClr val="accent2">
-                    <a:lumMod val="75000"/>
-                  </a:schemeClr>
-                </a:solidFill>
-              </a:rPr>
-              <a:t>(</a:t>
-            </a:r>
-            <a:r>
-              <a:rPr lang="zh-TW" altLang="en-US" sz="1400" dirty="0">
-                <a:solidFill>
-                  <a:schemeClr val="accent2">
-                    <a:lumMod val="75000"/>
-                  </a:schemeClr>
-                </a:solidFill>
-              </a:rPr>
-              <a:t>暴露 </a:t>
-            </a:r>
-            <a:r>
-              <a:rPr lang="en-US" altLang="zh-TW" sz="1400" dirty="0">
-                <a:solidFill>
-                  <a:schemeClr val="accent2">
-                    <a:lumMod val="75000"/>
-                  </a:schemeClr>
-                </a:solidFill>
-              </a:rPr>
-              <a:t>–</a:t>
-            </a:r>
-            <a:r>
-              <a:rPr lang="zh-TW" altLang="en-US" sz="1400" dirty="0">
-                <a:solidFill>
-                  <a:schemeClr val="accent2">
-                    <a:lumMod val="75000"/>
-                  </a:schemeClr>
-                </a:solidFill>
-              </a:rPr>
-              <a:t> 非暴露</a:t>
-            </a:r>
-            <a:r>
-              <a:rPr lang="en-US" altLang="zh-TW" sz="1400" dirty="0">
-                <a:solidFill>
-                  <a:schemeClr val="accent2">
-                    <a:lumMod val="75000"/>
-                  </a:schemeClr>
-                </a:solidFill>
-              </a:rPr>
-              <a:t>)</a:t>
-            </a:r>
-            <a:endParaRPr lang="zh-TW" altLang="en-US" sz="1400" dirty="0">
-              <a:solidFill>
-                <a:schemeClr val="accent2">
-                  <a:lumMod val="75000"/>
-                </a:schemeClr>
-              </a:solidFill>
-            </a:endParaRPr>
-          </a:p>
-        </p:txBody>
-      </p:sp>
-      <p:sp>
-        <p:nvSpPr>
-          <p:cNvPr id="9" name="文字方塊 8">
-            <a:extLst>
-              <a:ext uri="{FF2B5EF4-FFF2-40B4-BE49-F238E27FC236}">
-                <a16:creationId xmlns:a16="http://schemas.microsoft.com/office/drawing/2014/main" id="{6474B17F-1207-4164-9981-D8111B6FEC95}"/>
-              </a:ext>
-            </a:extLst>
-          </p:cNvPr>
-          <p:cNvSpPr txBox="1"/>
-          <p:nvPr/>
-        </p:nvSpPr>
-        <p:spPr>
-          <a:xfrm>
-            <a:off x="720434" y="3291216"/>
-            <a:ext cx="3708689" cy="307777"/>
-          </a:xfrm>
-          <a:prstGeom prst="rect">
-            <a:avLst/>
-          </a:prstGeom>
-          <a:noFill/>
-        </p:spPr>
-        <p:txBody>
-          <a:bodyPr wrap="square" rtlCol="0">
-            <a:spAutoFit/>
-          </a:bodyPr>
-          <a:lstStyle/>
-          <a:p>
-            <a:r>
-              <a:rPr lang="zh-TW" altLang="en-US" sz="1400" dirty="0">
-                <a:solidFill>
-                  <a:schemeClr val="accent2">
-                    <a:lumMod val="75000"/>
-                  </a:schemeClr>
-                </a:solidFill>
-              </a:rPr>
-              <a:t>睡眠中</a:t>
-            </a:r>
-            <a:r>
-              <a:rPr lang="en-US" altLang="zh-TW" sz="1400" dirty="0">
-                <a:solidFill>
-                  <a:schemeClr val="accent2">
-                    <a:lumMod val="75000"/>
-                  </a:schemeClr>
-                </a:solidFill>
-              </a:rPr>
-              <a:t>cortisol</a:t>
-            </a:r>
-            <a:r>
-              <a:rPr lang="zh-TW" altLang="en-US" sz="1400" dirty="0">
-                <a:solidFill>
-                  <a:schemeClr val="accent2">
-                    <a:lumMod val="75000"/>
-                  </a:schemeClr>
-                </a:solidFill>
-              </a:rPr>
-              <a:t>變化量</a:t>
-            </a:r>
-          </a:p>
-        </p:txBody>
-      </p:sp>
     </p:spTree>
     <p:extLst>
       <p:ext uri="{BB962C8B-B14F-4D97-AF65-F5344CB8AC3E}">
-        <p14:creationId xmlns:p14="http://schemas.microsoft.com/office/powerpoint/2010/main" val="989824843"/>
+        <p14:creationId xmlns:p14="http://schemas.microsoft.com/office/powerpoint/2010/main" val="2206379915"/>
       </p:ext>
     </p:extLst>
   </p:cSld>
@@ -6511,7 +6832,7 @@
           <p:cNvPr id="2" name="標題 1">
             <a:extLst>
               <a:ext uri="{FF2B5EF4-FFF2-40B4-BE49-F238E27FC236}">
-                <a16:creationId xmlns:a16="http://schemas.microsoft.com/office/drawing/2014/main" id="{1A53F928-205A-4B26-A70F-B045E27D4520}"/>
+                <a16:creationId xmlns:a16="http://schemas.microsoft.com/office/drawing/2014/main" id="{34622B3B-BE12-4C8B-AB8A-34D5B7C9390A}"/>
               </a:ext>
             </a:extLst>
           </p:cNvPr>
@@ -6547,7 +6868,7 @@
           <p:cNvPr id="3" name="內容版面配置區 2">
             <a:extLst>
               <a:ext uri="{FF2B5EF4-FFF2-40B4-BE49-F238E27FC236}">
-                <a16:creationId xmlns:a16="http://schemas.microsoft.com/office/drawing/2014/main" id="{7A69C8F0-103E-469E-8137-9E9DA9B95111}"/>
+                <a16:creationId xmlns:a16="http://schemas.microsoft.com/office/drawing/2014/main" id="{ED5F113D-D4A8-4017-AC17-D6A9DB70C549}"/>
               </a:ext>
             </a:extLst>
           </p:cNvPr>
@@ -6561,7 +6882,7 @@
         <p:spPr>
           <a:xfrm>
             <a:off x="720436" y="1321724"/>
-            <a:ext cx="10633364" cy="2790464"/>
+            <a:ext cx="10633364" cy="1983451"/>
           </a:xfrm>
         </p:spPr>
         <p:txBody>
@@ -6572,7 +6893,7 @@
           <a:p>
             <a:r>
               <a:rPr lang="zh-TW" altLang="en-US" dirty="0"/>
-              <a:t>下圖紅色部分為受噪音影響早晚</a:t>
+              <a:t>上圖預期暴露噪音的</a:t>
             </a:r>
             <a:r>
               <a:rPr lang="en-US" altLang="zh-TW" dirty="0"/>
@@ -6580,7 +6901,7 @@
             </a:r>
             <a:r>
               <a:rPr lang="zh-TW" altLang="en-US" dirty="0"/>
-              <a:t>都提高的族群，再進一步觀察可以發現此族群的早晨</a:t>
+              <a:t>變化量應該要較小，而非暴露噪音的</a:t>
             </a:r>
             <a:r>
               <a:rPr lang="en-US" altLang="zh-TW" dirty="0"/>
@@ -6588,68 +6909,90 @@
             </a:r>
             <a:r>
               <a:rPr lang="zh-TW" altLang="en-US" dirty="0"/>
-              <a:t>會非常明顯的提高很多</a:t>
-            </a:r>
-            <a:endParaRPr lang="en-US" altLang="zh-TW" dirty="0"/>
+              <a:t>變化量應該要較大，但</a:t>
+            </a:r>
+            <a:r>
+              <a:rPr lang="zh-TW" altLang="en-US" dirty="0">
+                <a:solidFill>
+                  <a:srgbClr val="FF0000"/>
+                </a:solidFill>
+              </a:rPr>
+              <a:t>結果顯示大部分的人數值皆在</a:t>
+            </a:r>
+            <a:r>
+              <a:rPr lang="en-US" altLang="zh-TW" dirty="0">
+                <a:solidFill>
+                  <a:srgbClr val="FF0000"/>
+                </a:solidFill>
+              </a:rPr>
+              <a:t>0</a:t>
+            </a:r>
+            <a:r>
+              <a:rPr lang="zh-TW" altLang="en-US" dirty="0">
+                <a:solidFill>
+                  <a:srgbClr val="FF0000"/>
+                </a:solidFill>
+              </a:rPr>
+              <a:t>以上</a:t>
+            </a:r>
+            <a:endParaRPr lang="en-US" altLang="zh-TW" dirty="0">
+              <a:solidFill>
+                <a:srgbClr val="FF0000"/>
+              </a:solidFill>
+            </a:endParaRPr>
           </a:p>
           <a:p>
             <a:r>
               <a:rPr lang="zh-TW" altLang="en-US" dirty="0"/>
-              <a:t>與預期的假設結果相反，也許在高</a:t>
+              <a:t>下圖可以觀察到大於</a:t>
             </a:r>
             <a:r>
               <a:rPr lang="en-US" altLang="zh-TW" dirty="0"/>
+              <a:t>0</a:t>
+            </a:r>
+            <a:r>
+              <a:rPr lang="zh-TW" altLang="en-US" dirty="0"/>
+              <a:t>的族群</a:t>
+            </a:r>
+            <a:r>
+              <a:rPr lang="en-US" altLang="zh-TW" dirty="0"/>
+              <a:t>(</a:t>
+            </a:r>
+            <a:r>
+              <a:rPr lang="zh-TW" altLang="en-US" dirty="0"/>
+              <a:t>代表有受噪音影響</a:t>
+            </a:r>
+            <a:r>
+              <a:rPr lang="en-US" altLang="zh-TW" dirty="0"/>
+              <a:t>)</a:t>
+            </a:r>
+            <a:r>
+              <a:rPr lang="zh-TW" altLang="en-US" dirty="0"/>
+              <a:t>有藍色蓋住橘色的現象，表示</a:t>
+            </a:r>
+            <a:r>
+              <a:rPr lang="zh-TW" altLang="en-US" dirty="0">
+                <a:solidFill>
+                  <a:srgbClr val="FF0000"/>
+                </a:solidFill>
+              </a:rPr>
+              <a:t>受噪音影響的情況下早晨</a:t>
+            </a:r>
+            <a:r>
+              <a:rPr lang="en-US" altLang="zh-TW" dirty="0">
+                <a:solidFill>
+                  <a:srgbClr val="FF0000"/>
+                </a:solidFill>
+              </a:rPr>
               <a:t>cortisol</a:t>
             </a:r>
             <a:r>
-              <a:rPr lang="zh-TW" altLang="en-US" dirty="0"/>
-              <a:t>情況下入睡，身體為了適應隔天的高壓環境而產生比平常更多的</a:t>
-            </a:r>
-            <a:r>
-              <a:rPr lang="en-US" altLang="zh-TW" dirty="0"/>
-              <a:t>cortisol</a:t>
-            </a:r>
-          </a:p>
-          <a:p>
-            <a:r>
               <a:rPr lang="zh-TW" altLang="en-US" dirty="0">
                 <a:solidFill>
                   <a:srgbClr val="FF0000"/>
                 </a:solidFill>
               </a:rPr>
-              <a:t>因此受噪音影響傍晚</a:t>
-            </a:r>
-            <a:r>
-              <a:rPr lang="en-US" altLang="zh-TW" dirty="0">
-                <a:solidFill>
-                  <a:srgbClr val="FF0000"/>
-                </a:solidFill>
-              </a:rPr>
-              <a:t>cortisol</a:t>
-            </a:r>
-            <a:r>
-              <a:rPr lang="zh-TW" altLang="en-US" dirty="0">
-                <a:solidFill>
-                  <a:srgbClr val="FF0000"/>
-                </a:solidFill>
-              </a:rPr>
-              <a:t>高者，隔天早晨</a:t>
-            </a:r>
-            <a:r>
-              <a:rPr lang="en-US" altLang="zh-TW" dirty="0">
-                <a:solidFill>
-                  <a:srgbClr val="FF0000"/>
-                </a:solidFill>
-              </a:rPr>
-              <a:t>cortisol</a:t>
-            </a:r>
-            <a:r>
-              <a:rPr lang="zh-TW" altLang="en-US" dirty="0">
-                <a:solidFill>
-                  <a:srgbClr val="FF0000"/>
-                </a:solidFill>
-              </a:rPr>
-              <a:t>會比無噪音下更高出不少</a:t>
+              <a:t>變化量更劇烈</a:t>
             </a:r>
           </a:p>
         </p:txBody>
@@ -6659,7 +7002,7 @@
           <p:cNvPr id="4" name="投影片編號版面配置區 3">
             <a:extLst>
               <a:ext uri="{FF2B5EF4-FFF2-40B4-BE49-F238E27FC236}">
-                <a16:creationId xmlns:a16="http://schemas.microsoft.com/office/drawing/2014/main" id="{B1B5FB65-83A7-41BA-99DB-A5A694C8D023}"/>
+                <a16:creationId xmlns:a16="http://schemas.microsoft.com/office/drawing/2014/main" id="{0AD7327E-B8B4-4730-AC06-7E23F4833613}"/>
               </a:ext>
             </a:extLst>
           </p:cNvPr>
@@ -6678,6 +7021,532 @@
             <a:fld id="{F230EE04-BD3A-40AA-92AC-647453D5DADF}" type="slidenum">
               <a:rPr lang="zh-TW" altLang="en-US" smtClean="0"/>
               <a:t>15</a:t>
+            </a:fld>
+            <a:endParaRPr lang="zh-TW" altLang="en-US"/>
+          </a:p>
+        </p:txBody>
+      </p:sp>
+      <p:pic>
+        <p:nvPicPr>
+          <p:cNvPr id="8" name="圖片 7">
+            <a:extLst>
+              <a:ext uri="{FF2B5EF4-FFF2-40B4-BE49-F238E27FC236}">
+                <a16:creationId xmlns:a16="http://schemas.microsoft.com/office/drawing/2014/main" id="{BDAAA4BA-F7F5-47A6-B594-5168F6870665}"/>
+              </a:ext>
+            </a:extLst>
+          </p:cNvPr>
+          <p:cNvPicPr>
+            <a:picLocks noChangeAspect="1"/>
+          </p:cNvPicPr>
+          <p:nvPr/>
+        </p:nvPicPr>
+        <p:blipFill rotWithShape="1">
+          <a:blip r:embed="rId2"/>
+          <a:srcRect t="5098" b="6526"/>
+          <a:stretch/>
+        </p:blipFill>
+        <p:spPr>
+          <a:xfrm>
+            <a:off x="381172" y="3145423"/>
+            <a:ext cx="11429655" cy="1757518"/>
+          </a:xfrm>
+          <a:prstGeom prst="rect">
+            <a:avLst/>
+          </a:prstGeom>
+        </p:spPr>
+      </p:pic>
+      <p:pic>
+        <p:nvPicPr>
+          <p:cNvPr id="6" name="圖片 5">
+            <a:extLst>
+              <a:ext uri="{FF2B5EF4-FFF2-40B4-BE49-F238E27FC236}">
+                <a16:creationId xmlns:a16="http://schemas.microsoft.com/office/drawing/2014/main" id="{680971E2-C187-43A9-A8D2-45126F7E4B3D}"/>
+              </a:ext>
+            </a:extLst>
+          </p:cNvPr>
+          <p:cNvPicPr>
+            <a:picLocks noChangeAspect="1"/>
+          </p:cNvPicPr>
+          <p:nvPr/>
+        </p:nvPicPr>
+        <p:blipFill rotWithShape="1">
+          <a:blip r:embed="rId3"/>
+          <a:srcRect t="5124" b="6125"/>
+          <a:stretch/>
+        </p:blipFill>
+        <p:spPr>
+          <a:xfrm>
+            <a:off x="381171" y="4988917"/>
+            <a:ext cx="11429655" cy="1691946"/>
+          </a:xfrm>
+          <a:prstGeom prst="rect">
+            <a:avLst/>
+          </a:prstGeom>
+        </p:spPr>
+      </p:pic>
+      <p:sp>
+        <p:nvSpPr>
+          <p:cNvPr id="5" name="文字方塊 4">
+            <a:extLst>
+              <a:ext uri="{FF2B5EF4-FFF2-40B4-BE49-F238E27FC236}">
+                <a16:creationId xmlns:a16="http://schemas.microsoft.com/office/drawing/2014/main" id="{79A608A2-E3D2-41C0-A1B2-3A0EF89EB8B0}"/>
+              </a:ext>
+            </a:extLst>
+          </p:cNvPr>
+          <p:cNvSpPr txBox="1"/>
+          <p:nvPr/>
+        </p:nvSpPr>
+        <p:spPr>
+          <a:xfrm>
+            <a:off x="720435" y="5114925"/>
+            <a:ext cx="3708689" cy="523220"/>
+          </a:xfrm>
+          <a:prstGeom prst="rect">
+            <a:avLst/>
+          </a:prstGeom>
+          <a:noFill/>
+        </p:spPr>
+        <p:txBody>
+          <a:bodyPr wrap="square" rtlCol="0">
+            <a:spAutoFit/>
+          </a:bodyPr>
+          <a:lstStyle/>
+          <a:p>
+            <a:r>
+              <a:rPr lang="zh-TW" altLang="en-US" sz="1400" dirty="0">
+                <a:solidFill>
+                  <a:schemeClr val="accent1">
+                    <a:lumMod val="75000"/>
+                  </a:schemeClr>
+                </a:solidFill>
+              </a:rPr>
+              <a:t>藍</a:t>
+            </a:r>
+            <a:r>
+              <a:rPr lang="en-US" altLang="zh-TW" sz="1400" dirty="0">
+                <a:solidFill>
+                  <a:schemeClr val="accent1">
+                    <a:lumMod val="75000"/>
+                  </a:schemeClr>
+                </a:solidFill>
+              </a:rPr>
+              <a:t>:</a:t>
+            </a:r>
+            <a:r>
+              <a:rPr lang="zh-TW" altLang="en-US" sz="1400" dirty="0">
+                <a:solidFill>
+                  <a:schemeClr val="accent1">
+                    <a:lumMod val="75000"/>
+                  </a:schemeClr>
+                </a:solidFill>
+              </a:rPr>
+              <a:t> 早晨</a:t>
+            </a:r>
+            <a:r>
+              <a:rPr lang="en-US" altLang="zh-TW" sz="1400" dirty="0">
+                <a:solidFill>
+                  <a:schemeClr val="accent1">
+                    <a:lumMod val="75000"/>
+                  </a:schemeClr>
+                </a:solidFill>
+              </a:rPr>
+              <a:t>(</a:t>
+            </a:r>
+            <a:r>
+              <a:rPr lang="zh-TW" altLang="en-US" sz="1400" dirty="0">
+                <a:solidFill>
+                  <a:schemeClr val="accent1">
+                    <a:lumMod val="75000"/>
+                  </a:schemeClr>
+                </a:solidFill>
+              </a:rPr>
+              <a:t>暴露 </a:t>
+            </a:r>
+            <a:r>
+              <a:rPr lang="en-US" altLang="zh-TW" sz="1400" dirty="0">
+                <a:solidFill>
+                  <a:schemeClr val="accent1">
+                    <a:lumMod val="75000"/>
+                  </a:schemeClr>
+                </a:solidFill>
+              </a:rPr>
+              <a:t>– </a:t>
+            </a:r>
+            <a:r>
+              <a:rPr lang="zh-TW" altLang="en-US" sz="1400" dirty="0">
+                <a:solidFill>
+                  <a:schemeClr val="accent1">
+                    <a:lumMod val="75000"/>
+                  </a:schemeClr>
+                </a:solidFill>
+              </a:rPr>
+              <a:t>非暴露</a:t>
+            </a:r>
+            <a:r>
+              <a:rPr lang="en-US" altLang="zh-TW" sz="1400" dirty="0">
+                <a:solidFill>
+                  <a:schemeClr val="accent1">
+                    <a:lumMod val="75000"/>
+                  </a:schemeClr>
+                </a:solidFill>
+              </a:rPr>
+              <a:t>)</a:t>
+            </a:r>
+          </a:p>
+          <a:p>
+            <a:r>
+              <a:rPr lang="zh-TW" altLang="en-US" sz="1400" dirty="0">
+                <a:solidFill>
+                  <a:schemeClr val="accent2">
+                    <a:lumMod val="75000"/>
+                  </a:schemeClr>
+                </a:solidFill>
+              </a:rPr>
+              <a:t>橘</a:t>
+            </a:r>
+            <a:r>
+              <a:rPr lang="en-US" altLang="zh-TW" sz="1400" dirty="0">
+                <a:solidFill>
+                  <a:schemeClr val="accent2">
+                    <a:lumMod val="75000"/>
+                  </a:schemeClr>
+                </a:solidFill>
+              </a:rPr>
+              <a:t>:</a:t>
+            </a:r>
+            <a:r>
+              <a:rPr lang="zh-TW" altLang="en-US" sz="1400" dirty="0">
+                <a:solidFill>
+                  <a:schemeClr val="accent2">
+                    <a:lumMod val="75000"/>
+                  </a:schemeClr>
+                </a:solidFill>
+              </a:rPr>
+              <a:t> 傍晚</a:t>
+            </a:r>
+            <a:r>
+              <a:rPr lang="en-US" altLang="zh-TW" sz="1400" dirty="0">
+                <a:solidFill>
+                  <a:schemeClr val="accent2">
+                    <a:lumMod val="75000"/>
+                  </a:schemeClr>
+                </a:solidFill>
+              </a:rPr>
+              <a:t>(</a:t>
+            </a:r>
+            <a:r>
+              <a:rPr lang="zh-TW" altLang="en-US" sz="1400" dirty="0">
+                <a:solidFill>
+                  <a:schemeClr val="accent2">
+                    <a:lumMod val="75000"/>
+                  </a:schemeClr>
+                </a:solidFill>
+              </a:rPr>
+              <a:t>暴露 </a:t>
+            </a:r>
+            <a:r>
+              <a:rPr lang="en-US" altLang="zh-TW" sz="1400" dirty="0">
+                <a:solidFill>
+                  <a:schemeClr val="accent2">
+                    <a:lumMod val="75000"/>
+                  </a:schemeClr>
+                </a:solidFill>
+              </a:rPr>
+              <a:t>–</a:t>
+            </a:r>
+            <a:r>
+              <a:rPr lang="zh-TW" altLang="en-US" sz="1400" dirty="0">
+                <a:solidFill>
+                  <a:schemeClr val="accent2">
+                    <a:lumMod val="75000"/>
+                  </a:schemeClr>
+                </a:solidFill>
+              </a:rPr>
+              <a:t> 非暴露</a:t>
+            </a:r>
+            <a:r>
+              <a:rPr lang="en-US" altLang="zh-TW" sz="1400" dirty="0">
+                <a:solidFill>
+                  <a:schemeClr val="accent2">
+                    <a:lumMod val="75000"/>
+                  </a:schemeClr>
+                </a:solidFill>
+              </a:rPr>
+              <a:t>)</a:t>
+            </a:r>
+            <a:endParaRPr lang="zh-TW" altLang="en-US" sz="1400" dirty="0">
+              <a:solidFill>
+                <a:schemeClr val="accent2">
+                  <a:lumMod val="75000"/>
+                </a:schemeClr>
+              </a:solidFill>
+            </a:endParaRPr>
+          </a:p>
+        </p:txBody>
+      </p:sp>
+      <p:sp>
+        <p:nvSpPr>
+          <p:cNvPr id="9" name="文字方塊 8">
+            <a:extLst>
+              <a:ext uri="{FF2B5EF4-FFF2-40B4-BE49-F238E27FC236}">
+                <a16:creationId xmlns:a16="http://schemas.microsoft.com/office/drawing/2014/main" id="{6474B17F-1207-4164-9981-D8111B6FEC95}"/>
+              </a:ext>
+            </a:extLst>
+          </p:cNvPr>
+          <p:cNvSpPr txBox="1"/>
+          <p:nvPr/>
+        </p:nvSpPr>
+        <p:spPr>
+          <a:xfrm>
+            <a:off x="720434" y="3291216"/>
+            <a:ext cx="3708689" cy="307777"/>
+          </a:xfrm>
+          <a:prstGeom prst="rect">
+            <a:avLst/>
+          </a:prstGeom>
+          <a:noFill/>
+        </p:spPr>
+        <p:txBody>
+          <a:bodyPr wrap="square" rtlCol="0">
+            <a:spAutoFit/>
+          </a:bodyPr>
+          <a:lstStyle/>
+          <a:p>
+            <a:r>
+              <a:rPr lang="zh-TW" altLang="en-US" sz="1400" dirty="0">
+                <a:solidFill>
+                  <a:schemeClr val="accent2">
+                    <a:lumMod val="75000"/>
+                  </a:schemeClr>
+                </a:solidFill>
+              </a:rPr>
+              <a:t>睡眠中</a:t>
+            </a:r>
+            <a:r>
+              <a:rPr lang="en-US" altLang="zh-TW" sz="1400" dirty="0">
+                <a:solidFill>
+                  <a:schemeClr val="accent2">
+                    <a:lumMod val="75000"/>
+                  </a:schemeClr>
+                </a:solidFill>
+              </a:rPr>
+              <a:t>cortisol</a:t>
+            </a:r>
+            <a:r>
+              <a:rPr lang="zh-TW" altLang="en-US" sz="1400" dirty="0">
+                <a:solidFill>
+                  <a:schemeClr val="accent2">
+                    <a:lumMod val="75000"/>
+                  </a:schemeClr>
+                </a:solidFill>
+              </a:rPr>
+              <a:t>變化量</a:t>
+            </a:r>
+          </a:p>
+        </p:txBody>
+      </p:sp>
+    </p:spTree>
+    <p:extLst>
+      <p:ext uri="{BB962C8B-B14F-4D97-AF65-F5344CB8AC3E}">
+        <p14:creationId xmlns:p14="http://schemas.microsoft.com/office/powerpoint/2010/main" val="989824843"/>
+      </p:ext>
+    </p:extLst>
+  </p:cSld>
+  <p:clrMapOvr>
+    <a:masterClrMapping/>
+  </p:clrMapOvr>
+</p:sld>
+</file>
+
+<file path=ppt/slides/slide16.xml><?xml version="1.0" encoding="utf-8"?>
+<p:sld xmlns:a="http://schemas.openxmlformats.org/drawingml/2006/main" xmlns:r="http://schemas.openxmlformats.org/officeDocument/2006/relationships" xmlns:p="http://schemas.openxmlformats.org/presentationml/2006/main">
+  <p:cSld>
+    <p:spTree>
+      <p:nvGrpSpPr>
+        <p:cNvPr id="1" name=""/>
+        <p:cNvGrpSpPr/>
+        <p:nvPr/>
+      </p:nvGrpSpPr>
+      <p:grpSpPr>
+        <a:xfrm>
+          <a:off x="0" y="0"/>
+          <a:ext cx="0" cy="0"/>
+          <a:chOff x="0" y="0"/>
+          <a:chExt cx="0" cy="0"/>
+        </a:xfrm>
+      </p:grpSpPr>
+      <p:sp>
+        <p:nvSpPr>
+          <p:cNvPr id="2" name="標題 1">
+            <a:extLst>
+              <a:ext uri="{FF2B5EF4-FFF2-40B4-BE49-F238E27FC236}">
+                <a16:creationId xmlns:a16="http://schemas.microsoft.com/office/drawing/2014/main" id="{1A53F928-205A-4B26-A70F-B045E27D4520}"/>
+              </a:ext>
+            </a:extLst>
+          </p:cNvPr>
+          <p:cNvSpPr>
+            <a:spLocks noGrp="1"/>
+          </p:cNvSpPr>
+          <p:nvPr>
+            <p:ph type="title"/>
+          </p:nvPr>
+        </p:nvSpPr>
+        <p:spPr/>
+        <p:txBody>
+          <a:bodyPr/>
+          <a:lstStyle/>
+          <a:p>
+            <a:r>
+              <a:rPr lang="zh-TW" altLang="en-US" dirty="0"/>
+              <a:t>睡眠過程</a:t>
+            </a:r>
+            <a:r>
+              <a:rPr lang="en-US" altLang="zh-TW" dirty="0"/>
+              <a:t>Cortisol</a:t>
+            </a:r>
+            <a:r>
+              <a:rPr lang="zh-TW" altLang="en-US" dirty="0"/>
+              <a:t>變化量</a:t>
+            </a:r>
+          </a:p>
+        </p:txBody>
+      </p:sp>
+      <p:sp>
+        <p:nvSpPr>
+          <p:cNvPr id="3" name="內容版面配置區 2">
+            <a:extLst>
+              <a:ext uri="{FF2B5EF4-FFF2-40B4-BE49-F238E27FC236}">
+                <a16:creationId xmlns:a16="http://schemas.microsoft.com/office/drawing/2014/main" id="{7A69C8F0-103E-469E-8137-9E9DA9B95111}"/>
+              </a:ext>
+            </a:extLst>
+          </p:cNvPr>
+          <p:cNvSpPr>
+            <a:spLocks noGrp="1"/>
+          </p:cNvSpPr>
+          <p:nvPr>
+            <p:ph idx="1"/>
+          </p:nvPr>
+        </p:nvSpPr>
+        <p:spPr>
+          <a:xfrm>
+            <a:off x="720436" y="1321724"/>
+            <a:ext cx="10633364" cy="2790464"/>
+          </a:xfrm>
+        </p:spPr>
+        <p:txBody>
+          <a:bodyPr>
+            <a:normAutofit/>
+          </a:bodyPr>
+          <a:lstStyle/>
+          <a:p>
+            <a:r>
+              <a:rPr lang="zh-TW" altLang="en-US" dirty="0"/>
+              <a:t>下圖紅色部分為受噪音影響早晚</a:t>
+            </a:r>
+            <a:r>
+              <a:rPr lang="en-US" altLang="zh-TW" dirty="0"/>
+              <a:t>cortisol</a:t>
+            </a:r>
+            <a:r>
+              <a:rPr lang="zh-TW" altLang="en-US" dirty="0"/>
+              <a:t>都提高的族群，再進一步觀察可以發現此族群的早晨</a:t>
+            </a:r>
+            <a:r>
+              <a:rPr lang="en-US" altLang="zh-TW" dirty="0"/>
+              <a:t>cortisol</a:t>
+            </a:r>
+            <a:r>
+              <a:rPr lang="zh-TW" altLang="en-US" dirty="0"/>
+              <a:t>會非常明顯的提高很多</a:t>
+            </a:r>
+            <a:endParaRPr lang="en-US" altLang="zh-TW" dirty="0"/>
+          </a:p>
+          <a:p>
+            <a:r>
+              <a:rPr lang="zh-TW" altLang="en-US" dirty="0"/>
+              <a:t>與預期的假設結果相反，也許在高</a:t>
+            </a:r>
+            <a:r>
+              <a:rPr lang="en-US" altLang="zh-TW" dirty="0"/>
+              <a:t>cortisol</a:t>
+            </a:r>
+            <a:r>
+              <a:rPr lang="zh-TW" altLang="en-US" dirty="0"/>
+              <a:t>情況下入睡，身體為了適應隔天的高壓環境而產生比平常更多的</a:t>
+            </a:r>
+            <a:r>
+              <a:rPr lang="en-US" altLang="zh-TW" dirty="0"/>
+              <a:t>cortisol</a:t>
+            </a:r>
+          </a:p>
+          <a:p>
+            <a:r>
+              <a:rPr lang="zh-TW" altLang="en-US" dirty="0">
+                <a:solidFill>
+                  <a:srgbClr val="FF0000"/>
+                </a:solidFill>
+              </a:rPr>
+              <a:t>因此受噪音影響傍晚</a:t>
+            </a:r>
+            <a:r>
+              <a:rPr lang="en-US" altLang="zh-TW" dirty="0">
+                <a:solidFill>
+                  <a:srgbClr val="FF0000"/>
+                </a:solidFill>
+              </a:rPr>
+              <a:t>cortisol</a:t>
+            </a:r>
+            <a:r>
+              <a:rPr lang="zh-TW" altLang="en-US" dirty="0">
+                <a:solidFill>
+                  <a:srgbClr val="FF0000"/>
+                </a:solidFill>
+              </a:rPr>
+              <a:t>高者，隔天早晨</a:t>
+            </a:r>
+            <a:r>
+              <a:rPr lang="en-US" altLang="zh-TW" dirty="0">
+                <a:solidFill>
+                  <a:srgbClr val="FF0000"/>
+                </a:solidFill>
+              </a:rPr>
+              <a:t>cortisol</a:t>
+            </a:r>
+            <a:r>
+              <a:rPr lang="zh-TW" altLang="en-US" dirty="0">
+                <a:solidFill>
+                  <a:srgbClr val="FF0000"/>
+                </a:solidFill>
+              </a:rPr>
+              <a:t>會比無噪音下更高出不少</a:t>
+            </a:r>
+          </a:p>
+        </p:txBody>
+      </p:sp>
+      <p:sp>
+        <p:nvSpPr>
+          <p:cNvPr id="4" name="投影片編號版面配置區 3">
+            <a:extLst>
+              <a:ext uri="{FF2B5EF4-FFF2-40B4-BE49-F238E27FC236}">
+                <a16:creationId xmlns:a16="http://schemas.microsoft.com/office/drawing/2014/main" id="{B1B5FB65-83A7-41BA-99DB-A5A694C8D023}"/>
+              </a:ext>
+            </a:extLst>
+          </p:cNvPr>
+          <p:cNvSpPr>
+            <a:spLocks noGrp="1"/>
+          </p:cNvSpPr>
+          <p:nvPr>
+            <p:ph type="sldNum" sz="quarter" idx="12"/>
+          </p:nvPr>
+        </p:nvSpPr>
+        <p:spPr/>
+        <p:txBody>
+          <a:bodyPr/>
+          <a:lstStyle/>
+          <a:p>
+            <a:fld id="{F230EE04-BD3A-40AA-92AC-647453D5DADF}" type="slidenum">
+              <a:rPr lang="zh-TW" altLang="en-US" smtClean="0"/>
+              <a:t>16</a:t>
             </a:fld>
             <a:endParaRPr lang="zh-TW" altLang="en-US"/>
           </a:p>
@@ -7629,7 +8498,7 @@
 </p:sld>
 </file>
 
-<file path=ppt/slides/slide16.xml><?xml version="1.0" encoding="utf-8"?>
+<file path=ppt/slides/slide17.xml><?xml version="1.0" encoding="utf-8"?>
 <p:sld xmlns:a="http://schemas.openxmlformats.org/drawingml/2006/main" xmlns:r="http://schemas.openxmlformats.org/officeDocument/2006/relationships" xmlns:p="http://schemas.openxmlformats.org/presentationml/2006/main">
   <p:cSld>
     <p:spTree>
@@ -7779,7 +8648,7 @@
           <a:p>
             <a:fld id="{F230EE04-BD3A-40AA-92AC-647453D5DADF}" type="slidenum">
               <a:rPr lang="zh-TW" altLang="en-US" smtClean="0"/>
-              <a:t>16</a:t>
+              <a:t>17</a:t>
             </a:fld>
             <a:endParaRPr lang="zh-TW" altLang="en-US"/>
           </a:p>
@@ -7989,263 +8858,6 @@
     <p:extLst>
       <p:ext uri="{BB962C8B-B14F-4D97-AF65-F5344CB8AC3E}">
         <p14:creationId xmlns:p14="http://schemas.microsoft.com/office/powerpoint/2010/main" val="3375305589"/>
-      </p:ext>
-    </p:extLst>
-  </p:cSld>
-  <p:clrMapOvr>
-    <a:masterClrMapping/>
-  </p:clrMapOvr>
-</p:sld>
-</file>
-
-<file path=ppt/slides/slide17.xml><?xml version="1.0" encoding="utf-8"?>
-<p:sld xmlns:a="http://schemas.openxmlformats.org/drawingml/2006/main" xmlns:r="http://schemas.openxmlformats.org/officeDocument/2006/relationships" xmlns:p="http://schemas.openxmlformats.org/presentationml/2006/main">
-  <p:cSld>
-    <p:spTree>
-      <p:nvGrpSpPr>
-        <p:cNvPr id="1" name=""/>
-        <p:cNvGrpSpPr/>
-        <p:nvPr/>
-      </p:nvGrpSpPr>
-      <p:grpSpPr>
-        <a:xfrm>
-          <a:off x="0" y="0"/>
-          <a:ext cx="0" cy="0"/>
-          <a:chOff x="0" y="0"/>
-          <a:chExt cx="0" cy="0"/>
-        </a:xfrm>
-      </p:grpSpPr>
-      <p:sp>
-        <p:nvSpPr>
-          <p:cNvPr id="2" name="標題 1">
-            <a:extLst>
-              <a:ext uri="{FF2B5EF4-FFF2-40B4-BE49-F238E27FC236}">
-                <a16:creationId xmlns:a16="http://schemas.microsoft.com/office/drawing/2014/main" id="{DD380983-BC0F-4DAF-AEBF-BFD6CEEB27F3}"/>
-              </a:ext>
-            </a:extLst>
-          </p:cNvPr>
-          <p:cNvSpPr>
-            <a:spLocks noGrp="1"/>
-          </p:cNvSpPr>
-          <p:nvPr>
-            <p:ph type="title"/>
-          </p:nvPr>
-        </p:nvSpPr>
-        <p:spPr/>
-        <p:txBody>
-          <a:bodyPr>
-            <a:normAutofit/>
-          </a:bodyPr>
-          <a:lstStyle/>
-          <a:p>
-            <a:r>
-              <a:rPr lang="zh-TW" altLang="en-US" sz="2800" dirty="0"/>
-              <a:t>睡眠過程</a:t>
-            </a:r>
-            <a:r>
-              <a:rPr lang="en-US" altLang="zh-TW" sz="2800" dirty="0"/>
-              <a:t>Cortisol</a:t>
-            </a:r>
-            <a:r>
-              <a:rPr lang="zh-TW" altLang="en-US" sz="2800" dirty="0"/>
-              <a:t>變化量分群</a:t>
-            </a:r>
-            <a:r>
-              <a:rPr lang="en-US" altLang="zh-TW" sz="2800" dirty="0"/>
-              <a:t>- </a:t>
-            </a:r>
-            <a:r>
-              <a:rPr lang="zh-TW" altLang="en-US" sz="2800" dirty="0"/>
-              <a:t>睡眠指標統計</a:t>
-            </a:r>
-            <a:r>
-              <a:rPr lang="en-US" altLang="zh-TW" sz="2800" dirty="0"/>
-              <a:t>(Mean</a:t>
-            </a:r>
-            <a:r>
-              <a:rPr lang="zh-TW" altLang="en-US" sz="2800" dirty="0"/>
-              <a:t>、</a:t>
-            </a:r>
-            <a:r>
-              <a:rPr lang="en-US" altLang="zh-TW" sz="2800" dirty="0"/>
-              <a:t>SD</a:t>
-            </a:r>
-            <a:r>
-              <a:rPr lang="zh-TW" altLang="en-US" sz="2800" dirty="0"/>
-              <a:t>、</a:t>
-            </a:r>
-            <a:r>
-              <a:rPr lang="en-US" altLang="zh-TW" sz="2800" dirty="0"/>
-              <a:t>p-value)</a:t>
-            </a:r>
-            <a:endParaRPr lang="zh-TW" altLang="en-US" sz="2800" dirty="0"/>
-          </a:p>
-        </p:txBody>
-      </p:sp>
-      <p:sp>
-        <p:nvSpPr>
-          <p:cNvPr id="4" name="投影片編號版面配置區 3">
-            <a:extLst>
-              <a:ext uri="{FF2B5EF4-FFF2-40B4-BE49-F238E27FC236}">
-                <a16:creationId xmlns:a16="http://schemas.microsoft.com/office/drawing/2014/main" id="{11DEEB29-E9A7-4E01-84C3-EEE6912E29EF}"/>
-              </a:ext>
-            </a:extLst>
-          </p:cNvPr>
-          <p:cNvSpPr>
-            <a:spLocks noGrp="1"/>
-          </p:cNvSpPr>
-          <p:nvPr>
-            <p:ph type="sldNum" sz="quarter" idx="12"/>
-          </p:nvPr>
-        </p:nvSpPr>
-        <p:spPr/>
-        <p:txBody>
-          <a:bodyPr/>
-          <a:lstStyle/>
-          <a:p>
-            <a:fld id="{F230EE04-BD3A-40AA-92AC-647453D5DADF}" type="slidenum">
-              <a:rPr lang="zh-TW" altLang="en-US" smtClean="0"/>
-              <a:t>17</a:t>
-            </a:fld>
-            <a:endParaRPr lang="zh-TW" altLang="en-US"/>
-          </a:p>
-        </p:txBody>
-      </p:sp>
-      <p:sp>
-        <p:nvSpPr>
-          <p:cNvPr id="5" name="內容版面配置區 2">
-            <a:extLst>
-              <a:ext uri="{FF2B5EF4-FFF2-40B4-BE49-F238E27FC236}">
-                <a16:creationId xmlns:a16="http://schemas.microsoft.com/office/drawing/2014/main" id="{2F4AB32B-62E7-4BF2-BEFB-D81B0C0F3A39}"/>
-              </a:ext>
-            </a:extLst>
-          </p:cNvPr>
-          <p:cNvSpPr>
-            <a:spLocks noGrp="1"/>
-          </p:cNvSpPr>
-          <p:nvPr>
-            <p:ph idx="1"/>
-          </p:nvPr>
-        </p:nvSpPr>
-        <p:spPr>
-          <a:xfrm>
-            <a:off x="720436" y="1321724"/>
-            <a:ext cx="10633364" cy="1431001"/>
-          </a:xfrm>
-        </p:spPr>
-        <p:txBody>
-          <a:bodyPr>
-            <a:normAutofit/>
-          </a:bodyPr>
-          <a:lstStyle/>
-          <a:p>
-            <a:r>
-              <a:rPr lang="en-US" altLang="zh-TW" dirty="0">
-                <a:solidFill>
-                  <a:schemeClr val="accent1"/>
-                </a:solidFill>
-              </a:rPr>
-              <a:t>20</a:t>
-            </a:r>
-            <a:r>
-              <a:rPr lang="zh-TW" altLang="en-US" dirty="0">
-                <a:solidFill>
-                  <a:schemeClr val="accent1"/>
-                </a:solidFill>
-              </a:rPr>
-              <a:t>筆低</a:t>
-            </a:r>
-            <a:r>
-              <a:rPr lang="zh-TW" altLang="en-US" sz="2400" dirty="0">
-                <a:solidFill>
-                  <a:schemeClr val="accent1"/>
-                </a:solidFill>
-              </a:rPr>
-              <a:t>睡眠過程</a:t>
-            </a:r>
-            <a:r>
-              <a:rPr lang="en-US" altLang="zh-TW" dirty="0">
-                <a:solidFill>
-                  <a:schemeClr val="accent1"/>
-                </a:solidFill>
-              </a:rPr>
-              <a:t>c</a:t>
-            </a:r>
-            <a:r>
-              <a:rPr lang="en-US" altLang="zh-TW" sz="2400" dirty="0">
-                <a:solidFill>
-                  <a:schemeClr val="accent1"/>
-                </a:solidFill>
-              </a:rPr>
-              <a:t>ortisol</a:t>
-            </a:r>
-            <a:r>
-              <a:rPr lang="zh-TW" altLang="en-US" dirty="0">
-                <a:solidFill>
-                  <a:schemeClr val="accent1"/>
-                </a:solidFill>
-              </a:rPr>
-              <a:t>變化量</a:t>
-            </a:r>
-            <a:r>
-              <a:rPr lang="zh-TW" altLang="en-US" dirty="0"/>
-              <a:t>與</a:t>
-            </a:r>
-            <a:r>
-              <a:rPr lang="en-US" altLang="zh-TW" dirty="0">
-                <a:solidFill>
-                  <a:schemeClr val="accent2"/>
-                </a:solidFill>
-              </a:rPr>
-              <a:t>19</a:t>
-            </a:r>
-            <a:r>
-              <a:rPr lang="zh-TW" altLang="en-US" dirty="0">
-                <a:solidFill>
-                  <a:schemeClr val="accent2"/>
-                </a:solidFill>
-              </a:rPr>
-              <a:t>筆高</a:t>
-            </a:r>
-            <a:r>
-              <a:rPr lang="zh-TW" altLang="en-US" sz="2400" dirty="0">
-                <a:solidFill>
-                  <a:schemeClr val="accent2"/>
-                </a:solidFill>
-              </a:rPr>
-              <a:t>睡眠過程</a:t>
-            </a:r>
-            <a:r>
-              <a:rPr lang="en-US" altLang="zh-TW" sz="2400" dirty="0">
-                <a:solidFill>
-                  <a:schemeClr val="accent2"/>
-                </a:solidFill>
-              </a:rPr>
-              <a:t>cortisol</a:t>
-            </a:r>
-            <a:r>
-              <a:rPr lang="zh-TW" altLang="en-US" dirty="0">
-                <a:solidFill>
-                  <a:schemeClr val="accent2"/>
-                </a:solidFill>
-              </a:rPr>
-              <a:t>變化量</a:t>
-            </a:r>
-            <a:r>
-              <a:rPr lang="zh-TW" altLang="en-US" dirty="0"/>
-              <a:t>做統計檢定</a:t>
-            </a:r>
-            <a:r>
-              <a:rPr lang="en-US" altLang="zh-TW" dirty="0"/>
-              <a:t>(two-tailed t-test)</a:t>
-            </a:r>
-          </a:p>
-        </p:txBody>
-      </p:sp>
-    </p:spTree>
-    <p:extLst>
-      <p:ext uri="{BB962C8B-B14F-4D97-AF65-F5344CB8AC3E}">
-        <p14:creationId xmlns:p14="http://schemas.microsoft.com/office/powerpoint/2010/main" val="2785892645"/>
       </p:ext>
     </p:extLst>
   </p:cSld>
@@ -8402,7 +9014,7 @@
                   <a:schemeClr val="accent1"/>
                 </a:solidFill>
               </a:rPr>
-              <a:t>12</a:t>
+              <a:t>20</a:t>
             </a:r>
             <a:r>
               <a:rPr lang="zh-TW" altLang="en-US" dirty="0">
@@ -8454,7 +9066,7 @@
                   <a:schemeClr val="accent2"/>
                 </a:solidFill>
               </a:rPr>
-              <a:t>27</a:t>
+              <a:t>19</a:t>
             </a:r>
             <a:r>
               <a:rPr lang="zh-TW" altLang="en-US" dirty="0">
@@ -8496,6 +9108,1189 @@
               <a:rPr lang="en-US" altLang="zh-TW" dirty="0"/>
               <a:t>(two-tailed t-test)</a:t>
             </a:r>
+          </a:p>
+        </p:txBody>
+      </p:sp>
+      <p:pic>
+        <p:nvPicPr>
+          <p:cNvPr id="7" name="圖片 6">
+            <a:extLst>
+              <a:ext uri="{FF2B5EF4-FFF2-40B4-BE49-F238E27FC236}">
+                <a16:creationId xmlns:a16="http://schemas.microsoft.com/office/drawing/2014/main" id="{B53E1F87-9364-4155-B396-F65591D8A1E7}"/>
+              </a:ext>
+            </a:extLst>
+          </p:cNvPr>
+          <p:cNvPicPr>
+            <a:picLocks noChangeAspect="1"/>
+          </p:cNvPicPr>
+          <p:nvPr/>
+        </p:nvPicPr>
+        <p:blipFill rotWithShape="1">
+          <a:blip r:embed="rId2"/>
+          <a:srcRect b="5870"/>
+          <a:stretch/>
+        </p:blipFill>
+        <p:spPr>
+          <a:xfrm>
+            <a:off x="1364453" y="2037225"/>
+            <a:ext cx="9345329" cy="4268326"/>
+          </a:xfrm>
+          <a:prstGeom prst="rect">
+            <a:avLst/>
+          </a:prstGeom>
+        </p:spPr>
+      </p:pic>
+      <p:sp>
+        <p:nvSpPr>
+          <p:cNvPr id="8" name="文字方塊 7">
+            <a:extLst>
+              <a:ext uri="{FF2B5EF4-FFF2-40B4-BE49-F238E27FC236}">
+                <a16:creationId xmlns:a16="http://schemas.microsoft.com/office/drawing/2014/main" id="{88F26C16-F811-4AE6-89EE-BCF1F28A39B7}"/>
+              </a:ext>
+            </a:extLst>
+          </p:cNvPr>
+          <p:cNvSpPr txBox="1"/>
+          <p:nvPr/>
+        </p:nvSpPr>
+        <p:spPr>
+          <a:xfrm>
+            <a:off x="1364453" y="6154423"/>
+            <a:ext cx="1332953" cy="461665"/>
+          </a:xfrm>
+          <a:prstGeom prst="rect">
+            <a:avLst/>
+          </a:prstGeom>
+          <a:noFill/>
+        </p:spPr>
+        <p:txBody>
+          <a:bodyPr wrap="square" rtlCol="0">
+            <a:spAutoFit/>
+          </a:bodyPr>
+          <a:lstStyle/>
+          <a:p>
+            <a:pPr algn="ctr"/>
+            <a:r>
+              <a:rPr lang="en-US" altLang="zh-TW" sz="1200" dirty="0">
+                <a:solidFill>
+                  <a:schemeClr val="accent1">
+                    <a:lumMod val="75000"/>
+                  </a:schemeClr>
+                </a:solidFill>
+              </a:rPr>
+              <a:t>p-value:</a:t>
+            </a:r>
+          </a:p>
+          <a:p>
+            <a:pPr algn="ctr"/>
+            <a:r>
+              <a:rPr lang="en-US" altLang="zh-TW" sz="1200" dirty="0">
+                <a:solidFill>
+                  <a:schemeClr val="accent1">
+                    <a:lumMod val="75000"/>
+                  </a:schemeClr>
+                </a:solidFill>
+              </a:rPr>
+              <a:t>0.731</a:t>
+            </a:r>
+            <a:endParaRPr lang="zh-TW" altLang="en-US" sz="1200" dirty="0">
+              <a:solidFill>
+                <a:schemeClr val="accent1">
+                  <a:lumMod val="75000"/>
+                </a:schemeClr>
+              </a:solidFill>
+            </a:endParaRPr>
+          </a:p>
+        </p:txBody>
+      </p:sp>
+      <p:sp>
+        <p:nvSpPr>
+          <p:cNvPr id="9" name="文字方塊 8">
+            <a:extLst>
+              <a:ext uri="{FF2B5EF4-FFF2-40B4-BE49-F238E27FC236}">
+                <a16:creationId xmlns:a16="http://schemas.microsoft.com/office/drawing/2014/main" id="{7C4D9665-05C1-4652-AA59-AEF62B1AD6C1}"/>
+              </a:ext>
+            </a:extLst>
+          </p:cNvPr>
+          <p:cNvSpPr txBox="1"/>
+          <p:nvPr/>
+        </p:nvSpPr>
+        <p:spPr>
+          <a:xfrm>
+            <a:off x="2719895" y="6154423"/>
+            <a:ext cx="1332953" cy="461665"/>
+          </a:xfrm>
+          <a:prstGeom prst="rect">
+            <a:avLst/>
+          </a:prstGeom>
+          <a:noFill/>
+        </p:spPr>
+        <p:txBody>
+          <a:bodyPr wrap="square" rtlCol="0">
+            <a:spAutoFit/>
+          </a:bodyPr>
+          <a:lstStyle/>
+          <a:p>
+            <a:pPr algn="ctr"/>
+            <a:r>
+              <a:rPr lang="en-US" altLang="zh-TW" sz="1200" dirty="0">
+                <a:solidFill>
+                  <a:schemeClr val="accent1">
+                    <a:lumMod val="75000"/>
+                  </a:schemeClr>
+                </a:solidFill>
+              </a:rPr>
+              <a:t>p-value:</a:t>
+            </a:r>
+          </a:p>
+          <a:p>
+            <a:pPr algn="ctr"/>
+            <a:r>
+              <a:rPr lang="en-US" altLang="zh-TW" sz="1200" dirty="0">
+                <a:solidFill>
+                  <a:schemeClr val="accent1">
+                    <a:lumMod val="75000"/>
+                  </a:schemeClr>
+                </a:solidFill>
+              </a:rPr>
+              <a:t>0.324</a:t>
+            </a:r>
+            <a:endParaRPr lang="zh-TW" altLang="en-US" sz="1200" dirty="0">
+              <a:solidFill>
+                <a:schemeClr val="accent1">
+                  <a:lumMod val="75000"/>
+                </a:schemeClr>
+              </a:solidFill>
+            </a:endParaRPr>
+          </a:p>
+        </p:txBody>
+      </p:sp>
+      <p:sp>
+        <p:nvSpPr>
+          <p:cNvPr id="10" name="文字方塊 9">
+            <a:extLst>
+              <a:ext uri="{FF2B5EF4-FFF2-40B4-BE49-F238E27FC236}">
+                <a16:creationId xmlns:a16="http://schemas.microsoft.com/office/drawing/2014/main" id="{171F91A6-57DF-440E-975E-85B5687118BA}"/>
+              </a:ext>
+            </a:extLst>
+          </p:cNvPr>
+          <p:cNvSpPr txBox="1"/>
+          <p:nvPr/>
+        </p:nvSpPr>
+        <p:spPr>
+          <a:xfrm>
+            <a:off x="3935664" y="6154423"/>
+            <a:ext cx="1332953" cy="461665"/>
+          </a:xfrm>
+          <a:prstGeom prst="rect">
+            <a:avLst/>
+          </a:prstGeom>
+          <a:noFill/>
+        </p:spPr>
+        <p:txBody>
+          <a:bodyPr wrap="square" rtlCol="0">
+            <a:spAutoFit/>
+          </a:bodyPr>
+          <a:lstStyle/>
+          <a:p>
+            <a:pPr algn="ctr"/>
+            <a:r>
+              <a:rPr lang="en-US" altLang="zh-TW" sz="1200" dirty="0">
+                <a:solidFill>
+                  <a:schemeClr val="accent1">
+                    <a:lumMod val="75000"/>
+                  </a:schemeClr>
+                </a:solidFill>
+              </a:rPr>
+              <a:t>p-value:</a:t>
+            </a:r>
+          </a:p>
+          <a:p>
+            <a:pPr algn="ctr"/>
+            <a:r>
+              <a:rPr lang="en-US" altLang="zh-TW" sz="1200" dirty="0">
+                <a:solidFill>
+                  <a:schemeClr val="accent1">
+                    <a:lumMod val="75000"/>
+                  </a:schemeClr>
+                </a:solidFill>
+              </a:rPr>
+              <a:t>0.609</a:t>
+            </a:r>
+            <a:endParaRPr lang="zh-TW" altLang="en-US" sz="1200" dirty="0">
+              <a:solidFill>
+                <a:schemeClr val="accent1">
+                  <a:lumMod val="75000"/>
+                </a:schemeClr>
+              </a:solidFill>
+            </a:endParaRPr>
+          </a:p>
+        </p:txBody>
+      </p:sp>
+      <p:sp>
+        <p:nvSpPr>
+          <p:cNvPr id="11" name="文字方塊 10">
+            <a:extLst>
+              <a:ext uri="{FF2B5EF4-FFF2-40B4-BE49-F238E27FC236}">
+                <a16:creationId xmlns:a16="http://schemas.microsoft.com/office/drawing/2014/main" id="{22344EDC-A8C3-4139-A876-FD09FCB4109E}"/>
+              </a:ext>
+            </a:extLst>
+          </p:cNvPr>
+          <p:cNvSpPr txBox="1"/>
+          <p:nvPr/>
+        </p:nvSpPr>
+        <p:spPr>
+          <a:xfrm>
+            <a:off x="5259665" y="6154423"/>
+            <a:ext cx="1332953" cy="461665"/>
+          </a:xfrm>
+          <a:prstGeom prst="rect">
+            <a:avLst/>
+          </a:prstGeom>
+          <a:noFill/>
+        </p:spPr>
+        <p:txBody>
+          <a:bodyPr wrap="square" rtlCol="0">
+            <a:spAutoFit/>
+          </a:bodyPr>
+          <a:lstStyle/>
+          <a:p>
+            <a:pPr algn="ctr"/>
+            <a:r>
+              <a:rPr lang="en-US" altLang="zh-TW" sz="1200" dirty="0">
+                <a:solidFill>
+                  <a:schemeClr val="accent1">
+                    <a:lumMod val="75000"/>
+                  </a:schemeClr>
+                </a:solidFill>
+              </a:rPr>
+              <a:t>p-value:</a:t>
+            </a:r>
+          </a:p>
+          <a:p>
+            <a:pPr algn="ctr"/>
+            <a:r>
+              <a:rPr lang="en-US" altLang="zh-TW" sz="1200" dirty="0">
+                <a:solidFill>
+                  <a:schemeClr val="accent1">
+                    <a:lumMod val="75000"/>
+                  </a:schemeClr>
+                </a:solidFill>
+              </a:rPr>
+              <a:t>0.12</a:t>
+            </a:r>
+            <a:endParaRPr lang="zh-TW" altLang="en-US" sz="1200" dirty="0">
+              <a:solidFill>
+                <a:schemeClr val="accent1">
+                  <a:lumMod val="75000"/>
+                </a:schemeClr>
+              </a:solidFill>
+            </a:endParaRPr>
+          </a:p>
+        </p:txBody>
+      </p:sp>
+      <p:sp>
+        <p:nvSpPr>
+          <p:cNvPr id="12" name="文字方塊 11">
+            <a:extLst>
+              <a:ext uri="{FF2B5EF4-FFF2-40B4-BE49-F238E27FC236}">
+                <a16:creationId xmlns:a16="http://schemas.microsoft.com/office/drawing/2014/main" id="{46377344-207D-439B-A0BC-E4EF60825CAC}"/>
+              </a:ext>
+            </a:extLst>
+          </p:cNvPr>
+          <p:cNvSpPr txBox="1"/>
+          <p:nvPr/>
+        </p:nvSpPr>
+        <p:spPr>
+          <a:xfrm>
+            <a:off x="6702717" y="6154423"/>
+            <a:ext cx="1332953" cy="461665"/>
+          </a:xfrm>
+          <a:prstGeom prst="rect">
+            <a:avLst/>
+          </a:prstGeom>
+          <a:noFill/>
+        </p:spPr>
+        <p:txBody>
+          <a:bodyPr wrap="square" rtlCol="0">
+            <a:spAutoFit/>
+          </a:bodyPr>
+          <a:lstStyle/>
+          <a:p>
+            <a:pPr algn="ctr"/>
+            <a:r>
+              <a:rPr lang="en-US" altLang="zh-TW" sz="1200" dirty="0">
+                <a:solidFill>
+                  <a:schemeClr val="accent1">
+                    <a:lumMod val="75000"/>
+                  </a:schemeClr>
+                </a:solidFill>
+              </a:rPr>
+              <a:t>p-value:</a:t>
+            </a:r>
+          </a:p>
+          <a:p>
+            <a:pPr algn="ctr"/>
+            <a:r>
+              <a:rPr lang="en-US" altLang="zh-TW" sz="1200" dirty="0">
+                <a:solidFill>
+                  <a:schemeClr val="accent1">
+                    <a:lumMod val="75000"/>
+                  </a:schemeClr>
+                </a:solidFill>
+              </a:rPr>
+              <a:t>0.648</a:t>
+            </a:r>
+            <a:endParaRPr lang="zh-TW" altLang="en-US" sz="1200" dirty="0">
+              <a:solidFill>
+                <a:schemeClr val="accent1">
+                  <a:lumMod val="75000"/>
+                </a:schemeClr>
+              </a:solidFill>
+            </a:endParaRPr>
+          </a:p>
+        </p:txBody>
+      </p:sp>
+      <p:sp>
+        <p:nvSpPr>
+          <p:cNvPr id="13" name="文字方塊 12">
+            <a:extLst>
+              <a:ext uri="{FF2B5EF4-FFF2-40B4-BE49-F238E27FC236}">
+                <a16:creationId xmlns:a16="http://schemas.microsoft.com/office/drawing/2014/main" id="{0E949CC0-655C-4ACE-B99F-3C06827B360D}"/>
+              </a:ext>
+            </a:extLst>
+          </p:cNvPr>
+          <p:cNvSpPr txBox="1"/>
+          <p:nvPr/>
+        </p:nvSpPr>
+        <p:spPr>
+          <a:xfrm>
+            <a:off x="8124331" y="6154423"/>
+            <a:ext cx="1332953" cy="461665"/>
+          </a:xfrm>
+          <a:prstGeom prst="rect">
+            <a:avLst/>
+          </a:prstGeom>
+          <a:noFill/>
+        </p:spPr>
+        <p:txBody>
+          <a:bodyPr wrap="square" rtlCol="0">
+            <a:spAutoFit/>
+          </a:bodyPr>
+          <a:lstStyle/>
+          <a:p>
+            <a:pPr algn="ctr"/>
+            <a:r>
+              <a:rPr lang="en-US" altLang="zh-TW" sz="1200" dirty="0">
+                <a:solidFill>
+                  <a:schemeClr val="accent1">
+                    <a:lumMod val="75000"/>
+                  </a:schemeClr>
+                </a:solidFill>
+              </a:rPr>
+              <a:t>p-value:</a:t>
+            </a:r>
+          </a:p>
+          <a:p>
+            <a:pPr algn="ctr"/>
+            <a:r>
+              <a:rPr lang="en-US" altLang="zh-TW" sz="1200" dirty="0">
+                <a:solidFill>
+                  <a:schemeClr val="accent1">
+                    <a:lumMod val="75000"/>
+                  </a:schemeClr>
+                </a:solidFill>
+              </a:rPr>
+              <a:t>0.217</a:t>
+            </a:r>
+            <a:endParaRPr lang="zh-TW" altLang="en-US" sz="1200" dirty="0">
+              <a:solidFill>
+                <a:schemeClr val="accent1">
+                  <a:lumMod val="75000"/>
+                </a:schemeClr>
+              </a:solidFill>
+            </a:endParaRPr>
+          </a:p>
+        </p:txBody>
+      </p:sp>
+      <p:sp>
+        <p:nvSpPr>
+          <p:cNvPr id="14" name="文字方塊 13">
+            <a:extLst>
+              <a:ext uri="{FF2B5EF4-FFF2-40B4-BE49-F238E27FC236}">
+                <a16:creationId xmlns:a16="http://schemas.microsoft.com/office/drawing/2014/main" id="{4F3FBD74-2ADF-4611-86CA-C40EDF0B0515}"/>
+              </a:ext>
+            </a:extLst>
+          </p:cNvPr>
+          <p:cNvSpPr txBox="1"/>
+          <p:nvPr/>
+        </p:nvSpPr>
+        <p:spPr>
+          <a:xfrm>
+            <a:off x="9454397" y="6154423"/>
+            <a:ext cx="1332953" cy="461665"/>
+          </a:xfrm>
+          <a:prstGeom prst="rect">
+            <a:avLst/>
+          </a:prstGeom>
+          <a:noFill/>
+        </p:spPr>
+        <p:txBody>
+          <a:bodyPr wrap="square" rtlCol="0">
+            <a:spAutoFit/>
+          </a:bodyPr>
+          <a:lstStyle/>
+          <a:p>
+            <a:pPr algn="ctr"/>
+            <a:r>
+              <a:rPr lang="en-US" altLang="zh-TW" sz="1200" dirty="0">
+                <a:solidFill>
+                  <a:schemeClr val="accent1">
+                    <a:lumMod val="75000"/>
+                  </a:schemeClr>
+                </a:solidFill>
+              </a:rPr>
+              <a:t>p-value:</a:t>
+            </a:r>
+          </a:p>
+          <a:p>
+            <a:pPr algn="ctr"/>
+            <a:r>
+              <a:rPr lang="en-US" altLang="zh-TW" sz="1200" dirty="0">
+                <a:solidFill>
+                  <a:schemeClr val="accent1">
+                    <a:lumMod val="75000"/>
+                  </a:schemeClr>
+                </a:solidFill>
+              </a:rPr>
+              <a:t>0.281</a:t>
+            </a:r>
+            <a:endParaRPr lang="zh-TW" altLang="en-US" sz="1200" dirty="0">
+              <a:solidFill>
+                <a:schemeClr val="accent1">
+                  <a:lumMod val="75000"/>
+                </a:schemeClr>
+              </a:solidFill>
+            </a:endParaRPr>
+          </a:p>
+        </p:txBody>
+      </p:sp>
+    </p:spTree>
+    <p:extLst>
+      <p:ext uri="{BB962C8B-B14F-4D97-AF65-F5344CB8AC3E}">
+        <p14:creationId xmlns:p14="http://schemas.microsoft.com/office/powerpoint/2010/main" val="2785892645"/>
+      </p:ext>
+    </p:extLst>
+  </p:cSld>
+  <p:clrMapOvr>
+    <a:masterClrMapping/>
+  </p:clrMapOvr>
+</p:sld>
+</file>
+
+<file path=ppt/slides/slide19.xml><?xml version="1.0" encoding="utf-8"?>
+<p:sld xmlns:a="http://schemas.openxmlformats.org/drawingml/2006/main" xmlns:r="http://schemas.openxmlformats.org/officeDocument/2006/relationships" xmlns:p="http://schemas.openxmlformats.org/presentationml/2006/main">
+  <p:cSld>
+    <p:spTree>
+      <p:nvGrpSpPr>
+        <p:cNvPr id="1" name=""/>
+        <p:cNvGrpSpPr/>
+        <p:nvPr/>
+      </p:nvGrpSpPr>
+      <p:grpSpPr>
+        <a:xfrm>
+          <a:off x="0" y="0"/>
+          <a:ext cx="0" cy="0"/>
+          <a:chOff x="0" y="0"/>
+          <a:chExt cx="0" cy="0"/>
+        </a:xfrm>
+      </p:grpSpPr>
+      <p:sp>
+        <p:nvSpPr>
+          <p:cNvPr id="2" name="標題 1">
+            <a:extLst>
+              <a:ext uri="{FF2B5EF4-FFF2-40B4-BE49-F238E27FC236}">
+                <a16:creationId xmlns:a16="http://schemas.microsoft.com/office/drawing/2014/main" id="{DD380983-BC0F-4DAF-AEBF-BFD6CEEB27F3}"/>
+              </a:ext>
+            </a:extLst>
+          </p:cNvPr>
+          <p:cNvSpPr>
+            <a:spLocks noGrp="1"/>
+          </p:cNvSpPr>
+          <p:nvPr>
+            <p:ph type="title"/>
+          </p:nvPr>
+        </p:nvSpPr>
+        <p:spPr/>
+        <p:txBody>
+          <a:bodyPr>
+            <a:normAutofit/>
+          </a:bodyPr>
+          <a:lstStyle/>
+          <a:p>
+            <a:r>
+              <a:rPr lang="zh-TW" altLang="en-US" sz="2800" dirty="0"/>
+              <a:t>睡眠過程</a:t>
+            </a:r>
+            <a:r>
+              <a:rPr lang="en-US" altLang="zh-TW" sz="2800" dirty="0"/>
+              <a:t>Cortisol</a:t>
+            </a:r>
+            <a:r>
+              <a:rPr lang="zh-TW" altLang="en-US" sz="2800" dirty="0"/>
+              <a:t>變化量分群</a:t>
+            </a:r>
+            <a:r>
+              <a:rPr lang="en-US" altLang="zh-TW" sz="2800" dirty="0"/>
+              <a:t>- </a:t>
+            </a:r>
+            <a:r>
+              <a:rPr lang="zh-TW" altLang="en-US" sz="2800" dirty="0"/>
+              <a:t>睡眠指標統計</a:t>
+            </a:r>
+            <a:r>
+              <a:rPr lang="en-US" altLang="zh-TW" sz="2800" dirty="0"/>
+              <a:t>(Mean</a:t>
+            </a:r>
+            <a:r>
+              <a:rPr lang="zh-TW" altLang="en-US" sz="2800" dirty="0"/>
+              <a:t>、</a:t>
+            </a:r>
+            <a:r>
+              <a:rPr lang="en-US" altLang="zh-TW" sz="2800" dirty="0"/>
+              <a:t>SD</a:t>
+            </a:r>
+            <a:r>
+              <a:rPr lang="zh-TW" altLang="en-US" sz="2800" dirty="0"/>
+              <a:t>、</a:t>
+            </a:r>
+            <a:r>
+              <a:rPr lang="en-US" altLang="zh-TW" sz="2800" dirty="0"/>
+              <a:t>p-value)</a:t>
+            </a:r>
+            <a:endParaRPr lang="zh-TW" altLang="en-US" sz="2800" dirty="0"/>
+          </a:p>
+        </p:txBody>
+      </p:sp>
+      <p:sp>
+        <p:nvSpPr>
+          <p:cNvPr id="4" name="投影片編號版面配置區 3">
+            <a:extLst>
+              <a:ext uri="{FF2B5EF4-FFF2-40B4-BE49-F238E27FC236}">
+                <a16:creationId xmlns:a16="http://schemas.microsoft.com/office/drawing/2014/main" id="{11DEEB29-E9A7-4E01-84C3-EEE6912E29EF}"/>
+              </a:ext>
+            </a:extLst>
+          </p:cNvPr>
+          <p:cNvSpPr>
+            <a:spLocks noGrp="1"/>
+          </p:cNvSpPr>
+          <p:nvPr>
+            <p:ph type="sldNum" sz="quarter" idx="12"/>
+          </p:nvPr>
+        </p:nvSpPr>
+        <p:spPr/>
+        <p:txBody>
+          <a:bodyPr/>
+          <a:lstStyle/>
+          <a:p>
+            <a:fld id="{F230EE04-BD3A-40AA-92AC-647453D5DADF}" type="slidenum">
+              <a:rPr lang="zh-TW" altLang="en-US" smtClean="0"/>
+              <a:t>19</a:t>
+            </a:fld>
+            <a:endParaRPr lang="zh-TW" altLang="en-US"/>
+          </a:p>
+        </p:txBody>
+      </p:sp>
+      <p:sp>
+        <p:nvSpPr>
+          <p:cNvPr id="5" name="內容版面配置區 2">
+            <a:extLst>
+              <a:ext uri="{FF2B5EF4-FFF2-40B4-BE49-F238E27FC236}">
+                <a16:creationId xmlns:a16="http://schemas.microsoft.com/office/drawing/2014/main" id="{2F4AB32B-62E7-4BF2-BEFB-D81B0C0F3A39}"/>
+              </a:ext>
+            </a:extLst>
+          </p:cNvPr>
+          <p:cNvSpPr>
+            <a:spLocks noGrp="1"/>
+          </p:cNvSpPr>
+          <p:nvPr>
+            <p:ph idx="1"/>
+          </p:nvPr>
+        </p:nvSpPr>
+        <p:spPr>
+          <a:xfrm>
+            <a:off x="720436" y="1321724"/>
+            <a:ext cx="10633364" cy="1431001"/>
+          </a:xfrm>
+        </p:spPr>
+        <p:txBody>
+          <a:bodyPr>
+            <a:normAutofit/>
+          </a:bodyPr>
+          <a:lstStyle/>
+          <a:p>
+            <a:r>
+              <a:rPr lang="en-US" altLang="zh-TW" dirty="0">
+                <a:solidFill>
+                  <a:schemeClr val="accent1"/>
+                </a:solidFill>
+              </a:rPr>
+              <a:t>12</a:t>
+            </a:r>
+            <a:r>
+              <a:rPr lang="zh-TW" altLang="en-US" dirty="0">
+                <a:solidFill>
+                  <a:schemeClr val="accent1"/>
+                </a:solidFill>
+              </a:rPr>
+              <a:t>筆低</a:t>
+            </a:r>
+            <a:r>
+              <a:rPr lang="zh-TW" altLang="en-US" sz="2400" dirty="0">
+                <a:solidFill>
+                  <a:schemeClr val="accent1"/>
+                </a:solidFill>
+              </a:rPr>
+              <a:t>睡眠過程</a:t>
+            </a:r>
+            <a:r>
+              <a:rPr lang="en-US" altLang="zh-TW" dirty="0">
+                <a:solidFill>
+                  <a:schemeClr val="accent1"/>
+                </a:solidFill>
+              </a:rPr>
+              <a:t>c</a:t>
+            </a:r>
+            <a:r>
+              <a:rPr lang="en-US" altLang="zh-TW" sz="2400" dirty="0">
+                <a:solidFill>
+                  <a:schemeClr val="accent1"/>
+                </a:solidFill>
+              </a:rPr>
+              <a:t>ortisol</a:t>
+            </a:r>
+            <a:r>
+              <a:rPr lang="zh-TW" altLang="en-US" dirty="0">
+                <a:solidFill>
+                  <a:schemeClr val="accent1"/>
+                </a:solidFill>
+              </a:rPr>
+              <a:t>變化量</a:t>
+            </a:r>
+            <a:r>
+              <a:rPr lang="zh-TW" altLang="en-US" dirty="0"/>
+              <a:t>與</a:t>
+            </a:r>
+            <a:r>
+              <a:rPr lang="en-US" altLang="zh-TW" dirty="0">
+                <a:solidFill>
+                  <a:schemeClr val="accent2"/>
+                </a:solidFill>
+              </a:rPr>
+              <a:t>27</a:t>
+            </a:r>
+            <a:r>
+              <a:rPr lang="zh-TW" altLang="en-US" dirty="0">
+                <a:solidFill>
+                  <a:schemeClr val="accent2"/>
+                </a:solidFill>
+              </a:rPr>
+              <a:t>筆高</a:t>
+            </a:r>
+            <a:r>
+              <a:rPr lang="zh-TW" altLang="en-US" sz="2400" dirty="0">
+                <a:solidFill>
+                  <a:schemeClr val="accent2"/>
+                </a:solidFill>
+              </a:rPr>
+              <a:t>睡眠過程</a:t>
+            </a:r>
+            <a:r>
+              <a:rPr lang="en-US" altLang="zh-TW" sz="2400" dirty="0">
+                <a:solidFill>
+                  <a:schemeClr val="accent2"/>
+                </a:solidFill>
+              </a:rPr>
+              <a:t>cortisol</a:t>
+            </a:r>
+            <a:r>
+              <a:rPr lang="zh-TW" altLang="en-US" dirty="0">
+                <a:solidFill>
+                  <a:schemeClr val="accent2"/>
+                </a:solidFill>
+              </a:rPr>
+              <a:t>變化量</a:t>
+            </a:r>
+            <a:r>
+              <a:rPr lang="zh-TW" altLang="en-US" dirty="0"/>
+              <a:t>做統計檢定</a:t>
+            </a:r>
+            <a:r>
+              <a:rPr lang="en-US" altLang="zh-TW" dirty="0"/>
+              <a:t>(two-tailed t-test)</a:t>
+            </a:r>
+          </a:p>
+        </p:txBody>
+      </p:sp>
+      <p:pic>
+        <p:nvPicPr>
+          <p:cNvPr id="6" name="圖片 5">
+            <a:extLst>
+              <a:ext uri="{FF2B5EF4-FFF2-40B4-BE49-F238E27FC236}">
+                <a16:creationId xmlns:a16="http://schemas.microsoft.com/office/drawing/2014/main" id="{9D86C249-E910-47FB-914B-FEE493AF326F}"/>
+              </a:ext>
+            </a:extLst>
+          </p:cNvPr>
+          <p:cNvPicPr>
+            <a:picLocks noChangeAspect="1"/>
+          </p:cNvPicPr>
+          <p:nvPr/>
+        </p:nvPicPr>
+        <p:blipFill rotWithShape="1">
+          <a:blip r:embed="rId2"/>
+          <a:srcRect b="5208"/>
+          <a:stretch/>
+        </p:blipFill>
+        <p:spPr>
+          <a:xfrm>
+            <a:off x="1418572" y="2059779"/>
+            <a:ext cx="9354856" cy="4325476"/>
+          </a:xfrm>
+          <a:prstGeom prst="rect">
+            <a:avLst/>
+          </a:prstGeom>
+        </p:spPr>
+      </p:pic>
+      <p:sp>
+        <p:nvSpPr>
+          <p:cNvPr id="7" name="文字方塊 6">
+            <a:extLst>
+              <a:ext uri="{FF2B5EF4-FFF2-40B4-BE49-F238E27FC236}">
+                <a16:creationId xmlns:a16="http://schemas.microsoft.com/office/drawing/2014/main" id="{7F2ECB07-EC4A-4A2F-9627-29953F7D1E92}"/>
+              </a:ext>
+            </a:extLst>
+          </p:cNvPr>
+          <p:cNvSpPr txBox="1"/>
+          <p:nvPr/>
+        </p:nvSpPr>
+        <p:spPr>
+          <a:xfrm>
+            <a:off x="1350531" y="6262041"/>
+            <a:ext cx="1332953" cy="461665"/>
+          </a:xfrm>
+          <a:prstGeom prst="rect">
+            <a:avLst/>
+          </a:prstGeom>
+          <a:noFill/>
+        </p:spPr>
+        <p:txBody>
+          <a:bodyPr wrap="square" rtlCol="0">
+            <a:spAutoFit/>
+          </a:bodyPr>
+          <a:lstStyle/>
+          <a:p>
+            <a:pPr algn="ctr"/>
+            <a:r>
+              <a:rPr lang="en-US" altLang="zh-TW" sz="1200" dirty="0">
+                <a:solidFill>
+                  <a:schemeClr val="accent1">
+                    <a:lumMod val="75000"/>
+                  </a:schemeClr>
+                </a:solidFill>
+              </a:rPr>
+              <a:t>p-value:</a:t>
+            </a:r>
+          </a:p>
+          <a:p>
+            <a:pPr algn="ctr"/>
+            <a:r>
+              <a:rPr lang="en-US" altLang="zh-TW" sz="1200" dirty="0">
+                <a:solidFill>
+                  <a:schemeClr val="accent1">
+                    <a:lumMod val="75000"/>
+                  </a:schemeClr>
+                </a:solidFill>
+              </a:rPr>
+              <a:t>0.353</a:t>
+            </a:r>
+            <a:endParaRPr lang="zh-TW" altLang="en-US" sz="1200" dirty="0">
+              <a:solidFill>
+                <a:schemeClr val="accent1">
+                  <a:lumMod val="75000"/>
+                </a:schemeClr>
+              </a:solidFill>
+            </a:endParaRPr>
+          </a:p>
+        </p:txBody>
+      </p:sp>
+      <p:sp>
+        <p:nvSpPr>
+          <p:cNvPr id="8" name="文字方塊 7">
+            <a:extLst>
+              <a:ext uri="{FF2B5EF4-FFF2-40B4-BE49-F238E27FC236}">
+                <a16:creationId xmlns:a16="http://schemas.microsoft.com/office/drawing/2014/main" id="{AEF8F706-FB1E-4C0C-99F9-F6B98685467A}"/>
+              </a:ext>
+            </a:extLst>
+          </p:cNvPr>
+          <p:cNvSpPr txBox="1"/>
+          <p:nvPr/>
+        </p:nvSpPr>
+        <p:spPr>
+          <a:xfrm>
+            <a:off x="2705973" y="6262041"/>
+            <a:ext cx="1332953" cy="461665"/>
+          </a:xfrm>
+          <a:prstGeom prst="rect">
+            <a:avLst/>
+          </a:prstGeom>
+          <a:noFill/>
+        </p:spPr>
+        <p:txBody>
+          <a:bodyPr wrap="square" rtlCol="0">
+            <a:spAutoFit/>
+          </a:bodyPr>
+          <a:lstStyle/>
+          <a:p>
+            <a:pPr algn="ctr"/>
+            <a:r>
+              <a:rPr lang="en-US" altLang="zh-TW" sz="1200" dirty="0">
+                <a:solidFill>
+                  <a:schemeClr val="accent1">
+                    <a:lumMod val="75000"/>
+                  </a:schemeClr>
+                </a:solidFill>
+              </a:rPr>
+              <a:t>p-value:</a:t>
+            </a:r>
+          </a:p>
+          <a:p>
+            <a:pPr algn="ctr"/>
+            <a:r>
+              <a:rPr lang="en-US" altLang="zh-TW" sz="1200" dirty="0">
+                <a:solidFill>
+                  <a:schemeClr val="accent1">
+                    <a:lumMod val="75000"/>
+                  </a:schemeClr>
+                </a:solidFill>
+              </a:rPr>
+              <a:t>0.886</a:t>
+            </a:r>
+            <a:endParaRPr lang="zh-TW" altLang="en-US" sz="1200" dirty="0">
+              <a:solidFill>
+                <a:schemeClr val="accent1">
+                  <a:lumMod val="75000"/>
+                </a:schemeClr>
+              </a:solidFill>
+            </a:endParaRPr>
+          </a:p>
+        </p:txBody>
+      </p:sp>
+      <p:sp>
+        <p:nvSpPr>
+          <p:cNvPr id="9" name="文字方塊 8">
+            <a:extLst>
+              <a:ext uri="{FF2B5EF4-FFF2-40B4-BE49-F238E27FC236}">
+                <a16:creationId xmlns:a16="http://schemas.microsoft.com/office/drawing/2014/main" id="{CE1D91E4-B90E-4C70-AA76-CCB64925F93E}"/>
+              </a:ext>
+            </a:extLst>
+          </p:cNvPr>
+          <p:cNvSpPr txBox="1"/>
+          <p:nvPr/>
+        </p:nvSpPr>
+        <p:spPr>
+          <a:xfrm>
+            <a:off x="3921742" y="6262041"/>
+            <a:ext cx="1332953" cy="461665"/>
+          </a:xfrm>
+          <a:prstGeom prst="rect">
+            <a:avLst/>
+          </a:prstGeom>
+          <a:noFill/>
+        </p:spPr>
+        <p:txBody>
+          <a:bodyPr wrap="square" rtlCol="0">
+            <a:spAutoFit/>
+          </a:bodyPr>
+          <a:lstStyle/>
+          <a:p>
+            <a:pPr algn="ctr"/>
+            <a:r>
+              <a:rPr lang="en-US" altLang="zh-TW" sz="1200" dirty="0">
+                <a:solidFill>
+                  <a:schemeClr val="accent1">
+                    <a:lumMod val="75000"/>
+                  </a:schemeClr>
+                </a:solidFill>
+              </a:rPr>
+              <a:t>p-value:</a:t>
+            </a:r>
+          </a:p>
+          <a:p>
+            <a:pPr algn="ctr"/>
+            <a:r>
+              <a:rPr lang="en-US" altLang="zh-TW" sz="1200" dirty="0">
+                <a:solidFill>
+                  <a:schemeClr val="accent1">
+                    <a:lumMod val="75000"/>
+                  </a:schemeClr>
+                </a:solidFill>
+              </a:rPr>
+              <a:t>0.864</a:t>
+            </a:r>
+            <a:endParaRPr lang="zh-TW" altLang="en-US" sz="1200" dirty="0">
+              <a:solidFill>
+                <a:schemeClr val="accent1">
+                  <a:lumMod val="75000"/>
+                </a:schemeClr>
+              </a:solidFill>
+            </a:endParaRPr>
+          </a:p>
+        </p:txBody>
+      </p:sp>
+      <p:sp>
+        <p:nvSpPr>
+          <p:cNvPr id="10" name="文字方塊 9">
+            <a:extLst>
+              <a:ext uri="{FF2B5EF4-FFF2-40B4-BE49-F238E27FC236}">
+                <a16:creationId xmlns:a16="http://schemas.microsoft.com/office/drawing/2014/main" id="{296FB998-50E3-4741-B0D4-E68B1003A1A8}"/>
+              </a:ext>
+            </a:extLst>
+          </p:cNvPr>
+          <p:cNvSpPr txBox="1"/>
+          <p:nvPr/>
+        </p:nvSpPr>
+        <p:spPr>
+          <a:xfrm>
+            <a:off x="5245743" y="6262041"/>
+            <a:ext cx="1332953" cy="461665"/>
+          </a:xfrm>
+          <a:prstGeom prst="rect">
+            <a:avLst/>
+          </a:prstGeom>
+          <a:noFill/>
+        </p:spPr>
+        <p:txBody>
+          <a:bodyPr wrap="square" rtlCol="0">
+            <a:spAutoFit/>
+          </a:bodyPr>
+          <a:lstStyle/>
+          <a:p>
+            <a:pPr algn="ctr"/>
+            <a:r>
+              <a:rPr lang="en-US" altLang="zh-TW" sz="1200" dirty="0">
+                <a:solidFill>
+                  <a:schemeClr val="accent1">
+                    <a:lumMod val="75000"/>
+                  </a:schemeClr>
+                </a:solidFill>
+              </a:rPr>
+              <a:t>p-value:</a:t>
+            </a:r>
+          </a:p>
+          <a:p>
+            <a:pPr algn="ctr"/>
+            <a:r>
+              <a:rPr lang="en-US" altLang="zh-TW" sz="1200" dirty="0">
+                <a:solidFill>
+                  <a:schemeClr val="accent1">
+                    <a:lumMod val="75000"/>
+                  </a:schemeClr>
+                </a:solidFill>
+              </a:rPr>
+              <a:t>0.966</a:t>
+            </a:r>
+            <a:endParaRPr lang="zh-TW" altLang="en-US" sz="1200" dirty="0">
+              <a:solidFill>
+                <a:schemeClr val="accent1">
+                  <a:lumMod val="75000"/>
+                </a:schemeClr>
+              </a:solidFill>
+            </a:endParaRPr>
+          </a:p>
+        </p:txBody>
+      </p:sp>
+      <p:sp>
+        <p:nvSpPr>
+          <p:cNvPr id="11" name="文字方塊 10">
+            <a:extLst>
+              <a:ext uri="{FF2B5EF4-FFF2-40B4-BE49-F238E27FC236}">
+                <a16:creationId xmlns:a16="http://schemas.microsoft.com/office/drawing/2014/main" id="{390E6A89-F8E8-4B8D-A8A2-DAA6B8D96D05}"/>
+              </a:ext>
+            </a:extLst>
+          </p:cNvPr>
+          <p:cNvSpPr txBox="1"/>
+          <p:nvPr/>
+        </p:nvSpPr>
+        <p:spPr>
+          <a:xfrm>
+            <a:off x="6688795" y="6262041"/>
+            <a:ext cx="1332953" cy="461665"/>
+          </a:xfrm>
+          <a:prstGeom prst="rect">
+            <a:avLst/>
+          </a:prstGeom>
+          <a:noFill/>
+        </p:spPr>
+        <p:txBody>
+          <a:bodyPr wrap="square" rtlCol="0">
+            <a:spAutoFit/>
+          </a:bodyPr>
+          <a:lstStyle/>
+          <a:p>
+            <a:pPr algn="ctr"/>
+            <a:r>
+              <a:rPr lang="en-US" altLang="zh-TW" sz="1200" dirty="0">
+                <a:solidFill>
+                  <a:schemeClr val="accent1">
+                    <a:lumMod val="75000"/>
+                  </a:schemeClr>
+                </a:solidFill>
+              </a:rPr>
+              <a:t>p-value:</a:t>
+            </a:r>
+          </a:p>
+          <a:p>
+            <a:pPr algn="ctr"/>
+            <a:r>
+              <a:rPr lang="en-US" altLang="zh-TW" sz="1200" dirty="0">
+                <a:solidFill>
+                  <a:schemeClr val="accent1">
+                    <a:lumMod val="75000"/>
+                  </a:schemeClr>
+                </a:solidFill>
+              </a:rPr>
+              <a:t>0.207</a:t>
+            </a:r>
+            <a:endParaRPr lang="zh-TW" altLang="en-US" sz="1200" dirty="0">
+              <a:solidFill>
+                <a:schemeClr val="accent1">
+                  <a:lumMod val="75000"/>
+                </a:schemeClr>
+              </a:solidFill>
+            </a:endParaRPr>
+          </a:p>
+        </p:txBody>
+      </p:sp>
+      <p:sp>
+        <p:nvSpPr>
+          <p:cNvPr id="12" name="文字方塊 11">
+            <a:extLst>
+              <a:ext uri="{FF2B5EF4-FFF2-40B4-BE49-F238E27FC236}">
+                <a16:creationId xmlns:a16="http://schemas.microsoft.com/office/drawing/2014/main" id="{630FDFE8-52B5-4AC0-AF96-49F96CD42F10}"/>
+              </a:ext>
+            </a:extLst>
+          </p:cNvPr>
+          <p:cNvSpPr txBox="1"/>
+          <p:nvPr/>
+        </p:nvSpPr>
+        <p:spPr>
+          <a:xfrm>
+            <a:off x="8110409" y="6262041"/>
+            <a:ext cx="1332953" cy="461665"/>
+          </a:xfrm>
+          <a:prstGeom prst="rect">
+            <a:avLst/>
+          </a:prstGeom>
+          <a:noFill/>
+        </p:spPr>
+        <p:txBody>
+          <a:bodyPr wrap="square" rtlCol="0">
+            <a:spAutoFit/>
+          </a:bodyPr>
+          <a:lstStyle/>
+          <a:p>
+            <a:pPr algn="ctr"/>
+            <a:r>
+              <a:rPr lang="en-US" altLang="zh-TW" sz="1200" dirty="0">
+                <a:solidFill>
+                  <a:schemeClr val="accent1">
+                    <a:lumMod val="75000"/>
+                  </a:schemeClr>
+                </a:solidFill>
+              </a:rPr>
+              <a:t>p-value:</a:t>
+            </a:r>
+          </a:p>
+          <a:p>
+            <a:pPr algn="ctr"/>
+            <a:r>
+              <a:rPr lang="en-US" altLang="zh-TW" sz="1200" dirty="0">
+                <a:solidFill>
+                  <a:schemeClr val="accent1">
+                    <a:lumMod val="75000"/>
+                  </a:schemeClr>
+                </a:solidFill>
+              </a:rPr>
+              <a:t>0.699</a:t>
+            </a:r>
+            <a:endParaRPr lang="zh-TW" altLang="en-US" sz="1200" dirty="0">
+              <a:solidFill>
+                <a:schemeClr val="accent1">
+                  <a:lumMod val="75000"/>
+                </a:schemeClr>
+              </a:solidFill>
+            </a:endParaRPr>
+          </a:p>
+        </p:txBody>
+      </p:sp>
+      <p:sp>
+        <p:nvSpPr>
+          <p:cNvPr id="13" name="文字方塊 12">
+            <a:extLst>
+              <a:ext uri="{FF2B5EF4-FFF2-40B4-BE49-F238E27FC236}">
+                <a16:creationId xmlns:a16="http://schemas.microsoft.com/office/drawing/2014/main" id="{9503D15A-A5A3-4A55-8A47-0AA881ADDF26}"/>
+              </a:ext>
+            </a:extLst>
+          </p:cNvPr>
+          <p:cNvSpPr txBox="1"/>
+          <p:nvPr/>
+        </p:nvSpPr>
+        <p:spPr>
+          <a:xfrm>
+            <a:off x="9440475" y="6262041"/>
+            <a:ext cx="1332953" cy="461665"/>
+          </a:xfrm>
+          <a:prstGeom prst="rect">
+            <a:avLst/>
+          </a:prstGeom>
+          <a:noFill/>
+        </p:spPr>
+        <p:txBody>
+          <a:bodyPr wrap="square" rtlCol="0">
+            <a:spAutoFit/>
+          </a:bodyPr>
+          <a:lstStyle/>
+          <a:p>
+            <a:pPr algn="ctr"/>
+            <a:r>
+              <a:rPr lang="en-US" altLang="zh-TW" sz="1200" dirty="0">
+                <a:solidFill>
+                  <a:schemeClr val="accent1">
+                    <a:lumMod val="75000"/>
+                  </a:schemeClr>
+                </a:solidFill>
+              </a:rPr>
+              <a:t>p-value:</a:t>
+            </a:r>
+          </a:p>
+          <a:p>
+            <a:pPr algn="ctr"/>
+            <a:r>
+              <a:rPr lang="en-US" altLang="zh-TW" sz="1200" dirty="0">
+                <a:solidFill>
+                  <a:schemeClr val="accent1">
+                    <a:lumMod val="75000"/>
+                  </a:schemeClr>
+                </a:solidFill>
+              </a:rPr>
+              <a:t>0.303</a:t>
+            </a:r>
+            <a:endParaRPr lang="zh-TW" altLang="en-US" sz="1200" dirty="0">
+              <a:solidFill>
+                <a:schemeClr val="accent1">
+                  <a:lumMod val="75000"/>
+                </a:schemeClr>
+              </a:solidFill>
+            </a:endParaRPr>
           </a:p>
         </p:txBody>
       </p:sp>
@@ -9170,6 +10965,293 @@
 </p:sld>
 </file>
 
+<file path=ppt/slides/slide20.xml><?xml version="1.0" encoding="utf-8"?>
+<p:sld xmlns:a="http://schemas.openxmlformats.org/drawingml/2006/main" xmlns:r="http://schemas.openxmlformats.org/officeDocument/2006/relationships" xmlns:p="http://schemas.openxmlformats.org/presentationml/2006/main">
+  <p:cSld>
+    <p:spTree>
+      <p:nvGrpSpPr>
+        <p:cNvPr id="1" name=""/>
+        <p:cNvGrpSpPr/>
+        <p:nvPr/>
+      </p:nvGrpSpPr>
+      <p:grpSpPr>
+        <a:xfrm>
+          <a:off x="0" y="0"/>
+          <a:ext cx="0" cy="0"/>
+          <a:chOff x="0" y="0"/>
+          <a:chExt cx="0" cy="0"/>
+        </a:xfrm>
+      </p:grpSpPr>
+      <p:sp>
+        <p:nvSpPr>
+          <p:cNvPr id="2" name="標題 1">
+            <a:extLst>
+              <a:ext uri="{FF2B5EF4-FFF2-40B4-BE49-F238E27FC236}">
+                <a16:creationId xmlns:a16="http://schemas.microsoft.com/office/drawing/2014/main" id="{3392256A-A1D0-443D-905D-D93A668F2BB0}"/>
+              </a:ext>
+            </a:extLst>
+          </p:cNvPr>
+          <p:cNvSpPr>
+            <a:spLocks noGrp="1"/>
+          </p:cNvSpPr>
+          <p:nvPr>
+            <p:ph type="title"/>
+          </p:nvPr>
+        </p:nvSpPr>
+        <p:spPr/>
+        <p:txBody>
+          <a:bodyPr/>
+          <a:lstStyle/>
+          <a:p>
+            <a:r>
+              <a:rPr lang="en-US" altLang="zh-TW" dirty="0"/>
+              <a:t>Fragmentation</a:t>
+            </a:r>
+            <a:r>
+              <a:rPr lang="zh-TW" altLang="en-US" dirty="0"/>
+              <a:t>與</a:t>
+            </a:r>
+            <a:r>
+              <a:rPr lang="en-US" altLang="zh-TW" dirty="0"/>
+              <a:t>AHI</a:t>
+            </a:r>
+            <a:r>
+              <a:rPr lang="zh-TW" altLang="en-US" dirty="0"/>
+              <a:t>的關係</a:t>
+            </a:r>
+          </a:p>
+        </p:txBody>
+      </p:sp>
+      <p:sp>
+        <p:nvSpPr>
+          <p:cNvPr id="3" name="內容版面配置區 2">
+            <a:extLst>
+              <a:ext uri="{FF2B5EF4-FFF2-40B4-BE49-F238E27FC236}">
+                <a16:creationId xmlns:a16="http://schemas.microsoft.com/office/drawing/2014/main" id="{7CB43FD9-2477-41BB-8947-B9E754F82C5A}"/>
+              </a:ext>
+            </a:extLst>
+          </p:cNvPr>
+          <p:cNvSpPr>
+            <a:spLocks noGrp="1"/>
+          </p:cNvSpPr>
+          <p:nvPr>
+            <p:ph idx="1"/>
+          </p:nvPr>
+        </p:nvSpPr>
+        <p:spPr>
+          <a:xfrm>
+            <a:off x="720436" y="1321724"/>
+            <a:ext cx="5851814" cy="1926301"/>
+          </a:xfrm>
+        </p:spPr>
+        <p:txBody>
+          <a:bodyPr/>
+          <a:lstStyle/>
+          <a:p>
+            <a:r>
+              <a:rPr lang="zh-TW" altLang="en-US" dirty="0"/>
+              <a:t>兩者呈現高度正相關</a:t>
+            </a:r>
+            <a:endParaRPr lang="en-US" altLang="zh-TW" dirty="0"/>
+          </a:p>
+          <a:p>
+            <a:r>
+              <a:rPr lang="zh-TW" altLang="en-US" dirty="0"/>
+              <a:t>且有無噪音對</a:t>
+            </a:r>
+            <a:r>
+              <a:rPr lang="en-US" altLang="zh-TW" dirty="0"/>
+              <a:t>AHI</a:t>
+            </a:r>
+            <a:r>
+              <a:rPr lang="zh-TW" altLang="en-US" dirty="0"/>
+              <a:t>無顯著差異</a:t>
+            </a:r>
+          </a:p>
+        </p:txBody>
+      </p:sp>
+      <p:sp>
+        <p:nvSpPr>
+          <p:cNvPr id="4" name="投影片編號版面配置區 3">
+            <a:extLst>
+              <a:ext uri="{FF2B5EF4-FFF2-40B4-BE49-F238E27FC236}">
+                <a16:creationId xmlns:a16="http://schemas.microsoft.com/office/drawing/2014/main" id="{1F5A9C34-8529-4E66-8658-DA366383D560}"/>
+              </a:ext>
+            </a:extLst>
+          </p:cNvPr>
+          <p:cNvSpPr>
+            <a:spLocks noGrp="1"/>
+          </p:cNvSpPr>
+          <p:nvPr>
+            <p:ph type="sldNum" sz="quarter" idx="12"/>
+          </p:nvPr>
+        </p:nvSpPr>
+        <p:spPr/>
+        <p:txBody>
+          <a:bodyPr/>
+          <a:lstStyle/>
+          <a:p>
+            <a:fld id="{F230EE04-BD3A-40AA-92AC-647453D5DADF}" type="slidenum">
+              <a:rPr lang="zh-TW" altLang="en-US" smtClean="0"/>
+              <a:t>20</a:t>
+            </a:fld>
+            <a:endParaRPr lang="zh-TW" altLang="en-US"/>
+          </a:p>
+        </p:txBody>
+      </p:sp>
+      <p:pic>
+        <p:nvPicPr>
+          <p:cNvPr id="6" name="圖片 5">
+            <a:extLst>
+              <a:ext uri="{FF2B5EF4-FFF2-40B4-BE49-F238E27FC236}">
+                <a16:creationId xmlns:a16="http://schemas.microsoft.com/office/drawing/2014/main" id="{15E3B84B-8E7F-4953-9152-8D370C4F94EB}"/>
+              </a:ext>
+            </a:extLst>
+          </p:cNvPr>
+          <p:cNvPicPr>
+            <a:picLocks noChangeAspect="1"/>
+          </p:cNvPicPr>
+          <p:nvPr/>
+        </p:nvPicPr>
+        <p:blipFill>
+          <a:blip r:embed="rId2"/>
+          <a:stretch>
+            <a:fillRect/>
+          </a:stretch>
+        </p:blipFill>
+        <p:spPr>
+          <a:xfrm>
+            <a:off x="3448050" y="2284874"/>
+            <a:ext cx="4085717" cy="4371147"/>
+          </a:xfrm>
+          <a:prstGeom prst="rect">
+            <a:avLst/>
+          </a:prstGeom>
+        </p:spPr>
+      </p:pic>
+      <p:pic>
+        <p:nvPicPr>
+          <p:cNvPr id="8" name="圖片 7" descr="一張含有 桌 的圖片&#10;&#10;自動產生的描述">
+            <a:extLst>
+              <a:ext uri="{FF2B5EF4-FFF2-40B4-BE49-F238E27FC236}">
+                <a16:creationId xmlns:a16="http://schemas.microsoft.com/office/drawing/2014/main" id="{A34222D9-1286-4520-89D0-0A3DC08033ED}"/>
+              </a:ext>
+            </a:extLst>
+          </p:cNvPr>
+          <p:cNvPicPr>
+            <a:picLocks noChangeAspect="1"/>
+          </p:cNvPicPr>
+          <p:nvPr/>
+        </p:nvPicPr>
+        <p:blipFill>
+          <a:blip r:embed="rId3"/>
+          <a:stretch>
+            <a:fillRect/>
+          </a:stretch>
+        </p:blipFill>
+        <p:spPr>
+          <a:xfrm>
+            <a:off x="9268081" y="1603825"/>
+            <a:ext cx="2295845" cy="4982270"/>
+          </a:xfrm>
+          <a:prstGeom prst="rect">
+            <a:avLst/>
+          </a:prstGeom>
+        </p:spPr>
+      </p:pic>
+      <p:pic>
+        <p:nvPicPr>
+          <p:cNvPr id="10" name="圖片 9" descr="一張含有 文字 的圖片&#10;&#10;自動產生的描述">
+            <a:extLst>
+              <a:ext uri="{FF2B5EF4-FFF2-40B4-BE49-F238E27FC236}">
+                <a16:creationId xmlns:a16="http://schemas.microsoft.com/office/drawing/2014/main" id="{1567BE5A-60AE-47DE-9B19-EB01B2B3CD29}"/>
+              </a:ext>
+            </a:extLst>
+          </p:cNvPr>
+          <p:cNvPicPr>
+            <a:picLocks noChangeAspect="1"/>
+          </p:cNvPicPr>
+          <p:nvPr/>
+        </p:nvPicPr>
+        <p:blipFill>
+          <a:blip r:embed="rId4"/>
+          <a:stretch>
+            <a:fillRect/>
+          </a:stretch>
+        </p:blipFill>
+        <p:spPr>
+          <a:xfrm>
+            <a:off x="7967500" y="2146807"/>
+            <a:ext cx="1314633" cy="4286848"/>
+          </a:xfrm>
+          <a:prstGeom prst="rect">
+            <a:avLst/>
+          </a:prstGeom>
+        </p:spPr>
+      </p:pic>
+      <p:sp>
+        <p:nvSpPr>
+          <p:cNvPr id="11" name="文字方塊 10">
+            <a:extLst>
+              <a:ext uri="{FF2B5EF4-FFF2-40B4-BE49-F238E27FC236}">
+                <a16:creationId xmlns:a16="http://schemas.microsoft.com/office/drawing/2014/main" id="{72E9FE52-9B02-407C-A2E0-485FA21481BD}"/>
+              </a:ext>
+            </a:extLst>
+          </p:cNvPr>
+          <p:cNvSpPr txBox="1"/>
+          <p:nvPr/>
+        </p:nvSpPr>
+        <p:spPr>
+          <a:xfrm>
+            <a:off x="7872831" y="1471147"/>
+            <a:ext cx="1689769" cy="523220"/>
+          </a:xfrm>
+          <a:prstGeom prst="rect">
+            <a:avLst/>
+          </a:prstGeom>
+          <a:noFill/>
+        </p:spPr>
+        <p:txBody>
+          <a:bodyPr wrap="square" rtlCol="0">
+            <a:spAutoFit/>
+          </a:bodyPr>
+          <a:lstStyle/>
+          <a:p>
+            <a:r>
+              <a:rPr lang="en-US" altLang="zh-TW" sz="1400" dirty="0"/>
+              <a:t>o: </a:t>
+            </a:r>
+            <a:r>
+              <a:rPr lang="zh-TW" altLang="en-US" sz="1400" dirty="0"/>
+              <a:t>暴露噪音</a:t>
+            </a:r>
+            <a:endParaRPr lang="en-US" altLang="zh-TW" sz="1400" dirty="0"/>
+          </a:p>
+          <a:p>
+            <a:r>
+              <a:rPr lang="en-US" altLang="zh-TW" sz="1400" dirty="0"/>
+              <a:t>x: </a:t>
+            </a:r>
+            <a:r>
+              <a:rPr lang="zh-TW" altLang="en-US" sz="1400" dirty="0"/>
+              <a:t>非暴露噪音</a:t>
+            </a:r>
+          </a:p>
+        </p:txBody>
+      </p:sp>
+    </p:spTree>
+    <p:extLst>
+      <p:ext uri="{BB962C8B-B14F-4D97-AF65-F5344CB8AC3E}">
+        <p14:creationId xmlns:p14="http://schemas.microsoft.com/office/powerpoint/2010/main" val="3970682633"/>
+      </p:ext>
+    </p:extLst>
+  </p:cSld>
+  <p:clrMapOvr>
+    <a:masterClrMapping/>
+  </p:clrMapOvr>
+</p:sld>
+</file>
+
 <file path=ppt/slides/slide3.xml><?xml version="1.0" encoding="utf-8"?>
 <p:sld xmlns:a="http://schemas.openxmlformats.org/drawingml/2006/main" xmlns:r="http://schemas.openxmlformats.org/officeDocument/2006/relationships" xmlns:p="http://schemas.openxmlformats.org/presentationml/2006/main">
   <p:cSld>
@@ -10051,200 +12133,12 @@
           <a:chExt cx="0" cy="0"/>
         </a:xfrm>
       </p:grpSpPr>
-      <p:sp>
-        <p:nvSpPr>
-          <p:cNvPr id="2" name="標題 1">
-            <a:extLst>
-              <a:ext uri="{FF2B5EF4-FFF2-40B4-BE49-F238E27FC236}">
-                <a16:creationId xmlns:a16="http://schemas.microsoft.com/office/drawing/2014/main" id="{69583738-10A3-4C0F-8AB3-1D9D77229565}"/>
-              </a:ext>
-            </a:extLst>
-          </p:cNvPr>
-          <p:cNvSpPr>
-            <a:spLocks noGrp="1"/>
-          </p:cNvSpPr>
-          <p:nvPr>
-            <p:ph type="title"/>
-          </p:nvPr>
-        </p:nvSpPr>
-        <p:spPr/>
-        <p:txBody>
-          <a:bodyPr/>
-          <a:lstStyle/>
-          <a:p>
-            <a:r>
-              <a:rPr lang="zh-TW" altLang="en-US" dirty="0"/>
-              <a:t>傍晚</a:t>
-            </a:r>
-            <a:r>
-              <a:rPr lang="en-US" altLang="zh-TW" dirty="0"/>
-              <a:t>Cortisol</a:t>
-            </a:r>
-            <a:r>
-              <a:rPr lang="zh-TW" altLang="en-US" dirty="0"/>
-              <a:t>分群 </a:t>
-            </a:r>
-            <a:r>
-              <a:rPr lang="en-US" altLang="zh-TW" dirty="0"/>
-              <a:t>- </a:t>
-            </a:r>
-            <a:r>
-              <a:rPr lang="zh-TW" altLang="en-US" dirty="0"/>
-              <a:t>睡眠指標統計</a:t>
-            </a:r>
-            <a:r>
-              <a:rPr lang="en-US" altLang="zh-TW" dirty="0"/>
-              <a:t>(Mean</a:t>
-            </a:r>
-            <a:r>
-              <a:rPr lang="zh-TW" altLang="en-US" dirty="0"/>
-              <a:t>、</a:t>
-            </a:r>
-            <a:r>
-              <a:rPr lang="en-US" altLang="zh-TW" dirty="0"/>
-              <a:t>SD</a:t>
-            </a:r>
-            <a:r>
-              <a:rPr lang="zh-TW" altLang="en-US" dirty="0"/>
-              <a:t>、</a:t>
-            </a:r>
-            <a:r>
-              <a:rPr lang="en-US" altLang="zh-TW" dirty="0"/>
-              <a:t>p-value)</a:t>
-            </a:r>
-            <a:endParaRPr lang="zh-TW" altLang="en-US" dirty="0"/>
-          </a:p>
-        </p:txBody>
-      </p:sp>
-      <p:sp>
-        <p:nvSpPr>
-          <p:cNvPr id="3" name="內容版面配置區 2">
-            <a:extLst>
-              <a:ext uri="{FF2B5EF4-FFF2-40B4-BE49-F238E27FC236}">
-                <a16:creationId xmlns:a16="http://schemas.microsoft.com/office/drawing/2014/main" id="{32DB5672-F8AE-4B9B-882B-A94D84086BBC}"/>
-              </a:ext>
-            </a:extLst>
-          </p:cNvPr>
-          <p:cNvSpPr>
-            <a:spLocks noGrp="1"/>
-          </p:cNvSpPr>
-          <p:nvPr>
-            <p:ph idx="1"/>
-          </p:nvPr>
-        </p:nvSpPr>
-        <p:spPr>
-          <a:xfrm>
-            <a:off x="720436" y="1321724"/>
-            <a:ext cx="10633364" cy="726151"/>
-          </a:xfrm>
-        </p:spPr>
-        <p:txBody>
-          <a:bodyPr>
-            <a:normAutofit/>
-          </a:bodyPr>
-          <a:lstStyle/>
-          <a:p>
-            <a:r>
-              <a:rPr lang="en-US" altLang="zh-TW" dirty="0">
-                <a:solidFill>
-                  <a:schemeClr val="accent1"/>
-                </a:solidFill>
-              </a:rPr>
-              <a:t>39</a:t>
-            </a:r>
-            <a:r>
-              <a:rPr lang="zh-TW" altLang="en-US" dirty="0">
-                <a:solidFill>
-                  <a:schemeClr val="accent1"/>
-                </a:solidFill>
-              </a:rPr>
-              <a:t>筆低</a:t>
-            </a:r>
-            <a:r>
-              <a:rPr lang="en-US" altLang="zh-TW" dirty="0">
-                <a:solidFill>
-                  <a:schemeClr val="accent1"/>
-                </a:solidFill>
-              </a:rPr>
-              <a:t>p.m. cortisol</a:t>
-            </a:r>
-            <a:r>
-              <a:rPr lang="zh-TW" altLang="en-US" dirty="0"/>
-              <a:t>與</a:t>
-            </a:r>
-            <a:r>
-              <a:rPr lang="en-US" altLang="zh-TW" dirty="0">
-                <a:solidFill>
-                  <a:schemeClr val="accent2"/>
-                </a:solidFill>
-              </a:rPr>
-              <a:t>39</a:t>
-            </a:r>
-            <a:r>
-              <a:rPr lang="zh-TW" altLang="en-US" dirty="0">
-                <a:solidFill>
-                  <a:schemeClr val="accent2"/>
-                </a:solidFill>
-              </a:rPr>
-              <a:t>筆高</a:t>
-            </a:r>
-            <a:r>
-              <a:rPr lang="en-US" altLang="zh-TW" dirty="0">
-                <a:solidFill>
-                  <a:schemeClr val="accent2"/>
-                </a:solidFill>
-              </a:rPr>
-              <a:t>p.m. cortisol</a:t>
-            </a:r>
-            <a:r>
-              <a:rPr lang="zh-TW" altLang="en-US" dirty="0"/>
-              <a:t>做統計檢定</a:t>
-            </a:r>
-            <a:r>
-              <a:rPr lang="en-US" altLang="zh-TW" dirty="0"/>
-              <a:t>(two-tailed t-test)</a:t>
-            </a:r>
-          </a:p>
-          <a:p>
-            <a:endParaRPr lang="zh-TW" altLang="en-US" dirty="0"/>
-          </a:p>
-        </p:txBody>
-      </p:sp>
-      <p:sp>
-        <p:nvSpPr>
-          <p:cNvPr id="4" name="投影片編號版面配置區 3">
-            <a:extLst>
-              <a:ext uri="{FF2B5EF4-FFF2-40B4-BE49-F238E27FC236}">
-                <a16:creationId xmlns:a16="http://schemas.microsoft.com/office/drawing/2014/main" id="{C0EF2866-28BB-4E90-BFCD-1A5802D9BA29}"/>
-              </a:ext>
-            </a:extLst>
-          </p:cNvPr>
-          <p:cNvSpPr>
-            <a:spLocks noGrp="1"/>
-          </p:cNvSpPr>
-          <p:nvPr>
-            <p:ph type="sldNum" sz="quarter" idx="12"/>
-          </p:nvPr>
-        </p:nvSpPr>
-        <p:spPr/>
-        <p:txBody>
-          <a:bodyPr/>
-          <a:lstStyle/>
-          <a:p>
-            <a:fld id="{F230EE04-BD3A-40AA-92AC-647453D5DADF}" type="slidenum">
-              <a:rPr lang="zh-TW" altLang="en-US" smtClean="0"/>
-              <a:t>6</a:t>
-            </a:fld>
-            <a:endParaRPr lang="zh-TW" altLang="en-US"/>
-          </a:p>
-        </p:txBody>
-      </p:sp>
       <p:pic>
         <p:nvPicPr>
-          <p:cNvPr id="6" name="圖片 5">
-            <a:extLst>
-              <a:ext uri="{FF2B5EF4-FFF2-40B4-BE49-F238E27FC236}">
-                <a16:creationId xmlns:a16="http://schemas.microsoft.com/office/drawing/2014/main" id="{26198639-654B-44AF-9799-98C59E4ABFB0}"/>
+          <p:cNvPr id="18" name="圖片 17">
+            <a:extLst>
+              <a:ext uri="{FF2B5EF4-FFF2-40B4-BE49-F238E27FC236}">
+                <a16:creationId xmlns:a16="http://schemas.microsoft.com/office/drawing/2014/main" id="{6C25A64D-DD96-4F59-8A76-28A7EECCDD85}"/>
               </a:ext>
             </a:extLst>
           </p:cNvPr>
@@ -10261,14 +12155,202 @@
         </p:blipFill>
         <p:spPr>
           <a:xfrm>
-            <a:off x="446870" y="2150432"/>
-            <a:ext cx="11526859" cy="3229426"/>
+            <a:off x="414015" y="2114322"/>
+            <a:ext cx="11631648" cy="3258005"/>
           </a:xfrm>
           <a:prstGeom prst="rect">
             <a:avLst/>
           </a:prstGeom>
         </p:spPr>
       </p:pic>
+      <p:sp>
+        <p:nvSpPr>
+          <p:cNvPr id="2" name="標題 1">
+            <a:extLst>
+              <a:ext uri="{FF2B5EF4-FFF2-40B4-BE49-F238E27FC236}">
+                <a16:creationId xmlns:a16="http://schemas.microsoft.com/office/drawing/2014/main" id="{69583738-10A3-4C0F-8AB3-1D9D77229565}"/>
+              </a:ext>
+            </a:extLst>
+          </p:cNvPr>
+          <p:cNvSpPr>
+            <a:spLocks noGrp="1"/>
+          </p:cNvSpPr>
+          <p:nvPr>
+            <p:ph type="title"/>
+          </p:nvPr>
+        </p:nvSpPr>
+        <p:spPr/>
+        <p:txBody>
+          <a:bodyPr/>
+          <a:lstStyle/>
+          <a:p>
+            <a:r>
+              <a:rPr lang="zh-TW" altLang="en-US" dirty="0"/>
+              <a:t>傍晚</a:t>
+            </a:r>
+            <a:r>
+              <a:rPr lang="en-US" altLang="zh-TW" dirty="0"/>
+              <a:t>Cortisol</a:t>
+            </a:r>
+            <a:r>
+              <a:rPr lang="zh-TW" altLang="en-US" dirty="0"/>
+              <a:t>分群 </a:t>
+            </a:r>
+            <a:r>
+              <a:rPr lang="en-US" altLang="zh-TW" dirty="0"/>
+              <a:t>- </a:t>
+            </a:r>
+            <a:r>
+              <a:rPr lang="zh-TW" altLang="en-US" dirty="0"/>
+              <a:t>睡眠指標統計</a:t>
+            </a:r>
+            <a:r>
+              <a:rPr lang="en-US" altLang="zh-TW" dirty="0"/>
+              <a:t>(Mean</a:t>
+            </a:r>
+            <a:r>
+              <a:rPr lang="zh-TW" altLang="en-US" dirty="0"/>
+              <a:t>、</a:t>
+            </a:r>
+            <a:r>
+              <a:rPr lang="en-US" altLang="zh-TW" dirty="0"/>
+              <a:t>SD</a:t>
+            </a:r>
+            <a:r>
+              <a:rPr lang="zh-TW" altLang="en-US" dirty="0"/>
+              <a:t>、</a:t>
+            </a:r>
+            <a:r>
+              <a:rPr lang="en-US" altLang="zh-TW" dirty="0"/>
+              <a:t>p-value)</a:t>
+            </a:r>
+            <a:endParaRPr lang="zh-TW" altLang="en-US" dirty="0"/>
+          </a:p>
+        </p:txBody>
+      </p:sp>
+      <p:sp>
+        <p:nvSpPr>
+          <p:cNvPr id="3" name="內容版面配置區 2">
+            <a:extLst>
+              <a:ext uri="{FF2B5EF4-FFF2-40B4-BE49-F238E27FC236}">
+                <a16:creationId xmlns:a16="http://schemas.microsoft.com/office/drawing/2014/main" id="{32DB5672-F8AE-4B9B-882B-A94D84086BBC}"/>
+              </a:ext>
+            </a:extLst>
+          </p:cNvPr>
+          <p:cNvSpPr>
+            <a:spLocks noGrp="1"/>
+          </p:cNvSpPr>
+          <p:nvPr>
+            <p:ph idx="1"/>
+          </p:nvPr>
+        </p:nvSpPr>
+        <p:spPr>
+          <a:xfrm>
+            <a:off x="720436" y="1321724"/>
+            <a:ext cx="10633364" cy="726151"/>
+          </a:xfrm>
+        </p:spPr>
+        <p:txBody>
+          <a:bodyPr>
+            <a:normAutofit/>
+          </a:bodyPr>
+          <a:lstStyle/>
+          <a:p>
+            <a:r>
+              <a:rPr lang="en-US" altLang="zh-TW" dirty="0">
+                <a:solidFill>
+                  <a:schemeClr val="accent1"/>
+                </a:solidFill>
+              </a:rPr>
+              <a:t>39</a:t>
+            </a:r>
+            <a:r>
+              <a:rPr lang="zh-TW" altLang="en-US" dirty="0">
+                <a:solidFill>
+                  <a:schemeClr val="accent1"/>
+                </a:solidFill>
+              </a:rPr>
+              <a:t>筆低</a:t>
+            </a:r>
+            <a:r>
+              <a:rPr lang="en-US" altLang="zh-TW" dirty="0">
+                <a:solidFill>
+                  <a:schemeClr val="accent1"/>
+                </a:solidFill>
+              </a:rPr>
+              <a:t>p.m. cortisol</a:t>
+            </a:r>
+            <a:r>
+              <a:rPr lang="zh-TW" altLang="en-US" dirty="0"/>
+              <a:t>與</a:t>
+            </a:r>
+            <a:r>
+              <a:rPr lang="en-US" altLang="zh-TW" dirty="0">
+                <a:solidFill>
+                  <a:schemeClr val="accent2"/>
+                </a:solidFill>
+              </a:rPr>
+              <a:t>39</a:t>
+            </a:r>
+            <a:r>
+              <a:rPr lang="zh-TW" altLang="en-US" dirty="0">
+                <a:solidFill>
+                  <a:schemeClr val="accent2"/>
+                </a:solidFill>
+              </a:rPr>
+              <a:t>筆高</a:t>
+            </a:r>
+            <a:r>
+              <a:rPr lang="en-US" altLang="zh-TW" dirty="0">
+                <a:solidFill>
+                  <a:schemeClr val="accent2"/>
+                </a:solidFill>
+              </a:rPr>
+              <a:t>p.m. cortisol</a:t>
+            </a:r>
+            <a:r>
+              <a:rPr lang="zh-TW" altLang="en-US" dirty="0"/>
+              <a:t>做統計檢定</a:t>
+            </a:r>
+            <a:r>
+              <a:rPr lang="en-US" altLang="zh-TW" dirty="0"/>
+              <a:t>(two-tailed t-test)</a:t>
+            </a:r>
+          </a:p>
+          <a:p>
+            <a:endParaRPr lang="zh-TW" altLang="en-US" dirty="0"/>
+          </a:p>
+        </p:txBody>
+      </p:sp>
+      <p:sp>
+        <p:nvSpPr>
+          <p:cNvPr id="4" name="投影片編號版面配置區 3">
+            <a:extLst>
+              <a:ext uri="{FF2B5EF4-FFF2-40B4-BE49-F238E27FC236}">
+                <a16:creationId xmlns:a16="http://schemas.microsoft.com/office/drawing/2014/main" id="{C0EF2866-28BB-4E90-BFCD-1A5802D9BA29}"/>
+              </a:ext>
+            </a:extLst>
+          </p:cNvPr>
+          <p:cNvSpPr>
+            <a:spLocks noGrp="1"/>
+          </p:cNvSpPr>
+          <p:nvPr>
+            <p:ph type="sldNum" sz="quarter" idx="12"/>
+          </p:nvPr>
+        </p:nvSpPr>
+        <p:spPr/>
+        <p:txBody>
+          <a:bodyPr/>
+          <a:lstStyle/>
+          <a:p>
+            <a:fld id="{F230EE04-BD3A-40AA-92AC-647453D5DADF}" type="slidenum">
+              <a:rPr lang="zh-TW" altLang="en-US" smtClean="0"/>
+              <a:t>6</a:t>
+            </a:fld>
+            <a:endParaRPr lang="zh-TW" altLang="en-US"/>
+          </a:p>
+        </p:txBody>
+      </p:sp>
       <p:sp>
         <p:nvSpPr>
           <p:cNvPr id="7" name="文字方塊 6">
